--- a/docs/ppt/git_module_01.pptx
+++ b/docs/ppt/git_module_01.pptx
@@ -454,7 +454,7 @@
                 <a:latin typeface="Century Gothic" pitchFamily="34" charset="0"/>
               </a:rPr>
               <a:pPr/>
-              <a:t>23/12/2017</a:t>
+              <a:t>25/12/2017</a:t>
             </a:fld>
             <a:endParaRPr lang="fr-FR">
               <a:latin typeface="Century Gothic" pitchFamily="34" charset="0"/>
@@ -634,7 +634,7 @@
             <a:fld id="{FDCDEFE6-5B54-4838-86E6-97123BEF1300}" type="datetimeFigureOut">
               <a:rPr lang="fr-FR" smtClean="0"/>
               <a:pPr/>
-              <a:t>23/12/2017</a:t>
+              <a:t>25/12/2017</a:t>
             </a:fld>
             <a:endParaRPr lang="fr-FR"/>
           </a:p>
@@ -1997,7 +1997,6 @@
               <a:rPr lang="fr-FR" baseline="0" dirty="0" smtClean="0"/>
               <a:t> : git_module01_demo01</a:t>
             </a:r>
-            <a:endParaRPr lang="fr-FR" baseline="0" dirty="0" smtClean="0"/>
           </a:p>
           <a:p>
             <a:pPr marL="228600" indent="-228600">
@@ -5900,7 +5899,7 @@
           <a:lstStyle/>
           <a:p>
             <a:r>
-              <a:rPr lang="fr-FR"/>
+              <a:rPr lang="fr-FR" dirty="0"/>
               <a:t>Modifiez le style du titre</a:t>
             </a:r>
           </a:p>
@@ -6762,7 +6761,7 @@
           <a:lstStyle/>
           <a:p>
             <a:r>
-              <a:rPr lang="fr-FR"/>
+              <a:rPr lang="fr-FR" dirty="0"/>
               <a:t>Modifiez le style du titre</a:t>
             </a:r>
           </a:p>
@@ -6838,7 +6837,7 @@
           <a:p>
             <a:pPr lvl="0"/>
             <a:r>
-              <a:rPr lang="fr-FR"/>
+              <a:rPr lang="fr-FR" dirty="0"/>
               <a:t>Modifiez les styles du texte du masque</a:t>
             </a:r>
           </a:p>
@@ -8210,7 +8209,7 @@
           <a:graphicData uri="http://schemas.openxmlformats.org/presentationml/2006/ole">
             <mc:AlternateContent xmlns:mc="http://schemas.openxmlformats.org/markup-compatibility/2006">
               <mc:Choice xmlns:v="urn:schemas-microsoft-com:vml" Requires="v">
-                <p:oleObj spid="_x0000_s6561" name="Diapositive think-cell" r:id="rId6" imgW="270" imgH="270" progId="TCLayout.ActiveDocument.1">
+                <p:oleObj spid="_x0000_s6562" name="Diapositive think-cell" r:id="rId6" imgW="270" imgH="270" progId="TCLayout.ActiveDocument.1">
                   <p:embed/>
                 </p:oleObj>
               </mc:Choice>
@@ -8271,7 +8270,7 @@
           <a:lstStyle/>
           <a:p>
             <a:r>
-              <a:rPr lang="fr-FR"/>
+              <a:rPr lang="fr-FR" dirty="0"/>
               <a:t>Cliquez pour modifier le style du titre</a:t>
             </a:r>
           </a:p>
@@ -8952,7 +8951,7 @@
           <a:graphicData uri="http://schemas.openxmlformats.org/presentationml/2006/ole">
             <mc:AlternateContent xmlns:mc="http://schemas.openxmlformats.org/markup-compatibility/2006">
               <mc:Choice xmlns:v="urn:schemas-microsoft-com:vml" Requires="v">
-                <p:oleObj spid="_x0000_s6076" name="Diapositive think-cell" r:id="rId6" imgW="270" imgH="270" progId="TCLayout.ActiveDocument.1">
+                <p:oleObj spid="_x0000_s6077" name="Diapositive think-cell" r:id="rId6" imgW="270" imgH="270" progId="TCLayout.ActiveDocument.1">
                   <p:embed/>
                 </p:oleObj>
               </mc:Choice>
@@ -10305,7 +10304,7 @@
           <p:cNvPr id="2" name="Title 1">
             <a:extLst>
               <a:ext uri="{FF2B5EF4-FFF2-40B4-BE49-F238E27FC236}">
-                <a16:creationId xmlns="" xmlns:a16="http://schemas.microsoft.com/office/drawing/2014/main" id="{78456FD7-BB91-4376-9F54-57A4192F7D9C}"/>
+                <a16:creationId xmlns:a16="http://schemas.microsoft.com/office/drawing/2014/main" xmlns="" id="{78456FD7-BB91-4376-9F54-57A4192F7D9C}"/>
               </a:ext>
             </a:extLst>
           </p:cNvPr>
@@ -10338,7 +10337,7 @@
           <p:cNvPr id="3" name="Text Placeholder 2">
             <a:extLst>
               <a:ext uri="{FF2B5EF4-FFF2-40B4-BE49-F238E27FC236}">
-                <a16:creationId xmlns="" xmlns:a16="http://schemas.microsoft.com/office/drawing/2014/main" id="{352C0768-302F-4A6A-A9FF-BED7B68BC517}"/>
+                <a16:creationId xmlns:a16="http://schemas.microsoft.com/office/drawing/2014/main" xmlns="" id="{352C0768-302F-4A6A-A9FF-BED7B68BC517}"/>
               </a:ext>
             </a:extLst>
           </p:cNvPr>
@@ -10435,7 +10434,7 @@
           <p:cNvPr id="2" name="Text Placeholder 1">
             <a:extLst>
               <a:ext uri="{FF2B5EF4-FFF2-40B4-BE49-F238E27FC236}">
-                <a16:creationId xmlns="" xmlns:a16="http://schemas.microsoft.com/office/drawing/2014/main" id="{A51E6A0F-3D6D-493A-B24E-4199D72942C9}"/>
+                <a16:creationId xmlns:a16="http://schemas.microsoft.com/office/drawing/2014/main" xmlns="" id="{A51E6A0F-3D6D-493A-B24E-4199D72942C9}"/>
               </a:ext>
             </a:extLst>
           </p:cNvPr>
@@ -10460,7 +10459,7 @@
           <p:cNvPr id="3" name="Title 2">
             <a:extLst>
               <a:ext uri="{FF2B5EF4-FFF2-40B4-BE49-F238E27FC236}">
-                <a16:creationId xmlns="" xmlns:a16="http://schemas.microsoft.com/office/drawing/2014/main" id="{A8704E41-3486-46BD-8AA7-B6B5D28F95A5}"/>
+                <a16:creationId xmlns:a16="http://schemas.microsoft.com/office/drawing/2014/main" xmlns="" id="{A8704E41-3486-46BD-8AA7-B6B5D28F95A5}"/>
               </a:ext>
             </a:extLst>
           </p:cNvPr>
@@ -10497,7 +10496,7 @@
           <p:cNvPr id="4" name="Slide Number Placeholder 3">
             <a:extLst>
               <a:ext uri="{FF2B5EF4-FFF2-40B4-BE49-F238E27FC236}">
-                <a16:creationId xmlns="" xmlns:a16="http://schemas.microsoft.com/office/drawing/2014/main" id="{02CD92EA-E9CB-4F4C-B1B9-840F11B55DC5}"/>
+                <a16:creationId xmlns:a16="http://schemas.microsoft.com/office/drawing/2014/main" xmlns="" id="{02CD92EA-E9CB-4F4C-B1B9-840F11B55DC5}"/>
               </a:ext>
             </a:extLst>
           </p:cNvPr>
@@ -10543,7 +10542,7 @@
           <p:cNvPr id="5" name="Text Placeholder 4">
             <a:extLst>
               <a:ext uri="{FF2B5EF4-FFF2-40B4-BE49-F238E27FC236}">
-                <a16:creationId xmlns="" xmlns:a16="http://schemas.microsoft.com/office/drawing/2014/main" id="{C22D9F79-04C1-4762-96D6-F3FE8172F1B1}"/>
+                <a16:creationId xmlns:a16="http://schemas.microsoft.com/office/drawing/2014/main" xmlns="" id="{C22D9F79-04C1-4762-96D6-F3FE8172F1B1}"/>
               </a:ext>
             </a:extLst>
           </p:cNvPr>
@@ -10560,7 +10559,7 @@
           <a:lstStyle/>
           <a:p>
             <a:r>
-              <a:rPr lang="en-US" b="0" dirty="0"/>
+              <a:rPr lang="en-US" dirty="0"/>
               <a:t>…a Persistent Map</a:t>
             </a:r>
           </a:p>
@@ -10571,7 +10570,7 @@
           <p:cNvPr id="8" name="Picture 7">
             <a:extLst>
               <a:ext uri="{FF2B5EF4-FFF2-40B4-BE49-F238E27FC236}">
-                <a16:creationId xmlns="" xmlns:a16="http://schemas.microsoft.com/office/drawing/2014/main" id="{FEF76D80-A1A2-40D3-8D23-AD9AE057D7AB}"/>
+                <a16:creationId xmlns:a16="http://schemas.microsoft.com/office/drawing/2014/main" xmlns="" id="{FEF76D80-A1A2-40D3-8D23-AD9AE057D7AB}"/>
               </a:ext>
             </a:extLst>
           </p:cNvPr>
@@ -10653,7 +10652,7 @@
           <p:cNvPr id="3" name="Title 2">
             <a:extLst>
               <a:ext uri="{FF2B5EF4-FFF2-40B4-BE49-F238E27FC236}">
-                <a16:creationId xmlns="" xmlns:a16="http://schemas.microsoft.com/office/drawing/2014/main" id="{59A447FC-33B3-46B4-8460-A63ED4AF01B2}"/>
+                <a16:creationId xmlns:a16="http://schemas.microsoft.com/office/drawing/2014/main" xmlns="" id="{59A447FC-33B3-46B4-8460-A63ED4AF01B2}"/>
               </a:ext>
             </a:extLst>
           </p:cNvPr>
@@ -10682,7 +10681,7 @@
           <p:cNvPr id="4" name="Slide Number Placeholder 3">
             <a:extLst>
               <a:ext uri="{FF2B5EF4-FFF2-40B4-BE49-F238E27FC236}">
-                <a16:creationId xmlns="" xmlns:a16="http://schemas.microsoft.com/office/drawing/2014/main" id="{0CF510EC-D710-4D00-93D5-3B1CF0B1EAB6}"/>
+                <a16:creationId xmlns:a16="http://schemas.microsoft.com/office/drawing/2014/main" xmlns="" id="{0CF510EC-D710-4D00-93D5-3B1CF0B1EAB6}"/>
               </a:ext>
             </a:extLst>
           </p:cNvPr>
@@ -10728,7 +10727,7 @@
           <p:cNvPr id="5" name="Text Placeholder 4">
             <a:extLst>
               <a:ext uri="{FF2B5EF4-FFF2-40B4-BE49-F238E27FC236}">
-                <a16:creationId xmlns="" xmlns:a16="http://schemas.microsoft.com/office/drawing/2014/main" id="{CCED6746-9FE0-47A0-AC64-94ACD4CA9D3E}"/>
+                <a16:creationId xmlns:a16="http://schemas.microsoft.com/office/drawing/2014/main" xmlns="" id="{CCED6746-9FE0-47A0-AC64-94ACD4CA9D3E}"/>
               </a:ext>
             </a:extLst>
           </p:cNvPr>
@@ -10744,7 +10743,7 @@
           <a:bodyPr/>
           <a:lstStyle/>
           <a:p>
-            <a:endParaRPr lang="en-US"/>
+            <a:endParaRPr lang="en-US" dirty="0"/>
           </a:p>
         </p:txBody>
       </p:sp>
@@ -10753,7 +10752,7 @@
           <p:cNvPr id="6" name="TextBox 5">
             <a:extLst>
               <a:ext uri="{FF2B5EF4-FFF2-40B4-BE49-F238E27FC236}">
-                <a16:creationId xmlns="" xmlns:a16="http://schemas.microsoft.com/office/drawing/2014/main" id="{0EE63CE2-3370-4E7E-829F-A328E84D4A66}"/>
+                <a16:creationId xmlns:a16="http://schemas.microsoft.com/office/drawing/2014/main" xmlns="" id="{0EE63CE2-3370-4E7E-829F-A328E84D4A66}"/>
               </a:ext>
             </a:extLst>
           </p:cNvPr>
@@ -10817,7 +10816,7 @@
           <p:cNvPr id="7" name="TextBox 6">
             <a:extLst>
               <a:ext uri="{FF2B5EF4-FFF2-40B4-BE49-F238E27FC236}">
-                <a16:creationId xmlns="" xmlns:a16="http://schemas.microsoft.com/office/drawing/2014/main" id="{0FDA2B1A-9AA0-454F-A0E4-EC959F9E90E9}"/>
+                <a16:creationId xmlns:a16="http://schemas.microsoft.com/office/drawing/2014/main" xmlns="" id="{0FDA2B1A-9AA0-454F-A0E4-EC959F9E90E9}"/>
               </a:ext>
             </a:extLst>
           </p:cNvPr>
@@ -10860,7 +10859,7 @@
           <p:cNvPr id="9" name="Straight Arrow Connector 8">
             <a:extLst>
               <a:ext uri="{FF2B5EF4-FFF2-40B4-BE49-F238E27FC236}">
-                <a16:creationId xmlns="" xmlns:a16="http://schemas.microsoft.com/office/drawing/2014/main" id="{75364A1D-8566-4378-9A03-9B7D8A84C805}"/>
+                <a16:creationId xmlns:a16="http://schemas.microsoft.com/office/drawing/2014/main" xmlns="" id="{75364A1D-8566-4378-9A03-9B7D8A84C805}"/>
               </a:ext>
             </a:extLst>
           </p:cNvPr>
@@ -11039,7 +11038,7 @@
           <p:cNvPr id="3" name="Title 2">
             <a:extLst>
               <a:ext uri="{FF2B5EF4-FFF2-40B4-BE49-F238E27FC236}">
-                <a16:creationId xmlns="" xmlns:a16="http://schemas.microsoft.com/office/drawing/2014/main" id="{59A447FC-33B3-46B4-8460-A63ED4AF01B2}"/>
+                <a16:creationId xmlns:a16="http://schemas.microsoft.com/office/drawing/2014/main" xmlns="" id="{59A447FC-33B3-46B4-8460-A63ED4AF01B2}"/>
               </a:ext>
             </a:extLst>
           </p:cNvPr>
@@ -11068,7 +11067,7 @@
           <p:cNvPr id="4" name="Slide Number Placeholder 3">
             <a:extLst>
               <a:ext uri="{FF2B5EF4-FFF2-40B4-BE49-F238E27FC236}">
-                <a16:creationId xmlns="" xmlns:a16="http://schemas.microsoft.com/office/drawing/2014/main" id="{0CF510EC-D710-4D00-93D5-3B1CF0B1EAB6}"/>
+                <a16:creationId xmlns:a16="http://schemas.microsoft.com/office/drawing/2014/main" xmlns="" id="{0CF510EC-D710-4D00-93D5-3B1CF0B1EAB6}"/>
               </a:ext>
             </a:extLst>
           </p:cNvPr>
@@ -11114,7 +11113,7 @@
           <p:cNvPr id="5" name="Text Placeholder 4">
             <a:extLst>
               <a:ext uri="{FF2B5EF4-FFF2-40B4-BE49-F238E27FC236}">
-                <a16:creationId xmlns="" xmlns:a16="http://schemas.microsoft.com/office/drawing/2014/main" id="{CCED6746-9FE0-47A0-AC64-94ACD4CA9D3E}"/>
+                <a16:creationId xmlns:a16="http://schemas.microsoft.com/office/drawing/2014/main" xmlns="" id="{CCED6746-9FE0-47A0-AC64-94ACD4CA9D3E}"/>
               </a:ext>
             </a:extLst>
           </p:cNvPr>
@@ -11139,7 +11138,7 @@
           <p:cNvPr id="6" name="TextBox 5">
             <a:extLst>
               <a:ext uri="{FF2B5EF4-FFF2-40B4-BE49-F238E27FC236}">
-                <a16:creationId xmlns="" xmlns:a16="http://schemas.microsoft.com/office/drawing/2014/main" id="{0EE63CE2-3370-4E7E-829F-A328E84D4A66}"/>
+                <a16:creationId xmlns:a16="http://schemas.microsoft.com/office/drawing/2014/main" xmlns="" id="{0EE63CE2-3370-4E7E-829F-A328E84D4A66}"/>
               </a:ext>
             </a:extLst>
           </p:cNvPr>
@@ -11182,7 +11181,7 @@
           <p:cNvPr id="7" name="TextBox 6">
             <a:extLst>
               <a:ext uri="{FF2B5EF4-FFF2-40B4-BE49-F238E27FC236}">
-                <a16:creationId xmlns="" xmlns:a16="http://schemas.microsoft.com/office/drawing/2014/main" id="{0FDA2B1A-9AA0-454F-A0E4-EC959F9E90E9}"/>
+                <a16:creationId xmlns:a16="http://schemas.microsoft.com/office/drawing/2014/main" xmlns="" id="{0FDA2B1A-9AA0-454F-A0E4-EC959F9E90E9}"/>
               </a:ext>
             </a:extLst>
           </p:cNvPr>
@@ -11225,7 +11224,7 @@
           <p:cNvPr id="9" name="Straight Arrow Connector 8">
             <a:extLst>
               <a:ext uri="{FF2B5EF4-FFF2-40B4-BE49-F238E27FC236}">
-                <a16:creationId xmlns="" xmlns:a16="http://schemas.microsoft.com/office/drawing/2014/main" id="{75364A1D-8566-4378-9A03-9B7D8A84C805}"/>
+                <a16:creationId xmlns:a16="http://schemas.microsoft.com/office/drawing/2014/main" xmlns="" id="{75364A1D-8566-4378-9A03-9B7D8A84C805}"/>
               </a:ext>
             </a:extLst>
           </p:cNvPr>
@@ -11518,7 +11517,7 @@
           <p:cNvPr id="2" name="Title 1">
             <a:extLst>
               <a:ext uri="{FF2B5EF4-FFF2-40B4-BE49-F238E27FC236}">
-                <a16:creationId xmlns="" xmlns:a16="http://schemas.microsoft.com/office/drawing/2014/main" id="{C14F0455-9ED9-4652-8FD6-9C284BE2F092}"/>
+                <a16:creationId xmlns:a16="http://schemas.microsoft.com/office/drawing/2014/main" xmlns="" id="{C14F0455-9ED9-4652-8FD6-9C284BE2F092}"/>
               </a:ext>
             </a:extLst>
           </p:cNvPr>
@@ -11553,7 +11552,7 @@
           <p:cNvPr id="3" name="Text Placeholder 2">
             <a:extLst>
               <a:ext uri="{FF2B5EF4-FFF2-40B4-BE49-F238E27FC236}">
-                <a16:creationId xmlns="" xmlns:a16="http://schemas.microsoft.com/office/drawing/2014/main" id="{8136025E-6B8D-4575-9E2B-B0AAB8CAC233}"/>
+                <a16:creationId xmlns:a16="http://schemas.microsoft.com/office/drawing/2014/main" xmlns="" id="{8136025E-6B8D-4575-9E2B-B0AAB8CAC233}"/>
               </a:ext>
             </a:extLst>
           </p:cNvPr>
@@ -11618,7 +11617,7 @@
           <p:cNvPr id="3" name="Title 2">
             <a:extLst>
               <a:ext uri="{FF2B5EF4-FFF2-40B4-BE49-F238E27FC236}">
-                <a16:creationId xmlns="" xmlns:a16="http://schemas.microsoft.com/office/drawing/2014/main" id="{59A447FC-33B3-46B4-8460-A63ED4AF01B2}"/>
+                <a16:creationId xmlns:a16="http://schemas.microsoft.com/office/drawing/2014/main" xmlns="" id="{59A447FC-33B3-46B4-8460-A63ED4AF01B2}"/>
               </a:ext>
             </a:extLst>
           </p:cNvPr>
@@ -11647,7 +11646,7 @@
           <p:cNvPr id="4" name="Slide Number Placeholder 3">
             <a:extLst>
               <a:ext uri="{FF2B5EF4-FFF2-40B4-BE49-F238E27FC236}">
-                <a16:creationId xmlns="" xmlns:a16="http://schemas.microsoft.com/office/drawing/2014/main" id="{0CF510EC-D710-4D00-93D5-3B1CF0B1EAB6}"/>
+                <a16:creationId xmlns:a16="http://schemas.microsoft.com/office/drawing/2014/main" xmlns="" id="{0CF510EC-D710-4D00-93D5-3B1CF0B1EAB6}"/>
               </a:ext>
             </a:extLst>
           </p:cNvPr>
@@ -11693,7 +11692,7 @@
           <p:cNvPr id="5" name="Text Placeholder 4">
             <a:extLst>
               <a:ext uri="{FF2B5EF4-FFF2-40B4-BE49-F238E27FC236}">
-                <a16:creationId xmlns="" xmlns:a16="http://schemas.microsoft.com/office/drawing/2014/main" id="{CCED6746-9FE0-47A0-AC64-94ACD4CA9D3E}"/>
+                <a16:creationId xmlns:a16="http://schemas.microsoft.com/office/drawing/2014/main" xmlns="" id="{CCED6746-9FE0-47A0-AC64-94ACD4CA9D3E}"/>
               </a:ext>
             </a:extLst>
           </p:cNvPr>
@@ -11718,7 +11717,7 @@
           <p:cNvPr id="6" name="TextBox 5">
             <a:extLst>
               <a:ext uri="{FF2B5EF4-FFF2-40B4-BE49-F238E27FC236}">
-                <a16:creationId xmlns="" xmlns:a16="http://schemas.microsoft.com/office/drawing/2014/main" id="{0EE63CE2-3370-4E7E-829F-A328E84D4A66}"/>
+                <a16:creationId xmlns:a16="http://schemas.microsoft.com/office/drawing/2014/main" xmlns="" id="{0EE63CE2-3370-4E7E-829F-A328E84D4A66}"/>
               </a:ext>
             </a:extLst>
           </p:cNvPr>
@@ -11801,7 +11800,7 @@
           <p:cNvPr id="2" name="Title 1">
             <a:extLst>
               <a:ext uri="{FF2B5EF4-FFF2-40B4-BE49-F238E27FC236}">
-                <a16:creationId xmlns="" xmlns:a16="http://schemas.microsoft.com/office/drawing/2014/main" id="{C14F0455-9ED9-4652-8FD6-9C284BE2F092}"/>
+                <a16:creationId xmlns:a16="http://schemas.microsoft.com/office/drawing/2014/main" xmlns="" id="{C14F0455-9ED9-4652-8FD6-9C284BE2F092}"/>
               </a:ext>
             </a:extLst>
           </p:cNvPr>
@@ -11829,7 +11828,7 @@
           <p:cNvPr id="3" name="Text Placeholder 2">
             <a:extLst>
               <a:ext uri="{FF2B5EF4-FFF2-40B4-BE49-F238E27FC236}">
-                <a16:creationId xmlns="" xmlns:a16="http://schemas.microsoft.com/office/drawing/2014/main" id="{8136025E-6B8D-4575-9E2B-B0AAB8CAC233}"/>
+                <a16:creationId xmlns:a16="http://schemas.microsoft.com/office/drawing/2014/main" xmlns="" id="{8136025E-6B8D-4575-9E2B-B0AAB8CAC233}"/>
               </a:ext>
             </a:extLst>
           </p:cNvPr>
@@ -11894,7 +11893,7 @@
           <p:cNvPr id="2" name="Text Placeholder 1">
             <a:extLst>
               <a:ext uri="{FF2B5EF4-FFF2-40B4-BE49-F238E27FC236}">
-                <a16:creationId xmlns="" xmlns:a16="http://schemas.microsoft.com/office/drawing/2014/main" id="{A51E6A0F-3D6D-493A-B24E-4199D72942C9}"/>
+                <a16:creationId xmlns:a16="http://schemas.microsoft.com/office/drawing/2014/main" xmlns="" id="{A51E6A0F-3D6D-493A-B24E-4199D72942C9}"/>
               </a:ext>
             </a:extLst>
           </p:cNvPr>
@@ -11919,7 +11918,7 @@
           <p:cNvPr id="3" name="Title 2">
             <a:extLst>
               <a:ext uri="{FF2B5EF4-FFF2-40B4-BE49-F238E27FC236}">
-                <a16:creationId xmlns="" xmlns:a16="http://schemas.microsoft.com/office/drawing/2014/main" id="{A8704E41-3486-46BD-8AA7-B6B5D28F95A5}"/>
+                <a16:creationId xmlns:a16="http://schemas.microsoft.com/office/drawing/2014/main" xmlns="" id="{A8704E41-3486-46BD-8AA7-B6B5D28F95A5}"/>
               </a:ext>
             </a:extLst>
           </p:cNvPr>
@@ -11956,7 +11955,7 @@
           <p:cNvPr id="4" name="Slide Number Placeholder 3">
             <a:extLst>
               <a:ext uri="{FF2B5EF4-FFF2-40B4-BE49-F238E27FC236}">
-                <a16:creationId xmlns="" xmlns:a16="http://schemas.microsoft.com/office/drawing/2014/main" id="{02CD92EA-E9CB-4F4C-B1B9-840F11B55DC5}"/>
+                <a16:creationId xmlns:a16="http://schemas.microsoft.com/office/drawing/2014/main" xmlns="" id="{02CD92EA-E9CB-4F4C-B1B9-840F11B55DC5}"/>
               </a:ext>
             </a:extLst>
           </p:cNvPr>
@@ -12002,7 +12001,7 @@
           <p:cNvPr id="5" name="Text Placeholder 4">
             <a:extLst>
               <a:ext uri="{FF2B5EF4-FFF2-40B4-BE49-F238E27FC236}">
-                <a16:creationId xmlns="" xmlns:a16="http://schemas.microsoft.com/office/drawing/2014/main" id="{C22D9F79-04C1-4762-96D6-F3FE8172F1B1}"/>
+                <a16:creationId xmlns:a16="http://schemas.microsoft.com/office/drawing/2014/main" xmlns="" id="{C22D9F79-04C1-4762-96D6-F3FE8172F1B1}"/>
               </a:ext>
             </a:extLst>
           </p:cNvPr>
@@ -12019,7 +12018,7 @@
           <a:lstStyle/>
           <a:p>
             <a:r>
-              <a:rPr lang="en-US" b="0" dirty="0"/>
+              <a:rPr lang="en-US" dirty="0"/>
               <a:t>…a Persistent Map</a:t>
             </a:r>
           </a:p>
@@ -12030,7 +12029,7 @@
           <p:cNvPr id="8" name="Picture 7">
             <a:extLst>
               <a:ext uri="{FF2B5EF4-FFF2-40B4-BE49-F238E27FC236}">
-                <a16:creationId xmlns="" xmlns:a16="http://schemas.microsoft.com/office/drawing/2014/main" id="{FEF76D80-A1A2-40D3-8D23-AD9AE057D7AB}"/>
+                <a16:creationId xmlns:a16="http://schemas.microsoft.com/office/drawing/2014/main" xmlns="" id="{FEF76D80-A1A2-40D3-8D23-AD9AE057D7AB}"/>
               </a:ext>
             </a:extLst>
           </p:cNvPr>
@@ -12251,7 +12250,7 @@
           <p:cNvPr id="2" name="Text Placeholder 1">
             <a:extLst>
               <a:ext uri="{FF2B5EF4-FFF2-40B4-BE49-F238E27FC236}">
-                <a16:creationId xmlns="" xmlns:a16="http://schemas.microsoft.com/office/drawing/2014/main" id="{A51E6A0F-3D6D-493A-B24E-4199D72942C9}"/>
+                <a16:creationId xmlns:a16="http://schemas.microsoft.com/office/drawing/2014/main" xmlns="" id="{A51E6A0F-3D6D-493A-B24E-4199D72942C9}"/>
               </a:ext>
             </a:extLst>
           </p:cNvPr>
@@ -12276,7 +12275,7 @@
           <p:cNvPr id="3" name="Title 2">
             <a:extLst>
               <a:ext uri="{FF2B5EF4-FFF2-40B4-BE49-F238E27FC236}">
-                <a16:creationId xmlns="" xmlns:a16="http://schemas.microsoft.com/office/drawing/2014/main" id="{A8704E41-3486-46BD-8AA7-B6B5D28F95A5}"/>
+                <a16:creationId xmlns:a16="http://schemas.microsoft.com/office/drawing/2014/main" xmlns="" id="{A8704E41-3486-46BD-8AA7-B6B5D28F95A5}"/>
               </a:ext>
             </a:extLst>
           </p:cNvPr>
@@ -12313,7 +12312,7 @@
           <p:cNvPr id="4" name="Slide Number Placeholder 3">
             <a:extLst>
               <a:ext uri="{FF2B5EF4-FFF2-40B4-BE49-F238E27FC236}">
-                <a16:creationId xmlns="" xmlns:a16="http://schemas.microsoft.com/office/drawing/2014/main" id="{02CD92EA-E9CB-4F4C-B1B9-840F11B55DC5}"/>
+                <a16:creationId xmlns:a16="http://schemas.microsoft.com/office/drawing/2014/main" xmlns="" id="{02CD92EA-E9CB-4F4C-B1B9-840F11B55DC5}"/>
               </a:ext>
             </a:extLst>
           </p:cNvPr>
@@ -12359,7 +12358,7 @@
           <p:cNvPr id="5" name="Text Placeholder 4">
             <a:extLst>
               <a:ext uri="{FF2B5EF4-FFF2-40B4-BE49-F238E27FC236}">
-                <a16:creationId xmlns="" xmlns:a16="http://schemas.microsoft.com/office/drawing/2014/main" id="{C22D9F79-04C1-4762-96D6-F3FE8172F1B1}"/>
+                <a16:creationId xmlns:a16="http://schemas.microsoft.com/office/drawing/2014/main" xmlns="" id="{C22D9F79-04C1-4762-96D6-F3FE8172F1B1}"/>
               </a:ext>
             </a:extLst>
           </p:cNvPr>
@@ -12376,7 +12375,7 @@
           <a:lstStyle/>
           <a:p>
             <a:r>
-              <a:rPr lang="en-US" b="0" dirty="0"/>
+              <a:rPr lang="en-US" dirty="0"/>
               <a:t>…a Stupid Content Tracker</a:t>
             </a:r>
           </a:p>
@@ -12387,7 +12386,7 @@
           <p:cNvPr id="8" name="Picture 7">
             <a:extLst>
               <a:ext uri="{FF2B5EF4-FFF2-40B4-BE49-F238E27FC236}">
-                <a16:creationId xmlns="" xmlns:a16="http://schemas.microsoft.com/office/drawing/2014/main" id="{F11A34E2-CF14-4FAC-9913-4CAC796E46FA}"/>
+                <a16:creationId xmlns:a16="http://schemas.microsoft.com/office/drawing/2014/main" xmlns="" id="{F11A34E2-CF14-4FAC-9913-4CAC796E46FA}"/>
               </a:ext>
             </a:extLst>
           </p:cNvPr>
@@ -12608,7 +12607,7 @@
           <p:cNvPr id="103" name="Rectangle: Single Corner Snipped 53">
             <a:extLst>
               <a:ext uri="{FF2B5EF4-FFF2-40B4-BE49-F238E27FC236}">
-                <a16:creationId xmlns="" xmlns:a16="http://schemas.microsoft.com/office/drawing/2014/main" id="{7A50EE12-18BC-43CD-9927-59B1DBE1FF93}"/>
+                <a16:creationId xmlns:a16="http://schemas.microsoft.com/office/drawing/2014/main" xmlns="" id="{7A50EE12-18BC-43CD-9927-59B1DBE1FF93}"/>
               </a:ext>
             </a:extLst>
           </p:cNvPr>
@@ -12759,7 +12758,7 @@
           <p:cNvPr id="101" name="Rectangle: Single Corner Snipped 54">
             <a:extLst>
               <a:ext uri="{FF2B5EF4-FFF2-40B4-BE49-F238E27FC236}">
-                <a16:creationId xmlns="" xmlns:a16="http://schemas.microsoft.com/office/drawing/2014/main" id="{5DD2CB3A-1BD2-41AE-B00E-AF542B712862}"/>
+                <a16:creationId xmlns:a16="http://schemas.microsoft.com/office/drawing/2014/main" xmlns="" id="{5DD2CB3A-1BD2-41AE-B00E-AF542B712862}"/>
               </a:ext>
             </a:extLst>
           </p:cNvPr>
@@ -12840,7 +12839,7 @@
           <p:cNvPr id="3" name="Title 2">
             <a:extLst>
               <a:ext uri="{FF2B5EF4-FFF2-40B4-BE49-F238E27FC236}">
-                <a16:creationId xmlns="" xmlns:a16="http://schemas.microsoft.com/office/drawing/2014/main" id="{A8704E41-3486-46BD-8AA7-B6B5D28F95A5}"/>
+                <a16:creationId xmlns:a16="http://schemas.microsoft.com/office/drawing/2014/main" xmlns="" id="{A8704E41-3486-46BD-8AA7-B6B5D28F95A5}"/>
               </a:ext>
             </a:extLst>
           </p:cNvPr>
@@ -12873,7 +12872,7 @@
           <p:cNvPr id="4" name="Slide Number Placeholder 3">
             <a:extLst>
               <a:ext uri="{FF2B5EF4-FFF2-40B4-BE49-F238E27FC236}">
-                <a16:creationId xmlns="" xmlns:a16="http://schemas.microsoft.com/office/drawing/2014/main" id="{02CD92EA-E9CB-4F4C-B1B9-840F11B55DC5}"/>
+                <a16:creationId xmlns:a16="http://schemas.microsoft.com/office/drawing/2014/main" xmlns="" id="{02CD92EA-E9CB-4F4C-B1B9-840F11B55DC5}"/>
               </a:ext>
             </a:extLst>
           </p:cNvPr>
@@ -12919,7 +12918,7 @@
           <p:cNvPr id="5" name="Text Placeholder 4">
             <a:extLst>
               <a:ext uri="{FF2B5EF4-FFF2-40B4-BE49-F238E27FC236}">
-                <a16:creationId xmlns="" xmlns:a16="http://schemas.microsoft.com/office/drawing/2014/main" id="{C22D9F79-04C1-4762-96D6-F3FE8172F1B1}"/>
+                <a16:creationId xmlns:a16="http://schemas.microsoft.com/office/drawing/2014/main" xmlns="" id="{C22D9F79-04C1-4762-96D6-F3FE8172F1B1}"/>
               </a:ext>
             </a:extLst>
           </p:cNvPr>
@@ -12944,7 +12943,7 @@
           <p:cNvPr id="60" name="Oval 59">
             <a:extLst>
               <a:ext uri="{FF2B5EF4-FFF2-40B4-BE49-F238E27FC236}">
-                <a16:creationId xmlns="" xmlns:a16="http://schemas.microsoft.com/office/drawing/2014/main" id="{70018B8E-C8EA-4592-B666-4DD6915C2DAF}"/>
+                <a16:creationId xmlns:a16="http://schemas.microsoft.com/office/drawing/2014/main" xmlns="" id="{70018B8E-C8EA-4592-B666-4DD6915C2DAF}"/>
               </a:ext>
             </a:extLst>
           </p:cNvPr>
@@ -13000,7 +12999,7 @@
           <p:cNvPr id="61" name="Straight Arrow Connector 60">
             <a:extLst>
               <a:ext uri="{FF2B5EF4-FFF2-40B4-BE49-F238E27FC236}">
-                <a16:creationId xmlns="" xmlns:a16="http://schemas.microsoft.com/office/drawing/2014/main" id="{D5D1DDE3-D551-4E6B-AD34-6FBA1762CCD0}"/>
+                <a16:creationId xmlns:a16="http://schemas.microsoft.com/office/drawing/2014/main" xmlns="" id="{D5D1DDE3-D551-4E6B-AD34-6FBA1762CCD0}"/>
               </a:ext>
             </a:extLst>
           </p:cNvPr>
@@ -13044,7 +13043,7 @@
           <p:cNvPr id="62" name="TextBox 61">
             <a:extLst>
               <a:ext uri="{FF2B5EF4-FFF2-40B4-BE49-F238E27FC236}">
-                <a16:creationId xmlns="" xmlns:a16="http://schemas.microsoft.com/office/drawing/2014/main" id="{EA7F15EB-6AA1-4C76-921F-2B04B74B1885}"/>
+                <a16:creationId xmlns:a16="http://schemas.microsoft.com/office/drawing/2014/main" xmlns="" id="{EA7F15EB-6AA1-4C76-921F-2B04B74B1885}"/>
               </a:ext>
             </a:extLst>
           </p:cNvPr>
@@ -13086,7 +13085,7 @@
           <p:cNvPr id="63" name="Oval 62">
             <a:extLst>
               <a:ext uri="{FF2B5EF4-FFF2-40B4-BE49-F238E27FC236}">
-                <a16:creationId xmlns="" xmlns:a16="http://schemas.microsoft.com/office/drawing/2014/main" id="{70018B8E-C8EA-4592-B666-4DD6915C2DAF}"/>
+                <a16:creationId xmlns:a16="http://schemas.microsoft.com/office/drawing/2014/main" xmlns="" id="{70018B8E-C8EA-4592-B666-4DD6915C2DAF}"/>
               </a:ext>
             </a:extLst>
           </p:cNvPr>
@@ -13142,7 +13141,7 @@
           <p:cNvPr id="66" name="TextBox 65">
             <a:extLst>
               <a:ext uri="{FF2B5EF4-FFF2-40B4-BE49-F238E27FC236}">
-                <a16:creationId xmlns="" xmlns:a16="http://schemas.microsoft.com/office/drawing/2014/main" id="{EA7F15EB-6AA1-4C76-921F-2B04B74B1885}"/>
+                <a16:creationId xmlns:a16="http://schemas.microsoft.com/office/drawing/2014/main" xmlns="" id="{EA7F15EB-6AA1-4C76-921F-2B04B74B1885}"/>
               </a:ext>
             </a:extLst>
           </p:cNvPr>
@@ -13184,7 +13183,7 @@
           <p:cNvPr id="87" name="Oval 86">
             <a:extLst>
               <a:ext uri="{FF2B5EF4-FFF2-40B4-BE49-F238E27FC236}">
-                <a16:creationId xmlns="" xmlns:a16="http://schemas.microsoft.com/office/drawing/2014/main" id="{70018B8E-C8EA-4592-B666-4DD6915C2DAF}"/>
+                <a16:creationId xmlns:a16="http://schemas.microsoft.com/office/drawing/2014/main" xmlns="" id="{70018B8E-C8EA-4592-B666-4DD6915C2DAF}"/>
               </a:ext>
             </a:extLst>
           </p:cNvPr>
@@ -13240,7 +13239,7 @@
           <p:cNvPr id="88" name="Straight Arrow Connector 87">
             <a:extLst>
               <a:ext uri="{FF2B5EF4-FFF2-40B4-BE49-F238E27FC236}">
-                <a16:creationId xmlns="" xmlns:a16="http://schemas.microsoft.com/office/drawing/2014/main" id="{D5D1DDE3-D551-4E6B-AD34-6FBA1762CCD0}"/>
+                <a16:creationId xmlns:a16="http://schemas.microsoft.com/office/drawing/2014/main" xmlns="" id="{D5D1DDE3-D551-4E6B-AD34-6FBA1762CCD0}"/>
               </a:ext>
             </a:extLst>
           </p:cNvPr>
@@ -13284,7 +13283,7 @@
           <p:cNvPr id="89" name="TextBox 88">
             <a:extLst>
               <a:ext uri="{FF2B5EF4-FFF2-40B4-BE49-F238E27FC236}">
-                <a16:creationId xmlns="" xmlns:a16="http://schemas.microsoft.com/office/drawing/2014/main" id="{EA7F15EB-6AA1-4C76-921F-2B04B74B1885}"/>
+                <a16:creationId xmlns:a16="http://schemas.microsoft.com/office/drawing/2014/main" xmlns="" id="{EA7F15EB-6AA1-4C76-921F-2B04B74B1885}"/>
               </a:ext>
             </a:extLst>
           </p:cNvPr>
@@ -13326,7 +13325,7 @@
           <p:cNvPr id="91" name="Oval 90">
             <a:extLst>
               <a:ext uri="{FF2B5EF4-FFF2-40B4-BE49-F238E27FC236}">
-                <a16:creationId xmlns="" xmlns:a16="http://schemas.microsoft.com/office/drawing/2014/main" id="{70018B8E-C8EA-4592-B666-4DD6915C2DAF}"/>
+                <a16:creationId xmlns:a16="http://schemas.microsoft.com/office/drawing/2014/main" xmlns="" id="{70018B8E-C8EA-4592-B666-4DD6915C2DAF}"/>
               </a:ext>
             </a:extLst>
           </p:cNvPr>
@@ -13382,7 +13381,7 @@
           <p:cNvPr id="92" name="Straight Arrow Connector 91">
             <a:extLst>
               <a:ext uri="{FF2B5EF4-FFF2-40B4-BE49-F238E27FC236}">
-                <a16:creationId xmlns="" xmlns:a16="http://schemas.microsoft.com/office/drawing/2014/main" id="{D5D1DDE3-D551-4E6B-AD34-6FBA1762CCD0}"/>
+                <a16:creationId xmlns:a16="http://schemas.microsoft.com/office/drawing/2014/main" xmlns="" id="{D5D1DDE3-D551-4E6B-AD34-6FBA1762CCD0}"/>
               </a:ext>
             </a:extLst>
           </p:cNvPr>
@@ -13426,7 +13425,7 @@
           <p:cNvPr id="93" name="TextBox 92">
             <a:extLst>
               <a:ext uri="{FF2B5EF4-FFF2-40B4-BE49-F238E27FC236}">
-                <a16:creationId xmlns="" xmlns:a16="http://schemas.microsoft.com/office/drawing/2014/main" id="{EA7F15EB-6AA1-4C76-921F-2B04B74B1885}"/>
+                <a16:creationId xmlns:a16="http://schemas.microsoft.com/office/drawing/2014/main" xmlns="" id="{EA7F15EB-6AA1-4C76-921F-2B04B74B1885}"/>
               </a:ext>
             </a:extLst>
           </p:cNvPr>
@@ -13468,7 +13467,7 @@
           <p:cNvPr id="94" name="Oval 93">
             <a:extLst>
               <a:ext uri="{FF2B5EF4-FFF2-40B4-BE49-F238E27FC236}">
-                <a16:creationId xmlns="" xmlns:a16="http://schemas.microsoft.com/office/drawing/2014/main" id="{70018B8E-C8EA-4592-B666-4DD6915C2DAF}"/>
+                <a16:creationId xmlns:a16="http://schemas.microsoft.com/office/drawing/2014/main" xmlns="" id="{70018B8E-C8EA-4592-B666-4DD6915C2DAF}"/>
               </a:ext>
             </a:extLst>
           </p:cNvPr>
@@ -13524,7 +13523,7 @@
           <p:cNvPr id="95" name="TextBox 94">
             <a:extLst>
               <a:ext uri="{FF2B5EF4-FFF2-40B4-BE49-F238E27FC236}">
-                <a16:creationId xmlns="" xmlns:a16="http://schemas.microsoft.com/office/drawing/2014/main" id="{EA7F15EB-6AA1-4C76-921F-2B04B74B1885}"/>
+                <a16:creationId xmlns:a16="http://schemas.microsoft.com/office/drawing/2014/main" xmlns="" id="{EA7F15EB-6AA1-4C76-921F-2B04B74B1885}"/>
               </a:ext>
             </a:extLst>
           </p:cNvPr>
@@ -13566,7 +13565,7 @@
           <p:cNvPr id="97" name="TextBox 96">
             <a:extLst>
               <a:ext uri="{FF2B5EF4-FFF2-40B4-BE49-F238E27FC236}">
-                <a16:creationId xmlns="" xmlns:a16="http://schemas.microsoft.com/office/drawing/2014/main" id="{A3A739BC-7FC3-41A9-BB1E-19B55BC9B39C}"/>
+                <a16:creationId xmlns:a16="http://schemas.microsoft.com/office/drawing/2014/main" xmlns="" id="{A3A739BC-7FC3-41A9-BB1E-19B55BC9B39C}"/>
               </a:ext>
             </a:extLst>
           </p:cNvPr>
@@ -13619,7 +13618,7 @@
           <p:cNvPr id="98" name="Straight Arrow Connector 97">
             <a:extLst>
               <a:ext uri="{FF2B5EF4-FFF2-40B4-BE49-F238E27FC236}">
-                <a16:creationId xmlns="" xmlns:a16="http://schemas.microsoft.com/office/drawing/2014/main" id="{D5D1DDE3-D551-4E6B-AD34-6FBA1762CCD0}"/>
+                <a16:creationId xmlns:a16="http://schemas.microsoft.com/office/drawing/2014/main" xmlns="" id="{D5D1DDE3-D551-4E6B-AD34-6FBA1762CCD0}"/>
               </a:ext>
             </a:extLst>
           </p:cNvPr>
@@ -13663,7 +13662,7 @@
           <p:cNvPr id="100" name="Straight Arrow Connector 99">
             <a:extLst>
               <a:ext uri="{FF2B5EF4-FFF2-40B4-BE49-F238E27FC236}">
-                <a16:creationId xmlns="" xmlns:a16="http://schemas.microsoft.com/office/drawing/2014/main" id="{D5D1DDE3-D551-4E6B-AD34-6FBA1762CCD0}"/>
+                <a16:creationId xmlns:a16="http://schemas.microsoft.com/office/drawing/2014/main" xmlns="" id="{D5D1DDE3-D551-4E6B-AD34-6FBA1762CCD0}"/>
               </a:ext>
             </a:extLst>
           </p:cNvPr>
@@ -13707,7 +13706,7 @@
           <p:cNvPr id="102" name="TextBox 101">
             <a:extLst>
               <a:ext uri="{FF2B5EF4-FFF2-40B4-BE49-F238E27FC236}">
-                <a16:creationId xmlns="" xmlns:a16="http://schemas.microsoft.com/office/drawing/2014/main" id="{DCF44781-E941-421E-89BE-0ABCA37EDACB}"/>
+                <a16:creationId xmlns:a16="http://schemas.microsoft.com/office/drawing/2014/main" xmlns="" id="{DCF44781-E941-421E-89BE-0ABCA37EDACB}"/>
               </a:ext>
             </a:extLst>
           </p:cNvPr>
@@ -13760,7 +13759,7 @@
           <p:cNvPr id="105" name="TextBox 104">
             <a:extLst>
               <a:ext uri="{FF2B5EF4-FFF2-40B4-BE49-F238E27FC236}">
-                <a16:creationId xmlns="" xmlns:a16="http://schemas.microsoft.com/office/drawing/2014/main" id="{E2424417-DD1B-4E8D-A2A5-F034A489C27A}"/>
+                <a16:creationId xmlns:a16="http://schemas.microsoft.com/office/drawing/2014/main" xmlns="" id="{E2424417-DD1B-4E8D-A2A5-F034A489C27A}"/>
               </a:ext>
             </a:extLst>
           </p:cNvPr>
@@ -13813,7 +13812,7 @@
           <p:cNvPr id="106" name="TextBox 105">
             <a:extLst>
               <a:ext uri="{FF2B5EF4-FFF2-40B4-BE49-F238E27FC236}">
-                <a16:creationId xmlns="" xmlns:a16="http://schemas.microsoft.com/office/drawing/2014/main" id="{226BC8B6-2411-443E-BEE4-F24BDE166FA2}"/>
+                <a16:creationId xmlns:a16="http://schemas.microsoft.com/office/drawing/2014/main" xmlns="" id="{226BC8B6-2411-443E-BEE4-F24BDE166FA2}"/>
               </a:ext>
             </a:extLst>
           </p:cNvPr>
@@ -13866,7 +13865,7 @@
           <p:cNvPr id="107" name="TextBox 106">
             <a:extLst>
               <a:ext uri="{FF2B5EF4-FFF2-40B4-BE49-F238E27FC236}">
-                <a16:creationId xmlns="" xmlns:a16="http://schemas.microsoft.com/office/drawing/2014/main" id="{53330DED-8238-48AB-B79C-3155945E34EF}"/>
+                <a16:creationId xmlns:a16="http://schemas.microsoft.com/office/drawing/2014/main" xmlns="" id="{53330DED-8238-48AB-B79C-3155945E34EF}"/>
               </a:ext>
             </a:extLst>
           </p:cNvPr>
@@ -14532,7 +14531,7 @@
           <p:cNvPr id="109" name="Rectangle: Single Corner Snipped 39">
             <a:extLst>
               <a:ext uri="{FF2B5EF4-FFF2-40B4-BE49-F238E27FC236}">
-                <a16:creationId xmlns="" xmlns:a16="http://schemas.microsoft.com/office/drawing/2014/main" id="{331B82C4-A8A8-4CAA-9AD1-5A2312BDD52B}"/>
+                <a16:creationId xmlns:a16="http://schemas.microsoft.com/office/drawing/2014/main" xmlns="" id="{331B82C4-A8A8-4CAA-9AD1-5A2312BDD52B}"/>
               </a:ext>
             </a:extLst>
           </p:cNvPr>
@@ -14615,7 +14614,7 @@
           <p:cNvPr id="103" name="Rectangle: Single Corner Snipped 53">
             <a:extLst>
               <a:ext uri="{FF2B5EF4-FFF2-40B4-BE49-F238E27FC236}">
-                <a16:creationId xmlns="" xmlns:a16="http://schemas.microsoft.com/office/drawing/2014/main" id="{7A50EE12-18BC-43CD-9927-59B1DBE1FF93}"/>
+                <a16:creationId xmlns:a16="http://schemas.microsoft.com/office/drawing/2014/main" xmlns="" id="{7A50EE12-18BC-43CD-9927-59B1DBE1FF93}"/>
               </a:ext>
             </a:extLst>
           </p:cNvPr>
@@ -14766,7 +14765,7 @@
           <p:cNvPr id="101" name="Rectangle: Single Corner Snipped 54">
             <a:extLst>
               <a:ext uri="{FF2B5EF4-FFF2-40B4-BE49-F238E27FC236}">
-                <a16:creationId xmlns="" xmlns:a16="http://schemas.microsoft.com/office/drawing/2014/main" id="{5DD2CB3A-1BD2-41AE-B00E-AF542B712862}"/>
+                <a16:creationId xmlns:a16="http://schemas.microsoft.com/office/drawing/2014/main" xmlns="" id="{5DD2CB3A-1BD2-41AE-B00E-AF542B712862}"/>
               </a:ext>
             </a:extLst>
           </p:cNvPr>
@@ -14847,7 +14846,7 @@
           <p:cNvPr id="3" name="Title 2">
             <a:extLst>
               <a:ext uri="{FF2B5EF4-FFF2-40B4-BE49-F238E27FC236}">
-                <a16:creationId xmlns="" xmlns:a16="http://schemas.microsoft.com/office/drawing/2014/main" id="{A8704E41-3486-46BD-8AA7-B6B5D28F95A5}"/>
+                <a16:creationId xmlns:a16="http://schemas.microsoft.com/office/drawing/2014/main" xmlns="" id="{A8704E41-3486-46BD-8AA7-B6B5D28F95A5}"/>
               </a:ext>
             </a:extLst>
           </p:cNvPr>
@@ -14876,7 +14875,7 @@
           <p:cNvPr id="4" name="Slide Number Placeholder 3">
             <a:extLst>
               <a:ext uri="{FF2B5EF4-FFF2-40B4-BE49-F238E27FC236}">
-                <a16:creationId xmlns="" xmlns:a16="http://schemas.microsoft.com/office/drawing/2014/main" id="{02CD92EA-E9CB-4F4C-B1B9-840F11B55DC5}"/>
+                <a16:creationId xmlns:a16="http://schemas.microsoft.com/office/drawing/2014/main" xmlns="" id="{02CD92EA-E9CB-4F4C-B1B9-840F11B55DC5}"/>
               </a:ext>
             </a:extLst>
           </p:cNvPr>
@@ -14922,7 +14921,7 @@
           <p:cNvPr id="5" name="Text Placeholder 4">
             <a:extLst>
               <a:ext uri="{FF2B5EF4-FFF2-40B4-BE49-F238E27FC236}">
-                <a16:creationId xmlns="" xmlns:a16="http://schemas.microsoft.com/office/drawing/2014/main" id="{C22D9F79-04C1-4762-96D6-F3FE8172F1B1}"/>
+                <a16:creationId xmlns:a16="http://schemas.microsoft.com/office/drawing/2014/main" xmlns="" id="{C22D9F79-04C1-4762-96D6-F3FE8172F1B1}"/>
               </a:ext>
             </a:extLst>
           </p:cNvPr>
@@ -14947,7 +14946,7 @@
           <p:cNvPr id="29" name="Oval 28">
             <a:extLst>
               <a:ext uri="{FF2B5EF4-FFF2-40B4-BE49-F238E27FC236}">
-                <a16:creationId xmlns="" xmlns:a16="http://schemas.microsoft.com/office/drawing/2014/main" id="{70018B8E-C8EA-4592-B666-4DD6915C2DAF}"/>
+                <a16:creationId xmlns:a16="http://schemas.microsoft.com/office/drawing/2014/main" xmlns="" id="{70018B8E-C8EA-4592-B666-4DD6915C2DAF}"/>
               </a:ext>
             </a:extLst>
           </p:cNvPr>
@@ -15003,7 +15002,7 @@
           <p:cNvPr id="32" name="Straight Arrow Connector 31">
             <a:extLst>
               <a:ext uri="{FF2B5EF4-FFF2-40B4-BE49-F238E27FC236}">
-                <a16:creationId xmlns="" xmlns:a16="http://schemas.microsoft.com/office/drawing/2014/main" id="{D5D1DDE3-D551-4E6B-AD34-6FBA1762CCD0}"/>
+                <a16:creationId xmlns:a16="http://schemas.microsoft.com/office/drawing/2014/main" xmlns="" id="{D5D1DDE3-D551-4E6B-AD34-6FBA1762CCD0}"/>
               </a:ext>
             </a:extLst>
           </p:cNvPr>
@@ -15047,7 +15046,7 @@
           <p:cNvPr id="34" name="TextBox 33">
             <a:extLst>
               <a:ext uri="{FF2B5EF4-FFF2-40B4-BE49-F238E27FC236}">
-                <a16:creationId xmlns="" xmlns:a16="http://schemas.microsoft.com/office/drawing/2014/main" id="{EA7F15EB-6AA1-4C76-921F-2B04B74B1885}"/>
+                <a16:creationId xmlns:a16="http://schemas.microsoft.com/office/drawing/2014/main" xmlns="" id="{EA7F15EB-6AA1-4C76-921F-2B04B74B1885}"/>
               </a:ext>
             </a:extLst>
           </p:cNvPr>
@@ -15089,7 +15088,7 @@
           <p:cNvPr id="53" name="Oval 52">
             <a:extLst>
               <a:ext uri="{FF2B5EF4-FFF2-40B4-BE49-F238E27FC236}">
-                <a16:creationId xmlns="" xmlns:a16="http://schemas.microsoft.com/office/drawing/2014/main" id="{70018B8E-C8EA-4592-B666-4DD6915C2DAF}"/>
+                <a16:creationId xmlns:a16="http://schemas.microsoft.com/office/drawing/2014/main" xmlns="" id="{70018B8E-C8EA-4592-B666-4DD6915C2DAF}"/>
               </a:ext>
             </a:extLst>
           </p:cNvPr>
@@ -15145,7 +15144,7 @@
           <p:cNvPr id="57" name="Straight Arrow Connector 56">
             <a:extLst>
               <a:ext uri="{FF2B5EF4-FFF2-40B4-BE49-F238E27FC236}">
-                <a16:creationId xmlns="" xmlns:a16="http://schemas.microsoft.com/office/drawing/2014/main" id="{D5D1DDE3-D551-4E6B-AD34-6FBA1762CCD0}"/>
+                <a16:creationId xmlns:a16="http://schemas.microsoft.com/office/drawing/2014/main" xmlns="" id="{D5D1DDE3-D551-4E6B-AD34-6FBA1762CCD0}"/>
               </a:ext>
             </a:extLst>
           </p:cNvPr>
@@ -15189,7 +15188,7 @@
           <p:cNvPr id="59" name="TextBox 58">
             <a:extLst>
               <a:ext uri="{FF2B5EF4-FFF2-40B4-BE49-F238E27FC236}">
-                <a16:creationId xmlns="" xmlns:a16="http://schemas.microsoft.com/office/drawing/2014/main" id="{EA7F15EB-6AA1-4C76-921F-2B04B74B1885}"/>
+                <a16:creationId xmlns:a16="http://schemas.microsoft.com/office/drawing/2014/main" xmlns="" id="{EA7F15EB-6AA1-4C76-921F-2B04B74B1885}"/>
               </a:ext>
             </a:extLst>
           </p:cNvPr>
@@ -15231,7 +15230,7 @@
           <p:cNvPr id="60" name="Oval 59">
             <a:extLst>
               <a:ext uri="{FF2B5EF4-FFF2-40B4-BE49-F238E27FC236}">
-                <a16:creationId xmlns="" xmlns:a16="http://schemas.microsoft.com/office/drawing/2014/main" id="{70018B8E-C8EA-4592-B666-4DD6915C2DAF}"/>
+                <a16:creationId xmlns:a16="http://schemas.microsoft.com/office/drawing/2014/main" xmlns="" id="{70018B8E-C8EA-4592-B666-4DD6915C2DAF}"/>
               </a:ext>
             </a:extLst>
           </p:cNvPr>
@@ -15287,7 +15286,7 @@
           <p:cNvPr id="61" name="Straight Arrow Connector 60">
             <a:extLst>
               <a:ext uri="{FF2B5EF4-FFF2-40B4-BE49-F238E27FC236}">
-                <a16:creationId xmlns="" xmlns:a16="http://schemas.microsoft.com/office/drawing/2014/main" id="{D5D1DDE3-D551-4E6B-AD34-6FBA1762CCD0}"/>
+                <a16:creationId xmlns:a16="http://schemas.microsoft.com/office/drawing/2014/main" xmlns="" id="{D5D1DDE3-D551-4E6B-AD34-6FBA1762CCD0}"/>
               </a:ext>
             </a:extLst>
           </p:cNvPr>
@@ -15331,7 +15330,7 @@
           <p:cNvPr id="62" name="TextBox 61">
             <a:extLst>
               <a:ext uri="{FF2B5EF4-FFF2-40B4-BE49-F238E27FC236}">
-                <a16:creationId xmlns="" xmlns:a16="http://schemas.microsoft.com/office/drawing/2014/main" id="{EA7F15EB-6AA1-4C76-921F-2B04B74B1885}"/>
+                <a16:creationId xmlns:a16="http://schemas.microsoft.com/office/drawing/2014/main" xmlns="" id="{EA7F15EB-6AA1-4C76-921F-2B04B74B1885}"/>
               </a:ext>
             </a:extLst>
           </p:cNvPr>
@@ -15373,7 +15372,7 @@
           <p:cNvPr id="63" name="Oval 62">
             <a:extLst>
               <a:ext uri="{FF2B5EF4-FFF2-40B4-BE49-F238E27FC236}">
-                <a16:creationId xmlns="" xmlns:a16="http://schemas.microsoft.com/office/drawing/2014/main" id="{70018B8E-C8EA-4592-B666-4DD6915C2DAF}"/>
+                <a16:creationId xmlns:a16="http://schemas.microsoft.com/office/drawing/2014/main" xmlns="" id="{70018B8E-C8EA-4592-B666-4DD6915C2DAF}"/>
               </a:ext>
             </a:extLst>
           </p:cNvPr>
@@ -15429,7 +15428,7 @@
           <p:cNvPr id="66" name="TextBox 65">
             <a:extLst>
               <a:ext uri="{FF2B5EF4-FFF2-40B4-BE49-F238E27FC236}">
-                <a16:creationId xmlns="" xmlns:a16="http://schemas.microsoft.com/office/drawing/2014/main" id="{EA7F15EB-6AA1-4C76-921F-2B04B74B1885}"/>
+                <a16:creationId xmlns:a16="http://schemas.microsoft.com/office/drawing/2014/main" xmlns="" id="{EA7F15EB-6AA1-4C76-921F-2B04B74B1885}"/>
               </a:ext>
             </a:extLst>
           </p:cNvPr>
@@ -15471,7 +15470,7 @@
           <p:cNvPr id="76" name="Oval 75">
             <a:extLst>
               <a:ext uri="{FF2B5EF4-FFF2-40B4-BE49-F238E27FC236}">
-                <a16:creationId xmlns="" xmlns:a16="http://schemas.microsoft.com/office/drawing/2014/main" id="{70018B8E-C8EA-4592-B666-4DD6915C2DAF}"/>
+                <a16:creationId xmlns:a16="http://schemas.microsoft.com/office/drawing/2014/main" xmlns="" id="{70018B8E-C8EA-4592-B666-4DD6915C2DAF}"/>
               </a:ext>
             </a:extLst>
           </p:cNvPr>
@@ -15527,7 +15526,7 @@
           <p:cNvPr id="77" name="TextBox 76">
             <a:extLst>
               <a:ext uri="{FF2B5EF4-FFF2-40B4-BE49-F238E27FC236}">
-                <a16:creationId xmlns="" xmlns:a16="http://schemas.microsoft.com/office/drawing/2014/main" id="{EA7F15EB-6AA1-4C76-921F-2B04B74B1885}"/>
+                <a16:creationId xmlns:a16="http://schemas.microsoft.com/office/drawing/2014/main" xmlns="" id="{EA7F15EB-6AA1-4C76-921F-2B04B74B1885}"/>
               </a:ext>
             </a:extLst>
           </p:cNvPr>
@@ -15569,7 +15568,7 @@
           <p:cNvPr id="87" name="Oval 86">
             <a:extLst>
               <a:ext uri="{FF2B5EF4-FFF2-40B4-BE49-F238E27FC236}">
-                <a16:creationId xmlns="" xmlns:a16="http://schemas.microsoft.com/office/drawing/2014/main" id="{70018B8E-C8EA-4592-B666-4DD6915C2DAF}"/>
+                <a16:creationId xmlns:a16="http://schemas.microsoft.com/office/drawing/2014/main" xmlns="" id="{70018B8E-C8EA-4592-B666-4DD6915C2DAF}"/>
               </a:ext>
             </a:extLst>
           </p:cNvPr>
@@ -15625,7 +15624,7 @@
           <p:cNvPr id="88" name="Straight Arrow Connector 87">
             <a:extLst>
               <a:ext uri="{FF2B5EF4-FFF2-40B4-BE49-F238E27FC236}">
-                <a16:creationId xmlns="" xmlns:a16="http://schemas.microsoft.com/office/drawing/2014/main" id="{D5D1DDE3-D551-4E6B-AD34-6FBA1762CCD0}"/>
+                <a16:creationId xmlns:a16="http://schemas.microsoft.com/office/drawing/2014/main" xmlns="" id="{D5D1DDE3-D551-4E6B-AD34-6FBA1762CCD0}"/>
               </a:ext>
             </a:extLst>
           </p:cNvPr>
@@ -15669,7 +15668,7 @@
           <p:cNvPr id="89" name="TextBox 88">
             <a:extLst>
               <a:ext uri="{FF2B5EF4-FFF2-40B4-BE49-F238E27FC236}">
-                <a16:creationId xmlns="" xmlns:a16="http://schemas.microsoft.com/office/drawing/2014/main" id="{EA7F15EB-6AA1-4C76-921F-2B04B74B1885}"/>
+                <a16:creationId xmlns:a16="http://schemas.microsoft.com/office/drawing/2014/main" xmlns="" id="{EA7F15EB-6AA1-4C76-921F-2B04B74B1885}"/>
               </a:ext>
             </a:extLst>
           </p:cNvPr>
@@ -15711,7 +15710,7 @@
           <p:cNvPr id="91" name="Oval 90">
             <a:extLst>
               <a:ext uri="{FF2B5EF4-FFF2-40B4-BE49-F238E27FC236}">
-                <a16:creationId xmlns="" xmlns:a16="http://schemas.microsoft.com/office/drawing/2014/main" id="{70018B8E-C8EA-4592-B666-4DD6915C2DAF}"/>
+                <a16:creationId xmlns:a16="http://schemas.microsoft.com/office/drawing/2014/main" xmlns="" id="{70018B8E-C8EA-4592-B666-4DD6915C2DAF}"/>
               </a:ext>
             </a:extLst>
           </p:cNvPr>
@@ -15767,7 +15766,7 @@
           <p:cNvPr id="92" name="Straight Arrow Connector 91">
             <a:extLst>
               <a:ext uri="{FF2B5EF4-FFF2-40B4-BE49-F238E27FC236}">
-                <a16:creationId xmlns="" xmlns:a16="http://schemas.microsoft.com/office/drawing/2014/main" id="{D5D1DDE3-D551-4E6B-AD34-6FBA1762CCD0}"/>
+                <a16:creationId xmlns:a16="http://schemas.microsoft.com/office/drawing/2014/main" xmlns="" id="{D5D1DDE3-D551-4E6B-AD34-6FBA1762CCD0}"/>
               </a:ext>
             </a:extLst>
           </p:cNvPr>
@@ -15811,7 +15810,7 @@
           <p:cNvPr id="93" name="TextBox 92">
             <a:extLst>
               <a:ext uri="{FF2B5EF4-FFF2-40B4-BE49-F238E27FC236}">
-                <a16:creationId xmlns="" xmlns:a16="http://schemas.microsoft.com/office/drawing/2014/main" id="{EA7F15EB-6AA1-4C76-921F-2B04B74B1885}"/>
+                <a16:creationId xmlns:a16="http://schemas.microsoft.com/office/drawing/2014/main" xmlns="" id="{EA7F15EB-6AA1-4C76-921F-2B04B74B1885}"/>
               </a:ext>
             </a:extLst>
           </p:cNvPr>
@@ -15853,7 +15852,7 @@
           <p:cNvPr id="94" name="Oval 93">
             <a:extLst>
               <a:ext uri="{FF2B5EF4-FFF2-40B4-BE49-F238E27FC236}">
-                <a16:creationId xmlns="" xmlns:a16="http://schemas.microsoft.com/office/drawing/2014/main" id="{70018B8E-C8EA-4592-B666-4DD6915C2DAF}"/>
+                <a16:creationId xmlns:a16="http://schemas.microsoft.com/office/drawing/2014/main" xmlns="" id="{70018B8E-C8EA-4592-B666-4DD6915C2DAF}"/>
               </a:ext>
             </a:extLst>
           </p:cNvPr>
@@ -15909,7 +15908,7 @@
           <p:cNvPr id="95" name="TextBox 94">
             <a:extLst>
               <a:ext uri="{FF2B5EF4-FFF2-40B4-BE49-F238E27FC236}">
-                <a16:creationId xmlns="" xmlns:a16="http://schemas.microsoft.com/office/drawing/2014/main" id="{EA7F15EB-6AA1-4C76-921F-2B04B74B1885}"/>
+                <a16:creationId xmlns:a16="http://schemas.microsoft.com/office/drawing/2014/main" xmlns="" id="{EA7F15EB-6AA1-4C76-921F-2B04B74B1885}"/>
               </a:ext>
             </a:extLst>
           </p:cNvPr>
@@ -15951,7 +15950,7 @@
           <p:cNvPr id="96" name="TextBox 95">
             <a:extLst>
               <a:ext uri="{FF2B5EF4-FFF2-40B4-BE49-F238E27FC236}">
-                <a16:creationId xmlns="" xmlns:a16="http://schemas.microsoft.com/office/drawing/2014/main" id="{A3A739BC-7FC3-41A9-BB1E-19B55BC9B39C}"/>
+                <a16:creationId xmlns:a16="http://schemas.microsoft.com/office/drawing/2014/main" xmlns="" id="{A3A739BC-7FC3-41A9-BB1E-19B55BC9B39C}"/>
               </a:ext>
             </a:extLst>
           </p:cNvPr>
@@ -16004,7 +16003,7 @@
           <p:cNvPr id="97" name="TextBox 96">
             <a:extLst>
               <a:ext uri="{FF2B5EF4-FFF2-40B4-BE49-F238E27FC236}">
-                <a16:creationId xmlns="" xmlns:a16="http://schemas.microsoft.com/office/drawing/2014/main" id="{A3A739BC-7FC3-41A9-BB1E-19B55BC9B39C}"/>
+                <a16:creationId xmlns:a16="http://schemas.microsoft.com/office/drawing/2014/main" xmlns="" id="{A3A739BC-7FC3-41A9-BB1E-19B55BC9B39C}"/>
               </a:ext>
             </a:extLst>
           </p:cNvPr>
@@ -16057,7 +16056,7 @@
           <p:cNvPr id="98" name="Straight Arrow Connector 97">
             <a:extLst>
               <a:ext uri="{FF2B5EF4-FFF2-40B4-BE49-F238E27FC236}">
-                <a16:creationId xmlns="" xmlns:a16="http://schemas.microsoft.com/office/drawing/2014/main" id="{D5D1DDE3-D551-4E6B-AD34-6FBA1762CCD0}"/>
+                <a16:creationId xmlns:a16="http://schemas.microsoft.com/office/drawing/2014/main" xmlns="" id="{D5D1DDE3-D551-4E6B-AD34-6FBA1762CCD0}"/>
               </a:ext>
             </a:extLst>
           </p:cNvPr>
@@ -16101,7 +16100,7 @@
           <p:cNvPr id="99" name="Straight Arrow Connector 98">
             <a:extLst>
               <a:ext uri="{FF2B5EF4-FFF2-40B4-BE49-F238E27FC236}">
-                <a16:creationId xmlns="" xmlns:a16="http://schemas.microsoft.com/office/drawing/2014/main" id="{D5D1DDE3-D551-4E6B-AD34-6FBA1762CCD0}"/>
+                <a16:creationId xmlns:a16="http://schemas.microsoft.com/office/drawing/2014/main" xmlns="" id="{D5D1DDE3-D551-4E6B-AD34-6FBA1762CCD0}"/>
               </a:ext>
             </a:extLst>
           </p:cNvPr>
@@ -16145,7 +16144,7 @@
           <p:cNvPr id="100" name="Straight Arrow Connector 99">
             <a:extLst>
               <a:ext uri="{FF2B5EF4-FFF2-40B4-BE49-F238E27FC236}">
-                <a16:creationId xmlns="" xmlns:a16="http://schemas.microsoft.com/office/drawing/2014/main" id="{D5D1DDE3-D551-4E6B-AD34-6FBA1762CCD0}"/>
+                <a16:creationId xmlns:a16="http://schemas.microsoft.com/office/drawing/2014/main" xmlns="" id="{D5D1DDE3-D551-4E6B-AD34-6FBA1762CCD0}"/>
               </a:ext>
             </a:extLst>
           </p:cNvPr>
@@ -16189,7 +16188,7 @@
           <p:cNvPr id="102" name="TextBox 101">
             <a:extLst>
               <a:ext uri="{FF2B5EF4-FFF2-40B4-BE49-F238E27FC236}">
-                <a16:creationId xmlns="" xmlns:a16="http://schemas.microsoft.com/office/drawing/2014/main" id="{DCF44781-E941-421E-89BE-0ABCA37EDACB}"/>
+                <a16:creationId xmlns:a16="http://schemas.microsoft.com/office/drawing/2014/main" xmlns="" id="{DCF44781-E941-421E-89BE-0ABCA37EDACB}"/>
               </a:ext>
             </a:extLst>
           </p:cNvPr>
@@ -16242,7 +16241,7 @@
           <p:cNvPr id="105" name="TextBox 104">
             <a:extLst>
               <a:ext uri="{FF2B5EF4-FFF2-40B4-BE49-F238E27FC236}">
-                <a16:creationId xmlns="" xmlns:a16="http://schemas.microsoft.com/office/drawing/2014/main" id="{E2424417-DD1B-4E8D-A2A5-F034A489C27A}"/>
+                <a16:creationId xmlns:a16="http://schemas.microsoft.com/office/drawing/2014/main" xmlns="" id="{E2424417-DD1B-4E8D-A2A5-F034A489C27A}"/>
               </a:ext>
             </a:extLst>
           </p:cNvPr>
@@ -16295,7 +16294,7 @@
           <p:cNvPr id="106" name="TextBox 105">
             <a:extLst>
               <a:ext uri="{FF2B5EF4-FFF2-40B4-BE49-F238E27FC236}">
-                <a16:creationId xmlns="" xmlns:a16="http://schemas.microsoft.com/office/drawing/2014/main" id="{226BC8B6-2411-443E-BEE4-F24BDE166FA2}"/>
+                <a16:creationId xmlns:a16="http://schemas.microsoft.com/office/drawing/2014/main" xmlns="" id="{226BC8B6-2411-443E-BEE4-F24BDE166FA2}"/>
               </a:ext>
             </a:extLst>
           </p:cNvPr>
@@ -16348,7 +16347,7 @@
           <p:cNvPr id="107" name="TextBox 106">
             <a:extLst>
               <a:ext uri="{FF2B5EF4-FFF2-40B4-BE49-F238E27FC236}">
-                <a16:creationId xmlns="" xmlns:a16="http://schemas.microsoft.com/office/drawing/2014/main" id="{53330DED-8238-48AB-B79C-3155945E34EF}"/>
+                <a16:creationId xmlns:a16="http://schemas.microsoft.com/office/drawing/2014/main" xmlns="" id="{53330DED-8238-48AB-B79C-3155945E34EF}"/>
               </a:ext>
             </a:extLst>
           </p:cNvPr>
@@ -16415,7 +16414,7 @@
           <p:cNvPr id="108" name="TextBox 107">
             <a:extLst>
               <a:ext uri="{FF2B5EF4-FFF2-40B4-BE49-F238E27FC236}">
-                <a16:creationId xmlns="" xmlns:a16="http://schemas.microsoft.com/office/drawing/2014/main" id="{53330DED-8238-48AB-B79C-3155945E34EF}"/>
+                <a16:creationId xmlns:a16="http://schemas.microsoft.com/office/drawing/2014/main" xmlns="" id="{53330DED-8238-48AB-B79C-3155945E34EF}"/>
               </a:ext>
             </a:extLst>
           </p:cNvPr>
@@ -16482,7 +16481,7 @@
           <p:cNvPr id="110" name="Straight Arrow Connector 109">
             <a:extLst>
               <a:ext uri="{FF2B5EF4-FFF2-40B4-BE49-F238E27FC236}">
-                <a16:creationId xmlns="" xmlns:a16="http://schemas.microsoft.com/office/drawing/2014/main" id="{D5D1DDE3-D551-4E6B-AD34-6FBA1762CCD0}"/>
+                <a16:creationId xmlns:a16="http://schemas.microsoft.com/office/drawing/2014/main" xmlns="" id="{D5D1DDE3-D551-4E6B-AD34-6FBA1762CCD0}"/>
               </a:ext>
             </a:extLst>
           </p:cNvPr>
@@ -16594,7 +16593,7 @@
           <p:cNvPr id="45" name="Oval 44">
             <a:extLst>
               <a:ext uri="{FF2B5EF4-FFF2-40B4-BE49-F238E27FC236}">
-                <a16:creationId xmlns="" xmlns:a16="http://schemas.microsoft.com/office/drawing/2014/main" id="{70018B8E-C8EA-4592-B666-4DD6915C2DAF}"/>
+                <a16:creationId xmlns:a16="http://schemas.microsoft.com/office/drawing/2014/main" xmlns="" id="{70018B8E-C8EA-4592-B666-4DD6915C2DAF}"/>
               </a:ext>
             </a:extLst>
           </p:cNvPr>
@@ -16652,7 +16651,7 @@
           <p:cNvPr id="46" name="Oval 45">
             <a:extLst>
               <a:ext uri="{FF2B5EF4-FFF2-40B4-BE49-F238E27FC236}">
-                <a16:creationId xmlns="" xmlns:a16="http://schemas.microsoft.com/office/drawing/2014/main" id="{70018B8E-C8EA-4592-B666-4DD6915C2DAF}"/>
+                <a16:creationId xmlns:a16="http://schemas.microsoft.com/office/drawing/2014/main" xmlns="" id="{70018B8E-C8EA-4592-B666-4DD6915C2DAF}"/>
               </a:ext>
             </a:extLst>
           </p:cNvPr>
@@ -16710,7 +16709,7 @@
           <p:cNvPr id="47" name="TextBox 46">
             <a:extLst>
               <a:ext uri="{FF2B5EF4-FFF2-40B4-BE49-F238E27FC236}">
-                <a16:creationId xmlns="" xmlns:a16="http://schemas.microsoft.com/office/drawing/2014/main" id="{226BC8B6-2411-443E-BEE4-F24BDE166FA2}"/>
+                <a16:creationId xmlns:a16="http://schemas.microsoft.com/office/drawing/2014/main" xmlns="" id="{226BC8B6-2411-443E-BEE4-F24BDE166FA2}"/>
               </a:ext>
             </a:extLst>
           </p:cNvPr>
@@ -16763,7 +16762,7 @@
           <p:cNvPr id="48" name="Oval 47">
             <a:extLst>
               <a:ext uri="{FF2B5EF4-FFF2-40B4-BE49-F238E27FC236}">
-                <a16:creationId xmlns="" xmlns:a16="http://schemas.microsoft.com/office/drawing/2014/main" id="{70018B8E-C8EA-4592-B666-4DD6915C2DAF}"/>
+                <a16:creationId xmlns:a16="http://schemas.microsoft.com/office/drawing/2014/main" xmlns="" id="{70018B8E-C8EA-4592-B666-4DD6915C2DAF}"/>
               </a:ext>
             </a:extLst>
           </p:cNvPr>
@@ -16821,7 +16820,7 @@
           <p:cNvPr id="49" name="Oval 48">
             <a:extLst>
               <a:ext uri="{FF2B5EF4-FFF2-40B4-BE49-F238E27FC236}">
-                <a16:creationId xmlns="" xmlns:a16="http://schemas.microsoft.com/office/drawing/2014/main" id="{70018B8E-C8EA-4592-B666-4DD6915C2DAF}"/>
+                <a16:creationId xmlns:a16="http://schemas.microsoft.com/office/drawing/2014/main" xmlns="" id="{70018B8E-C8EA-4592-B666-4DD6915C2DAF}"/>
               </a:ext>
             </a:extLst>
           </p:cNvPr>
@@ -17714,7 +17713,7 @@
           <p:cNvPr id="2" name="Title 1">
             <a:extLst>
               <a:ext uri="{FF2B5EF4-FFF2-40B4-BE49-F238E27FC236}">
-                <a16:creationId xmlns="" xmlns:a16="http://schemas.microsoft.com/office/drawing/2014/main" id="{C14F0455-9ED9-4652-8FD6-9C284BE2F092}"/>
+                <a16:creationId xmlns:a16="http://schemas.microsoft.com/office/drawing/2014/main" xmlns="" id="{C14F0455-9ED9-4652-8FD6-9C284BE2F092}"/>
               </a:ext>
             </a:extLst>
           </p:cNvPr>
@@ -17757,7 +17756,7 @@
           <p:cNvPr id="3" name="Text Placeholder 2">
             <a:extLst>
               <a:ext uri="{FF2B5EF4-FFF2-40B4-BE49-F238E27FC236}">
-                <a16:creationId xmlns="" xmlns:a16="http://schemas.microsoft.com/office/drawing/2014/main" id="{8136025E-6B8D-4575-9E2B-B0AAB8CAC233}"/>
+                <a16:creationId xmlns:a16="http://schemas.microsoft.com/office/drawing/2014/main" xmlns="" id="{8136025E-6B8D-4575-9E2B-B0AAB8CAC233}"/>
               </a:ext>
             </a:extLst>
           </p:cNvPr>
@@ -17822,7 +17821,7 @@
           <p:cNvPr id="109" name="Rectangle: Single Corner Snipped 39">
             <a:extLst>
               <a:ext uri="{FF2B5EF4-FFF2-40B4-BE49-F238E27FC236}">
-                <a16:creationId xmlns="" xmlns:a16="http://schemas.microsoft.com/office/drawing/2014/main" id="{331B82C4-A8A8-4CAA-9AD1-5A2312BDD52B}"/>
+                <a16:creationId xmlns:a16="http://schemas.microsoft.com/office/drawing/2014/main" xmlns="" id="{331B82C4-A8A8-4CAA-9AD1-5A2312BDD52B}"/>
               </a:ext>
             </a:extLst>
           </p:cNvPr>
@@ -17905,7 +17904,7 @@
           <p:cNvPr id="103" name="Rectangle: Single Corner Snipped 53">
             <a:extLst>
               <a:ext uri="{FF2B5EF4-FFF2-40B4-BE49-F238E27FC236}">
-                <a16:creationId xmlns="" xmlns:a16="http://schemas.microsoft.com/office/drawing/2014/main" id="{7A50EE12-18BC-43CD-9927-59B1DBE1FF93}"/>
+                <a16:creationId xmlns:a16="http://schemas.microsoft.com/office/drawing/2014/main" xmlns="" id="{7A50EE12-18BC-43CD-9927-59B1DBE1FF93}"/>
               </a:ext>
             </a:extLst>
           </p:cNvPr>
@@ -18056,7 +18055,7 @@
           <p:cNvPr id="101" name="Rectangle: Single Corner Snipped 54">
             <a:extLst>
               <a:ext uri="{FF2B5EF4-FFF2-40B4-BE49-F238E27FC236}">
-                <a16:creationId xmlns="" xmlns:a16="http://schemas.microsoft.com/office/drawing/2014/main" id="{5DD2CB3A-1BD2-41AE-B00E-AF542B712862}"/>
+                <a16:creationId xmlns:a16="http://schemas.microsoft.com/office/drawing/2014/main" xmlns="" id="{5DD2CB3A-1BD2-41AE-B00E-AF542B712862}"/>
               </a:ext>
             </a:extLst>
           </p:cNvPr>
@@ -18137,7 +18136,7 @@
           <p:cNvPr id="3" name="Title 2">
             <a:extLst>
               <a:ext uri="{FF2B5EF4-FFF2-40B4-BE49-F238E27FC236}">
-                <a16:creationId xmlns="" xmlns:a16="http://schemas.microsoft.com/office/drawing/2014/main" id="{A8704E41-3486-46BD-8AA7-B6B5D28F95A5}"/>
+                <a16:creationId xmlns:a16="http://schemas.microsoft.com/office/drawing/2014/main" xmlns="" id="{A8704E41-3486-46BD-8AA7-B6B5D28F95A5}"/>
               </a:ext>
             </a:extLst>
           </p:cNvPr>
@@ -18166,7 +18165,7 @@
           <p:cNvPr id="4" name="Slide Number Placeholder 3">
             <a:extLst>
               <a:ext uri="{FF2B5EF4-FFF2-40B4-BE49-F238E27FC236}">
-                <a16:creationId xmlns="" xmlns:a16="http://schemas.microsoft.com/office/drawing/2014/main" id="{02CD92EA-E9CB-4F4C-B1B9-840F11B55DC5}"/>
+                <a16:creationId xmlns:a16="http://schemas.microsoft.com/office/drawing/2014/main" xmlns="" id="{02CD92EA-E9CB-4F4C-B1B9-840F11B55DC5}"/>
               </a:ext>
             </a:extLst>
           </p:cNvPr>
@@ -18212,7 +18211,7 @@
           <p:cNvPr id="5" name="Text Placeholder 4">
             <a:extLst>
               <a:ext uri="{FF2B5EF4-FFF2-40B4-BE49-F238E27FC236}">
-                <a16:creationId xmlns="" xmlns:a16="http://schemas.microsoft.com/office/drawing/2014/main" id="{C22D9F79-04C1-4762-96D6-F3FE8172F1B1}"/>
+                <a16:creationId xmlns:a16="http://schemas.microsoft.com/office/drawing/2014/main" xmlns="" id="{C22D9F79-04C1-4762-96D6-F3FE8172F1B1}"/>
               </a:ext>
             </a:extLst>
           </p:cNvPr>
@@ -18237,7 +18236,7 @@
           <p:cNvPr id="29" name="Oval 28">
             <a:extLst>
               <a:ext uri="{FF2B5EF4-FFF2-40B4-BE49-F238E27FC236}">
-                <a16:creationId xmlns="" xmlns:a16="http://schemas.microsoft.com/office/drawing/2014/main" id="{70018B8E-C8EA-4592-B666-4DD6915C2DAF}"/>
+                <a16:creationId xmlns:a16="http://schemas.microsoft.com/office/drawing/2014/main" xmlns="" id="{70018B8E-C8EA-4592-B666-4DD6915C2DAF}"/>
               </a:ext>
             </a:extLst>
           </p:cNvPr>
@@ -18293,7 +18292,7 @@
           <p:cNvPr id="32" name="Straight Arrow Connector 31">
             <a:extLst>
               <a:ext uri="{FF2B5EF4-FFF2-40B4-BE49-F238E27FC236}">
-                <a16:creationId xmlns="" xmlns:a16="http://schemas.microsoft.com/office/drawing/2014/main" id="{D5D1DDE3-D551-4E6B-AD34-6FBA1762CCD0}"/>
+                <a16:creationId xmlns:a16="http://schemas.microsoft.com/office/drawing/2014/main" xmlns="" id="{D5D1DDE3-D551-4E6B-AD34-6FBA1762CCD0}"/>
               </a:ext>
             </a:extLst>
           </p:cNvPr>
@@ -18337,7 +18336,7 @@
           <p:cNvPr id="34" name="TextBox 33">
             <a:extLst>
               <a:ext uri="{FF2B5EF4-FFF2-40B4-BE49-F238E27FC236}">
-                <a16:creationId xmlns="" xmlns:a16="http://schemas.microsoft.com/office/drawing/2014/main" id="{EA7F15EB-6AA1-4C76-921F-2B04B74B1885}"/>
+                <a16:creationId xmlns:a16="http://schemas.microsoft.com/office/drawing/2014/main" xmlns="" id="{EA7F15EB-6AA1-4C76-921F-2B04B74B1885}"/>
               </a:ext>
             </a:extLst>
           </p:cNvPr>
@@ -18379,7 +18378,7 @@
           <p:cNvPr id="53" name="Oval 52">
             <a:extLst>
               <a:ext uri="{FF2B5EF4-FFF2-40B4-BE49-F238E27FC236}">
-                <a16:creationId xmlns="" xmlns:a16="http://schemas.microsoft.com/office/drawing/2014/main" id="{70018B8E-C8EA-4592-B666-4DD6915C2DAF}"/>
+                <a16:creationId xmlns:a16="http://schemas.microsoft.com/office/drawing/2014/main" xmlns="" id="{70018B8E-C8EA-4592-B666-4DD6915C2DAF}"/>
               </a:ext>
             </a:extLst>
           </p:cNvPr>
@@ -18435,7 +18434,7 @@
           <p:cNvPr id="57" name="Straight Arrow Connector 56">
             <a:extLst>
               <a:ext uri="{FF2B5EF4-FFF2-40B4-BE49-F238E27FC236}">
-                <a16:creationId xmlns="" xmlns:a16="http://schemas.microsoft.com/office/drawing/2014/main" id="{D5D1DDE3-D551-4E6B-AD34-6FBA1762CCD0}"/>
+                <a16:creationId xmlns:a16="http://schemas.microsoft.com/office/drawing/2014/main" xmlns="" id="{D5D1DDE3-D551-4E6B-AD34-6FBA1762CCD0}"/>
               </a:ext>
             </a:extLst>
           </p:cNvPr>
@@ -18479,7 +18478,7 @@
           <p:cNvPr id="59" name="TextBox 58">
             <a:extLst>
               <a:ext uri="{FF2B5EF4-FFF2-40B4-BE49-F238E27FC236}">
-                <a16:creationId xmlns="" xmlns:a16="http://schemas.microsoft.com/office/drawing/2014/main" id="{EA7F15EB-6AA1-4C76-921F-2B04B74B1885}"/>
+                <a16:creationId xmlns:a16="http://schemas.microsoft.com/office/drawing/2014/main" xmlns="" id="{EA7F15EB-6AA1-4C76-921F-2B04B74B1885}"/>
               </a:ext>
             </a:extLst>
           </p:cNvPr>
@@ -18521,7 +18520,7 @@
           <p:cNvPr id="60" name="Oval 59">
             <a:extLst>
               <a:ext uri="{FF2B5EF4-FFF2-40B4-BE49-F238E27FC236}">
-                <a16:creationId xmlns="" xmlns:a16="http://schemas.microsoft.com/office/drawing/2014/main" id="{70018B8E-C8EA-4592-B666-4DD6915C2DAF}"/>
+                <a16:creationId xmlns:a16="http://schemas.microsoft.com/office/drawing/2014/main" xmlns="" id="{70018B8E-C8EA-4592-B666-4DD6915C2DAF}"/>
               </a:ext>
             </a:extLst>
           </p:cNvPr>
@@ -18577,7 +18576,7 @@
           <p:cNvPr id="61" name="Straight Arrow Connector 60">
             <a:extLst>
               <a:ext uri="{FF2B5EF4-FFF2-40B4-BE49-F238E27FC236}">
-                <a16:creationId xmlns="" xmlns:a16="http://schemas.microsoft.com/office/drawing/2014/main" id="{D5D1DDE3-D551-4E6B-AD34-6FBA1762CCD0}"/>
+                <a16:creationId xmlns:a16="http://schemas.microsoft.com/office/drawing/2014/main" xmlns="" id="{D5D1DDE3-D551-4E6B-AD34-6FBA1762CCD0}"/>
               </a:ext>
             </a:extLst>
           </p:cNvPr>
@@ -18621,7 +18620,7 @@
           <p:cNvPr id="62" name="TextBox 61">
             <a:extLst>
               <a:ext uri="{FF2B5EF4-FFF2-40B4-BE49-F238E27FC236}">
-                <a16:creationId xmlns="" xmlns:a16="http://schemas.microsoft.com/office/drawing/2014/main" id="{EA7F15EB-6AA1-4C76-921F-2B04B74B1885}"/>
+                <a16:creationId xmlns:a16="http://schemas.microsoft.com/office/drawing/2014/main" xmlns="" id="{EA7F15EB-6AA1-4C76-921F-2B04B74B1885}"/>
               </a:ext>
             </a:extLst>
           </p:cNvPr>
@@ -18663,7 +18662,7 @@
           <p:cNvPr id="63" name="Oval 62">
             <a:extLst>
               <a:ext uri="{FF2B5EF4-FFF2-40B4-BE49-F238E27FC236}">
-                <a16:creationId xmlns="" xmlns:a16="http://schemas.microsoft.com/office/drawing/2014/main" id="{70018B8E-C8EA-4592-B666-4DD6915C2DAF}"/>
+                <a16:creationId xmlns:a16="http://schemas.microsoft.com/office/drawing/2014/main" xmlns="" id="{70018B8E-C8EA-4592-B666-4DD6915C2DAF}"/>
               </a:ext>
             </a:extLst>
           </p:cNvPr>
@@ -18719,7 +18718,7 @@
           <p:cNvPr id="66" name="TextBox 65">
             <a:extLst>
               <a:ext uri="{FF2B5EF4-FFF2-40B4-BE49-F238E27FC236}">
-                <a16:creationId xmlns="" xmlns:a16="http://schemas.microsoft.com/office/drawing/2014/main" id="{EA7F15EB-6AA1-4C76-921F-2B04B74B1885}"/>
+                <a16:creationId xmlns:a16="http://schemas.microsoft.com/office/drawing/2014/main" xmlns="" id="{EA7F15EB-6AA1-4C76-921F-2B04B74B1885}"/>
               </a:ext>
             </a:extLst>
           </p:cNvPr>
@@ -18761,7 +18760,7 @@
           <p:cNvPr id="67" name="Oval 66">
             <a:extLst>
               <a:ext uri="{FF2B5EF4-FFF2-40B4-BE49-F238E27FC236}">
-                <a16:creationId xmlns="" xmlns:a16="http://schemas.microsoft.com/office/drawing/2014/main" id="{70018B8E-C8EA-4592-B666-4DD6915C2DAF}"/>
+                <a16:creationId xmlns:a16="http://schemas.microsoft.com/office/drawing/2014/main" xmlns="" id="{70018B8E-C8EA-4592-B666-4DD6915C2DAF}"/>
               </a:ext>
             </a:extLst>
           </p:cNvPr>
@@ -18817,7 +18816,7 @@
           <p:cNvPr id="70" name="TextBox 69">
             <a:extLst>
               <a:ext uri="{FF2B5EF4-FFF2-40B4-BE49-F238E27FC236}">
-                <a16:creationId xmlns="" xmlns:a16="http://schemas.microsoft.com/office/drawing/2014/main" id="{EA7F15EB-6AA1-4C76-921F-2B04B74B1885}"/>
+                <a16:creationId xmlns:a16="http://schemas.microsoft.com/office/drawing/2014/main" xmlns="" id="{EA7F15EB-6AA1-4C76-921F-2B04B74B1885}"/>
               </a:ext>
             </a:extLst>
           </p:cNvPr>
@@ -18859,7 +18858,7 @@
           <p:cNvPr id="72" name="Straight Arrow Connector 71">
             <a:extLst>
               <a:ext uri="{FF2B5EF4-FFF2-40B4-BE49-F238E27FC236}">
-                <a16:creationId xmlns="" xmlns:a16="http://schemas.microsoft.com/office/drawing/2014/main" id="{D5D1DDE3-D551-4E6B-AD34-6FBA1762CCD0}"/>
+                <a16:creationId xmlns:a16="http://schemas.microsoft.com/office/drawing/2014/main" xmlns="" id="{D5D1DDE3-D551-4E6B-AD34-6FBA1762CCD0}"/>
               </a:ext>
             </a:extLst>
           </p:cNvPr>
@@ -18903,7 +18902,7 @@
           <p:cNvPr id="76" name="Oval 75">
             <a:extLst>
               <a:ext uri="{FF2B5EF4-FFF2-40B4-BE49-F238E27FC236}">
-                <a16:creationId xmlns="" xmlns:a16="http://schemas.microsoft.com/office/drawing/2014/main" id="{70018B8E-C8EA-4592-B666-4DD6915C2DAF}"/>
+                <a16:creationId xmlns:a16="http://schemas.microsoft.com/office/drawing/2014/main" xmlns="" id="{70018B8E-C8EA-4592-B666-4DD6915C2DAF}"/>
               </a:ext>
             </a:extLst>
           </p:cNvPr>
@@ -18959,7 +18958,7 @@
           <p:cNvPr id="77" name="TextBox 76">
             <a:extLst>
               <a:ext uri="{FF2B5EF4-FFF2-40B4-BE49-F238E27FC236}">
-                <a16:creationId xmlns="" xmlns:a16="http://schemas.microsoft.com/office/drawing/2014/main" id="{EA7F15EB-6AA1-4C76-921F-2B04B74B1885}"/>
+                <a16:creationId xmlns:a16="http://schemas.microsoft.com/office/drawing/2014/main" xmlns="" id="{EA7F15EB-6AA1-4C76-921F-2B04B74B1885}"/>
               </a:ext>
             </a:extLst>
           </p:cNvPr>
@@ -19001,7 +19000,7 @@
           <p:cNvPr id="87" name="Oval 86">
             <a:extLst>
               <a:ext uri="{FF2B5EF4-FFF2-40B4-BE49-F238E27FC236}">
-                <a16:creationId xmlns="" xmlns:a16="http://schemas.microsoft.com/office/drawing/2014/main" id="{70018B8E-C8EA-4592-B666-4DD6915C2DAF}"/>
+                <a16:creationId xmlns:a16="http://schemas.microsoft.com/office/drawing/2014/main" xmlns="" id="{70018B8E-C8EA-4592-B666-4DD6915C2DAF}"/>
               </a:ext>
             </a:extLst>
           </p:cNvPr>
@@ -19057,7 +19056,7 @@
           <p:cNvPr id="88" name="Straight Arrow Connector 87">
             <a:extLst>
               <a:ext uri="{FF2B5EF4-FFF2-40B4-BE49-F238E27FC236}">
-                <a16:creationId xmlns="" xmlns:a16="http://schemas.microsoft.com/office/drawing/2014/main" id="{D5D1DDE3-D551-4E6B-AD34-6FBA1762CCD0}"/>
+                <a16:creationId xmlns:a16="http://schemas.microsoft.com/office/drawing/2014/main" xmlns="" id="{D5D1DDE3-D551-4E6B-AD34-6FBA1762CCD0}"/>
               </a:ext>
             </a:extLst>
           </p:cNvPr>
@@ -19101,7 +19100,7 @@
           <p:cNvPr id="89" name="TextBox 88">
             <a:extLst>
               <a:ext uri="{FF2B5EF4-FFF2-40B4-BE49-F238E27FC236}">
-                <a16:creationId xmlns="" xmlns:a16="http://schemas.microsoft.com/office/drawing/2014/main" id="{EA7F15EB-6AA1-4C76-921F-2B04B74B1885}"/>
+                <a16:creationId xmlns:a16="http://schemas.microsoft.com/office/drawing/2014/main" xmlns="" id="{EA7F15EB-6AA1-4C76-921F-2B04B74B1885}"/>
               </a:ext>
             </a:extLst>
           </p:cNvPr>
@@ -19143,7 +19142,7 @@
           <p:cNvPr id="91" name="Oval 90">
             <a:extLst>
               <a:ext uri="{FF2B5EF4-FFF2-40B4-BE49-F238E27FC236}">
-                <a16:creationId xmlns="" xmlns:a16="http://schemas.microsoft.com/office/drawing/2014/main" id="{70018B8E-C8EA-4592-B666-4DD6915C2DAF}"/>
+                <a16:creationId xmlns:a16="http://schemas.microsoft.com/office/drawing/2014/main" xmlns="" id="{70018B8E-C8EA-4592-B666-4DD6915C2DAF}"/>
               </a:ext>
             </a:extLst>
           </p:cNvPr>
@@ -19199,7 +19198,7 @@
           <p:cNvPr id="92" name="Straight Arrow Connector 91">
             <a:extLst>
               <a:ext uri="{FF2B5EF4-FFF2-40B4-BE49-F238E27FC236}">
-                <a16:creationId xmlns="" xmlns:a16="http://schemas.microsoft.com/office/drawing/2014/main" id="{D5D1DDE3-D551-4E6B-AD34-6FBA1762CCD0}"/>
+                <a16:creationId xmlns:a16="http://schemas.microsoft.com/office/drawing/2014/main" xmlns="" id="{D5D1DDE3-D551-4E6B-AD34-6FBA1762CCD0}"/>
               </a:ext>
             </a:extLst>
           </p:cNvPr>
@@ -19243,7 +19242,7 @@
           <p:cNvPr id="93" name="TextBox 92">
             <a:extLst>
               <a:ext uri="{FF2B5EF4-FFF2-40B4-BE49-F238E27FC236}">
-                <a16:creationId xmlns="" xmlns:a16="http://schemas.microsoft.com/office/drawing/2014/main" id="{EA7F15EB-6AA1-4C76-921F-2B04B74B1885}"/>
+                <a16:creationId xmlns:a16="http://schemas.microsoft.com/office/drawing/2014/main" xmlns="" id="{EA7F15EB-6AA1-4C76-921F-2B04B74B1885}"/>
               </a:ext>
             </a:extLst>
           </p:cNvPr>
@@ -19285,7 +19284,7 @@
           <p:cNvPr id="94" name="Oval 93">
             <a:extLst>
               <a:ext uri="{FF2B5EF4-FFF2-40B4-BE49-F238E27FC236}">
-                <a16:creationId xmlns="" xmlns:a16="http://schemas.microsoft.com/office/drawing/2014/main" id="{70018B8E-C8EA-4592-B666-4DD6915C2DAF}"/>
+                <a16:creationId xmlns:a16="http://schemas.microsoft.com/office/drawing/2014/main" xmlns="" id="{70018B8E-C8EA-4592-B666-4DD6915C2DAF}"/>
               </a:ext>
             </a:extLst>
           </p:cNvPr>
@@ -19341,7 +19340,7 @@
           <p:cNvPr id="95" name="TextBox 94">
             <a:extLst>
               <a:ext uri="{FF2B5EF4-FFF2-40B4-BE49-F238E27FC236}">
-                <a16:creationId xmlns="" xmlns:a16="http://schemas.microsoft.com/office/drawing/2014/main" id="{EA7F15EB-6AA1-4C76-921F-2B04B74B1885}"/>
+                <a16:creationId xmlns:a16="http://schemas.microsoft.com/office/drawing/2014/main" xmlns="" id="{EA7F15EB-6AA1-4C76-921F-2B04B74B1885}"/>
               </a:ext>
             </a:extLst>
           </p:cNvPr>
@@ -19383,7 +19382,7 @@
           <p:cNvPr id="96" name="TextBox 95">
             <a:extLst>
               <a:ext uri="{FF2B5EF4-FFF2-40B4-BE49-F238E27FC236}">
-                <a16:creationId xmlns="" xmlns:a16="http://schemas.microsoft.com/office/drawing/2014/main" id="{A3A739BC-7FC3-41A9-BB1E-19B55BC9B39C}"/>
+                <a16:creationId xmlns:a16="http://schemas.microsoft.com/office/drawing/2014/main" xmlns="" id="{A3A739BC-7FC3-41A9-BB1E-19B55BC9B39C}"/>
               </a:ext>
             </a:extLst>
           </p:cNvPr>
@@ -19436,7 +19435,7 @@
           <p:cNvPr id="97" name="TextBox 96">
             <a:extLst>
               <a:ext uri="{FF2B5EF4-FFF2-40B4-BE49-F238E27FC236}">
-                <a16:creationId xmlns="" xmlns:a16="http://schemas.microsoft.com/office/drawing/2014/main" id="{A3A739BC-7FC3-41A9-BB1E-19B55BC9B39C}"/>
+                <a16:creationId xmlns:a16="http://schemas.microsoft.com/office/drawing/2014/main" xmlns="" id="{A3A739BC-7FC3-41A9-BB1E-19B55BC9B39C}"/>
               </a:ext>
             </a:extLst>
           </p:cNvPr>
@@ -19489,7 +19488,7 @@
           <p:cNvPr id="98" name="Straight Arrow Connector 97">
             <a:extLst>
               <a:ext uri="{FF2B5EF4-FFF2-40B4-BE49-F238E27FC236}">
-                <a16:creationId xmlns="" xmlns:a16="http://schemas.microsoft.com/office/drawing/2014/main" id="{D5D1DDE3-D551-4E6B-AD34-6FBA1762CCD0}"/>
+                <a16:creationId xmlns:a16="http://schemas.microsoft.com/office/drawing/2014/main" xmlns="" id="{D5D1DDE3-D551-4E6B-AD34-6FBA1762CCD0}"/>
               </a:ext>
             </a:extLst>
           </p:cNvPr>
@@ -19533,7 +19532,7 @@
           <p:cNvPr id="99" name="Straight Arrow Connector 98">
             <a:extLst>
               <a:ext uri="{FF2B5EF4-FFF2-40B4-BE49-F238E27FC236}">
-                <a16:creationId xmlns="" xmlns:a16="http://schemas.microsoft.com/office/drawing/2014/main" id="{D5D1DDE3-D551-4E6B-AD34-6FBA1762CCD0}"/>
+                <a16:creationId xmlns:a16="http://schemas.microsoft.com/office/drawing/2014/main" xmlns="" id="{D5D1DDE3-D551-4E6B-AD34-6FBA1762CCD0}"/>
               </a:ext>
             </a:extLst>
           </p:cNvPr>
@@ -19577,7 +19576,7 @@
           <p:cNvPr id="100" name="Straight Arrow Connector 99">
             <a:extLst>
               <a:ext uri="{FF2B5EF4-FFF2-40B4-BE49-F238E27FC236}">
-                <a16:creationId xmlns="" xmlns:a16="http://schemas.microsoft.com/office/drawing/2014/main" id="{D5D1DDE3-D551-4E6B-AD34-6FBA1762CCD0}"/>
+                <a16:creationId xmlns:a16="http://schemas.microsoft.com/office/drawing/2014/main" xmlns="" id="{D5D1DDE3-D551-4E6B-AD34-6FBA1762CCD0}"/>
               </a:ext>
             </a:extLst>
           </p:cNvPr>
@@ -19621,7 +19620,7 @@
           <p:cNvPr id="102" name="TextBox 101">
             <a:extLst>
               <a:ext uri="{FF2B5EF4-FFF2-40B4-BE49-F238E27FC236}">
-                <a16:creationId xmlns="" xmlns:a16="http://schemas.microsoft.com/office/drawing/2014/main" id="{DCF44781-E941-421E-89BE-0ABCA37EDACB}"/>
+                <a16:creationId xmlns:a16="http://schemas.microsoft.com/office/drawing/2014/main" xmlns="" id="{DCF44781-E941-421E-89BE-0ABCA37EDACB}"/>
               </a:ext>
             </a:extLst>
           </p:cNvPr>
@@ -19674,7 +19673,7 @@
           <p:cNvPr id="105" name="TextBox 104">
             <a:extLst>
               <a:ext uri="{FF2B5EF4-FFF2-40B4-BE49-F238E27FC236}">
-                <a16:creationId xmlns="" xmlns:a16="http://schemas.microsoft.com/office/drawing/2014/main" id="{E2424417-DD1B-4E8D-A2A5-F034A489C27A}"/>
+                <a16:creationId xmlns:a16="http://schemas.microsoft.com/office/drawing/2014/main" xmlns="" id="{E2424417-DD1B-4E8D-A2A5-F034A489C27A}"/>
               </a:ext>
             </a:extLst>
           </p:cNvPr>
@@ -19727,7 +19726,7 @@
           <p:cNvPr id="106" name="TextBox 105">
             <a:extLst>
               <a:ext uri="{FF2B5EF4-FFF2-40B4-BE49-F238E27FC236}">
-                <a16:creationId xmlns="" xmlns:a16="http://schemas.microsoft.com/office/drawing/2014/main" id="{226BC8B6-2411-443E-BEE4-F24BDE166FA2}"/>
+                <a16:creationId xmlns:a16="http://schemas.microsoft.com/office/drawing/2014/main" xmlns="" id="{226BC8B6-2411-443E-BEE4-F24BDE166FA2}"/>
               </a:ext>
             </a:extLst>
           </p:cNvPr>
@@ -19780,7 +19779,7 @@
           <p:cNvPr id="107" name="TextBox 106">
             <a:extLst>
               <a:ext uri="{FF2B5EF4-FFF2-40B4-BE49-F238E27FC236}">
-                <a16:creationId xmlns="" xmlns:a16="http://schemas.microsoft.com/office/drawing/2014/main" id="{53330DED-8238-48AB-B79C-3155945E34EF}"/>
+                <a16:creationId xmlns:a16="http://schemas.microsoft.com/office/drawing/2014/main" xmlns="" id="{53330DED-8238-48AB-B79C-3155945E34EF}"/>
               </a:ext>
             </a:extLst>
           </p:cNvPr>
@@ -19847,7 +19846,7 @@
           <p:cNvPr id="108" name="TextBox 107">
             <a:extLst>
               <a:ext uri="{FF2B5EF4-FFF2-40B4-BE49-F238E27FC236}">
-                <a16:creationId xmlns="" xmlns:a16="http://schemas.microsoft.com/office/drawing/2014/main" id="{53330DED-8238-48AB-B79C-3155945E34EF}"/>
+                <a16:creationId xmlns:a16="http://schemas.microsoft.com/office/drawing/2014/main" xmlns="" id="{53330DED-8238-48AB-B79C-3155945E34EF}"/>
               </a:ext>
             </a:extLst>
           </p:cNvPr>
@@ -19914,7 +19913,7 @@
           <p:cNvPr id="110" name="Straight Arrow Connector 109">
             <a:extLst>
               <a:ext uri="{FF2B5EF4-FFF2-40B4-BE49-F238E27FC236}">
-                <a16:creationId xmlns="" xmlns:a16="http://schemas.microsoft.com/office/drawing/2014/main" id="{D5D1DDE3-D551-4E6B-AD34-6FBA1762CCD0}"/>
+                <a16:creationId xmlns:a16="http://schemas.microsoft.com/office/drawing/2014/main" xmlns="" id="{D5D1DDE3-D551-4E6B-AD34-6FBA1762CCD0}"/>
               </a:ext>
             </a:extLst>
           </p:cNvPr>
@@ -20026,7 +20025,7 @@
           <p:cNvPr id="47" name="TextBox 46">
             <a:extLst>
               <a:ext uri="{FF2B5EF4-FFF2-40B4-BE49-F238E27FC236}">
-                <a16:creationId xmlns="" xmlns:a16="http://schemas.microsoft.com/office/drawing/2014/main" id="{226BC8B6-2411-443E-BEE4-F24BDE166FA2}"/>
+                <a16:creationId xmlns:a16="http://schemas.microsoft.com/office/drawing/2014/main" xmlns="" id="{226BC8B6-2411-443E-BEE4-F24BDE166FA2}"/>
               </a:ext>
             </a:extLst>
           </p:cNvPr>
@@ -20291,7 +20290,7 @@
           <p:cNvPr id="2" name="Text Placeholder 1">
             <a:extLst>
               <a:ext uri="{FF2B5EF4-FFF2-40B4-BE49-F238E27FC236}">
-                <a16:creationId xmlns="" xmlns:a16="http://schemas.microsoft.com/office/drawing/2014/main" id="{AFBCD827-6230-4B56-A635-5E675B7172C3}"/>
+                <a16:creationId xmlns:a16="http://schemas.microsoft.com/office/drawing/2014/main" xmlns="" id="{AFBCD827-6230-4B56-A635-5E675B7172C3}"/>
               </a:ext>
             </a:extLst>
           </p:cNvPr>
@@ -20367,7 +20366,7 @@
           <p:cNvPr id="3" name="Title 2">
             <a:extLst>
               <a:ext uri="{FF2B5EF4-FFF2-40B4-BE49-F238E27FC236}">
-                <a16:creationId xmlns="" xmlns:a16="http://schemas.microsoft.com/office/drawing/2014/main" id="{8BFE033C-14B0-479B-8763-B7CFF7FFF22C}"/>
+                <a16:creationId xmlns:a16="http://schemas.microsoft.com/office/drawing/2014/main" xmlns="" id="{8BFE033C-14B0-479B-8763-B7CFF7FFF22C}"/>
               </a:ext>
             </a:extLst>
           </p:cNvPr>
@@ -20400,7 +20399,7 @@
           <p:cNvPr id="4" name="Slide Number Placeholder 3">
             <a:extLst>
               <a:ext uri="{FF2B5EF4-FFF2-40B4-BE49-F238E27FC236}">
-                <a16:creationId xmlns="" xmlns:a16="http://schemas.microsoft.com/office/drawing/2014/main" id="{4DCC1874-0B80-4127-8266-1B045C3CA889}"/>
+                <a16:creationId xmlns:a16="http://schemas.microsoft.com/office/drawing/2014/main" xmlns="" id="{4DCC1874-0B80-4127-8266-1B045C3CA889}"/>
               </a:ext>
             </a:extLst>
           </p:cNvPr>
@@ -20446,7 +20445,7 @@
           <p:cNvPr id="5" name="Text Placeholder 4">
             <a:extLst>
               <a:ext uri="{FF2B5EF4-FFF2-40B4-BE49-F238E27FC236}">
-                <a16:creationId xmlns="" xmlns:a16="http://schemas.microsoft.com/office/drawing/2014/main" id="{1996CBD5-7393-407C-BC99-C76D33D74AAF}"/>
+                <a16:creationId xmlns:a16="http://schemas.microsoft.com/office/drawing/2014/main" xmlns="" id="{1996CBD5-7393-407C-BC99-C76D33D74AAF}"/>
               </a:ext>
             </a:extLst>
           </p:cNvPr>
@@ -20733,7 +20732,7 @@
           <p:cNvPr id="3" name="Title 2">
             <a:extLst>
               <a:ext uri="{FF2B5EF4-FFF2-40B4-BE49-F238E27FC236}">
-                <a16:creationId xmlns="" xmlns:a16="http://schemas.microsoft.com/office/drawing/2014/main" id="{A8704E41-3486-46BD-8AA7-B6B5D28F95A5}"/>
+                <a16:creationId xmlns:a16="http://schemas.microsoft.com/office/drawing/2014/main" xmlns="" id="{A8704E41-3486-46BD-8AA7-B6B5D28F95A5}"/>
               </a:ext>
             </a:extLst>
           </p:cNvPr>
@@ -20774,7 +20773,7 @@
           <p:cNvPr id="4" name="Slide Number Placeholder 3">
             <a:extLst>
               <a:ext uri="{FF2B5EF4-FFF2-40B4-BE49-F238E27FC236}">
-                <a16:creationId xmlns="" xmlns:a16="http://schemas.microsoft.com/office/drawing/2014/main" id="{02CD92EA-E9CB-4F4C-B1B9-840F11B55DC5}"/>
+                <a16:creationId xmlns:a16="http://schemas.microsoft.com/office/drawing/2014/main" xmlns="" id="{02CD92EA-E9CB-4F4C-B1B9-840F11B55DC5}"/>
               </a:ext>
             </a:extLst>
           </p:cNvPr>
@@ -20820,7 +20819,7 @@
           <p:cNvPr id="5" name="Text Placeholder 4">
             <a:extLst>
               <a:ext uri="{FF2B5EF4-FFF2-40B4-BE49-F238E27FC236}">
-                <a16:creationId xmlns="" xmlns:a16="http://schemas.microsoft.com/office/drawing/2014/main" id="{C22D9F79-04C1-4762-96D6-F3FE8172F1B1}"/>
+                <a16:creationId xmlns:a16="http://schemas.microsoft.com/office/drawing/2014/main" xmlns="" id="{C22D9F79-04C1-4762-96D6-F3FE8172F1B1}"/>
               </a:ext>
             </a:extLst>
           </p:cNvPr>
@@ -20845,7 +20844,7 @@
           <p:cNvPr id="29" name="Oval 28">
             <a:extLst>
               <a:ext uri="{FF2B5EF4-FFF2-40B4-BE49-F238E27FC236}">
-                <a16:creationId xmlns="" xmlns:a16="http://schemas.microsoft.com/office/drawing/2014/main" id="{70018B8E-C8EA-4592-B666-4DD6915C2DAF}"/>
+                <a16:creationId xmlns:a16="http://schemas.microsoft.com/office/drawing/2014/main" xmlns="" id="{70018B8E-C8EA-4592-B666-4DD6915C2DAF}"/>
               </a:ext>
             </a:extLst>
           </p:cNvPr>
@@ -20901,7 +20900,7 @@
           <p:cNvPr id="32" name="Straight Arrow Connector 31">
             <a:extLst>
               <a:ext uri="{FF2B5EF4-FFF2-40B4-BE49-F238E27FC236}">
-                <a16:creationId xmlns="" xmlns:a16="http://schemas.microsoft.com/office/drawing/2014/main" id="{D5D1DDE3-D551-4E6B-AD34-6FBA1762CCD0}"/>
+                <a16:creationId xmlns:a16="http://schemas.microsoft.com/office/drawing/2014/main" xmlns="" id="{D5D1DDE3-D551-4E6B-AD34-6FBA1762CCD0}"/>
               </a:ext>
             </a:extLst>
           </p:cNvPr>
@@ -20945,7 +20944,7 @@
           <p:cNvPr id="34" name="TextBox 33">
             <a:extLst>
               <a:ext uri="{FF2B5EF4-FFF2-40B4-BE49-F238E27FC236}">
-                <a16:creationId xmlns="" xmlns:a16="http://schemas.microsoft.com/office/drawing/2014/main" id="{EA7F15EB-6AA1-4C76-921F-2B04B74B1885}"/>
+                <a16:creationId xmlns:a16="http://schemas.microsoft.com/office/drawing/2014/main" xmlns="" id="{EA7F15EB-6AA1-4C76-921F-2B04B74B1885}"/>
               </a:ext>
             </a:extLst>
           </p:cNvPr>
@@ -20987,7 +20986,7 @@
           <p:cNvPr id="53" name="Oval 52">
             <a:extLst>
               <a:ext uri="{FF2B5EF4-FFF2-40B4-BE49-F238E27FC236}">
-                <a16:creationId xmlns="" xmlns:a16="http://schemas.microsoft.com/office/drawing/2014/main" id="{70018B8E-C8EA-4592-B666-4DD6915C2DAF}"/>
+                <a16:creationId xmlns:a16="http://schemas.microsoft.com/office/drawing/2014/main" xmlns="" id="{70018B8E-C8EA-4592-B666-4DD6915C2DAF}"/>
               </a:ext>
             </a:extLst>
           </p:cNvPr>
@@ -21043,7 +21042,7 @@
           <p:cNvPr id="57" name="Straight Arrow Connector 56">
             <a:extLst>
               <a:ext uri="{FF2B5EF4-FFF2-40B4-BE49-F238E27FC236}">
-                <a16:creationId xmlns="" xmlns:a16="http://schemas.microsoft.com/office/drawing/2014/main" id="{D5D1DDE3-D551-4E6B-AD34-6FBA1762CCD0}"/>
+                <a16:creationId xmlns:a16="http://schemas.microsoft.com/office/drawing/2014/main" xmlns="" id="{D5D1DDE3-D551-4E6B-AD34-6FBA1762CCD0}"/>
               </a:ext>
             </a:extLst>
           </p:cNvPr>
@@ -21087,7 +21086,7 @@
           <p:cNvPr id="59" name="TextBox 58">
             <a:extLst>
               <a:ext uri="{FF2B5EF4-FFF2-40B4-BE49-F238E27FC236}">
-                <a16:creationId xmlns="" xmlns:a16="http://schemas.microsoft.com/office/drawing/2014/main" id="{EA7F15EB-6AA1-4C76-921F-2B04B74B1885}"/>
+                <a16:creationId xmlns:a16="http://schemas.microsoft.com/office/drawing/2014/main" xmlns="" id="{EA7F15EB-6AA1-4C76-921F-2B04B74B1885}"/>
               </a:ext>
             </a:extLst>
           </p:cNvPr>
@@ -21129,7 +21128,7 @@
           <p:cNvPr id="60" name="Oval 59">
             <a:extLst>
               <a:ext uri="{FF2B5EF4-FFF2-40B4-BE49-F238E27FC236}">
-                <a16:creationId xmlns="" xmlns:a16="http://schemas.microsoft.com/office/drawing/2014/main" id="{70018B8E-C8EA-4592-B666-4DD6915C2DAF}"/>
+                <a16:creationId xmlns:a16="http://schemas.microsoft.com/office/drawing/2014/main" xmlns="" id="{70018B8E-C8EA-4592-B666-4DD6915C2DAF}"/>
               </a:ext>
             </a:extLst>
           </p:cNvPr>
@@ -21185,7 +21184,7 @@
           <p:cNvPr id="61" name="Straight Arrow Connector 60">
             <a:extLst>
               <a:ext uri="{FF2B5EF4-FFF2-40B4-BE49-F238E27FC236}">
-                <a16:creationId xmlns="" xmlns:a16="http://schemas.microsoft.com/office/drawing/2014/main" id="{D5D1DDE3-D551-4E6B-AD34-6FBA1762CCD0}"/>
+                <a16:creationId xmlns:a16="http://schemas.microsoft.com/office/drawing/2014/main" xmlns="" id="{D5D1DDE3-D551-4E6B-AD34-6FBA1762CCD0}"/>
               </a:ext>
             </a:extLst>
           </p:cNvPr>
@@ -21229,7 +21228,7 @@
           <p:cNvPr id="62" name="TextBox 61">
             <a:extLst>
               <a:ext uri="{FF2B5EF4-FFF2-40B4-BE49-F238E27FC236}">
-                <a16:creationId xmlns="" xmlns:a16="http://schemas.microsoft.com/office/drawing/2014/main" id="{EA7F15EB-6AA1-4C76-921F-2B04B74B1885}"/>
+                <a16:creationId xmlns:a16="http://schemas.microsoft.com/office/drawing/2014/main" xmlns="" id="{EA7F15EB-6AA1-4C76-921F-2B04B74B1885}"/>
               </a:ext>
             </a:extLst>
           </p:cNvPr>
@@ -21271,7 +21270,7 @@
           <p:cNvPr id="63" name="Oval 62">
             <a:extLst>
               <a:ext uri="{FF2B5EF4-FFF2-40B4-BE49-F238E27FC236}">
-                <a16:creationId xmlns="" xmlns:a16="http://schemas.microsoft.com/office/drawing/2014/main" id="{70018B8E-C8EA-4592-B666-4DD6915C2DAF}"/>
+                <a16:creationId xmlns:a16="http://schemas.microsoft.com/office/drawing/2014/main" xmlns="" id="{70018B8E-C8EA-4592-B666-4DD6915C2DAF}"/>
               </a:ext>
             </a:extLst>
           </p:cNvPr>
@@ -21327,7 +21326,7 @@
           <p:cNvPr id="66" name="TextBox 65">
             <a:extLst>
               <a:ext uri="{FF2B5EF4-FFF2-40B4-BE49-F238E27FC236}">
-                <a16:creationId xmlns="" xmlns:a16="http://schemas.microsoft.com/office/drawing/2014/main" id="{EA7F15EB-6AA1-4C76-921F-2B04B74B1885}"/>
+                <a16:creationId xmlns:a16="http://schemas.microsoft.com/office/drawing/2014/main" xmlns="" id="{EA7F15EB-6AA1-4C76-921F-2B04B74B1885}"/>
               </a:ext>
             </a:extLst>
           </p:cNvPr>
@@ -21369,7 +21368,7 @@
           <p:cNvPr id="76" name="Oval 75">
             <a:extLst>
               <a:ext uri="{FF2B5EF4-FFF2-40B4-BE49-F238E27FC236}">
-                <a16:creationId xmlns="" xmlns:a16="http://schemas.microsoft.com/office/drawing/2014/main" id="{70018B8E-C8EA-4592-B666-4DD6915C2DAF}"/>
+                <a16:creationId xmlns:a16="http://schemas.microsoft.com/office/drawing/2014/main" xmlns="" id="{70018B8E-C8EA-4592-B666-4DD6915C2DAF}"/>
               </a:ext>
             </a:extLst>
           </p:cNvPr>
@@ -21425,7 +21424,7 @@
           <p:cNvPr id="77" name="TextBox 76">
             <a:extLst>
               <a:ext uri="{FF2B5EF4-FFF2-40B4-BE49-F238E27FC236}">
-                <a16:creationId xmlns="" xmlns:a16="http://schemas.microsoft.com/office/drawing/2014/main" id="{EA7F15EB-6AA1-4C76-921F-2B04B74B1885}"/>
+                <a16:creationId xmlns:a16="http://schemas.microsoft.com/office/drawing/2014/main" xmlns="" id="{EA7F15EB-6AA1-4C76-921F-2B04B74B1885}"/>
               </a:ext>
             </a:extLst>
           </p:cNvPr>
@@ -21467,7 +21466,7 @@
           <p:cNvPr id="87" name="Oval 86">
             <a:extLst>
               <a:ext uri="{FF2B5EF4-FFF2-40B4-BE49-F238E27FC236}">
-                <a16:creationId xmlns="" xmlns:a16="http://schemas.microsoft.com/office/drawing/2014/main" id="{70018B8E-C8EA-4592-B666-4DD6915C2DAF}"/>
+                <a16:creationId xmlns:a16="http://schemas.microsoft.com/office/drawing/2014/main" xmlns="" id="{70018B8E-C8EA-4592-B666-4DD6915C2DAF}"/>
               </a:ext>
             </a:extLst>
           </p:cNvPr>
@@ -21523,7 +21522,7 @@
           <p:cNvPr id="88" name="Straight Arrow Connector 87">
             <a:extLst>
               <a:ext uri="{FF2B5EF4-FFF2-40B4-BE49-F238E27FC236}">
-                <a16:creationId xmlns="" xmlns:a16="http://schemas.microsoft.com/office/drawing/2014/main" id="{D5D1DDE3-D551-4E6B-AD34-6FBA1762CCD0}"/>
+                <a16:creationId xmlns:a16="http://schemas.microsoft.com/office/drawing/2014/main" xmlns="" id="{D5D1DDE3-D551-4E6B-AD34-6FBA1762CCD0}"/>
               </a:ext>
             </a:extLst>
           </p:cNvPr>
@@ -21567,7 +21566,7 @@
           <p:cNvPr id="89" name="TextBox 88">
             <a:extLst>
               <a:ext uri="{FF2B5EF4-FFF2-40B4-BE49-F238E27FC236}">
-                <a16:creationId xmlns="" xmlns:a16="http://schemas.microsoft.com/office/drawing/2014/main" id="{EA7F15EB-6AA1-4C76-921F-2B04B74B1885}"/>
+                <a16:creationId xmlns:a16="http://schemas.microsoft.com/office/drawing/2014/main" xmlns="" id="{EA7F15EB-6AA1-4C76-921F-2B04B74B1885}"/>
               </a:ext>
             </a:extLst>
           </p:cNvPr>
@@ -21609,7 +21608,7 @@
           <p:cNvPr id="91" name="Oval 90">
             <a:extLst>
               <a:ext uri="{FF2B5EF4-FFF2-40B4-BE49-F238E27FC236}">
-                <a16:creationId xmlns="" xmlns:a16="http://schemas.microsoft.com/office/drawing/2014/main" id="{70018B8E-C8EA-4592-B666-4DD6915C2DAF}"/>
+                <a16:creationId xmlns:a16="http://schemas.microsoft.com/office/drawing/2014/main" xmlns="" id="{70018B8E-C8EA-4592-B666-4DD6915C2DAF}"/>
               </a:ext>
             </a:extLst>
           </p:cNvPr>
@@ -21665,7 +21664,7 @@
           <p:cNvPr id="92" name="Straight Arrow Connector 91">
             <a:extLst>
               <a:ext uri="{FF2B5EF4-FFF2-40B4-BE49-F238E27FC236}">
-                <a16:creationId xmlns="" xmlns:a16="http://schemas.microsoft.com/office/drawing/2014/main" id="{D5D1DDE3-D551-4E6B-AD34-6FBA1762CCD0}"/>
+                <a16:creationId xmlns:a16="http://schemas.microsoft.com/office/drawing/2014/main" xmlns="" id="{D5D1DDE3-D551-4E6B-AD34-6FBA1762CCD0}"/>
               </a:ext>
             </a:extLst>
           </p:cNvPr>
@@ -21709,7 +21708,7 @@
           <p:cNvPr id="93" name="TextBox 92">
             <a:extLst>
               <a:ext uri="{FF2B5EF4-FFF2-40B4-BE49-F238E27FC236}">
-                <a16:creationId xmlns="" xmlns:a16="http://schemas.microsoft.com/office/drawing/2014/main" id="{EA7F15EB-6AA1-4C76-921F-2B04B74B1885}"/>
+                <a16:creationId xmlns:a16="http://schemas.microsoft.com/office/drawing/2014/main" xmlns="" id="{EA7F15EB-6AA1-4C76-921F-2B04B74B1885}"/>
               </a:ext>
             </a:extLst>
           </p:cNvPr>
@@ -21751,7 +21750,7 @@
           <p:cNvPr id="94" name="Oval 93">
             <a:extLst>
               <a:ext uri="{FF2B5EF4-FFF2-40B4-BE49-F238E27FC236}">
-                <a16:creationId xmlns="" xmlns:a16="http://schemas.microsoft.com/office/drawing/2014/main" id="{70018B8E-C8EA-4592-B666-4DD6915C2DAF}"/>
+                <a16:creationId xmlns:a16="http://schemas.microsoft.com/office/drawing/2014/main" xmlns="" id="{70018B8E-C8EA-4592-B666-4DD6915C2DAF}"/>
               </a:ext>
             </a:extLst>
           </p:cNvPr>
@@ -21807,7 +21806,7 @@
           <p:cNvPr id="95" name="TextBox 94">
             <a:extLst>
               <a:ext uri="{FF2B5EF4-FFF2-40B4-BE49-F238E27FC236}">
-                <a16:creationId xmlns="" xmlns:a16="http://schemas.microsoft.com/office/drawing/2014/main" id="{EA7F15EB-6AA1-4C76-921F-2B04B74B1885}"/>
+                <a16:creationId xmlns:a16="http://schemas.microsoft.com/office/drawing/2014/main" xmlns="" id="{EA7F15EB-6AA1-4C76-921F-2B04B74B1885}"/>
               </a:ext>
             </a:extLst>
           </p:cNvPr>
@@ -21849,7 +21848,7 @@
           <p:cNvPr id="98" name="Straight Arrow Connector 97">
             <a:extLst>
               <a:ext uri="{FF2B5EF4-FFF2-40B4-BE49-F238E27FC236}">
-                <a16:creationId xmlns="" xmlns:a16="http://schemas.microsoft.com/office/drawing/2014/main" id="{D5D1DDE3-D551-4E6B-AD34-6FBA1762CCD0}"/>
+                <a16:creationId xmlns:a16="http://schemas.microsoft.com/office/drawing/2014/main" xmlns="" id="{D5D1DDE3-D551-4E6B-AD34-6FBA1762CCD0}"/>
               </a:ext>
             </a:extLst>
           </p:cNvPr>
@@ -21893,7 +21892,7 @@
           <p:cNvPr id="99" name="Straight Arrow Connector 98">
             <a:extLst>
               <a:ext uri="{FF2B5EF4-FFF2-40B4-BE49-F238E27FC236}">
-                <a16:creationId xmlns="" xmlns:a16="http://schemas.microsoft.com/office/drawing/2014/main" id="{D5D1DDE3-D551-4E6B-AD34-6FBA1762CCD0}"/>
+                <a16:creationId xmlns:a16="http://schemas.microsoft.com/office/drawing/2014/main" xmlns="" id="{D5D1DDE3-D551-4E6B-AD34-6FBA1762CCD0}"/>
               </a:ext>
             </a:extLst>
           </p:cNvPr>
@@ -21937,7 +21936,7 @@
           <p:cNvPr id="100" name="Straight Arrow Connector 99">
             <a:extLst>
               <a:ext uri="{FF2B5EF4-FFF2-40B4-BE49-F238E27FC236}">
-                <a16:creationId xmlns="" xmlns:a16="http://schemas.microsoft.com/office/drawing/2014/main" id="{D5D1DDE3-D551-4E6B-AD34-6FBA1762CCD0}"/>
+                <a16:creationId xmlns:a16="http://schemas.microsoft.com/office/drawing/2014/main" xmlns="" id="{D5D1DDE3-D551-4E6B-AD34-6FBA1762CCD0}"/>
               </a:ext>
             </a:extLst>
           </p:cNvPr>
@@ -21981,7 +21980,7 @@
           <p:cNvPr id="110" name="Straight Arrow Connector 109">
             <a:extLst>
               <a:ext uri="{FF2B5EF4-FFF2-40B4-BE49-F238E27FC236}">
-                <a16:creationId xmlns="" xmlns:a16="http://schemas.microsoft.com/office/drawing/2014/main" id="{D5D1DDE3-D551-4E6B-AD34-6FBA1762CCD0}"/>
+                <a16:creationId xmlns:a16="http://schemas.microsoft.com/office/drawing/2014/main" xmlns="" id="{D5D1DDE3-D551-4E6B-AD34-6FBA1762CCD0}"/>
               </a:ext>
             </a:extLst>
           </p:cNvPr>
@@ -22025,7 +22024,7 @@
           <p:cNvPr id="111" name="TextBox 110">
             <a:extLst>
               <a:ext uri="{FF2B5EF4-FFF2-40B4-BE49-F238E27FC236}">
-                <a16:creationId xmlns="" xmlns:a16="http://schemas.microsoft.com/office/drawing/2014/main" id="{DCF44781-E941-421E-89BE-0ABCA37EDACB}"/>
+                <a16:creationId xmlns:a16="http://schemas.microsoft.com/office/drawing/2014/main" xmlns="" id="{DCF44781-E941-421E-89BE-0ABCA37EDACB}"/>
               </a:ext>
             </a:extLst>
           </p:cNvPr>
@@ -22078,7 +22077,7 @@
           <p:cNvPr id="112" name="TextBox 111">
             <a:extLst>
               <a:ext uri="{FF2B5EF4-FFF2-40B4-BE49-F238E27FC236}">
-                <a16:creationId xmlns="" xmlns:a16="http://schemas.microsoft.com/office/drawing/2014/main" id="{E2424417-DD1B-4E8D-A2A5-F034A489C27A}"/>
+                <a16:creationId xmlns:a16="http://schemas.microsoft.com/office/drawing/2014/main" xmlns="" id="{E2424417-DD1B-4E8D-A2A5-F034A489C27A}"/>
               </a:ext>
             </a:extLst>
           </p:cNvPr>
@@ -22131,7 +22130,7 @@
           <p:cNvPr id="113" name="TextBox 112">
             <a:extLst>
               <a:ext uri="{FF2B5EF4-FFF2-40B4-BE49-F238E27FC236}">
-                <a16:creationId xmlns="" xmlns:a16="http://schemas.microsoft.com/office/drawing/2014/main" id="{226BC8B6-2411-443E-BEE4-F24BDE166FA2}"/>
+                <a16:creationId xmlns:a16="http://schemas.microsoft.com/office/drawing/2014/main" xmlns="" id="{226BC8B6-2411-443E-BEE4-F24BDE166FA2}"/>
               </a:ext>
             </a:extLst>
           </p:cNvPr>
@@ -22184,7 +22183,7 @@
           <p:cNvPr id="114" name="TextBox 113">
             <a:extLst>
               <a:ext uri="{FF2B5EF4-FFF2-40B4-BE49-F238E27FC236}">
-                <a16:creationId xmlns="" xmlns:a16="http://schemas.microsoft.com/office/drawing/2014/main" id="{53330DED-8238-48AB-B79C-3155945E34EF}"/>
+                <a16:creationId xmlns:a16="http://schemas.microsoft.com/office/drawing/2014/main" xmlns="" id="{53330DED-8238-48AB-B79C-3155945E34EF}"/>
               </a:ext>
             </a:extLst>
           </p:cNvPr>
@@ -22251,7 +22250,7 @@
           <p:cNvPr id="115" name="TextBox 114">
             <a:extLst>
               <a:ext uri="{FF2B5EF4-FFF2-40B4-BE49-F238E27FC236}">
-                <a16:creationId xmlns="" xmlns:a16="http://schemas.microsoft.com/office/drawing/2014/main" id="{53330DED-8238-48AB-B79C-3155945E34EF}"/>
+                <a16:creationId xmlns:a16="http://schemas.microsoft.com/office/drawing/2014/main" xmlns="" id="{53330DED-8238-48AB-B79C-3155945E34EF}"/>
               </a:ext>
             </a:extLst>
           </p:cNvPr>
@@ -22318,7 +22317,7 @@
           <p:cNvPr id="116" name="TextBox 115">
             <a:extLst>
               <a:ext uri="{FF2B5EF4-FFF2-40B4-BE49-F238E27FC236}">
-                <a16:creationId xmlns="" xmlns:a16="http://schemas.microsoft.com/office/drawing/2014/main" id="{226BC8B6-2411-443E-BEE4-F24BDE166FA2}"/>
+                <a16:creationId xmlns:a16="http://schemas.microsoft.com/office/drawing/2014/main" xmlns="" id="{226BC8B6-2411-443E-BEE4-F24BDE166FA2}"/>
               </a:ext>
             </a:extLst>
           </p:cNvPr>
@@ -24260,7 +24259,7 @@
           <p:cNvPr id="2" name="Text Placeholder 1">
             <a:extLst>
               <a:ext uri="{FF2B5EF4-FFF2-40B4-BE49-F238E27FC236}">
-                <a16:creationId xmlns="" xmlns:a16="http://schemas.microsoft.com/office/drawing/2014/main" id="{A51E6A0F-3D6D-493A-B24E-4199D72942C9}"/>
+                <a16:creationId xmlns:a16="http://schemas.microsoft.com/office/drawing/2014/main" xmlns="" id="{A51E6A0F-3D6D-493A-B24E-4199D72942C9}"/>
               </a:ext>
             </a:extLst>
           </p:cNvPr>
@@ -24285,7 +24284,7 @@
           <p:cNvPr id="3" name="Title 2">
             <a:extLst>
               <a:ext uri="{FF2B5EF4-FFF2-40B4-BE49-F238E27FC236}">
-                <a16:creationId xmlns="" xmlns:a16="http://schemas.microsoft.com/office/drawing/2014/main" id="{A8704E41-3486-46BD-8AA7-B6B5D28F95A5}"/>
+                <a16:creationId xmlns:a16="http://schemas.microsoft.com/office/drawing/2014/main" xmlns="" id="{A8704E41-3486-46BD-8AA7-B6B5D28F95A5}"/>
               </a:ext>
             </a:extLst>
           </p:cNvPr>
@@ -24322,7 +24321,7 @@
           <p:cNvPr id="4" name="Slide Number Placeholder 3">
             <a:extLst>
               <a:ext uri="{FF2B5EF4-FFF2-40B4-BE49-F238E27FC236}">
-                <a16:creationId xmlns="" xmlns:a16="http://schemas.microsoft.com/office/drawing/2014/main" id="{02CD92EA-E9CB-4F4C-B1B9-840F11B55DC5}"/>
+                <a16:creationId xmlns:a16="http://schemas.microsoft.com/office/drawing/2014/main" xmlns="" id="{02CD92EA-E9CB-4F4C-B1B9-840F11B55DC5}"/>
               </a:ext>
             </a:extLst>
           </p:cNvPr>
@@ -24368,7 +24367,7 @@
           <p:cNvPr id="5" name="Text Placeholder 4">
             <a:extLst>
               <a:ext uri="{FF2B5EF4-FFF2-40B4-BE49-F238E27FC236}">
-                <a16:creationId xmlns="" xmlns:a16="http://schemas.microsoft.com/office/drawing/2014/main" id="{C22D9F79-04C1-4762-96D6-F3FE8172F1B1}"/>
+                <a16:creationId xmlns:a16="http://schemas.microsoft.com/office/drawing/2014/main" xmlns="" id="{C22D9F79-04C1-4762-96D6-F3FE8172F1B1}"/>
               </a:ext>
             </a:extLst>
           </p:cNvPr>
@@ -24385,7 +24384,7 @@
           <a:lstStyle/>
           <a:p>
             <a:r>
-              <a:rPr lang="en-US" b="0" dirty="0"/>
+              <a:rPr lang="en-US" dirty="0"/>
               <a:t>…a Persistent Map</a:t>
             </a:r>
           </a:p>
@@ -24396,7 +24395,7 @@
           <p:cNvPr id="8" name="Picture 7">
             <a:extLst>
               <a:ext uri="{FF2B5EF4-FFF2-40B4-BE49-F238E27FC236}">
-                <a16:creationId xmlns="" xmlns:a16="http://schemas.microsoft.com/office/drawing/2014/main" id="{FEF76D80-A1A2-40D3-8D23-AD9AE057D7AB}"/>
+                <a16:creationId xmlns:a16="http://schemas.microsoft.com/office/drawing/2014/main" xmlns="" id="{FEF76D80-A1A2-40D3-8D23-AD9AE057D7AB}"/>
               </a:ext>
             </a:extLst>
           </p:cNvPr>
@@ -24478,7 +24477,7 @@
           <p:cNvPr id="2" name="Text Placeholder 1">
             <a:extLst>
               <a:ext uri="{FF2B5EF4-FFF2-40B4-BE49-F238E27FC236}">
-                <a16:creationId xmlns="" xmlns:a16="http://schemas.microsoft.com/office/drawing/2014/main" id="{A51E6A0F-3D6D-493A-B24E-4199D72942C9}"/>
+                <a16:creationId xmlns:a16="http://schemas.microsoft.com/office/drawing/2014/main" xmlns="" id="{A51E6A0F-3D6D-493A-B24E-4199D72942C9}"/>
               </a:ext>
             </a:extLst>
           </p:cNvPr>
@@ -24503,7 +24502,7 @@
           <p:cNvPr id="3" name="Title 2">
             <a:extLst>
               <a:ext uri="{FF2B5EF4-FFF2-40B4-BE49-F238E27FC236}">
-                <a16:creationId xmlns="" xmlns:a16="http://schemas.microsoft.com/office/drawing/2014/main" id="{A8704E41-3486-46BD-8AA7-B6B5D28F95A5}"/>
+                <a16:creationId xmlns:a16="http://schemas.microsoft.com/office/drawing/2014/main" xmlns="" id="{A8704E41-3486-46BD-8AA7-B6B5D28F95A5}"/>
               </a:ext>
             </a:extLst>
           </p:cNvPr>
@@ -24540,7 +24539,7 @@
           <p:cNvPr id="4" name="Slide Number Placeholder 3">
             <a:extLst>
               <a:ext uri="{FF2B5EF4-FFF2-40B4-BE49-F238E27FC236}">
-                <a16:creationId xmlns="" xmlns:a16="http://schemas.microsoft.com/office/drawing/2014/main" id="{02CD92EA-E9CB-4F4C-B1B9-840F11B55DC5}"/>
+                <a16:creationId xmlns:a16="http://schemas.microsoft.com/office/drawing/2014/main" xmlns="" id="{02CD92EA-E9CB-4F4C-B1B9-840F11B55DC5}"/>
               </a:ext>
             </a:extLst>
           </p:cNvPr>
@@ -24586,7 +24585,7 @@
           <p:cNvPr id="5" name="Text Placeholder 4">
             <a:extLst>
               <a:ext uri="{FF2B5EF4-FFF2-40B4-BE49-F238E27FC236}">
-                <a16:creationId xmlns="" xmlns:a16="http://schemas.microsoft.com/office/drawing/2014/main" id="{C22D9F79-04C1-4762-96D6-F3FE8172F1B1}"/>
+                <a16:creationId xmlns:a16="http://schemas.microsoft.com/office/drawing/2014/main" xmlns="" id="{C22D9F79-04C1-4762-96D6-F3FE8172F1B1}"/>
               </a:ext>
             </a:extLst>
           </p:cNvPr>
@@ -24603,7 +24602,7 @@
           <a:lstStyle/>
           <a:p>
             <a:r>
-              <a:rPr lang="en-US" b="0" dirty="0"/>
+              <a:rPr lang="en-US" dirty="0"/>
               <a:t>…a Stupid Content Tracker</a:t>
             </a:r>
           </a:p>
@@ -24614,7 +24613,7 @@
           <p:cNvPr id="8" name="Picture 7">
             <a:extLst>
               <a:ext uri="{FF2B5EF4-FFF2-40B4-BE49-F238E27FC236}">
-                <a16:creationId xmlns="" xmlns:a16="http://schemas.microsoft.com/office/drawing/2014/main" id="{F11A34E2-CF14-4FAC-9913-4CAC796E46FA}"/>
+                <a16:creationId xmlns:a16="http://schemas.microsoft.com/office/drawing/2014/main" xmlns="" id="{F11A34E2-CF14-4FAC-9913-4CAC796E46FA}"/>
               </a:ext>
             </a:extLst>
           </p:cNvPr>
@@ -24696,7 +24695,7 @@
           <p:cNvPr id="2" name="Text Placeholder 1">
             <a:extLst>
               <a:ext uri="{FF2B5EF4-FFF2-40B4-BE49-F238E27FC236}">
-                <a16:creationId xmlns="" xmlns:a16="http://schemas.microsoft.com/office/drawing/2014/main" id="{4027774C-85B3-4216-BE8E-2076F29E4ECA}"/>
+                <a16:creationId xmlns:a16="http://schemas.microsoft.com/office/drawing/2014/main" xmlns="" id="{4027774C-85B3-4216-BE8E-2076F29E4ECA}"/>
               </a:ext>
             </a:extLst>
           </p:cNvPr>
@@ -24814,7 +24813,7 @@
           <p:cNvPr id="3" name="Title 2">
             <a:extLst>
               <a:ext uri="{FF2B5EF4-FFF2-40B4-BE49-F238E27FC236}">
-                <a16:creationId xmlns="" xmlns:a16="http://schemas.microsoft.com/office/drawing/2014/main" id="{9C17F15E-A1DD-464A-AA9B-38A9BA78B322}"/>
+                <a16:creationId xmlns:a16="http://schemas.microsoft.com/office/drawing/2014/main" xmlns="" id="{9C17F15E-A1DD-464A-AA9B-38A9BA78B322}"/>
               </a:ext>
             </a:extLst>
           </p:cNvPr>
@@ -24850,7 +24849,7 @@
           <p:cNvPr id="4" name="Slide Number Placeholder 3">
             <a:extLst>
               <a:ext uri="{FF2B5EF4-FFF2-40B4-BE49-F238E27FC236}">
-                <a16:creationId xmlns="" xmlns:a16="http://schemas.microsoft.com/office/drawing/2014/main" id="{F3AFDCA3-1E95-4F76-9D6E-91F47D013419}"/>
+                <a16:creationId xmlns:a16="http://schemas.microsoft.com/office/drawing/2014/main" xmlns="" id="{F3AFDCA3-1E95-4F76-9D6E-91F47D013419}"/>
               </a:ext>
             </a:extLst>
           </p:cNvPr>
@@ -24896,7 +24895,7 @@
           <p:cNvPr id="5" name="Text Placeholder 4">
             <a:extLst>
               <a:ext uri="{FF2B5EF4-FFF2-40B4-BE49-F238E27FC236}">
-                <a16:creationId xmlns="" xmlns:a16="http://schemas.microsoft.com/office/drawing/2014/main" id="{34BFDC6A-5D6A-42B9-82C2-84BD9E5DCCC0}"/>
+                <a16:creationId xmlns:a16="http://schemas.microsoft.com/office/drawing/2014/main" xmlns="" id="{34BFDC6A-5D6A-42B9-82C2-84BD9E5DCCC0}"/>
               </a:ext>
             </a:extLst>
           </p:cNvPr>
@@ -24921,7 +24920,7 @@
           <p:cNvPr id="7" name="Text Placeholder 1">
             <a:extLst>
               <a:ext uri="{FF2B5EF4-FFF2-40B4-BE49-F238E27FC236}">
-                <a16:creationId xmlns="" xmlns:a16="http://schemas.microsoft.com/office/drawing/2014/main" id="{4027774C-85B3-4216-BE8E-2076F29E4ECA}"/>
+                <a16:creationId xmlns:a16="http://schemas.microsoft.com/office/drawing/2014/main" xmlns="" id="{4027774C-85B3-4216-BE8E-2076F29E4ECA}"/>
               </a:ext>
             </a:extLst>
           </p:cNvPr>
@@ -25775,7 +25774,7 @@
           <p:cNvPr id="2" name="Text Placeholder 1">
             <a:extLst>
               <a:ext uri="{FF2B5EF4-FFF2-40B4-BE49-F238E27FC236}">
-                <a16:creationId xmlns="" xmlns:a16="http://schemas.microsoft.com/office/drawing/2014/main" id="{4027774C-85B3-4216-BE8E-2076F29E4ECA}"/>
+                <a16:creationId xmlns:a16="http://schemas.microsoft.com/office/drawing/2014/main" xmlns="" id="{4027774C-85B3-4216-BE8E-2076F29E4ECA}"/>
               </a:ext>
             </a:extLst>
           </p:cNvPr>
@@ -25858,7 +25857,7 @@
           <p:cNvPr id="3" name="Title 2">
             <a:extLst>
               <a:ext uri="{FF2B5EF4-FFF2-40B4-BE49-F238E27FC236}">
-                <a16:creationId xmlns="" xmlns:a16="http://schemas.microsoft.com/office/drawing/2014/main" id="{9C17F15E-A1DD-464A-AA9B-38A9BA78B322}"/>
+                <a16:creationId xmlns:a16="http://schemas.microsoft.com/office/drawing/2014/main" xmlns="" id="{9C17F15E-A1DD-464A-AA9B-38A9BA78B322}"/>
               </a:ext>
             </a:extLst>
           </p:cNvPr>
@@ -25894,7 +25893,7 @@
           <p:cNvPr id="4" name="Slide Number Placeholder 3">
             <a:extLst>
               <a:ext uri="{FF2B5EF4-FFF2-40B4-BE49-F238E27FC236}">
-                <a16:creationId xmlns="" xmlns:a16="http://schemas.microsoft.com/office/drawing/2014/main" id="{F3AFDCA3-1E95-4F76-9D6E-91F47D013419}"/>
+                <a16:creationId xmlns:a16="http://schemas.microsoft.com/office/drawing/2014/main" xmlns="" id="{F3AFDCA3-1E95-4F76-9D6E-91F47D013419}"/>
               </a:ext>
             </a:extLst>
           </p:cNvPr>
@@ -25940,7 +25939,7 @@
           <p:cNvPr id="5" name="Text Placeholder 4">
             <a:extLst>
               <a:ext uri="{FF2B5EF4-FFF2-40B4-BE49-F238E27FC236}">
-                <a16:creationId xmlns="" xmlns:a16="http://schemas.microsoft.com/office/drawing/2014/main" id="{34BFDC6A-5D6A-42B9-82C2-84BD9E5DCCC0}"/>
+                <a16:creationId xmlns:a16="http://schemas.microsoft.com/office/drawing/2014/main" xmlns="" id="{34BFDC6A-5D6A-42B9-82C2-84BD9E5DCCC0}"/>
               </a:ext>
             </a:extLst>
           </p:cNvPr>
@@ -25965,7 +25964,7 @@
           <p:cNvPr id="6" name="Text Placeholder 1">
             <a:extLst>
               <a:ext uri="{FF2B5EF4-FFF2-40B4-BE49-F238E27FC236}">
-                <a16:creationId xmlns="" xmlns:a16="http://schemas.microsoft.com/office/drawing/2014/main" id="{94435B3C-163F-4575-9C37-A9B599E644AB}"/>
+                <a16:creationId xmlns:a16="http://schemas.microsoft.com/office/drawing/2014/main" xmlns="" id="{94435B3C-163F-4575-9C37-A9B599E644AB}"/>
               </a:ext>
             </a:extLst>
           </p:cNvPr>
@@ -26415,7 +26414,7 @@
           <p:cNvPr id="2" name="Title 1">
             <a:extLst>
               <a:ext uri="{FF2B5EF4-FFF2-40B4-BE49-F238E27FC236}">
-                <a16:creationId xmlns="" xmlns:a16="http://schemas.microsoft.com/office/drawing/2014/main" id="{C14F0455-9ED9-4652-8FD6-9C284BE2F092}"/>
+                <a16:creationId xmlns:a16="http://schemas.microsoft.com/office/drawing/2014/main" xmlns="" id="{C14F0455-9ED9-4652-8FD6-9C284BE2F092}"/>
               </a:ext>
             </a:extLst>
           </p:cNvPr>
@@ -26462,7 +26461,7 @@
           <p:cNvPr id="3" name="Text Placeholder 2">
             <a:extLst>
               <a:ext uri="{FF2B5EF4-FFF2-40B4-BE49-F238E27FC236}">
-                <a16:creationId xmlns="" xmlns:a16="http://schemas.microsoft.com/office/drawing/2014/main" id="{8136025E-6B8D-4575-9E2B-B0AAB8CAC233}"/>
+                <a16:creationId xmlns:a16="http://schemas.microsoft.com/office/drawing/2014/main" xmlns="" id="{8136025E-6B8D-4575-9E2B-B0AAB8CAC233}"/>
               </a:ext>
             </a:extLst>
           </p:cNvPr>
@@ -26545,11 +26544,7 @@
             </a:r>
             <a:r>
               <a:rPr lang="fr-FR" sz="2400" dirty="0" smtClean="0"/>
-              <a:t> </a:t>
-            </a:r>
-            <a:r>
-              <a:rPr lang="fr-FR" sz="2400" dirty="0" smtClean="0"/>
-              <a:t>Git </a:t>
+              <a:t> Git </a:t>
             </a:r>
             <a:r>
               <a:rPr lang="fr-FR" sz="2400" dirty="0" err="1" smtClean="0"/>
@@ -26615,10 +26610,12 @@
         </p:nvSpPr>
         <p:spPr/>
         <p:txBody>
-          <a:bodyPr/>
+          <a:bodyPr>
+            <a:normAutofit/>
+          </a:bodyPr>
           <a:lstStyle/>
           <a:p>
-            <a:endParaRPr lang="fr-FR"/>
+            <a:endParaRPr lang="fr-FR" sz="1600" dirty="0"/>
           </a:p>
         </p:txBody>
       </p:sp>
@@ -26692,7 +26689,7 @@
           <p:cNvPr id="8" name="Picture 7">
             <a:extLst>
               <a:ext uri="{FF2B5EF4-FFF2-40B4-BE49-F238E27FC236}">
-                <a16:creationId xmlns="" xmlns:a16="http://schemas.microsoft.com/office/drawing/2014/main" id="{E008011F-F481-44B1-A7AA-A403E3E4CC96}"/>
+                <a16:creationId xmlns:a16="http://schemas.microsoft.com/office/drawing/2014/main" xmlns="" id="{E008011F-F481-44B1-A7AA-A403E3E4CC96}"/>
               </a:ext>
             </a:extLst>
           </p:cNvPr>
@@ -26843,7 +26840,7 @@
           <p:cNvPr id="2" name="Text Placeholder 1">
             <a:extLst>
               <a:ext uri="{FF2B5EF4-FFF2-40B4-BE49-F238E27FC236}">
-                <a16:creationId xmlns="" xmlns:a16="http://schemas.microsoft.com/office/drawing/2014/main" id="{A51E6A0F-3D6D-493A-B24E-4199D72942C9}"/>
+                <a16:creationId xmlns:a16="http://schemas.microsoft.com/office/drawing/2014/main" xmlns="" id="{A51E6A0F-3D6D-493A-B24E-4199D72942C9}"/>
               </a:ext>
             </a:extLst>
           </p:cNvPr>
@@ -26868,7 +26865,7 @@
           <p:cNvPr id="3" name="Title 2">
             <a:extLst>
               <a:ext uri="{FF2B5EF4-FFF2-40B4-BE49-F238E27FC236}">
-                <a16:creationId xmlns="" xmlns:a16="http://schemas.microsoft.com/office/drawing/2014/main" id="{A8704E41-3486-46BD-8AA7-B6B5D28F95A5}"/>
+                <a16:creationId xmlns:a16="http://schemas.microsoft.com/office/drawing/2014/main" xmlns="" id="{A8704E41-3486-46BD-8AA7-B6B5D28F95A5}"/>
               </a:ext>
             </a:extLst>
           </p:cNvPr>
@@ -26905,7 +26902,7 @@
           <p:cNvPr id="4" name="Slide Number Placeholder 3">
             <a:extLst>
               <a:ext uri="{FF2B5EF4-FFF2-40B4-BE49-F238E27FC236}">
-                <a16:creationId xmlns="" xmlns:a16="http://schemas.microsoft.com/office/drawing/2014/main" id="{02CD92EA-E9CB-4F4C-B1B9-840F11B55DC5}"/>
+                <a16:creationId xmlns:a16="http://schemas.microsoft.com/office/drawing/2014/main" xmlns="" id="{02CD92EA-E9CB-4F4C-B1B9-840F11B55DC5}"/>
               </a:ext>
             </a:extLst>
           </p:cNvPr>
@@ -26951,7 +26948,7 @@
           <p:cNvPr id="5" name="Text Placeholder 4">
             <a:extLst>
               <a:ext uri="{FF2B5EF4-FFF2-40B4-BE49-F238E27FC236}">
-                <a16:creationId xmlns="" xmlns:a16="http://schemas.microsoft.com/office/drawing/2014/main" id="{C22D9F79-04C1-4762-96D6-F3FE8172F1B1}"/>
+                <a16:creationId xmlns:a16="http://schemas.microsoft.com/office/drawing/2014/main" xmlns="" id="{C22D9F79-04C1-4762-96D6-F3FE8172F1B1}"/>
               </a:ext>
             </a:extLst>
           </p:cNvPr>
@@ -26968,7 +26965,7 @@
           <a:lstStyle/>
           <a:p>
             <a:r>
-              <a:rPr lang="en-US" b="0" dirty="0"/>
+              <a:rPr lang="en-US" dirty="0"/>
               <a:t>…a Distributed Revision Control System</a:t>
             </a:r>
           </a:p>
@@ -26979,7 +26976,7 @@
           <p:cNvPr id="7" name="Picture 6">
             <a:extLst>
               <a:ext uri="{FF2B5EF4-FFF2-40B4-BE49-F238E27FC236}">
-                <a16:creationId xmlns="" xmlns:a16="http://schemas.microsoft.com/office/drawing/2014/main" id="{E008011F-F481-44B1-A7AA-A403E3E4CC96}"/>
+                <a16:creationId xmlns:a16="http://schemas.microsoft.com/office/drawing/2014/main" xmlns="" id="{E008011F-F481-44B1-A7AA-A403E3E4CC96}"/>
               </a:ext>
             </a:extLst>
           </p:cNvPr>
@@ -27063,7 +27060,7 @@
           <p:cNvPr id="2" name="Text Placeholder 1">
             <a:extLst>
               <a:ext uri="{FF2B5EF4-FFF2-40B4-BE49-F238E27FC236}">
-                <a16:creationId xmlns="" xmlns:a16="http://schemas.microsoft.com/office/drawing/2014/main" id="{A51E6A0F-3D6D-493A-B24E-4199D72942C9}"/>
+                <a16:creationId xmlns:a16="http://schemas.microsoft.com/office/drawing/2014/main" xmlns="" id="{A51E6A0F-3D6D-493A-B24E-4199D72942C9}"/>
               </a:ext>
             </a:extLst>
           </p:cNvPr>
@@ -27088,7 +27085,7 @@
           <p:cNvPr id="3" name="Title 2">
             <a:extLst>
               <a:ext uri="{FF2B5EF4-FFF2-40B4-BE49-F238E27FC236}">
-                <a16:creationId xmlns="" xmlns:a16="http://schemas.microsoft.com/office/drawing/2014/main" id="{A8704E41-3486-46BD-8AA7-B6B5D28F95A5}"/>
+                <a16:creationId xmlns:a16="http://schemas.microsoft.com/office/drawing/2014/main" xmlns="" id="{A8704E41-3486-46BD-8AA7-B6B5D28F95A5}"/>
               </a:ext>
             </a:extLst>
           </p:cNvPr>
@@ -27125,7 +27122,7 @@
           <p:cNvPr id="4" name="Slide Number Placeholder 3">
             <a:extLst>
               <a:ext uri="{FF2B5EF4-FFF2-40B4-BE49-F238E27FC236}">
-                <a16:creationId xmlns="" xmlns:a16="http://schemas.microsoft.com/office/drawing/2014/main" id="{02CD92EA-E9CB-4F4C-B1B9-840F11B55DC5}"/>
+                <a16:creationId xmlns:a16="http://schemas.microsoft.com/office/drawing/2014/main" xmlns="" id="{02CD92EA-E9CB-4F4C-B1B9-840F11B55DC5}"/>
               </a:ext>
             </a:extLst>
           </p:cNvPr>
@@ -27171,7 +27168,7 @@
           <p:cNvPr id="5" name="Text Placeholder 4">
             <a:extLst>
               <a:ext uri="{FF2B5EF4-FFF2-40B4-BE49-F238E27FC236}">
-                <a16:creationId xmlns="" xmlns:a16="http://schemas.microsoft.com/office/drawing/2014/main" id="{C22D9F79-04C1-4762-96D6-F3FE8172F1B1}"/>
+                <a16:creationId xmlns:a16="http://schemas.microsoft.com/office/drawing/2014/main" xmlns="" id="{C22D9F79-04C1-4762-96D6-F3FE8172F1B1}"/>
               </a:ext>
             </a:extLst>
           </p:cNvPr>
@@ -27188,7 +27185,7 @@
           <a:lstStyle/>
           <a:p>
             <a:r>
-              <a:rPr lang="en-US" b="0" dirty="0"/>
+              <a:rPr lang="en-US" dirty="0"/>
               <a:t>…a Revision Control System</a:t>
             </a:r>
           </a:p>
@@ -27199,7 +27196,7 @@
           <p:cNvPr id="8" name="Picture 7">
             <a:extLst>
               <a:ext uri="{FF2B5EF4-FFF2-40B4-BE49-F238E27FC236}">
-                <a16:creationId xmlns="" xmlns:a16="http://schemas.microsoft.com/office/drawing/2014/main" id="{C62C63E2-C97A-4E3E-9C28-351D24FBB5BD}"/>
+                <a16:creationId xmlns:a16="http://schemas.microsoft.com/office/drawing/2014/main" xmlns="" id="{C62C63E2-C97A-4E3E-9C28-351D24FBB5BD}"/>
               </a:ext>
             </a:extLst>
           </p:cNvPr>
@@ -27281,7 +27278,7 @@
           <p:cNvPr id="2" name="Text Placeholder 1">
             <a:extLst>
               <a:ext uri="{FF2B5EF4-FFF2-40B4-BE49-F238E27FC236}">
-                <a16:creationId xmlns="" xmlns:a16="http://schemas.microsoft.com/office/drawing/2014/main" id="{A51E6A0F-3D6D-493A-B24E-4199D72942C9}"/>
+                <a16:creationId xmlns:a16="http://schemas.microsoft.com/office/drawing/2014/main" xmlns="" id="{A51E6A0F-3D6D-493A-B24E-4199D72942C9}"/>
               </a:ext>
             </a:extLst>
           </p:cNvPr>
@@ -27306,7 +27303,7 @@
           <p:cNvPr id="3" name="Title 2">
             <a:extLst>
               <a:ext uri="{FF2B5EF4-FFF2-40B4-BE49-F238E27FC236}">
-                <a16:creationId xmlns="" xmlns:a16="http://schemas.microsoft.com/office/drawing/2014/main" id="{A8704E41-3486-46BD-8AA7-B6B5D28F95A5}"/>
+                <a16:creationId xmlns:a16="http://schemas.microsoft.com/office/drawing/2014/main" xmlns="" id="{A8704E41-3486-46BD-8AA7-B6B5D28F95A5}"/>
               </a:ext>
             </a:extLst>
           </p:cNvPr>
@@ -27343,7 +27340,7 @@
           <p:cNvPr id="4" name="Slide Number Placeholder 3">
             <a:extLst>
               <a:ext uri="{FF2B5EF4-FFF2-40B4-BE49-F238E27FC236}">
-                <a16:creationId xmlns="" xmlns:a16="http://schemas.microsoft.com/office/drawing/2014/main" id="{02CD92EA-E9CB-4F4C-B1B9-840F11B55DC5}"/>
+                <a16:creationId xmlns:a16="http://schemas.microsoft.com/office/drawing/2014/main" xmlns="" id="{02CD92EA-E9CB-4F4C-B1B9-840F11B55DC5}"/>
               </a:ext>
             </a:extLst>
           </p:cNvPr>
@@ -27389,7 +27386,7 @@
           <p:cNvPr id="5" name="Text Placeholder 4">
             <a:extLst>
               <a:ext uri="{FF2B5EF4-FFF2-40B4-BE49-F238E27FC236}">
-                <a16:creationId xmlns="" xmlns:a16="http://schemas.microsoft.com/office/drawing/2014/main" id="{C22D9F79-04C1-4762-96D6-F3FE8172F1B1}"/>
+                <a16:creationId xmlns:a16="http://schemas.microsoft.com/office/drawing/2014/main" xmlns="" id="{C22D9F79-04C1-4762-96D6-F3FE8172F1B1}"/>
               </a:ext>
             </a:extLst>
           </p:cNvPr>
@@ -27406,7 +27403,7 @@
           <a:lstStyle/>
           <a:p>
             <a:r>
-              <a:rPr lang="en-US" b="0" dirty="0"/>
+              <a:rPr lang="en-US" dirty="0"/>
               <a:t>…a Stupid Content Tracker</a:t>
             </a:r>
           </a:p>
@@ -27417,7 +27414,7 @@
           <p:cNvPr id="8" name="Picture 7">
             <a:extLst>
               <a:ext uri="{FF2B5EF4-FFF2-40B4-BE49-F238E27FC236}">
-                <a16:creationId xmlns="" xmlns:a16="http://schemas.microsoft.com/office/drawing/2014/main" id="{F11A34E2-CF14-4FAC-9913-4CAC796E46FA}"/>
+                <a16:creationId xmlns:a16="http://schemas.microsoft.com/office/drawing/2014/main" xmlns="" id="{F11A34E2-CF14-4FAC-9913-4CAC796E46FA}"/>
               </a:ext>
             </a:extLst>
           </p:cNvPr>
@@ -28816,18 +28813,18 @@
 </file>
 
 <file path=customXml/item1.xml><?xml version="1.0" encoding="utf-8"?>
-<p:properties xmlns:p="http://schemas.microsoft.com/office/2006/metadata/properties" xmlns:xsi="http://www.w3.org/2001/XMLSchema-instance" xmlns:pc="http://schemas.microsoft.com/office/infopath/2007/PartnerControls">
-  <documentManagement/>
-</p:properties>
-</file>
-
-<file path=customXml/item2.xml><?xml version="1.0" encoding="utf-8"?>
 <?mso-contentType ?>
 <FormTemplates xmlns="http://schemas.microsoft.com/sharepoint/v3/contenttype/forms">
   <Display>DocumentLibraryForm</Display>
   <Edit>DocumentLibraryForm</Edit>
   <New>DocumentLibraryForm</New>
 </FormTemplates>
+</file>
+
+<file path=customXml/item2.xml><?xml version="1.0" encoding="utf-8"?>
+<p:properties xmlns:p="http://schemas.microsoft.com/office/2006/metadata/properties" xmlns:xsi="http://www.w3.org/2001/XMLSchema-instance" xmlns:pc="http://schemas.microsoft.com/office/infopath/2007/PartnerControls">
+  <documentManagement/>
+</p:properties>
 </file>
 
 <file path=customXml/item3.xml><?xml version="1.0" encoding="utf-8"?>
@@ -28979,6 +28976,14 @@
 </file>
 
 <file path=customXml/itemProps1.xml><?xml version="1.0" encoding="utf-8"?>
+<ds:datastoreItem xmlns:ds="http://schemas.openxmlformats.org/officeDocument/2006/customXml" ds:itemID="{32028EF8-D63B-42F2-9729-538DFDBCE111}">
+  <ds:schemaRefs>
+    <ds:schemaRef ds:uri="http://schemas.microsoft.com/sharepoint/v3/contenttype/forms"/>
+  </ds:schemaRefs>
+</ds:datastoreItem>
+</file>
+
+<file path=customXml/itemProps2.xml><?xml version="1.0" encoding="utf-8"?>
 <ds:datastoreItem xmlns:ds="http://schemas.openxmlformats.org/officeDocument/2006/customXml" ds:itemID="{A9495F4B-BFDC-466D-9B0E-24D55C97E4DD}">
   <ds:schemaRefs>
     <ds:schemaRef ds:uri="http://schemas.microsoft.com/office/2006/documentManagement/types"/>
@@ -28990,14 +28995,6 @@
     <ds:schemaRef ds:uri="6e6f0a11-ea51-4914-9041-4a6fcd55b979"/>
     <ds:schemaRef ds:uri="http://www.w3.org/XML/1998/namespace"/>
     <ds:schemaRef ds:uri="http://purl.org/dc/elements/1.1/"/>
-  </ds:schemaRefs>
-</ds:datastoreItem>
-</file>
-
-<file path=customXml/itemProps2.xml><?xml version="1.0" encoding="utf-8"?>
-<ds:datastoreItem xmlns:ds="http://schemas.openxmlformats.org/officeDocument/2006/customXml" ds:itemID="{32028EF8-D63B-42F2-9729-538DFDBCE111}">
-  <ds:schemaRefs>
-    <ds:schemaRef ds:uri="http://schemas.microsoft.com/sharepoint/v3/contenttype/forms"/>
   </ds:schemaRefs>
 </ds:datastoreItem>
 </file>

--- a/docs/ppt/git_module_01.pptx
+++ b/docs/ppt/git_module_01.pptx
@@ -454,7 +454,7 @@
                 <a:latin typeface="Century Gothic" pitchFamily="34" charset="0"/>
               </a:rPr>
               <a:pPr/>
-              <a:t>25/12/2017</a:t>
+              <a:t>31/12/2017</a:t>
             </a:fld>
             <a:endParaRPr lang="fr-FR">
               <a:latin typeface="Century Gothic" pitchFamily="34" charset="0"/>
@@ -634,7 +634,7 @@
             <a:fld id="{FDCDEFE6-5B54-4838-86E6-97123BEF1300}" type="datetimeFigureOut">
               <a:rPr lang="fr-FR" smtClean="0"/>
               <a:pPr/>
-              <a:t>25/12/2017</a:t>
+              <a:t>31/12/2017</a:t>
             </a:fld>
             <a:endParaRPr lang="fr-FR"/>
           </a:p>
@@ -973,7 +973,7 @@
             <a:fld id="{903BB967-652B-44E3-AC85-B50B589029DD}" type="slidenum">
               <a:rPr lang="fr-FR" smtClean="0"/>
               <a:pPr/>
-              <a:t>2</a:t>
+              <a:t>1</a:t>
             </a:fld>
             <a:endParaRPr lang="fr-FR"/>
           </a:p>
@@ -982,7 +982,7 @@
     </p:spTree>
     <p:extLst>
       <p:ext uri="{BB962C8B-B14F-4D97-AF65-F5344CB8AC3E}">
-        <p14:creationId xmlns:p14="http://schemas.microsoft.com/office/powerpoint/2010/main" val="749379978"/>
+        <p14:creationId xmlns:p14="http://schemas.microsoft.com/office/powerpoint/2010/main" val="4202961309"/>
       </p:ext>
     </p:extLst>
   </p:cSld>
@@ -1037,19 +1037,47 @@
           <a:lstStyle/>
           <a:p>
             <a:r>
-              <a:rPr lang="fr-FR" sz="1200" kern="1200" dirty="0" smtClean="0">
-                <a:solidFill>
-                  <a:schemeClr val="tx1"/>
-                </a:solidFill>
-                <a:effectLst/>
-                <a:latin typeface="Century Gothic" pitchFamily="34" charset="0"/>
-                <a:ea typeface="+mn-ea"/>
-                <a:cs typeface="+mn-cs"/>
-              </a:rPr>
-              <a:t>git_module01_lab01</a:t>
-            </a:r>
-          </a:p>
-          <a:p>
+              <a:rPr lang="fr-FR" baseline="0" dirty="0" smtClean="0"/>
+              <a:t>Il </a:t>
+            </a:r>
+            <a:r>
+              <a:rPr lang="fr-FR" baseline="0" dirty="0" smtClean="0"/>
+              <a:t>nous reste </a:t>
+            </a:r>
+            <a:r>
+              <a:rPr lang="fr-FR" baseline="0" dirty="0" smtClean="0"/>
+              <a:t>une table / </a:t>
+            </a:r>
+            <a:r>
+              <a:rPr lang="fr-FR" baseline="0" dirty="0" err="1" smtClean="0"/>
+              <a:t>map</a:t>
+            </a:r>
+            <a:r>
+              <a:rPr lang="fr-FR" baseline="0" dirty="0" smtClean="0"/>
+              <a:t>… Un outil </a:t>
+            </a:r>
+            <a:r>
+              <a:rPr lang="fr-FR" baseline="0" dirty="0" smtClean="0"/>
+              <a:t>qui lie des clefs à des valeurs, de </a:t>
+            </a:r>
+            <a:r>
+              <a:rPr lang="fr-FR" baseline="0" dirty="0" smtClean="0"/>
+              <a:t>façon persistante, sur le disque.</a:t>
+            </a:r>
+          </a:p>
+          <a:p>
+            <a:r>
+              <a:rPr lang="fr-FR" baseline="0" dirty="0" smtClean="0"/>
+              <a:t>On va reconstruire l’</a:t>
+            </a:r>
+            <a:r>
+              <a:rPr lang="fr-FR" baseline="0" dirty="0" err="1" smtClean="0"/>
+              <a:t>onion</a:t>
+            </a:r>
+            <a:r>
+              <a:rPr lang="fr-FR" baseline="0" dirty="0" smtClean="0"/>
+              <a:t> petit à petit.</a:t>
+            </a:r>
             <a:endParaRPr lang="fr-FR" dirty="0"/>
           </a:p>
         </p:txBody>
@@ -1072,7 +1100,7 @@
             <a:fld id="{903BB967-652B-44E3-AC85-B50B589029DD}" type="slidenum">
               <a:rPr lang="fr-FR" smtClean="0"/>
               <a:pPr/>
-              <a:t>17</a:t>
+              <a:t>10</a:t>
             </a:fld>
             <a:endParaRPr lang="fr-FR"/>
           </a:p>
@@ -1081,7 +1109,7 @@
     </p:spTree>
     <p:extLst>
       <p:ext uri="{BB962C8B-B14F-4D97-AF65-F5344CB8AC3E}">
-        <p14:creationId xmlns:p14="http://schemas.microsoft.com/office/powerpoint/2010/main" val="1653666371"/>
+        <p14:creationId xmlns:p14="http://schemas.microsoft.com/office/powerpoint/2010/main" val="1102568201"/>
       </p:ext>
     </p:extLst>
   </p:cSld>
@@ -1135,38 +1163,6 @@
           <a:bodyPr/>
           <a:lstStyle/>
           <a:p>
-            <a:r>
-              <a:rPr lang="fr-FR" dirty="0" smtClean="0"/>
-              <a:t>Compter</a:t>
-            </a:r>
-            <a:r>
-              <a:rPr lang="fr-FR" baseline="0" dirty="0" smtClean="0"/>
-              <a:t> le nombre </a:t>
-            </a:r>
-            <a:r>
-              <a:rPr lang="fr-FR" baseline="0" dirty="0" err="1" smtClean="0"/>
-              <a:t>d’object</a:t>
-            </a:r>
-            <a:r>
-              <a:rPr lang="fr-FR" baseline="0" dirty="0" smtClean="0"/>
-              <a:t> : 2 </a:t>
-            </a:r>
-            <a:r>
-              <a:rPr lang="fr-FR" baseline="0" dirty="0" err="1" smtClean="0"/>
-              <a:t>commits</a:t>
-            </a:r>
-            <a:r>
-              <a:rPr lang="fr-FR" baseline="0" dirty="0" smtClean="0"/>
-              <a:t> + 3 </a:t>
-            </a:r>
-            <a:r>
-              <a:rPr lang="fr-FR" baseline="0" dirty="0" err="1" smtClean="0"/>
-              <a:t>tree</a:t>
-            </a:r>
-            <a:r>
-              <a:rPr lang="fr-FR" baseline="0" dirty="0" smtClean="0"/>
-              <a:t> + 3 blobs = 8</a:t>
-            </a:r>
             <a:endParaRPr lang="fr-FR" dirty="0"/>
           </a:p>
         </p:txBody>
@@ -1189,7 +1185,7 @@
             <a:fld id="{903BB967-652B-44E3-AC85-B50B589029DD}" type="slidenum">
               <a:rPr lang="fr-FR" smtClean="0"/>
               <a:pPr/>
-              <a:t>19</a:t>
+              <a:t>11</a:t>
             </a:fld>
             <a:endParaRPr lang="fr-FR"/>
           </a:p>
@@ -1198,7 +1194,7 @@
     </p:spTree>
     <p:extLst>
       <p:ext uri="{BB962C8B-B14F-4D97-AF65-F5344CB8AC3E}">
-        <p14:creationId xmlns:p14="http://schemas.microsoft.com/office/powerpoint/2010/main" val="3516945211"/>
+        <p14:creationId xmlns:p14="http://schemas.microsoft.com/office/powerpoint/2010/main" val="1831278760"/>
       </p:ext>
     </p:extLst>
   </p:cSld>
@@ -1253,25 +1249,28 @@
           <a:lstStyle/>
           <a:p>
             <a:r>
-              <a:rPr lang="fr-FR" dirty="0" err="1" smtClean="0"/>
+              <a:rPr lang="fr-FR" dirty="0" smtClean="0"/>
+              <a:t>SHA1</a:t>
+            </a:r>
+            <a:r>
+              <a:rPr lang="fr-FR" baseline="0" dirty="0" smtClean="0"/>
+              <a:t> : 20 bytes en hexa donc 40 nombres (digit) hexa</a:t>
+            </a:r>
+          </a:p>
+          <a:p>
+            <a:r>
+              <a:rPr lang="fr-FR" baseline="0" dirty="0" err="1" smtClean="0"/>
               <a:t>Demo</a:t>
             </a:r>
             <a:r>
               <a:rPr lang="fr-FR" baseline="0" dirty="0" smtClean="0"/>
-              <a:t> : </a:t>
-            </a:r>
-            <a:r>
-              <a:rPr lang="fr-FR" baseline="0" dirty="0" err="1" smtClean="0"/>
-              <a:t>a</a:t>
-            </a:r>
-            <a:r>
-              <a:rPr lang="fr-FR" dirty="0" err="1" smtClean="0"/>
-              <a:t>nnotated</a:t>
-            </a:r>
-            <a:r>
-              <a:rPr lang="fr-FR" dirty="0" smtClean="0"/>
-              <a:t> tags</a:t>
-            </a:r>
+              <a:t> : git_module01_demo01</a:t>
+            </a:r>
+          </a:p>
+          <a:p>
+            <a:pPr marL="228600" indent="-228600">
+              <a:buAutoNum type="arabicPeriod"/>
+            </a:pPr>
             <a:endParaRPr lang="fr-FR" dirty="0"/>
           </a:p>
         </p:txBody>
@@ -1294,7 +1293,7 @@
             <a:fld id="{903BB967-652B-44E3-AC85-B50B589029DD}" type="slidenum">
               <a:rPr lang="fr-FR" smtClean="0"/>
               <a:pPr/>
-              <a:t>20</a:t>
+              <a:t>12</a:t>
             </a:fld>
             <a:endParaRPr lang="fr-FR"/>
           </a:p>
@@ -1303,7 +1302,7 @@
     </p:spTree>
     <p:extLst>
       <p:ext uri="{BB962C8B-B14F-4D97-AF65-F5344CB8AC3E}">
-        <p14:creationId xmlns:p14="http://schemas.microsoft.com/office/powerpoint/2010/main" val="2082635999"/>
+        <p14:creationId xmlns:p14="http://schemas.microsoft.com/office/powerpoint/2010/main" val="2567650016"/>
       </p:ext>
     </p:extLst>
   </p:cSld>
@@ -1359,27 +1358,11 @@
           <a:p>
             <a:r>
               <a:rPr lang="fr-FR" dirty="0" smtClean="0"/>
-              <a:t>Retour sur la structure : blob (données), </a:t>
-            </a:r>
-            <a:r>
-              <a:rPr lang="fr-FR" dirty="0" err="1" smtClean="0"/>
-              <a:t>tree</a:t>
-            </a:r>
-            <a:r>
-              <a:rPr lang="fr-FR" dirty="0" smtClean="0"/>
-              <a:t> (répertoire)</a:t>
+              <a:t>On peut comparer les clefs</a:t>
             </a:r>
             <a:r>
               <a:rPr lang="fr-FR" baseline="0" dirty="0" smtClean="0"/>
-              <a:t> récursifs, noms stockés dans les </a:t>
-            </a:r>
-            <a:r>
-              <a:rPr lang="fr-FR" baseline="0" dirty="0" err="1" smtClean="0"/>
-              <a:t>trees</a:t>
-            </a:r>
-            <a:r>
-              <a:rPr lang="fr-FR" baseline="0" dirty="0" smtClean="0"/>
-              <a:t>. Faire le lien avec un système de fichiers (Windows, Linux)</a:t>
+              <a:t> de type SHA1 avec les GUID qui sont utilisés comme identifiants techniques</a:t>
             </a:r>
             <a:endParaRPr lang="fr-FR" dirty="0"/>
           </a:p>
@@ -1403,7 +1386,7 @@
             <a:fld id="{903BB967-652B-44E3-AC85-B50B589029DD}" type="slidenum">
               <a:rPr lang="fr-FR" smtClean="0"/>
               <a:pPr/>
-              <a:t>22</a:t>
+              <a:t>15</a:t>
             </a:fld>
             <a:endParaRPr lang="fr-FR"/>
           </a:p>
@@ -1412,7 +1395,959 @@
     </p:spTree>
     <p:extLst>
       <p:ext uri="{BB962C8B-B14F-4D97-AF65-F5344CB8AC3E}">
-        <p14:creationId xmlns:p14="http://schemas.microsoft.com/office/powerpoint/2010/main" val="3339731019"/>
+        <p14:creationId xmlns:p14="http://schemas.microsoft.com/office/powerpoint/2010/main" val="1666786824"/>
+      </p:ext>
+    </p:extLst>
+  </p:cSld>
+  <p:clrMapOvr>
+    <a:masterClrMapping/>
+  </p:clrMapOvr>
+</p:notes>
+</file>
+
+<file path=ppt/notesSlides/notesSlide14.xml><?xml version="1.0" encoding="utf-8"?>
+<p:notes xmlns:a="http://schemas.openxmlformats.org/drawingml/2006/main" xmlns:r="http://schemas.openxmlformats.org/officeDocument/2006/relationships" xmlns:p="http://schemas.openxmlformats.org/presentationml/2006/main">
+  <p:cSld>
+    <p:spTree>
+      <p:nvGrpSpPr>
+        <p:cNvPr id="1" name=""/>
+        <p:cNvGrpSpPr/>
+        <p:nvPr/>
+      </p:nvGrpSpPr>
+      <p:grpSpPr>
+        <a:xfrm>
+          <a:off x="0" y="0"/>
+          <a:ext cx="0" cy="0"/>
+          <a:chOff x="0" y="0"/>
+          <a:chExt cx="0" cy="0"/>
+        </a:xfrm>
+      </p:grpSpPr>
+      <p:sp>
+        <p:nvSpPr>
+          <p:cNvPr id="2" name="Slide Image Placeholder 1"/>
+          <p:cNvSpPr>
+            <a:spLocks noGrp="1" noRot="1" noChangeAspect="1"/>
+          </p:cNvSpPr>
+          <p:nvPr>
+            <p:ph type="sldImg"/>
+          </p:nvPr>
+        </p:nvSpPr>
+        <p:spPr/>
+      </p:sp>
+      <p:sp>
+        <p:nvSpPr>
+          <p:cNvPr id="3" name="Notes Placeholder 2"/>
+          <p:cNvSpPr>
+            <a:spLocks noGrp="1"/>
+          </p:cNvSpPr>
+          <p:nvPr>
+            <p:ph type="body" idx="1"/>
+          </p:nvPr>
+        </p:nvSpPr>
+        <p:spPr/>
+        <p:txBody>
+          <a:bodyPr/>
+          <a:lstStyle/>
+          <a:p>
+            <a:pPr marL="0" indent="0">
+              <a:buNone/>
+            </a:pPr>
+            <a:r>
+              <a:rPr lang="fr-FR" sz="1200" kern="1200" dirty="0" smtClean="0">
+                <a:solidFill>
+                  <a:schemeClr val="tx1"/>
+                </a:solidFill>
+                <a:effectLst/>
+                <a:latin typeface="Century Gothic" pitchFamily="34" charset="0"/>
+                <a:ea typeface="+mn-ea"/>
+                <a:cs typeface="+mn-cs"/>
+              </a:rPr>
+              <a:t>Persistance</a:t>
+            </a:r>
+            <a:r>
+              <a:rPr lang="fr-FR" sz="1200" kern="1200" baseline="0" dirty="0" smtClean="0">
+                <a:solidFill>
+                  <a:schemeClr val="tx1"/>
+                </a:solidFill>
+                <a:effectLst/>
+                <a:latin typeface="Century Gothic" pitchFamily="34" charset="0"/>
+                <a:ea typeface="+mn-ea"/>
+                <a:cs typeface="+mn-cs"/>
+              </a:rPr>
+              <a:t> : on va voir plus en détail d’où elle vient…</a:t>
+            </a:r>
+            <a:endParaRPr lang="fr-FR" sz="1200" kern="1200" dirty="0" smtClean="0">
+              <a:solidFill>
+                <a:schemeClr val="tx1"/>
+              </a:solidFill>
+              <a:effectLst/>
+              <a:latin typeface="Century Gothic" pitchFamily="34" charset="0"/>
+              <a:ea typeface="+mn-ea"/>
+              <a:cs typeface="+mn-cs"/>
+            </a:endParaRPr>
+          </a:p>
+          <a:p>
+            <a:pPr marL="0" indent="0">
+              <a:buNone/>
+            </a:pPr>
+            <a:r>
+              <a:rPr lang="fr-FR" sz="1200" kern="1200" dirty="0" smtClean="0">
+                <a:solidFill>
+                  <a:schemeClr val="tx1"/>
+                </a:solidFill>
+                <a:effectLst/>
+                <a:latin typeface="Century Gothic" pitchFamily="34" charset="0"/>
+                <a:ea typeface="+mn-ea"/>
+                <a:cs typeface="+mn-cs"/>
+              </a:rPr>
+              <a:t>git_module01_demo02</a:t>
+            </a:r>
+          </a:p>
+          <a:p>
+            <a:pPr marL="0" indent="0">
+              <a:buNone/>
+            </a:pPr>
+            <a:r>
+              <a:rPr lang="fr-FR" sz="1200" kern="1200" baseline="0" dirty="0" smtClean="0">
+                <a:solidFill>
+                  <a:schemeClr val="tx1"/>
+                </a:solidFill>
+                <a:effectLst/>
+                <a:latin typeface="Century Gothic" pitchFamily="34" charset="0"/>
+                <a:ea typeface="+mn-ea"/>
+                <a:cs typeface="+mn-cs"/>
+              </a:rPr>
+              <a:t>On vient de voir les fonctionnalités de base de git. On va pouvoir passer à la couche suivante…</a:t>
+            </a:r>
+            <a:endParaRPr lang="fr-FR" baseline="0" dirty="0" smtClean="0"/>
+          </a:p>
+        </p:txBody>
+      </p:sp>
+      <p:sp>
+        <p:nvSpPr>
+          <p:cNvPr id="4" name="Slide Number Placeholder 3"/>
+          <p:cNvSpPr>
+            <a:spLocks noGrp="1"/>
+          </p:cNvSpPr>
+          <p:nvPr>
+            <p:ph type="sldNum" sz="quarter" idx="10"/>
+          </p:nvPr>
+        </p:nvSpPr>
+        <p:spPr/>
+        <p:txBody>
+          <a:bodyPr/>
+          <a:lstStyle/>
+          <a:p>
+            <a:fld id="{903BB967-652B-44E3-AC85-B50B589029DD}" type="slidenum">
+              <a:rPr lang="fr-FR" smtClean="0"/>
+              <a:pPr/>
+              <a:t>16</a:t>
+            </a:fld>
+            <a:endParaRPr lang="fr-FR"/>
+          </a:p>
+        </p:txBody>
+      </p:sp>
+    </p:spTree>
+    <p:extLst>
+      <p:ext uri="{BB962C8B-B14F-4D97-AF65-F5344CB8AC3E}">
+        <p14:creationId xmlns:p14="http://schemas.microsoft.com/office/powerpoint/2010/main" val="914011264"/>
+      </p:ext>
+    </p:extLst>
+  </p:cSld>
+  <p:clrMapOvr>
+    <a:masterClrMapping/>
+  </p:clrMapOvr>
+</p:notes>
+</file>
+
+<file path=ppt/notesSlides/notesSlide15.xml><?xml version="1.0" encoding="utf-8"?>
+<p:notes xmlns:a="http://schemas.openxmlformats.org/drawingml/2006/main" xmlns:r="http://schemas.openxmlformats.org/officeDocument/2006/relationships" xmlns:p="http://schemas.openxmlformats.org/presentationml/2006/main">
+  <p:cSld>
+    <p:spTree>
+      <p:nvGrpSpPr>
+        <p:cNvPr id="1" name=""/>
+        <p:cNvGrpSpPr/>
+        <p:nvPr/>
+      </p:nvGrpSpPr>
+      <p:grpSpPr>
+        <a:xfrm>
+          <a:off x="0" y="0"/>
+          <a:ext cx="0" cy="0"/>
+          <a:chOff x="0" y="0"/>
+          <a:chExt cx="0" cy="0"/>
+        </a:xfrm>
+      </p:grpSpPr>
+      <p:sp>
+        <p:nvSpPr>
+          <p:cNvPr id="2" name="Slide Image Placeholder 1"/>
+          <p:cNvSpPr>
+            <a:spLocks noGrp="1" noRot="1" noChangeAspect="1"/>
+          </p:cNvSpPr>
+          <p:nvPr>
+            <p:ph type="sldImg"/>
+          </p:nvPr>
+        </p:nvSpPr>
+        <p:spPr/>
+      </p:sp>
+      <p:sp>
+        <p:nvSpPr>
+          <p:cNvPr id="3" name="Notes Placeholder 2"/>
+          <p:cNvSpPr>
+            <a:spLocks noGrp="1"/>
+          </p:cNvSpPr>
+          <p:nvPr>
+            <p:ph type="body" idx="1"/>
+          </p:nvPr>
+        </p:nvSpPr>
+        <p:spPr/>
+        <p:txBody>
+          <a:bodyPr/>
+          <a:lstStyle/>
+          <a:p>
+            <a:r>
+              <a:rPr lang="fr-FR" sz="1200" kern="1200" dirty="0" smtClean="0">
+                <a:solidFill>
+                  <a:schemeClr val="tx1"/>
+                </a:solidFill>
+                <a:effectLst/>
+                <a:latin typeface="Century Gothic" pitchFamily="34" charset="0"/>
+                <a:ea typeface="+mn-ea"/>
+                <a:cs typeface="+mn-cs"/>
+              </a:rPr>
+              <a:t>git_module01_lab01</a:t>
+            </a:r>
+          </a:p>
+          <a:p>
+            <a:endParaRPr lang="fr-FR" dirty="0"/>
+          </a:p>
+        </p:txBody>
+      </p:sp>
+      <p:sp>
+        <p:nvSpPr>
+          <p:cNvPr id="4" name="Slide Number Placeholder 3"/>
+          <p:cNvSpPr>
+            <a:spLocks noGrp="1"/>
+          </p:cNvSpPr>
+          <p:nvPr>
+            <p:ph type="sldNum" sz="quarter" idx="10"/>
+          </p:nvPr>
+        </p:nvSpPr>
+        <p:spPr/>
+        <p:txBody>
+          <a:bodyPr/>
+          <a:lstStyle/>
+          <a:p>
+            <a:fld id="{903BB967-652B-44E3-AC85-B50B589029DD}" type="slidenum">
+              <a:rPr lang="fr-FR" smtClean="0"/>
+              <a:pPr/>
+              <a:t>17</a:t>
+            </a:fld>
+            <a:endParaRPr lang="fr-FR"/>
+          </a:p>
+        </p:txBody>
+      </p:sp>
+    </p:spTree>
+    <p:extLst>
+      <p:ext uri="{BB962C8B-B14F-4D97-AF65-F5344CB8AC3E}">
+        <p14:creationId xmlns:p14="http://schemas.microsoft.com/office/powerpoint/2010/main" val="1653666371"/>
+      </p:ext>
+    </p:extLst>
+  </p:cSld>
+  <p:clrMapOvr>
+    <a:masterClrMapping/>
+  </p:clrMapOvr>
+</p:notes>
+</file>
+
+<file path=ppt/notesSlides/notesSlide16.xml><?xml version="1.0" encoding="utf-8"?>
+<p:notes xmlns:a="http://schemas.openxmlformats.org/drawingml/2006/main" xmlns:r="http://schemas.openxmlformats.org/officeDocument/2006/relationships" xmlns:p="http://schemas.openxmlformats.org/presentationml/2006/main">
+  <p:cSld>
+    <p:spTree>
+      <p:nvGrpSpPr>
+        <p:cNvPr id="1" name=""/>
+        <p:cNvGrpSpPr/>
+        <p:nvPr/>
+      </p:nvGrpSpPr>
+      <p:grpSpPr>
+        <a:xfrm>
+          <a:off x="0" y="0"/>
+          <a:ext cx="0" cy="0"/>
+          <a:chOff x="0" y="0"/>
+          <a:chExt cx="0" cy="0"/>
+        </a:xfrm>
+      </p:grpSpPr>
+      <p:sp>
+        <p:nvSpPr>
+          <p:cNvPr id="2" name="Slide Image Placeholder 1"/>
+          <p:cNvSpPr>
+            <a:spLocks noGrp="1" noRot="1" noChangeAspect="1"/>
+          </p:cNvSpPr>
+          <p:nvPr>
+            <p:ph type="sldImg"/>
+          </p:nvPr>
+        </p:nvSpPr>
+        <p:spPr/>
+      </p:sp>
+      <p:sp>
+        <p:nvSpPr>
+          <p:cNvPr id="3" name="Notes Placeholder 2"/>
+          <p:cNvSpPr>
+            <a:spLocks noGrp="1"/>
+          </p:cNvSpPr>
+          <p:nvPr>
+            <p:ph type="body" idx="1"/>
+          </p:nvPr>
+        </p:nvSpPr>
+        <p:spPr/>
+        <p:txBody>
+          <a:bodyPr/>
+          <a:lstStyle/>
+          <a:p>
+            <a:r>
+              <a:rPr lang="fr-FR" dirty="0" smtClean="0"/>
+              <a:t>On retourne à la démo</a:t>
+            </a:r>
+            <a:r>
+              <a:rPr lang="fr-FR" baseline="0" dirty="0" smtClean="0"/>
+              <a:t> avant de continuer de dérouler le </a:t>
+            </a:r>
+            <a:r>
+              <a:rPr lang="fr-FR" baseline="0" dirty="0" err="1" smtClean="0"/>
+              <a:t>tree</a:t>
+            </a:r>
+            <a:endParaRPr lang="fr-FR" baseline="0" dirty="0" smtClean="0"/>
+          </a:p>
+          <a:p>
+            <a:r>
+              <a:rPr lang="fr-FR" baseline="0" dirty="0" smtClean="0"/>
+              <a:t>On retourne à la démo après avoir affiché le blob Apple Pie</a:t>
+            </a:r>
+          </a:p>
+          <a:p>
+            <a:r>
+              <a:rPr lang="fr-FR" baseline="0" dirty="0" smtClean="0"/>
+              <a:t>Si on a les mêmes </a:t>
+            </a:r>
+            <a:r>
+              <a:rPr lang="fr-FR" baseline="0" dirty="0" err="1" smtClean="0"/>
+              <a:t>trees</a:t>
+            </a:r>
+            <a:r>
+              <a:rPr lang="fr-FR" baseline="0" dirty="0" smtClean="0"/>
+              <a:t> et blobs, les SHA1 sont identiques, en revanche ceux des </a:t>
+            </a:r>
+            <a:r>
+              <a:rPr lang="fr-FR" baseline="0" dirty="0" err="1" smtClean="0"/>
+              <a:t>commits</a:t>
+            </a:r>
+            <a:r>
+              <a:rPr lang="fr-FR" baseline="0" dirty="0" smtClean="0"/>
+              <a:t> sont différents (date, auteur, etc…)</a:t>
+            </a:r>
+          </a:p>
+          <a:p>
+            <a:endParaRPr lang="fr-FR" dirty="0"/>
+          </a:p>
+        </p:txBody>
+      </p:sp>
+      <p:sp>
+        <p:nvSpPr>
+          <p:cNvPr id="4" name="Slide Number Placeholder 3"/>
+          <p:cNvSpPr>
+            <a:spLocks noGrp="1"/>
+          </p:cNvSpPr>
+          <p:nvPr>
+            <p:ph type="sldNum" sz="quarter" idx="10"/>
+          </p:nvPr>
+        </p:nvSpPr>
+        <p:spPr/>
+        <p:txBody>
+          <a:bodyPr/>
+          <a:lstStyle/>
+          <a:p>
+            <a:fld id="{903BB967-652B-44E3-AC85-B50B589029DD}" type="slidenum">
+              <a:rPr lang="fr-FR" smtClean="0"/>
+              <a:pPr/>
+              <a:t>18</a:t>
+            </a:fld>
+            <a:endParaRPr lang="fr-FR"/>
+          </a:p>
+        </p:txBody>
+      </p:sp>
+    </p:spTree>
+    <p:extLst>
+      <p:ext uri="{BB962C8B-B14F-4D97-AF65-F5344CB8AC3E}">
+        <p14:creationId xmlns:p14="http://schemas.microsoft.com/office/powerpoint/2010/main" val="1621888416"/>
+      </p:ext>
+    </p:extLst>
+  </p:cSld>
+  <p:clrMapOvr>
+    <a:masterClrMapping/>
+  </p:clrMapOvr>
+</p:notes>
+</file>
+
+<file path=ppt/notesSlides/notesSlide17.xml><?xml version="1.0" encoding="utf-8"?>
+<p:notes xmlns:a="http://schemas.openxmlformats.org/drawingml/2006/main" xmlns:r="http://schemas.openxmlformats.org/officeDocument/2006/relationships" xmlns:p="http://schemas.openxmlformats.org/presentationml/2006/main">
+  <p:cSld>
+    <p:spTree>
+      <p:nvGrpSpPr>
+        <p:cNvPr id="1" name=""/>
+        <p:cNvGrpSpPr/>
+        <p:nvPr/>
+      </p:nvGrpSpPr>
+      <p:grpSpPr>
+        <a:xfrm>
+          <a:off x="0" y="0"/>
+          <a:ext cx="0" cy="0"/>
+          <a:chOff x="0" y="0"/>
+          <a:chExt cx="0" cy="0"/>
+        </a:xfrm>
+      </p:grpSpPr>
+      <p:sp>
+        <p:nvSpPr>
+          <p:cNvPr id="2" name="Slide Image Placeholder 1"/>
+          <p:cNvSpPr>
+            <a:spLocks noGrp="1" noRot="1" noChangeAspect="1"/>
+          </p:cNvSpPr>
+          <p:nvPr>
+            <p:ph type="sldImg"/>
+          </p:nvPr>
+        </p:nvSpPr>
+        <p:spPr/>
+      </p:sp>
+      <p:sp>
+        <p:nvSpPr>
+          <p:cNvPr id="3" name="Notes Placeholder 2"/>
+          <p:cNvSpPr>
+            <a:spLocks noGrp="1"/>
+          </p:cNvSpPr>
+          <p:nvPr>
+            <p:ph type="body" idx="1"/>
+          </p:nvPr>
+        </p:nvSpPr>
+        <p:spPr/>
+        <p:txBody>
+          <a:bodyPr/>
+          <a:lstStyle/>
+          <a:p>
+            <a:r>
+              <a:rPr lang="fr-FR" dirty="0" smtClean="0"/>
+              <a:t>On va aborder</a:t>
+            </a:r>
+            <a:r>
+              <a:rPr lang="fr-FR" baseline="0" dirty="0" smtClean="0"/>
+              <a:t> la partie </a:t>
+            </a:r>
+            <a:r>
+              <a:rPr lang="fr-FR" baseline="0" dirty="0" err="1" smtClean="0"/>
+              <a:t>versioning</a:t>
+            </a:r>
+            <a:r>
+              <a:rPr lang="fr-FR" baseline="0" dirty="0" smtClean="0"/>
+              <a:t>, voir comment elle est implémentée</a:t>
+            </a:r>
+          </a:p>
+          <a:p>
+            <a:pPr marL="0" marR="0" lvl="0" indent="0" algn="l" defTabSz="914400" rtl="0" eaLnBrk="1" fontAlgn="auto" latinLnBrk="0" hangingPunct="1">
+              <a:lnSpc>
+                <a:spcPct val="100000"/>
+              </a:lnSpc>
+              <a:spcBef>
+                <a:spcPts val="0"/>
+              </a:spcBef>
+              <a:spcAft>
+                <a:spcPts val="0"/>
+              </a:spcAft>
+              <a:buClrTx/>
+              <a:buSzTx/>
+              <a:buFontTx/>
+              <a:buNone/>
+              <a:tabLst/>
+              <a:defRPr/>
+            </a:pPr>
+            <a:r>
+              <a:rPr lang="fr-FR" sz="1200" kern="1200" dirty="0" smtClean="0">
+                <a:solidFill>
+                  <a:schemeClr val="tx1"/>
+                </a:solidFill>
+                <a:effectLst/>
+                <a:latin typeface="Century Gothic" pitchFamily="34" charset="0"/>
+                <a:ea typeface="+mn-ea"/>
+                <a:cs typeface="+mn-cs"/>
+              </a:rPr>
+              <a:t>git_module01_lab02 d’entrée</a:t>
+            </a:r>
+          </a:p>
+          <a:p>
+            <a:pPr marL="0" marR="0" lvl="0" indent="0" algn="l" defTabSz="914400" rtl="0" eaLnBrk="1" fontAlgn="auto" latinLnBrk="0" hangingPunct="1">
+              <a:lnSpc>
+                <a:spcPct val="100000"/>
+              </a:lnSpc>
+              <a:spcBef>
+                <a:spcPts val="0"/>
+              </a:spcBef>
+              <a:spcAft>
+                <a:spcPts val="0"/>
+              </a:spcAft>
+              <a:buClrTx/>
+              <a:buSzTx/>
+              <a:buFontTx/>
+              <a:buNone/>
+              <a:tabLst/>
+              <a:defRPr/>
+            </a:pPr>
+            <a:r>
+              <a:rPr lang="fr-FR" sz="1200" kern="1200" dirty="0" smtClean="0">
+                <a:solidFill>
+                  <a:schemeClr val="tx1"/>
+                </a:solidFill>
+                <a:effectLst/>
+                <a:latin typeface="Century Gothic" pitchFamily="34" charset="0"/>
+                <a:ea typeface="+mn-ea"/>
+                <a:cs typeface="+mn-cs"/>
+              </a:rPr>
+              <a:t>Retour au </a:t>
+            </a:r>
+            <a:r>
+              <a:rPr lang="fr-FR" sz="1200" kern="1200" dirty="0" err="1" smtClean="0">
+                <a:solidFill>
+                  <a:schemeClr val="tx1"/>
+                </a:solidFill>
+                <a:effectLst/>
+                <a:latin typeface="Century Gothic" pitchFamily="34" charset="0"/>
+                <a:ea typeface="+mn-ea"/>
+                <a:cs typeface="+mn-cs"/>
+              </a:rPr>
+              <a:t>lab</a:t>
+            </a:r>
+            <a:r>
+              <a:rPr lang="fr-FR" sz="1200" kern="1200" baseline="0" dirty="0" smtClean="0">
+                <a:solidFill>
+                  <a:schemeClr val="tx1"/>
+                </a:solidFill>
+                <a:effectLst/>
+                <a:latin typeface="Century Gothic" pitchFamily="34" charset="0"/>
+                <a:ea typeface="+mn-ea"/>
+                <a:cs typeface="+mn-cs"/>
+              </a:rPr>
+              <a:t> après avoir affiché le </a:t>
+            </a:r>
+            <a:r>
+              <a:rPr lang="fr-FR" sz="1200" kern="1200" baseline="0" dirty="0" err="1" smtClean="0">
+                <a:solidFill>
+                  <a:schemeClr val="tx1"/>
+                </a:solidFill>
+                <a:effectLst/>
+                <a:latin typeface="Century Gothic" pitchFamily="34" charset="0"/>
+                <a:ea typeface="+mn-ea"/>
+                <a:cs typeface="+mn-cs"/>
+              </a:rPr>
+              <a:t>tree</a:t>
+            </a:r>
+            <a:r>
+              <a:rPr lang="fr-FR" sz="1200" kern="1200" baseline="0" dirty="0" smtClean="0">
+                <a:solidFill>
+                  <a:schemeClr val="tx1"/>
+                </a:solidFill>
+                <a:effectLst/>
+                <a:latin typeface="Century Gothic" pitchFamily="34" charset="0"/>
+                <a:ea typeface="+mn-ea"/>
+                <a:cs typeface="+mn-cs"/>
+              </a:rPr>
+              <a:t> du commit</a:t>
+            </a:r>
+          </a:p>
+          <a:p>
+            <a:pPr marL="0" marR="0" lvl="0" indent="0" algn="l" defTabSz="914400" rtl="0" eaLnBrk="1" fontAlgn="auto" latinLnBrk="0" hangingPunct="1">
+              <a:lnSpc>
+                <a:spcPct val="100000"/>
+              </a:lnSpc>
+              <a:spcBef>
+                <a:spcPts val="0"/>
+              </a:spcBef>
+              <a:spcAft>
+                <a:spcPts val="0"/>
+              </a:spcAft>
+              <a:buClrTx/>
+              <a:buSzTx/>
+              <a:buFontTx/>
+              <a:buNone/>
+              <a:tabLst/>
+              <a:defRPr/>
+            </a:pPr>
+            <a:r>
+              <a:rPr lang="fr-FR" sz="1200" kern="1200" baseline="0" dirty="0" smtClean="0">
+                <a:solidFill>
+                  <a:schemeClr val="tx1"/>
+                </a:solidFill>
+                <a:effectLst/>
+                <a:latin typeface="Century Gothic" pitchFamily="34" charset="0"/>
+                <a:ea typeface="+mn-ea"/>
+                <a:cs typeface="+mn-cs"/>
+              </a:rPr>
+              <a:t>Git ne crée des </a:t>
+            </a:r>
+            <a:r>
+              <a:rPr lang="fr-FR" sz="1200" kern="1200" baseline="0" dirty="0" err="1" smtClean="0">
+                <a:solidFill>
+                  <a:schemeClr val="tx1"/>
+                </a:solidFill>
+                <a:effectLst/>
+                <a:latin typeface="Century Gothic" pitchFamily="34" charset="0"/>
+                <a:ea typeface="+mn-ea"/>
+                <a:cs typeface="+mn-cs"/>
+              </a:rPr>
+              <a:t>trees</a:t>
+            </a:r>
+            <a:r>
+              <a:rPr lang="fr-FR" sz="1200" kern="1200" baseline="0" dirty="0" smtClean="0">
+                <a:solidFill>
+                  <a:schemeClr val="tx1"/>
+                </a:solidFill>
+                <a:effectLst/>
+                <a:latin typeface="Century Gothic" pitchFamily="34" charset="0"/>
+                <a:ea typeface="+mn-ea"/>
+                <a:cs typeface="+mn-cs"/>
+              </a:rPr>
+              <a:t> et des blobs que s’il y a de nouveaux objets. Sinon il réutilise ce qui existe déjà.</a:t>
+            </a:r>
+            <a:endParaRPr lang="fr-FR" sz="1200" kern="1200" dirty="0" smtClean="0">
+              <a:solidFill>
+                <a:schemeClr val="tx1"/>
+              </a:solidFill>
+              <a:effectLst/>
+              <a:latin typeface="Century Gothic" pitchFamily="34" charset="0"/>
+              <a:ea typeface="+mn-ea"/>
+              <a:cs typeface="+mn-cs"/>
+            </a:endParaRPr>
+          </a:p>
+          <a:p>
+            <a:r>
+              <a:rPr lang="fr-FR" dirty="0" smtClean="0"/>
+              <a:t>Compter</a:t>
+            </a:r>
+            <a:r>
+              <a:rPr lang="fr-FR" baseline="0" dirty="0" smtClean="0"/>
+              <a:t> </a:t>
+            </a:r>
+            <a:r>
+              <a:rPr lang="fr-FR" baseline="0" dirty="0" smtClean="0"/>
+              <a:t>le nombre </a:t>
+            </a:r>
+            <a:r>
+              <a:rPr lang="fr-FR" baseline="0" dirty="0" err="1" smtClean="0"/>
+              <a:t>d’object</a:t>
+            </a:r>
+            <a:r>
+              <a:rPr lang="fr-FR" baseline="0" dirty="0" smtClean="0"/>
+              <a:t> : 2 </a:t>
+            </a:r>
+            <a:r>
+              <a:rPr lang="fr-FR" baseline="0" dirty="0" err="1" smtClean="0"/>
+              <a:t>commits</a:t>
+            </a:r>
+            <a:r>
+              <a:rPr lang="fr-FR" baseline="0" dirty="0" smtClean="0"/>
+              <a:t> + 3 </a:t>
+            </a:r>
+            <a:r>
+              <a:rPr lang="fr-FR" baseline="0" dirty="0" err="1" smtClean="0"/>
+              <a:t>tree</a:t>
+            </a:r>
+            <a:r>
+              <a:rPr lang="fr-FR" baseline="0" dirty="0" smtClean="0"/>
+              <a:t> + 3 blobs = </a:t>
+            </a:r>
+            <a:r>
+              <a:rPr lang="fr-FR" baseline="0" dirty="0" smtClean="0"/>
+              <a:t>8 et terminer par le lab.</a:t>
+            </a:r>
+          </a:p>
+          <a:p>
+            <a:r>
+              <a:rPr lang="fr-FR" baseline="0" dirty="0" smtClean="0"/>
+              <a:t>Évoquer les optimisations de git : il ne crée pas forcément toujours des nouveaux fichiers, il peut aussi créer uniquement les différentiels, compresser les fichiers &gt; INFO &amp; PACK…</a:t>
+            </a:r>
+          </a:p>
+          <a:p>
+            <a:endParaRPr lang="fr-FR" dirty="0"/>
+          </a:p>
+        </p:txBody>
+      </p:sp>
+      <p:sp>
+        <p:nvSpPr>
+          <p:cNvPr id="4" name="Slide Number Placeholder 3"/>
+          <p:cNvSpPr>
+            <a:spLocks noGrp="1"/>
+          </p:cNvSpPr>
+          <p:nvPr>
+            <p:ph type="sldNum" sz="quarter" idx="10"/>
+          </p:nvPr>
+        </p:nvSpPr>
+        <p:spPr/>
+        <p:txBody>
+          <a:bodyPr/>
+          <a:lstStyle/>
+          <a:p>
+            <a:fld id="{903BB967-652B-44E3-AC85-B50B589029DD}" type="slidenum">
+              <a:rPr lang="fr-FR" smtClean="0"/>
+              <a:pPr/>
+              <a:t>19</a:t>
+            </a:fld>
+            <a:endParaRPr lang="fr-FR"/>
+          </a:p>
+        </p:txBody>
+      </p:sp>
+    </p:spTree>
+    <p:extLst>
+      <p:ext uri="{BB962C8B-B14F-4D97-AF65-F5344CB8AC3E}">
+        <p14:creationId xmlns:p14="http://schemas.microsoft.com/office/powerpoint/2010/main" val="3516945211"/>
+      </p:ext>
+    </p:extLst>
+  </p:cSld>
+  <p:clrMapOvr>
+    <a:masterClrMapping/>
+  </p:clrMapOvr>
+</p:notes>
+</file>
+
+<file path=ppt/notesSlides/notesSlide18.xml><?xml version="1.0" encoding="utf-8"?>
+<p:notes xmlns:a="http://schemas.openxmlformats.org/drawingml/2006/main" xmlns:r="http://schemas.openxmlformats.org/officeDocument/2006/relationships" xmlns:p="http://schemas.openxmlformats.org/presentationml/2006/main">
+  <p:cSld>
+    <p:spTree>
+      <p:nvGrpSpPr>
+        <p:cNvPr id="1" name=""/>
+        <p:cNvGrpSpPr/>
+        <p:nvPr/>
+      </p:nvGrpSpPr>
+      <p:grpSpPr>
+        <a:xfrm>
+          <a:off x="0" y="0"/>
+          <a:ext cx="0" cy="0"/>
+          <a:chOff x="0" y="0"/>
+          <a:chExt cx="0" cy="0"/>
+        </a:xfrm>
+      </p:grpSpPr>
+      <p:sp>
+        <p:nvSpPr>
+          <p:cNvPr id="2" name="Slide Image Placeholder 1"/>
+          <p:cNvSpPr>
+            <a:spLocks noGrp="1" noRot="1" noChangeAspect="1"/>
+          </p:cNvSpPr>
+          <p:nvPr>
+            <p:ph type="sldImg"/>
+          </p:nvPr>
+        </p:nvSpPr>
+        <p:spPr/>
+      </p:sp>
+      <p:sp>
+        <p:nvSpPr>
+          <p:cNvPr id="3" name="Notes Placeholder 2"/>
+          <p:cNvSpPr>
+            <a:spLocks noGrp="1"/>
+          </p:cNvSpPr>
+          <p:nvPr>
+            <p:ph type="body" idx="1"/>
+          </p:nvPr>
+        </p:nvSpPr>
+        <p:spPr/>
+        <p:txBody>
+          <a:bodyPr/>
+          <a:lstStyle/>
+          <a:p>
+            <a:r>
+              <a:rPr lang="fr-FR" sz="1200" kern="1200" dirty="0" smtClean="0">
+                <a:solidFill>
+                  <a:schemeClr val="tx1"/>
+                </a:solidFill>
+                <a:effectLst/>
+                <a:latin typeface="Century Gothic" pitchFamily="34" charset="0"/>
+                <a:ea typeface="+mn-ea"/>
+                <a:cs typeface="+mn-cs"/>
+              </a:rPr>
+              <a:t>Pour conclure</a:t>
+            </a:r>
+            <a:r>
+              <a:rPr lang="fr-FR" sz="1200" kern="1200" baseline="0" dirty="0" smtClean="0">
+                <a:solidFill>
+                  <a:schemeClr val="tx1"/>
+                </a:solidFill>
+                <a:effectLst/>
+                <a:latin typeface="Century Gothic" pitchFamily="34" charset="0"/>
+                <a:ea typeface="+mn-ea"/>
+                <a:cs typeface="+mn-cs"/>
+              </a:rPr>
+              <a:t> cette partie, on va aborder le dernier objet : (</a:t>
+            </a:r>
+            <a:r>
+              <a:rPr lang="fr-FR" sz="1200" kern="1200" baseline="0" dirty="0" err="1" smtClean="0">
+                <a:solidFill>
+                  <a:schemeClr val="tx1"/>
+                </a:solidFill>
+                <a:effectLst/>
+                <a:latin typeface="Century Gothic" pitchFamily="34" charset="0"/>
+                <a:ea typeface="+mn-ea"/>
+                <a:cs typeface="+mn-cs"/>
+              </a:rPr>
+              <a:t>annotated</a:t>
+            </a:r>
+            <a:r>
+              <a:rPr lang="fr-FR" sz="1200" kern="1200" baseline="0" dirty="0" smtClean="0">
+                <a:solidFill>
+                  <a:schemeClr val="tx1"/>
+                </a:solidFill>
+                <a:effectLst/>
+                <a:latin typeface="Century Gothic" pitchFamily="34" charset="0"/>
+                <a:ea typeface="+mn-ea"/>
+                <a:cs typeface="+mn-cs"/>
+              </a:rPr>
+              <a:t>) tag</a:t>
+            </a:r>
+            <a:endParaRPr lang="fr-FR" sz="1200" kern="1200" dirty="0" smtClean="0">
+              <a:solidFill>
+                <a:schemeClr val="tx1"/>
+              </a:solidFill>
+              <a:effectLst/>
+              <a:latin typeface="Century Gothic" pitchFamily="34" charset="0"/>
+              <a:ea typeface="+mn-ea"/>
+              <a:cs typeface="+mn-cs"/>
+            </a:endParaRPr>
+          </a:p>
+          <a:p>
+            <a:r>
+              <a:rPr lang="fr-FR" sz="1200" kern="1200" dirty="0" smtClean="0">
+                <a:solidFill>
+                  <a:schemeClr val="tx1"/>
+                </a:solidFill>
+                <a:effectLst/>
+                <a:latin typeface="Century Gothic" pitchFamily="34" charset="0"/>
+                <a:ea typeface="+mn-ea"/>
+                <a:cs typeface="+mn-cs"/>
+              </a:rPr>
+              <a:t>git_module01_lab03</a:t>
+            </a:r>
+            <a:endParaRPr lang="fr-FR" dirty="0"/>
+          </a:p>
+        </p:txBody>
+      </p:sp>
+      <p:sp>
+        <p:nvSpPr>
+          <p:cNvPr id="4" name="Slide Number Placeholder 3"/>
+          <p:cNvSpPr>
+            <a:spLocks noGrp="1"/>
+          </p:cNvSpPr>
+          <p:nvPr>
+            <p:ph type="sldNum" sz="quarter" idx="10"/>
+          </p:nvPr>
+        </p:nvSpPr>
+        <p:spPr/>
+        <p:txBody>
+          <a:bodyPr/>
+          <a:lstStyle/>
+          <a:p>
+            <a:fld id="{903BB967-652B-44E3-AC85-B50B589029DD}" type="slidenum">
+              <a:rPr lang="fr-FR" smtClean="0"/>
+              <a:pPr/>
+              <a:t>20</a:t>
+            </a:fld>
+            <a:endParaRPr lang="fr-FR"/>
+          </a:p>
+        </p:txBody>
+      </p:sp>
+    </p:spTree>
+    <p:extLst>
+      <p:ext uri="{BB962C8B-B14F-4D97-AF65-F5344CB8AC3E}">
+        <p14:creationId xmlns:p14="http://schemas.microsoft.com/office/powerpoint/2010/main" val="2082635999"/>
+      </p:ext>
+    </p:extLst>
+  </p:cSld>
+  <p:clrMapOvr>
+    <a:masterClrMapping/>
+  </p:clrMapOvr>
+</p:notes>
+</file>
+
+<file path=ppt/notesSlides/notesSlide19.xml><?xml version="1.0" encoding="utf-8"?>
+<p:notes xmlns:a="http://schemas.openxmlformats.org/drawingml/2006/main" xmlns:r="http://schemas.openxmlformats.org/officeDocument/2006/relationships" xmlns:p="http://schemas.openxmlformats.org/presentationml/2006/main">
+  <p:cSld>
+    <p:spTree>
+      <p:nvGrpSpPr>
+        <p:cNvPr id="1" name=""/>
+        <p:cNvGrpSpPr/>
+        <p:nvPr/>
+      </p:nvGrpSpPr>
+      <p:grpSpPr>
+        <a:xfrm>
+          <a:off x="0" y="0"/>
+          <a:ext cx="0" cy="0"/>
+          <a:chOff x="0" y="0"/>
+          <a:chExt cx="0" cy="0"/>
+        </a:xfrm>
+      </p:grpSpPr>
+      <p:sp>
+        <p:nvSpPr>
+          <p:cNvPr id="2" name="Slide Image Placeholder 1"/>
+          <p:cNvSpPr>
+            <a:spLocks noGrp="1" noRot="1" noChangeAspect="1"/>
+          </p:cNvSpPr>
+          <p:nvPr>
+            <p:ph type="sldImg"/>
+          </p:nvPr>
+        </p:nvSpPr>
+        <p:spPr/>
+      </p:sp>
+      <p:sp>
+        <p:nvSpPr>
+          <p:cNvPr id="3" name="Notes Placeholder 2"/>
+          <p:cNvSpPr>
+            <a:spLocks noGrp="1"/>
+          </p:cNvSpPr>
+          <p:nvPr>
+            <p:ph type="body" idx="1"/>
+          </p:nvPr>
+        </p:nvSpPr>
+        <p:spPr/>
+        <p:txBody>
+          <a:bodyPr/>
+          <a:lstStyle/>
+          <a:p>
+            <a:r>
+              <a:rPr lang="fr-FR" dirty="0" smtClean="0"/>
+              <a:t>Voilà le modèle objet de git au complet !</a:t>
+            </a:r>
+            <a:endParaRPr lang="fr-FR" dirty="0"/>
+          </a:p>
+        </p:txBody>
+      </p:sp>
+      <p:sp>
+        <p:nvSpPr>
+          <p:cNvPr id="4" name="Slide Number Placeholder 3"/>
+          <p:cNvSpPr>
+            <a:spLocks noGrp="1"/>
+          </p:cNvSpPr>
+          <p:nvPr>
+            <p:ph type="sldNum" sz="quarter" idx="10"/>
+          </p:nvPr>
+        </p:nvSpPr>
+        <p:spPr/>
+        <p:txBody>
+          <a:bodyPr/>
+          <a:lstStyle/>
+          <a:p>
+            <a:fld id="{903BB967-652B-44E3-AC85-B50B589029DD}" type="slidenum">
+              <a:rPr lang="fr-FR" smtClean="0"/>
+              <a:pPr/>
+              <a:t>21</a:t>
+            </a:fld>
+            <a:endParaRPr lang="fr-FR"/>
+          </a:p>
+        </p:txBody>
+      </p:sp>
+    </p:spTree>
+    <p:extLst>
+      <p:ext uri="{BB962C8B-B14F-4D97-AF65-F5344CB8AC3E}">
+        <p14:creationId xmlns:p14="http://schemas.microsoft.com/office/powerpoint/2010/main" val="2559966107"/>
       </p:ext>
     </p:extLst>
   </p:cSld>
@@ -1468,18 +2403,9 @@
           <a:p>
             <a:r>
               <a:rPr lang="fr-FR" dirty="0" smtClean="0"/>
-              <a:t>But : aborder git comme plusieurs couches</a:t>
-            </a:r>
-            <a:r>
-              <a:rPr lang="fr-FR" baseline="0" dirty="0" smtClean="0"/>
-              <a:t> de fonctionnalités.</a:t>
-            </a:r>
-          </a:p>
-          <a:p>
-            <a:r>
-              <a:rPr lang="fr-FR" baseline="0" dirty="0" smtClean="0"/>
-              <a:t>Aborder les couches une par une, en commençant par la plus simple</a:t>
-            </a:r>
+              <a:t>Parce que les commandes ne font pas un outil, et qu’il est toujours plus intéressant de comprendre l’outil qu’on manipule</a:t>
+            </a:r>
+            <a:endParaRPr lang="fr-FR" dirty="0"/>
           </a:p>
         </p:txBody>
       </p:sp>
@@ -1501,7 +2427,7 @@
             <a:fld id="{903BB967-652B-44E3-AC85-B50B589029DD}" type="slidenum">
               <a:rPr lang="fr-FR" smtClean="0"/>
               <a:pPr/>
-              <a:t>6</a:t>
+              <a:t>2</a:t>
             </a:fld>
             <a:endParaRPr lang="fr-FR"/>
           </a:p>
@@ -1510,7 +2436,285 @@
     </p:spTree>
     <p:extLst>
       <p:ext uri="{BB962C8B-B14F-4D97-AF65-F5344CB8AC3E}">
-        <p14:creationId xmlns:p14="http://schemas.microsoft.com/office/powerpoint/2010/main" val="3082403606"/>
+        <p14:creationId xmlns:p14="http://schemas.microsoft.com/office/powerpoint/2010/main" val="749379978"/>
+      </p:ext>
+    </p:extLst>
+  </p:cSld>
+  <p:clrMapOvr>
+    <a:masterClrMapping/>
+  </p:clrMapOvr>
+</p:notes>
+</file>
+
+<file path=ppt/notesSlides/notesSlide20.xml><?xml version="1.0" encoding="utf-8"?>
+<p:notes xmlns:a="http://schemas.openxmlformats.org/drawingml/2006/main" xmlns:r="http://schemas.openxmlformats.org/officeDocument/2006/relationships" xmlns:p="http://schemas.openxmlformats.org/presentationml/2006/main">
+  <p:cSld>
+    <p:spTree>
+      <p:nvGrpSpPr>
+        <p:cNvPr id="1" name=""/>
+        <p:cNvGrpSpPr/>
+        <p:nvPr/>
+      </p:nvGrpSpPr>
+      <p:grpSpPr>
+        <a:xfrm>
+          <a:off x="0" y="0"/>
+          <a:ext cx="0" cy="0"/>
+          <a:chOff x="0" y="0"/>
+          <a:chExt cx="0" cy="0"/>
+        </a:xfrm>
+      </p:grpSpPr>
+      <p:sp>
+        <p:nvSpPr>
+          <p:cNvPr id="2" name="Slide Image Placeholder 1"/>
+          <p:cNvSpPr>
+            <a:spLocks noGrp="1" noRot="1" noChangeAspect="1"/>
+          </p:cNvSpPr>
+          <p:nvPr>
+            <p:ph type="sldImg"/>
+          </p:nvPr>
+        </p:nvSpPr>
+        <p:spPr/>
+      </p:sp>
+      <p:sp>
+        <p:nvSpPr>
+          <p:cNvPr id="3" name="Notes Placeholder 2"/>
+          <p:cNvSpPr>
+            <a:spLocks noGrp="1"/>
+          </p:cNvSpPr>
+          <p:nvPr>
+            <p:ph type="body" idx="1"/>
+          </p:nvPr>
+        </p:nvSpPr>
+        <p:spPr/>
+        <p:txBody>
+          <a:bodyPr/>
+          <a:lstStyle/>
+          <a:p>
+            <a:r>
+              <a:rPr lang="fr-FR" dirty="0" smtClean="0"/>
+              <a:t>Retour sur la structure : blob (données), </a:t>
+            </a:r>
+            <a:r>
+              <a:rPr lang="fr-FR" dirty="0" err="1" smtClean="0"/>
+              <a:t>tree</a:t>
+            </a:r>
+            <a:r>
+              <a:rPr lang="fr-FR" dirty="0" smtClean="0"/>
+              <a:t> (</a:t>
+            </a:r>
+            <a:r>
+              <a:rPr lang="fr-FR" dirty="0" smtClean="0"/>
+              <a:t>répertoires)</a:t>
+            </a:r>
+            <a:r>
+              <a:rPr lang="fr-FR" baseline="0" dirty="0" smtClean="0"/>
+              <a:t> </a:t>
+            </a:r>
+            <a:r>
+              <a:rPr lang="fr-FR" baseline="0" dirty="0" smtClean="0"/>
+              <a:t>récursifs, noms stockés dans les </a:t>
+            </a:r>
+            <a:r>
+              <a:rPr lang="fr-FR" baseline="0" dirty="0" err="1" smtClean="0"/>
+              <a:t>trees</a:t>
+            </a:r>
+            <a:r>
+              <a:rPr lang="fr-FR" baseline="0" dirty="0" smtClean="0"/>
+              <a:t>. </a:t>
+            </a:r>
+            <a:endParaRPr lang="fr-FR" baseline="0" dirty="0" smtClean="0"/>
+          </a:p>
+          <a:p>
+            <a:r>
+              <a:rPr lang="fr-FR" baseline="0" dirty="0" smtClean="0"/>
+              <a:t>Faire </a:t>
+            </a:r>
+            <a:r>
+              <a:rPr lang="fr-FR" baseline="0" dirty="0" smtClean="0"/>
+              <a:t>le </a:t>
+            </a:r>
+            <a:r>
+              <a:rPr lang="fr-FR" baseline="0" dirty="0" smtClean="0"/>
+              <a:t>lien </a:t>
+            </a:r>
+            <a:r>
+              <a:rPr lang="fr-FR" baseline="0" dirty="0" smtClean="0"/>
+              <a:t>avec un système de fichiers (Windows, Linux</a:t>
+            </a:r>
+            <a:r>
+              <a:rPr lang="fr-FR" baseline="0" dirty="0" smtClean="0"/>
+              <a:t>), ce qui est normal puisque Linux et git ont le même auteur.</a:t>
+            </a:r>
+          </a:p>
+          <a:p>
+            <a:r>
+              <a:rPr lang="fr-FR" baseline="0" dirty="0" smtClean="0"/>
+              <a:t>Au dessus, on ajoute la gestion des </a:t>
+            </a:r>
+            <a:r>
+              <a:rPr lang="fr-FR" baseline="0" dirty="0" err="1" smtClean="0"/>
+              <a:t>commits</a:t>
+            </a:r>
+            <a:r>
+              <a:rPr lang="fr-FR" baseline="0" dirty="0" smtClean="0"/>
+              <a:t> : on a un gestionnaire de contenu !</a:t>
+            </a:r>
+          </a:p>
+          <a:p>
+            <a:endParaRPr lang="fr-FR" baseline="0" dirty="0" smtClean="0"/>
+          </a:p>
+          <a:p>
+            <a:endParaRPr lang="fr-FR" dirty="0"/>
+          </a:p>
+        </p:txBody>
+      </p:sp>
+      <p:sp>
+        <p:nvSpPr>
+          <p:cNvPr id="4" name="Slide Number Placeholder 3"/>
+          <p:cNvSpPr>
+            <a:spLocks noGrp="1"/>
+          </p:cNvSpPr>
+          <p:nvPr>
+            <p:ph type="sldNum" sz="quarter" idx="10"/>
+          </p:nvPr>
+        </p:nvSpPr>
+        <p:spPr/>
+        <p:txBody>
+          <a:bodyPr/>
+          <a:lstStyle/>
+          <a:p>
+            <a:fld id="{903BB967-652B-44E3-AC85-B50B589029DD}" type="slidenum">
+              <a:rPr lang="fr-FR" smtClean="0"/>
+              <a:pPr/>
+              <a:t>22</a:t>
+            </a:fld>
+            <a:endParaRPr lang="fr-FR"/>
+          </a:p>
+        </p:txBody>
+      </p:sp>
+    </p:spTree>
+    <p:extLst>
+      <p:ext uri="{BB962C8B-B14F-4D97-AF65-F5344CB8AC3E}">
+        <p14:creationId xmlns:p14="http://schemas.microsoft.com/office/powerpoint/2010/main" val="3339731019"/>
+      </p:ext>
+    </p:extLst>
+  </p:cSld>
+  <p:clrMapOvr>
+    <a:masterClrMapping/>
+  </p:clrMapOvr>
+</p:notes>
+</file>
+
+<file path=ppt/notesSlides/notesSlide21.xml><?xml version="1.0" encoding="utf-8"?>
+<p:notes xmlns:a="http://schemas.openxmlformats.org/drawingml/2006/main" xmlns:r="http://schemas.openxmlformats.org/officeDocument/2006/relationships" xmlns:p="http://schemas.openxmlformats.org/presentationml/2006/main">
+  <p:cSld>
+    <p:spTree>
+      <p:nvGrpSpPr>
+        <p:cNvPr id="1" name=""/>
+        <p:cNvGrpSpPr/>
+        <p:nvPr/>
+      </p:nvGrpSpPr>
+      <p:grpSpPr>
+        <a:xfrm>
+          <a:off x="0" y="0"/>
+          <a:ext cx="0" cy="0"/>
+          <a:chOff x="0" y="0"/>
+          <a:chExt cx="0" cy="0"/>
+        </a:xfrm>
+      </p:grpSpPr>
+      <p:sp>
+        <p:nvSpPr>
+          <p:cNvPr id="2" name="Slide Image Placeholder 1"/>
+          <p:cNvSpPr>
+            <a:spLocks noGrp="1" noRot="1" noChangeAspect="1"/>
+          </p:cNvSpPr>
+          <p:nvPr>
+            <p:ph type="sldImg"/>
+          </p:nvPr>
+        </p:nvSpPr>
+        <p:spPr/>
+      </p:sp>
+      <p:sp>
+        <p:nvSpPr>
+          <p:cNvPr id="3" name="Notes Placeholder 2"/>
+          <p:cNvSpPr>
+            <a:spLocks noGrp="1"/>
+          </p:cNvSpPr>
+          <p:nvPr>
+            <p:ph type="body" idx="1"/>
+          </p:nvPr>
+        </p:nvSpPr>
+        <p:spPr/>
+        <p:txBody>
+          <a:bodyPr/>
+          <a:lstStyle/>
+          <a:p>
+            <a:r>
+              <a:rPr lang="fr-FR" dirty="0" smtClean="0"/>
+              <a:t>On a un gestionnaire de contenu, </a:t>
+            </a:r>
+            <a:r>
+              <a:rPr lang="fr-FR" dirty="0" err="1" smtClean="0"/>
+              <a:t>bati</a:t>
+            </a:r>
+            <a:r>
+              <a:rPr lang="fr-FR" dirty="0" smtClean="0"/>
+              <a:t> comme un OS </a:t>
+            </a:r>
+            <a:r>
+              <a:rPr lang="fr-FR" dirty="0" err="1" smtClean="0"/>
+              <a:t>versionné</a:t>
+            </a:r>
+            <a:r>
+              <a:rPr lang="fr-FR" dirty="0" smtClean="0"/>
+              <a:t>.</a:t>
+            </a:r>
+          </a:p>
+          <a:p>
+            <a:r>
+              <a:rPr lang="fr-FR" dirty="0" smtClean="0"/>
+              <a:t>Dans</a:t>
+            </a:r>
+            <a:r>
+              <a:rPr lang="fr-FR" baseline="0" dirty="0" smtClean="0"/>
+              <a:t> le module suivant, on mettre en pratique cette théorie pour comprendre les notions </a:t>
+            </a:r>
+            <a:r>
+              <a:rPr lang="fr-FR" baseline="0" smtClean="0"/>
+              <a:t>de branches</a:t>
+            </a:r>
+            <a:endParaRPr lang="fr-FR" dirty="0"/>
+          </a:p>
+        </p:txBody>
+      </p:sp>
+      <p:sp>
+        <p:nvSpPr>
+          <p:cNvPr id="4" name="Slide Number Placeholder 3"/>
+          <p:cNvSpPr>
+            <a:spLocks noGrp="1"/>
+          </p:cNvSpPr>
+          <p:nvPr>
+            <p:ph type="sldNum" sz="quarter" idx="10"/>
+          </p:nvPr>
+        </p:nvSpPr>
+        <p:spPr/>
+        <p:txBody>
+          <a:bodyPr/>
+          <a:lstStyle/>
+          <a:p>
+            <a:fld id="{903BB967-652B-44E3-AC85-B50B589029DD}" type="slidenum">
+              <a:rPr lang="fr-FR" smtClean="0"/>
+              <a:pPr/>
+              <a:t>24</a:t>
+            </a:fld>
+            <a:endParaRPr lang="fr-FR"/>
+          </a:p>
+        </p:txBody>
+      </p:sp>
+    </p:spTree>
+    <p:extLst>
+      <p:ext uri="{BB962C8B-B14F-4D97-AF65-F5344CB8AC3E}">
+        <p14:creationId xmlns:p14="http://schemas.microsoft.com/office/powerpoint/2010/main" val="534839774"/>
       </p:ext>
     </p:extLst>
   </p:cSld>
@@ -1566,33 +2770,13 @@
           <a:p>
             <a:r>
               <a:rPr lang="fr-FR" dirty="0" smtClean="0"/>
-              <a:t>Définition </a:t>
-            </a:r>
-            <a:r>
-              <a:rPr lang="fr-FR" dirty="0" err="1" smtClean="0"/>
-              <a:t>Wikipedia</a:t>
-            </a:r>
-            <a:r>
-              <a:rPr lang="fr-FR" dirty="0" smtClean="0"/>
-              <a:t>.</a:t>
-            </a:r>
-          </a:p>
-          <a:p>
-            <a:r>
-              <a:rPr lang="fr-FR" dirty="0" smtClean="0"/>
-              <a:t>Il fait la même chose que les autres RCS, mais de façon distribuée.</a:t>
-            </a:r>
-          </a:p>
-          <a:p>
-            <a:r>
-              <a:rPr lang="fr-FR" dirty="0" smtClean="0"/>
-              <a:t>Plus</a:t>
+              <a:t>Si vous connaissez déjà git, quelles commandes</a:t>
             </a:r>
             <a:r>
               <a:rPr lang="fr-FR" baseline="0" dirty="0" smtClean="0"/>
-              <a:t> difficile à appréhender que Subversion par ex, qui est client/serveur</a:t>
-            </a:r>
-            <a:endParaRPr lang="fr-FR" dirty="0" smtClean="0"/>
+              <a:t> pouvez-vous citer ?</a:t>
+            </a:r>
+            <a:endParaRPr lang="fr-FR" dirty="0"/>
           </a:p>
         </p:txBody>
       </p:sp>
@@ -1614,7 +2798,7 @@
             <a:fld id="{903BB967-652B-44E3-AC85-B50B589029DD}" type="slidenum">
               <a:rPr lang="fr-FR" smtClean="0"/>
               <a:pPr/>
-              <a:t>7</a:t>
+              <a:t>3</a:t>
             </a:fld>
             <a:endParaRPr lang="fr-FR"/>
           </a:p>
@@ -1623,7 +2807,7 @@
     </p:spTree>
     <p:extLst>
       <p:ext uri="{BB962C8B-B14F-4D97-AF65-F5344CB8AC3E}">
-        <p14:creationId xmlns:p14="http://schemas.microsoft.com/office/powerpoint/2010/main" val="280147879"/>
+        <p14:creationId xmlns:p14="http://schemas.microsoft.com/office/powerpoint/2010/main" val="3051874309"/>
       </p:ext>
     </p:extLst>
   </p:cSld>
@@ -1679,19 +2863,7 @@
           <a:p>
             <a:r>
               <a:rPr lang="fr-FR" dirty="0" smtClean="0"/>
-              <a:t>Ça reste toutefois compliqué, puisqu’on a les concepts de branches,</a:t>
-            </a:r>
-            <a:r>
-              <a:rPr lang="fr-FR" baseline="0" dirty="0" smtClean="0"/>
-              <a:t> </a:t>
-            </a:r>
-            <a:r>
-              <a:rPr lang="fr-FR" baseline="0" dirty="0" err="1" smtClean="0"/>
-              <a:t>merges</a:t>
-            </a:r>
-            <a:r>
-              <a:rPr lang="fr-FR" baseline="0" dirty="0" smtClean="0"/>
-              <a:t>…</a:t>
+              <a:t>Pas nécessaire de les retenir, mais parfois utiles</a:t>
             </a:r>
             <a:endParaRPr lang="fr-FR" dirty="0"/>
           </a:p>
@@ -1715,7 +2887,7 @@
             <a:fld id="{903BB967-652B-44E3-AC85-B50B589029DD}" type="slidenum">
               <a:rPr lang="fr-FR" smtClean="0"/>
               <a:pPr/>
-              <a:t>8</a:t>
+              <a:t>4</a:t>
             </a:fld>
             <a:endParaRPr lang="fr-FR"/>
           </a:p>
@@ -1724,7 +2896,7 @@
     </p:spTree>
     <p:extLst>
       <p:ext uri="{BB962C8B-B14F-4D97-AF65-F5344CB8AC3E}">
-        <p14:creationId xmlns:p14="http://schemas.microsoft.com/office/powerpoint/2010/main" val="2029025515"/>
+        <p14:creationId xmlns:p14="http://schemas.microsoft.com/office/powerpoint/2010/main" val="3699613680"/>
       </p:ext>
     </p:extLst>
   </p:cSld>
@@ -1780,18 +2952,19 @@
           <a:p>
             <a:r>
               <a:rPr lang="fr-FR" dirty="0" smtClean="0"/>
-              <a:t>On n’a plus ici qu’un gestionnaire de contenu</a:t>
+              <a:t>La maitrise de git ne vient pas des commandes.</a:t>
+            </a:r>
+          </a:p>
+          <a:p>
+            <a:r>
+              <a:rPr lang="fr-FR" dirty="0" smtClean="0"/>
+              <a:t>Elle vient de la connaissance du fonctionnement de git,</a:t>
             </a:r>
             <a:r>
               <a:rPr lang="fr-FR" baseline="0" dirty="0" smtClean="0"/>
-              <a:t> : fichiers, répertoires…</a:t>
-            </a:r>
-          </a:p>
-          <a:p>
-            <a:r>
-              <a:rPr lang="fr-FR" baseline="0" dirty="0" smtClean="0"/>
-              <a:t>C’est la définition de git dans la documentation officielle : un gestionnaire de contenu</a:t>
-            </a:r>
+              <a:t> de son modèle conceptuel</a:t>
+            </a:r>
+            <a:endParaRPr lang="fr-FR" dirty="0" smtClean="0"/>
           </a:p>
         </p:txBody>
       </p:sp>
@@ -1813,7 +2986,7 @@
             <a:fld id="{903BB967-652B-44E3-AC85-B50B589029DD}" type="slidenum">
               <a:rPr lang="fr-FR" smtClean="0"/>
               <a:pPr/>
-              <a:t>9</a:t>
+              <a:t>5</a:t>
             </a:fld>
             <a:endParaRPr lang="fr-FR"/>
           </a:p>
@@ -1822,7 +2995,7 @@
     </p:spTree>
     <p:extLst>
       <p:ext uri="{BB962C8B-B14F-4D97-AF65-F5344CB8AC3E}">
-        <p14:creationId xmlns:p14="http://schemas.microsoft.com/office/powerpoint/2010/main" val="2251383970"/>
+        <p14:creationId xmlns:p14="http://schemas.microsoft.com/office/powerpoint/2010/main" val="3671414689"/>
       </p:ext>
     </p:extLst>
   </p:cSld>
@@ -1878,23 +3051,41 @@
           <a:p>
             <a:r>
               <a:rPr lang="fr-FR" dirty="0" smtClean="0"/>
-              <a:t>On oublie les notions de suivi, de</a:t>
+              <a:t>Est-ce</a:t>
             </a:r>
             <a:r>
               <a:rPr lang="fr-FR" baseline="0" dirty="0" smtClean="0"/>
-              <a:t> commit, d’historique…</a:t>
-            </a:r>
-          </a:p>
-          <a:p>
+              <a:t> que vous savez ce qu’est git ? Si non, une idée ?</a:t>
+            </a:r>
+            <a:endParaRPr lang="fr-FR" dirty="0" smtClean="0"/>
+          </a:p>
+          <a:p>
+            <a:r>
+              <a:rPr lang="fr-FR" dirty="0" smtClean="0"/>
+              <a:t>Ne pas aborder git comme un tout,</a:t>
+            </a:r>
             <a:r>
               <a:rPr lang="fr-FR" baseline="0" dirty="0" smtClean="0"/>
-              <a:t>Il nous reste un outil qui lie des clefs à des valeurs, de façon </a:t>
-            </a:r>
-            <a:r>
-              <a:rPr lang="fr-FR" baseline="0" dirty="0" err="1" smtClean="0"/>
-              <a:t>persistente</a:t>
-            </a:r>
-            <a:endParaRPr lang="fr-FR" dirty="0"/>
+              <a:t> mais comme un outil fait de plusieurs couches</a:t>
+            </a:r>
+            <a:r>
+              <a:rPr lang="fr-FR" dirty="0" smtClean="0"/>
+              <a:t>, avec chacune</a:t>
+            </a:r>
+            <a:r>
+              <a:rPr lang="fr-FR" baseline="0" dirty="0" smtClean="0"/>
+              <a:t> ses fonctionnalités.</a:t>
+            </a:r>
+          </a:p>
+          <a:p>
+            <a:r>
+              <a:rPr lang="fr-FR" baseline="0" dirty="0" smtClean="0"/>
+              <a:t>Aborder </a:t>
+            </a:r>
+            <a:r>
+              <a:rPr lang="fr-FR" baseline="0" dirty="0" smtClean="0"/>
+              <a:t>les couches une par une, en commençant par la plus simple</a:t>
+            </a:r>
           </a:p>
         </p:txBody>
       </p:sp>
@@ -1916,7 +3107,7 @@
             <a:fld id="{903BB967-652B-44E3-AC85-B50B589029DD}" type="slidenum">
               <a:rPr lang="fr-FR" smtClean="0"/>
               <a:pPr/>
-              <a:t>10</a:t>
+              <a:t>6</a:t>
             </a:fld>
             <a:endParaRPr lang="fr-FR"/>
           </a:p>
@@ -1925,7 +3116,7 @@
     </p:spTree>
     <p:extLst>
       <p:ext uri="{BB962C8B-B14F-4D97-AF65-F5344CB8AC3E}">
-        <p14:creationId xmlns:p14="http://schemas.microsoft.com/office/powerpoint/2010/main" val="1102568201"/>
+        <p14:creationId xmlns:p14="http://schemas.microsoft.com/office/powerpoint/2010/main" val="3082403606"/>
       </p:ext>
     </p:extLst>
   </p:cSld>
@@ -1981,28 +3172,51 @@
           <a:p>
             <a:r>
               <a:rPr lang="fr-FR" dirty="0" smtClean="0"/>
-              <a:t>SHA1</a:t>
+              <a:t>Définition </a:t>
+            </a:r>
+            <a:r>
+              <a:rPr lang="fr-FR" dirty="0" err="1" smtClean="0"/>
+              <a:t>Wikipedia</a:t>
+            </a:r>
+            <a:r>
+              <a:rPr lang="fr-FR" dirty="0" smtClean="0"/>
+              <a:t>.</a:t>
+            </a:r>
+          </a:p>
+          <a:p>
+            <a:r>
+              <a:rPr lang="fr-FR" dirty="0" smtClean="0"/>
+              <a:t>Il fait la même chose que les autres </a:t>
+            </a:r>
+            <a:r>
+              <a:rPr lang="fr-FR" dirty="0" smtClean="0"/>
+              <a:t>SCM, </a:t>
+            </a:r>
+            <a:r>
+              <a:rPr lang="fr-FR" dirty="0" smtClean="0"/>
+              <a:t>mais de façon distribuée.</a:t>
+            </a:r>
+          </a:p>
+          <a:p>
+            <a:r>
+              <a:rPr lang="fr-FR" dirty="0" smtClean="0"/>
+              <a:t>Plus</a:t>
             </a:r>
             <a:r>
               <a:rPr lang="fr-FR" baseline="0" dirty="0" smtClean="0"/>
-              <a:t> : 20 bytes en hexa donc 40 nombres (digit) hexa</a:t>
-            </a:r>
-          </a:p>
-          <a:p>
-            <a:r>
-              <a:rPr lang="fr-FR" baseline="0" dirty="0" err="1" smtClean="0"/>
-              <a:t>Demo</a:t>
+              <a:t> difficile à appréhender que Subversion par ex, qui est </a:t>
             </a:r>
             <a:r>
               <a:rPr lang="fr-FR" baseline="0" dirty="0" smtClean="0"/>
-              <a:t> : git_module01_demo01</a:t>
-            </a:r>
-          </a:p>
-          <a:p>
-            <a:pPr marL="228600" indent="-228600">
-              <a:buAutoNum type="arabicPeriod"/>
-            </a:pPr>
-            <a:endParaRPr lang="fr-FR" dirty="0"/>
+              <a:t>client/serveur ou TFS.</a:t>
+            </a:r>
+          </a:p>
+          <a:p>
+            <a:r>
+              <a:rPr lang="fr-FR" baseline="0" dirty="0" smtClean="0"/>
+              <a:t>On va supprimer la couche distribuée…</a:t>
+            </a:r>
+            <a:endParaRPr lang="fr-FR" dirty="0" smtClean="0"/>
           </a:p>
         </p:txBody>
       </p:sp>
@@ -2024,7 +3238,7 @@
             <a:fld id="{903BB967-652B-44E3-AC85-B50B589029DD}" type="slidenum">
               <a:rPr lang="fr-FR" smtClean="0"/>
               <a:pPr/>
-              <a:t>12</a:t>
+              <a:t>7</a:t>
             </a:fld>
             <a:endParaRPr lang="fr-FR"/>
           </a:p>
@@ -2033,7 +3247,7 @@
     </p:spTree>
     <p:extLst>
       <p:ext uri="{BB962C8B-B14F-4D97-AF65-F5344CB8AC3E}">
-        <p14:creationId xmlns:p14="http://schemas.microsoft.com/office/powerpoint/2010/main" val="2567650016"/>
+        <p14:creationId xmlns:p14="http://schemas.microsoft.com/office/powerpoint/2010/main" val="280147879"/>
       </p:ext>
     </p:extLst>
   </p:cSld>
@@ -2089,11 +3303,25 @@
           <a:p>
             <a:r>
               <a:rPr lang="fr-FR" dirty="0" smtClean="0"/>
-              <a:t>On peut comparer les clefs</a:t>
+              <a:t>Ça reste toutefois compliqué, puisqu’on a les concepts de branches,</a:t>
             </a:r>
             <a:r>
               <a:rPr lang="fr-FR" baseline="0" dirty="0" smtClean="0"/>
-              <a:t> de type SHA1 avec les GUID qui sont utilisés comme identifiants techniques</a:t>
+              <a:t> </a:t>
+            </a:r>
+            <a:r>
+              <a:rPr lang="fr-FR" baseline="0" dirty="0" err="1" smtClean="0"/>
+              <a:t>merges</a:t>
+            </a:r>
+            <a:r>
+              <a:rPr lang="fr-FR" baseline="0" dirty="0" smtClean="0"/>
+              <a:t>…</a:t>
+            </a:r>
+          </a:p>
+          <a:p>
+            <a:r>
+              <a:rPr lang="fr-FR" baseline="0" dirty="0" smtClean="0"/>
+              <a:t>On enlève encore une couche</a:t>
             </a:r>
             <a:endParaRPr lang="fr-FR" dirty="0"/>
           </a:p>
@@ -2117,7 +3345,7 @@
             <a:fld id="{903BB967-652B-44E3-AC85-B50B589029DD}" type="slidenum">
               <a:rPr lang="fr-FR" smtClean="0"/>
               <a:pPr/>
-              <a:t>15</a:t>
+              <a:t>8</a:t>
             </a:fld>
             <a:endParaRPr lang="fr-FR"/>
           </a:p>
@@ -2126,7 +3354,7 @@
     </p:spTree>
     <p:extLst>
       <p:ext uri="{BB962C8B-B14F-4D97-AF65-F5344CB8AC3E}">
-        <p14:creationId xmlns:p14="http://schemas.microsoft.com/office/powerpoint/2010/main" val="1666786824"/>
+        <p14:creationId xmlns:p14="http://schemas.microsoft.com/office/powerpoint/2010/main" val="2029025515"/>
       </p:ext>
     </p:extLst>
   </p:cSld>
@@ -2180,20 +3408,29 @@
           <a:bodyPr/>
           <a:lstStyle/>
           <a:p>
-            <a:pPr marL="0" indent="0">
-              <a:buNone/>
-            </a:pPr>
-            <a:r>
-              <a:rPr lang="fr-FR" sz="1200" kern="1200" dirty="0" smtClean="0">
-                <a:solidFill>
-                  <a:schemeClr val="tx1"/>
-                </a:solidFill>
-                <a:effectLst/>
-                <a:latin typeface="Century Gothic" pitchFamily="34" charset="0"/>
-                <a:ea typeface="+mn-ea"/>
-                <a:cs typeface="+mn-cs"/>
-              </a:rPr>
-              <a:t>git_module01_demo02</a:t>
+            <a:r>
+              <a:rPr lang="fr-FR" dirty="0" smtClean="0"/>
+              <a:t>On n’a plus ici qu’un gestionnaire de contenu</a:t>
+            </a:r>
+            <a:r>
+              <a:rPr lang="fr-FR" baseline="0" dirty="0" smtClean="0"/>
+              <a:t> : fichiers, répertoires…</a:t>
+            </a:r>
+          </a:p>
+          <a:p>
+            <a:r>
+              <a:rPr lang="fr-FR" baseline="0" dirty="0" smtClean="0"/>
+              <a:t>C’est la définition de git dans la documentation officielle : un gestionnaire de </a:t>
+            </a:r>
+            <a:r>
+              <a:rPr lang="fr-FR" baseline="0" dirty="0" smtClean="0"/>
+              <a:t>contenu.</a:t>
+            </a:r>
+          </a:p>
+          <a:p>
+            <a:r>
+              <a:rPr lang="fr-FR" baseline="0" dirty="0" smtClean="0"/>
+              <a:t>C’est plus simple mais on peut encore aller plus loin, en oubliant la notion de commit, version…</a:t>
             </a:r>
             <a:endParaRPr lang="fr-FR" baseline="0" dirty="0" smtClean="0"/>
           </a:p>
@@ -2217,7 +3454,7 @@
             <a:fld id="{903BB967-652B-44E3-AC85-B50B589029DD}" type="slidenum">
               <a:rPr lang="fr-FR" smtClean="0"/>
               <a:pPr/>
-              <a:t>16</a:t>
+              <a:t>9</a:t>
             </a:fld>
             <a:endParaRPr lang="fr-FR"/>
           </a:p>
@@ -2226,7 +3463,7 @@
     </p:spTree>
     <p:extLst>
       <p:ext uri="{BB962C8B-B14F-4D97-AF65-F5344CB8AC3E}">
-        <p14:creationId xmlns:p14="http://schemas.microsoft.com/office/powerpoint/2010/main" val="914011264"/>
+        <p14:creationId xmlns:p14="http://schemas.microsoft.com/office/powerpoint/2010/main" val="2251383970"/>
       </p:ext>
     </p:extLst>
   </p:cSld>
@@ -8209,7 +9446,7 @@
           <a:graphicData uri="http://schemas.openxmlformats.org/presentationml/2006/ole">
             <mc:AlternateContent xmlns:mc="http://schemas.openxmlformats.org/markup-compatibility/2006">
               <mc:Choice xmlns:v="urn:schemas-microsoft-com:vml" Requires="v">
-                <p:oleObj spid="_x0000_s6562" name="Diapositive think-cell" r:id="rId6" imgW="270" imgH="270" progId="TCLayout.ActiveDocument.1">
+                <p:oleObj spid="_x0000_s6567" name="Diapositive think-cell" r:id="rId6" imgW="270" imgH="270" progId="TCLayout.ActiveDocument.1">
                   <p:embed/>
                 </p:oleObj>
               </mc:Choice>
@@ -8951,7 +10188,7 @@
           <a:graphicData uri="http://schemas.openxmlformats.org/presentationml/2006/ole">
             <mc:AlternateContent xmlns:mc="http://schemas.openxmlformats.org/markup-compatibility/2006">
               <mc:Choice xmlns:v="urn:schemas-microsoft-com:vml" Requires="v">
-                <p:oleObj spid="_x0000_s6077" name="Diapositive think-cell" r:id="rId6" imgW="270" imgH="270" progId="TCLayout.ActiveDocument.1">
+                <p:oleObj spid="_x0000_s6082" name="Diapositive think-cell" r:id="rId6" imgW="270" imgH="270" progId="TCLayout.ActiveDocument.1">
                   <p:embed/>
                 </p:oleObj>
               </mc:Choice>
@@ -10304,7 +11541,7 @@
           <p:cNvPr id="2" name="Title 1">
             <a:extLst>
               <a:ext uri="{FF2B5EF4-FFF2-40B4-BE49-F238E27FC236}">
-                <a16:creationId xmlns:a16="http://schemas.microsoft.com/office/drawing/2014/main" xmlns="" id="{78456FD7-BB91-4376-9F54-57A4192F7D9C}"/>
+                <a16:creationId xmlns="" xmlns:a16="http://schemas.microsoft.com/office/drawing/2014/main" id="{78456FD7-BB91-4376-9F54-57A4192F7D9C}"/>
               </a:ext>
             </a:extLst>
           </p:cNvPr>
@@ -10337,7 +11574,7 @@
           <p:cNvPr id="3" name="Text Placeholder 2">
             <a:extLst>
               <a:ext uri="{FF2B5EF4-FFF2-40B4-BE49-F238E27FC236}">
-                <a16:creationId xmlns:a16="http://schemas.microsoft.com/office/drawing/2014/main" xmlns="" id="{352C0768-302F-4A6A-A9FF-BED7B68BC517}"/>
+                <a16:creationId xmlns="" xmlns:a16="http://schemas.microsoft.com/office/drawing/2014/main" id="{352C0768-302F-4A6A-A9FF-BED7B68BC517}"/>
               </a:ext>
             </a:extLst>
           </p:cNvPr>
@@ -10434,7 +11671,7 @@
           <p:cNvPr id="2" name="Text Placeholder 1">
             <a:extLst>
               <a:ext uri="{FF2B5EF4-FFF2-40B4-BE49-F238E27FC236}">
-                <a16:creationId xmlns:a16="http://schemas.microsoft.com/office/drawing/2014/main" xmlns="" id="{A51E6A0F-3D6D-493A-B24E-4199D72942C9}"/>
+                <a16:creationId xmlns="" xmlns:a16="http://schemas.microsoft.com/office/drawing/2014/main" id="{A51E6A0F-3D6D-493A-B24E-4199D72942C9}"/>
               </a:ext>
             </a:extLst>
           </p:cNvPr>
@@ -10459,7 +11696,7 @@
           <p:cNvPr id="3" name="Title 2">
             <a:extLst>
               <a:ext uri="{FF2B5EF4-FFF2-40B4-BE49-F238E27FC236}">
-                <a16:creationId xmlns:a16="http://schemas.microsoft.com/office/drawing/2014/main" xmlns="" id="{A8704E41-3486-46BD-8AA7-B6B5D28F95A5}"/>
+                <a16:creationId xmlns="" xmlns:a16="http://schemas.microsoft.com/office/drawing/2014/main" id="{A8704E41-3486-46BD-8AA7-B6B5D28F95A5}"/>
               </a:ext>
             </a:extLst>
           </p:cNvPr>
@@ -10496,7 +11733,7 @@
           <p:cNvPr id="4" name="Slide Number Placeholder 3">
             <a:extLst>
               <a:ext uri="{FF2B5EF4-FFF2-40B4-BE49-F238E27FC236}">
-                <a16:creationId xmlns:a16="http://schemas.microsoft.com/office/drawing/2014/main" xmlns="" id="{02CD92EA-E9CB-4F4C-B1B9-840F11B55DC5}"/>
+                <a16:creationId xmlns="" xmlns:a16="http://schemas.microsoft.com/office/drawing/2014/main" id="{02CD92EA-E9CB-4F4C-B1B9-840F11B55DC5}"/>
               </a:ext>
             </a:extLst>
           </p:cNvPr>
@@ -10542,7 +11779,7 @@
           <p:cNvPr id="5" name="Text Placeholder 4">
             <a:extLst>
               <a:ext uri="{FF2B5EF4-FFF2-40B4-BE49-F238E27FC236}">
-                <a16:creationId xmlns:a16="http://schemas.microsoft.com/office/drawing/2014/main" xmlns="" id="{C22D9F79-04C1-4762-96D6-F3FE8172F1B1}"/>
+                <a16:creationId xmlns="" xmlns:a16="http://schemas.microsoft.com/office/drawing/2014/main" id="{C22D9F79-04C1-4762-96D6-F3FE8172F1B1}"/>
               </a:ext>
             </a:extLst>
           </p:cNvPr>
@@ -10570,7 +11807,7 @@
           <p:cNvPr id="8" name="Picture 7">
             <a:extLst>
               <a:ext uri="{FF2B5EF4-FFF2-40B4-BE49-F238E27FC236}">
-                <a16:creationId xmlns:a16="http://schemas.microsoft.com/office/drawing/2014/main" xmlns="" id="{FEF76D80-A1A2-40D3-8D23-AD9AE057D7AB}"/>
+                <a16:creationId xmlns="" xmlns:a16="http://schemas.microsoft.com/office/drawing/2014/main" id="{FEF76D80-A1A2-40D3-8D23-AD9AE057D7AB}"/>
               </a:ext>
             </a:extLst>
           </p:cNvPr>
@@ -10652,7 +11889,7 @@
           <p:cNvPr id="3" name="Title 2">
             <a:extLst>
               <a:ext uri="{FF2B5EF4-FFF2-40B4-BE49-F238E27FC236}">
-                <a16:creationId xmlns:a16="http://schemas.microsoft.com/office/drawing/2014/main" xmlns="" id="{59A447FC-33B3-46B4-8460-A63ED4AF01B2}"/>
+                <a16:creationId xmlns="" xmlns:a16="http://schemas.microsoft.com/office/drawing/2014/main" id="{59A447FC-33B3-46B4-8460-A63ED4AF01B2}"/>
               </a:ext>
             </a:extLst>
           </p:cNvPr>
@@ -10681,7 +11918,7 @@
           <p:cNvPr id="4" name="Slide Number Placeholder 3">
             <a:extLst>
               <a:ext uri="{FF2B5EF4-FFF2-40B4-BE49-F238E27FC236}">
-                <a16:creationId xmlns:a16="http://schemas.microsoft.com/office/drawing/2014/main" xmlns="" id="{0CF510EC-D710-4D00-93D5-3B1CF0B1EAB6}"/>
+                <a16:creationId xmlns="" xmlns:a16="http://schemas.microsoft.com/office/drawing/2014/main" id="{0CF510EC-D710-4D00-93D5-3B1CF0B1EAB6}"/>
               </a:ext>
             </a:extLst>
           </p:cNvPr>
@@ -10727,7 +11964,7 @@
           <p:cNvPr id="5" name="Text Placeholder 4">
             <a:extLst>
               <a:ext uri="{FF2B5EF4-FFF2-40B4-BE49-F238E27FC236}">
-                <a16:creationId xmlns:a16="http://schemas.microsoft.com/office/drawing/2014/main" xmlns="" id="{CCED6746-9FE0-47A0-AC64-94ACD4CA9D3E}"/>
+                <a16:creationId xmlns="" xmlns:a16="http://schemas.microsoft.com/office/drawing/2014/main" id="{CCED6746-9FE0-47A0-AC64-94ACD4CA9D3E}"/>
               </a:ext>
             </a:extLst>
           </p:cNvPr>
@@ -10752,7 +11989,7 @@
           <p:cNvPr id="6" name="TextBox 5">
             <a:extLst>
               <a:ext uri="{FF2B5EF4-FFF2-40B4-BE49-F238E27FC236}">
-                <a16:creationId xmlns:a16="http://schemas.microsoft.com/office/drawing/2014/main" xmlns="" id="{0EE63CE2-3370-4E7E-829F-A328E84D4A66}"/>
+                <a16:creationId xmlns="" xmlns:a16="http://schemas.microsoft.com/office/drawing/2014/main" id="{0EE63CE2-3370-4E7E-829F-A328E84D4A66}"/>
               </a:ext>
             </a:extLst>
           </p:cNvPr>
@@ -10816,7 +12053,7 @@
           <p:cNvPr id="7" name="TextBox 6">
             <a:extLst>
               <a:ext uri="{FF2B5EF4-FFF2-40B4-BE49-F238E27FC236}">
-                <a16:creationId xmlns:a16="http://schemas.microsoft.com/office/drawing/2014/main" xmlns="" id="{0FDA2B1A-9AA0-454F-A0E4-EC959F9E90E9}"/>
+                <a16:creationId xmlns="" xmlns:a16="http://schemas.microsoft.com/office/drawing/2014/main" id="{0FDA2B1A-9AA0-454F-A0E4-EC959F9E90E9}"/>
               </a:ext>
             </a:extLst>
           </p:cNvPr>
@@ -10859,7 +12096,7 @@
           <p:cNvPr id="9" name="Straight Arrow Connector 8">
             <a:extLst>
               <a:ext uri="{FF2B5EF4-FFF2-40B4-BE49-F238E27FC236}">
-                <a16:creationId xmlns:a16="http://schemas.microsoft.com/office/drawing/2014/main" xmlns="" id="{75364A1D-8566-4378-9A03-9B7D8A84C805}"/>
+                <a16:creationId xmlns="" xmlns:a16="http://schemas.microsoft.com/office/drawing/2014/main" id="{75364A1D-8566-4378-9A03-9B7D8A84C805}"/>
               </a:ext>
             </a:extLst>
           </p:cNvPr>
@@ -11038,7 +12275,7 @@
           <p:cNvPr id="3" name="Title 2">
             <a:extLst>
               <a:ext uri="{FF2B5EF4-FFF2-40B4-BE49-F238E27FC236}">
-                <a16:creationId xmlns:a16="http://schemas.microsoft.com/office/drawing/2014/main" xmlns="" id="{59A447FC-33B3-46B4-8460-A63ED4AF01B2}"/>
+                <a16:creationId xmlns="" xmlns:a16="http://schemas.microsoft.com/office/drawing/2014/main" id="{59A447FC-33B3-46B4-8460-A63ED4AF01B2}"/>
               </a:ext>
             </a:extLst>
           </p:cNvPr>
@@ -11067,7 +12304,7 @@
           <p:cNvPr id="4" name="Slide Number Placeholder 3">
             <a:extLst>
               <a:ext uri="{FF2B5EF4-FFF2-40B4-BE49-F238E27FC236}">
-                <a16:creationId xmlns:a16="http://schemas.microsoft.com/office/drawing/2014/main" xmlns="" id="{0CF510EC-D710-4D00-93D5-3B1CF0B1EAB6}"/>
+                <a16:creationId xmlns="" xmlns:a16="http://schemas.microsoft.com/office/drawing/2014/main" id="{0CF510EC-D710-4D00-93D5-3B1CF0B1EAB6}"/>
               </a:ext>
             </a:extLst>
           </p:cNvPr>
@@ -11113,7 +12350,7 @@
           <p:cNvPr id="5" name="Text Placeholder 4">
             <a:extLst>
               <a:ext uri="{FF2B5EF4-FFF2-40B4-BE49-F238E27FC236}">
-                <a16:creationId xmlns:a16="http://schemas.microsoft.com/office/drawing/2014/main" xmlns="" id="{CCED6746-9FE0-47A0-AC64-94ACD4CA9D3E}"/>
+                <a16:creationId xmlns="" xmlns:a16="http://schemas.microsoft.com/office/drawing/2014/main" id="{CCED6746-9FE0-47A0-AC64-94ACD4CA9D3E}"/>
               </a:ext>
             </a:extLst>
           </p:cNvPr>
@@ -11138,7 +12375,7 @@
           <p:cNvPr id="6" name="TextBox 5">
             <a:extLst>
               <a:ext uri="{FF2B5EF4-FFF2-40B4-BE49-F238E27FC236}">
-                <a16:creationId xmlns:a16="http://schemas.microsoft.com/office/drawing/2014/main" xmlns="" id="{0EE63CE2-3370-4E7E-829F-A328E84D4A66}"/>
+                <a16:creationId xmlns="" xmlns:a16="http://schemas.microsoft.com/office/drawing/2014/main" id="{0EE63CE2-3370-4E7E-829F-A328E84D4A66}"/>
               </a:ext>
             </a:extLst>
           </p:cNvPr>
@@ -11181,7 +12418,7 @@
           <p:cNvPr id="7" name="TextBox 6">
             <a:extLst>
               <a:ext uri="{FF2B5EF4-FFF2-40B4-BE49-F238E27FC236}">
-                <a16:creationId xmlns:a16="http://schemas.microsoft.com/office/drawing/2014/main" xmlns="" id="{0FDA2B1A-9AA0-454F-A0E4-EC959F9E90E9}"/>
+                <a16:creationId xmlns="" xmlns:a16="http://schemas.microsoft.com/office/drawing/2014/main" id="{0FDA2B1A-9AA0-454F-A0E4-EC959F9E90E9}"/>
               </a:ext>
             </a:extLst>
           </p:cNvPr>
@@ -11224,7 +12461,7 @@
           <p:cNvPr id="9" name="Straight Arrow Connector 8">
             <a:extLst>
               <a:ext uri="{FF2B5EF4-FFF2-40B4-BE49-F238E27FC236}">
-                <a16:creationId xmlns:a16="http://schemas.microsoft.com/office/drawing/2014/main" xmlns="" id="{75364A1D-8566-4378-9A03-9B7D8A84C805}"/>
+                <a16:creationId xmlns="" xmlns:a16="http://schemas.microsoft.com/office/drawing/2014/main" id="{75364A1D-8566-4378-9A03-9B7D8A84C805}"/>
               </a:ext>
             </a:extLst>
           </p:cNvPr>
@@ -11517,7 +12754,7 @@
           <p:cNvPr id="2" name="Title 1">
             <a:extLst>
               <a:ext uri="{FF2B5EF4-FFF2-40B4-BE49-F238E27FC236}">
-                <a16:creationId xmlns:a16="http://schemas.microsoft.com/office/drawing/2014/main" xmlns="" id="{C14F0455-9ED9-4652-8FD6-9C284BE2F092}"/>
+                <a16:creationId xmlns="" xmlns:a16="http://schemas.microsoft.com/office/drawing/2014/main" id="{C14F0455-9ED9-4652-8FD6-9C284BE2F092}"/>
               </a:ext>
             </a:extLst>
           </p:cNvPr>
@@ -11552,7 +12789,7 @@
           <p:cNvPr id="3" name="Text Placeholder 2">
             <a:extLst>
               <a:ext uri="{FF2B5EF4-FFF2-40B4-BE49-F238E27FC236}">
-                <a16:creationId xmlns:a16="http://schemas.microsoft.com/office/drawing/2014/main" xmlns="" id="{8136025E-6B8D-4575-9E2B-B0AAB8CAC233}"/>
+                <a16:creationId xmlns="" xmlns:a16="http://schemas.microsoft.com/office/drawing/2014/main" id="{8136025E-6B8D-4575-9E2B-B0AAB8CAC233}"/>
               </a:ext>
             </a:extLst>
           </p:cNvPr>
@@ -11617,7 +12854,7 @@
           <p:cNvPr id="3" name="Title 2">
             <a:extLst>
               <a:ext uri="{FF2B5EF4-FFF2-40B4-BE49-F238E27FC236}">
-                <a16:creationId xmlns:a16="http://schemas.microsoft.com/office/drawing/2014/main" xmlns="" id="{59A447FC-33B3-46B4-8460-A63ED4AF01B2}"/>
+                <a16:creationId xmlns="" xmlns:a16="http://schemas.microsoft.com/office/drawing/2014/main" id="{59A447FC-33B3-46B4-8460-A63ED4AF01B2}"/>
               </a:ext>
             </a:extLst>
           </p:cNvPr>
@@ -11646,7 +12883,7 @@
           <p:cNvPr id="4" name="Slide Number Placeholder 3">
             <a:extLst>
               <a:ext uri="{FF2B5EF4-FFF2-40B4-BE49-F238E27FC236}">
-                <a16:creationId xmlns:a16="http://schemas.microsoft.com/office/drawing/2014/main" xmlns="" id="{0CF510EC-D710-4D00-93D5-3B1CF0B1EAB6}"/>
+                <a16:creationId xmlns="" xmlns:a16="http://schemas.microsoft.com/office/drawing/2014/main" id="{0CF510EC-D710-4D00-93D5-3B1CF0B1EAB6}"/>
               </a:ext>
             </a:extLst>
           </p:cNvPr>
@@ -11692,7 +12929,7 @@
           <p:cNvPr id="5" name="Text Placeholder 4">
             <a:extLst>
               <a:ext uri="{FF2B5EF4-FFF2-40B4-BE49-F238E27FC236}">
-                <a16:creationId xmlns:a16="http://schemas.microsoft.com/office/drawing/2014/main" xmlns="" id="{CCED6746-9FE0-47A0-AC64-94ACD4CA9D3E}"/>
+                <a16:creationId xmlns="" xmlns:a16="http://schemas.microsoft.com/office/drawing/2014/main" id="{CCED6746-9FE0-47A0-AC64-94ACD4CA9D3E}"/>
               </a:ext>
             </a:extLst>
           </p:cNvPr>
@@ -11717,7 +12954,7 @@
           <p:cNvPr id="6" name="TextBox 5">
             <a:extLst>
               <a:ext uri="{FF2B5EF4-FFF2-40B4-BE49-F238E27FC236}">
-                <a16:creationId xmlns:a16="http://schemas.microsoft.com/office/drawing/2014/main" xmlns="" id="{0EE63CE2-3370-4E7E-829F-A328E84D4A66}"/>
+                <a16:creationId xmlns="" xmlns:a16="http://schemas.microsoft.com/office/drawing/2014/main" id="{0EE63CE2-3370-4E7E-829F-A328E84D4A66}"/>
               </a:ext>
             </a:extLst>
           </p:cNvPr>
@@ -11800,7 +13037,7 @@
           <p:cNvPr id="2" name="Title 1">
             <a:extLst>
               <a:ext uri="{FF2B5EF4-FFF2-40B4-BE49-F238E27FC236}">
-                <a16:creationId xmlns:a16="http://schemas.microsoft.com/office/drawing/2014/main" xmlns="" id="{C14F0455-9ED9-4652-8FD6-9C284BE2F092}"/>
+                <a16:creationId xmlns="" xmlns:a16="http://schemas.microsoft.com/office/drawing/2014/main" id="{C14F0455-9ED9-4652-8FD6-9C284BE2F092}"/>
               </a:ext>
             </a:extLst>
           </p:cNvPr>
@@ -11828,7 +13065,7 @@
           <p:cNvPr id="3" name="Text Placeholder 2">
             <a:extLst>
               <a:ext uri="{FF2B5EF4-FFF2-40B4-BE49-F238E27FC236}">
-                <a16:creationId xmlns:a16="http://schemas.microsoft.com/office/drawing/2014/main" xmlns="" id="{8136025E-6B8D-4575-9E2B-B0AAB8CAC233}"/>
+                <a16:creationId xmlns="" xmlns:a16="http://schemas.microsoft.com/office/drawing/2014/main" id="{8136025E-6B8D-4575-9E2B-B0AAB8CAC233}"/>
               </a:ext>
             </a:extLst>
           </p:cNvPr>
@@ -11893,7 +13130,7 @@
           <p:cNvPr id="2" name="Text Placeholder 1">
             <a:extLst>
               <a:ext uri="{FF2B5EF4-FFF2-40B4-BE49-F238E27FC236}">
-                <a16:creationId xmlns:a16="http://schemas.microsoft.com/office/drawing/2014/main" xmlns="" id="{A51E6A0F-3D6D-493A-B24E-4199D72942C9}"/>
+                <a16:creationId xmlns="" xmlns:a16="http://schemas.microsoft.com/office/drawing/2014/main" id="{A51E6A0F-3D6D-493A-B24E-4199D72942C9}"/>
               </a:ext>
             </a:extLst>
           </p:cNvPr>
@@ -11918,7 +13155,7 @@
           <p:cNvPr id="3" name="Title 2">
             <a:extLst>
               <a:ext uri="{FF2B5EF4-FFF2-40B4-BE49-F238E27FC236}">
-                <a16:creationId xmlns:a16="http://schemas.microsoft.com/office/drawing/2014/main" xmlns="" id="{A8704E41-3486-46BD-8AA7-B6B5D28F95A5}"/>
+                <a16:creationId xmlns="" xmlns:a16="http://schemas.microsoft.com/office/drawing/2014/main" id="{A8704E41-3486-46BD-8AA7-B6B5D28F95A5}"/>
               </a:ext>
             </a:extLst>
           </p:cNvPr>
@@ -11955,7 +13192,7 @@
           <p:cNvPr id="4" name="Slide Number Placeholder 3">
             <a:extLst>
               <a:ext uri="{FF2B5EF4-FFF2-40B4-BE49-F238E27FC236}">
-                <a16:creationId xmlns:a16="http://schemas.microsoft.com/office/drawing/2014/main" xmlns="" id="{02CD92EA-E9CB-4F4C-B1B9-840F11B55DC5}"/>
+                <a16:creationId xmlns="" xmlns:a16="http://schemas.microsoft.com/office/drawing/2014/main" id="{02CD92EA-E9CB-4F4C-B1B9-840F11B55DC5}"/>
               </a:ext>
             </a:extLst>
           </p:cNvPr>
@@ -12001,7 +13238,7 @@
           <p:cNvPr id="5" name="Text Placeholder 4">
             <a:extLst>
               <a:ext uri="{FF2B5EF4-FFF2-40B4-BE49-F238E27FC236}">
-                <a16:creationId xmlns:a16="http://schemas.microsoft.com/office/drawing/2014/main" xmlns="" id="{C22D9F79-04C1-4762-96D6-F3FE8172F1B1}"/>
+                <a16:creationId xmlns="" xmlns:a16="http://schemas.microsoft.com/office/drawing/2014/main" id="{C22D9F79-04C1-4762-96D6-F3FE8172F1B1}"/>
               </a:ext>
             </a:extLst>
           </p:cNvPr>
@@ -12029,7 +13266,7 @@
           <p:cNvPr id="8" name="Picture 7">
             <a:extLst>
               <a:ext uri="{FF2B5EF4-FFF2-40B4-BE49-F238E27FC236}">
-                <a16:creationId xmlns:a16="http://schemas.microsoft.com/office/drawing/2014/main" xmlns="" id="{FEF76D80-A1A2-40D3-8D23-AD9AE057D7AB}"/>
+                <a16:creationId xmlns="" xmlns:a16="http://schemas.microsoft.com/office/drawing/2014/main" id="{FEF76D80-A1A2-40D3-8D23-AD9AE057D7AB}"/>
               </a:ext>
             </a:extLst>
           </p:cNvPr>
@@ -12250,7 +13487,7 @@
           <p:cNvPr id="2" name="Text Placeholder 1">
             <a:extLst>
               <a:ext uri="{FF2B5EF4-FFF2-40B4-BE49-F238E27FC236}">
-                <a16:creationId xmlns:a16="http://schemas.microsoft.com/office/drawing/2014/main" xmlns="" id="{A51E6A0F-3D6D-493A-B24E-4199D72942C9}"/>
+                <a16:creationId xmlns="" xmlns:a16="http://schemas.microsoft.com/office/drawing/2014/main" id="{A51E6A0F-3D6D-493A-B24E-4199D72942C9}"/>
               </a:ext>
             </a:extLst>
           </p:cNvPr>
@@ -12275,7 +13512,7 @@
           <p:cNvPr id="3" name="Title 2">
             <a:extLst>
               <a:ext uri="{FF2B5EF4-FFF2-40B4-BE49-F238E27FC236}">
-                <a16:creationId xmlns:a16="http://schemas.microsoft.com/office/drawing/2014/main" xmlns="" id="{A8704E41-3486-46BD-8AA7-B6B5D28F95A5}"/>
+                <a16:creationId xmlns="" xmlns:a16="http://schemas.microsoft.com/office/drawing/2014/main" id="{A8704E41-3486-46BD-8AA7-B6B5D28F95A5}"/>
               </a:ext>
             </a:extLst>
           </p:cNvPr>
@@ -12312,7 +13549,7 @@
           <p:cNvPr id="4" name="Slide Number Placeholder 3">
             <a:extLst>
               <a:ext uri="{FF2B5EF4-FFF2-40B4-BE49-F238E27FC236}">
-                <a16:creationId xmlns:a16="http://schemas.microsoft.com/office/drawing/2014/main" xmlns="" id="{02CD92EA-E9CB-4F4C-B1B9-840F11B55DC5}"/>
+                <a16:creationId xmlns="" xmlns:a16="http://schemas.microsoft.com/office/drawing/2014/main" id="{02CD92EA-E9CB-4F4C-B1B9-840F11B55DC5}"/>
               </a:ext>
             </a:extLst>
           </p:cNvPr>
@@ -12358,7 +13595,7 @@
           <p:cNvPr id="5" name="Text Placeholder 4">
             <a:extLst>
               <a:ext uri="{FF2B5EF4-FFF2-40B4-BE49-F238E27FC236}">
-                <a16:creationId xmlns:a16="http://schemas.microsoft.com/office/drawing/2014/main" xmlns="" id="{C22D9F79-04C1-4762-96D6-F3FE8172F1B1}"/>
+                <a16:creationId xmlns="" xmlns:a16="http://schemas.microsoft.com/office/drawing/2014/main" id="{C22D9F79-04C1-4762-96D6-F3FE8172F1B1}"/>
               </a:ext>
             </a:extLst>
           </p:cNvPr>
@@ -12386,7 +13623,7 @@
           <p:cNvPr id="8" name="Picture 7">
             <a:extLst>
               <a:ext uri="{FF2B5EF4-FFF2-40B4-BE49-F238E27FC236}">
-                <a16:creationId xmlns:a16="http://schemas.microsoft.com/office/drawing/2014/main" xmlns="" id="{F11A34E2-CF14-4FAC-9913-4CAC796E46FA}"/>
+                <a16:creationId xmlns="" xmlns:a16="http://schemas.microsoft.com/office/drawing/2014/main" id="{F11A34E2-CF14-4FAC-9913-4CAC796E46FA}"/>
               </a:ext>
             </a:extLst>
           </p:cNvPr>
@@ -12607,7 +13844,7 @@
           <p:cNvPr id="103" name="Rectangle: Single Corner Snipped 53">
             <a:extLst>
               <a:ext uri="{FF2B5EF4-FFF2-40B4-BE49-F238E27FC236}">
-                <a16:creationId xmlns:a16="http://schemas.microsoft.com/office/drawing/2014/main" xmlns="" id="{7A50EE12-18BC-43CD-9927-59B1DBE1FF93}"/>
+                <a16:creationId xmlns="" xmlns:a16="http://schemas.microsoft.com/office/drawing/2014/main" id="{7A50EE12-18BC-43CD-9927-59B1DBE1FF93}"/>
               </a:ext>
             </a:extLst>
           </p:cNvPr>
@@ -12684,14 +13921,24 @@
               <a:t> </a:t>
             </a:r>
             <a:r>
-              <a:rPr lang="fr-FR" sz="1100" i="1" dirty="0" err="1">
+              <a:rPr lang="fr-FR" sz="1100" i="1" dirty="0" err="1" smtClean="0">
                 <a:solidFill>
                   <a:schemeClr val="tx1"/>
                 </a:solidFill>
                 <a:latin typeface="Consolas" panose="020B0609020204030204" pitchFamily="49" charset="0"/>
                 <a:cs typeface="Consolas" panose="020B0609020204030204" pitchFamily="49" charset="0"/>
               </a:rPr>
-              <a:t>receipes</a:t>
+              <a:t>recipes</a:t>
+            </a:r>
+            <a:r>
+              <a:rPr lang="fr-FR" sz="1100" i="1" dirty="0" smtClean="0">
+                <a:solidFill>
+                  <a:schemeClr val="tx1"/>
+                </a:solidFill>
+                <a:latin typeface="Consolas" panose="020B0609020204030204" pitchFamily="49" charset="0"/>
+                <a:cs typeface="Consolas" panose="020B0609020204030204" pitchFamily="49" charset="0"/>
+              </a:rPr>
+              <a:t> </a:t>
             </a:r>
             <a:r>
               <a:rPr lang="fr-FR" sz="1100" i="1" dirty="0">
@@ -12701,7 +13948,7 @@
                 <a:latin typeface="Consolas" panose="020B0609020204030204" pitchFamily="49" charset="0"/>
                 <a:cs typeface="Consolas" panose="020B0609020204030204" pitchFamily="49" charset="0"/>
               </a:rPr>
-              <a:t> in </a:t>
+              <a:t>in </a:t>
             </a:r>
             <a:r>
               <a:rPr lang="fr-FR" sz="1100" i="1" dirty="0" err="1">
@@ -12758,7 +14005,7 @@
           <p:cNvPr id="101" name="Rectangle: Single Corner Snipped 54">
             <a:extLst>
               <a:ext uri="{FF2B5EF4-FFF2-40B4-BE49-F238E27FC236}">
-                <a16:creationId xmlns:a16="http://schemas.microsoft.com/office/drawing/2014/main" xmlns="" id="{5DD2CB3A-1BD2-41AE-B00E-AF542B712862}"/>
+                <a16:creationId xmlns="" xmlns:a16="http://schemas.microsoft.com/office/drawing/2014/main" id="{5DD2CB3A-1BD2-41AE-B00E-AF542B712862}"/>
               </a:ext>
             </a:extLst>
           </p:cNvPr>
@@ -12839,7 +14086,7 @@
           <p:cNvPr id="3" name="Title 2">
             <a:extLst>
               <a:ext uri="{FF2B5EF4-FFF2-40B4-BE49-F238E27FC236}">
-                <a16:creationId xmlns:a16="http://schemas.microsoft.com/office/drawing/2014/main" xmlns="" id="{A8704E41-3486-46BD-8AA7-B6B5D28F95A5}"/>
+                <a16:creationId xmlns="" xmlns:a16="http://schemas.microsoft.com/office/drawing/2014/main" id="{A8704E41-3486-46BD-8AA7-B6B5D28F95A5}"/>
               </a:ext>
             </a:extLst>
           </p:cNvPr>
@@ -12872,7 +14119,7 @@
           <p:cNvPr id="4" name="Slide Number Placeholder 3">
             <a:extLst>
               <a:ext uri="{FF2B5EF4-FFF2-40B4-BE49-F238E27FC236}">
-                <a16:creationId xmlns:a16="http://schemas.microsoft.com/office/drawing/2014/main" xmlns="" id="{02CD92EA-E9CB-4F4C-B1B9-840F11B55DC5}"/>
+                <a16:creationId xmlns="" xmlns:a16="http://schemas.microsoft.com/office/drawing/2014/main" id="{02CD92EA-E9CB-4F4C-B1B9-840F11B55DC5}"/>
               </a:ext>
             </a:extLst>
           </p:cNvPr>
@@ -12918,7 +14165,7 @@
           <p:cNvPr id="5" name="Text Placeholder 4">
             <a:extLst>
               <a:ext uri="{FF2B5EF4-FFF2-40B4-BE49-F238E27FC236}">
-                <a16:creationId xmlns:a16="http://schemas.microsoft.com/office/drawing/2014/main" xmlns="" id="{C22D9F79-04C1-4762-96D6-F3FE8172F1B1}"/>
+                <a16:creationId xmlns="" xmlns:a16="http://schemas.microsoft.com/office/drawing/2014/main" id="{C22D9F79-04C1-4762-96D6-F3FE8172F1B1}"/>
               </a:ext>
             </a:extLst>
           </p:cNvPr>
@@ -12943,7 +14190,7 @@
           <p:cNvPr id="60" name="Oval 59">
             <a:extLst>
               <a:ext uri="{FF2B5EF4-FFF2-40B4-BE49-F238E27FC236}">
-                <a16:creationId xmlns:a16="http://schemas.microsoft.com/office/drawing/2014/main" xmlns="" id="{70018B8E-C8EA-4592-B666-4DD6915C2DAF}"/>
+                <a16:creationId xmlns="" xmlns:a16="http://schemas.microsoft.com/office/drawing/2014/main" id="{70018B8E-C8EA-4592-B666-4DD6915C2DAF}"/>
               </a:ext>
             </a:extLst>
           </p:cNvPr>
@@ -12999,7 +14246,7 @@
           <p:cNvPr id="61" name="Straight Arrow Connector 60">
             <a:extLst>
               <a:ext uri="{FF2B5EF4-FFF2-40B4-BE49-F238E27FC236}">
-                <a16:creationId xmlns:a16="http://schemas.microsoft.com/office/drawing/2014/main" xmlns="" id="{D5D1DDE3-D551-4E6B-AD34-6FBA1762CCD0}"/>
+                <a16:creationId xmlns="" xmlns:a16="http://schemas.microsoft.com/office/drawing/2014/main" id="{D5D1DDE3-D551-4E6B-AD34-6FBA1762CCD0}"/>
               </a:ext>
             </a:extLst>
           </p:cNvPr>
@@ -13043,7 +14290,7 @@
           <p:cNvPr id="62" name="TextBox 61">
             <a:extLst>
               <a:ext uri="{FF2B5EF4-FFF2-40B4-BE49-F238E27FC236}">
-                <a16:creationId xmlns:a16="http://schemas.microsoft.com/office/drawing/2014/main" xmlns="" id="{EA7F15EB-6AA1-4C76-921F-2B04B74B1885}"/>
+                <a16:creationId xmlns="" xmlns:a16="http://schemas.microsoft.com/office/drawing/2014/main" id="{EA7F15EB-6AA1-4C76-921F-2B04B74B1885}"/>
               </a:ext>
             </a:extLst>
           </p:cNvPr>
@@ -13085,7 +14332,7 @@
           <p:cNvPr id="63" name="Oval 62">
             <a:extLst>
               <a:ext uri="{FF2B5EF4-FFF2-40B4-BE49-F238E27FC236}">
-                <a16:creationId xmlns:a16="http://schemas.microsoft.com/office/drawing/2014/main" xmlns="" id="{70018B8E-C8EA-4592-B666-4DD6915C2DAF}"/>
+                <a16:creationId xmlns="" xmlns:a16="http://schemas.microsoft.com/office/drawing/2014/main" id="{70018B8E-C8EA-4592-B666-4DD6915C2DAF}"/>
               </a:ext>
             </a:extLst>
           </p:cNvPr>
@@ -13141,7 +14388,7 @@
           <p:cNvPr id="66" name="TextBox 65">
             <a:extLst>
               <a:ext uri="{FF2B5EF4-FFF2-40B4-BE49-F238E27FC236}">
-                <a16:creationId xmlns:a16="http://schemas.microsoft.com/office/drawing/2014/main" xmlns="" id="{EA7F15EB-6AA1-4C76-921F-2B04B74B1885}"/>
+                <a16:creationId xmlns="" xmlns:a16="http://schemas.microsoft.com/office/drawing/2014/main" id="{EA7F15EB-6AA1-4C76-921F-2B04B74B1885}"/>
               </a:ext>
             </a:extLst>
           </p:cNvPr>
@@ -13183,7 +14430,7 @@
           <p:cNvPr id="87" name="Oval 86">
             <a:extLst>
               <a:ext uri="{FF2B5EF4-FFF2-40B4-BE49-F238E27FC236}">
-                <a16:creationId xmlns:a16="http://schemas.microsoft.com/office/drawing/2014/main" xmlns="" id="{70018B8E-C8EA-4592-B666-4DD6915C2DAF}"/>
+                <a16:creationId xmlns="" xmlns:a16="http://schemas.microsoft.com/office/drawing/2014/main" id="{70018B8E-C8EA-4592-B666-4DD6915C2DAF}"/>
               </a:ext>
             </a:extLst>
           </p:cNvPr>
@@ -13239,7 +14486,7 @@
           <p:cNvPr id="88" name="Straight Arrow Connector 87">
             <a:extLst>
               <a:ext uri="{FF2B5EF4-FFF2-40B4-BE49-F238E27FC236}">
-                <a16:creationId xmlns:a16="http://schemas.microsoft.com/office/drawing/2014/main" xmlns="" id="{D5D1DDE3-D551-4E6B-AD34-6FBA1762CCD0}"/>
+                <a16:creationId xmlns="" xmlns:a16="http://schemas.microsoft.com/office/drawing/2014/main" id="{D5D1DDE3-D551-4E6B-AD34-6FBA1762CCD0}"/>
               </a:ext>
             </a:extLst>
           </p:cNvPr>
@@ -13283,7 +14530,7 @@
           <p:cNvPr id="89" name="TextBox 88">
             <a:extLst>
               <a:ext uri="{FF2B5EF4-FFF2-40B4-BE49-F238E27FC236}">
-                <a16:creationId xmlns:a16="http://schemas.microsoft.com/office/drawing/2014/main" xmlns="" id="{EA7F15EB-6AA1-4C76-921F-2B04B74B1885}"/>
+                <a16:creationId xmlns="" xmlns:a16="http://schemas.microsoft.com/office/drawing/2014/main" id="{EA7F15EB-6AA1-4C76-921F-2B04B74B1885}"/>
               </a:ext>
             </a:extLst>
           </p:cNvPr>
@@ -13325,7 +14572,7 @@
           <p:cNvPr id="91" name="Oval 90">
             <a:extLst>
               <a:ext uri="{FF2B5EF4-FFF2-40B4-BE49-F238E27FC236}">
-                <a16:creationId xmlns:a16="http://schemas.microsoft.com/office/drawing/2014/main" xmlns="" id="{70018B8E-C8EA-4592-B666-4DD6915C2DAF}"/>
+                <a16:creationId xmlns="" xmlns:a16="http://schemas.microsoft.com/office/drawing/2014/main" id="{70018B8E-C8EA-4592-B666-4DD6915C2DAF}"/>
               </a:ext>
             </a:extLst>
           </p:cNvPr>
@@ -13381,7 +14628,7 @@
           <p:cNvPr id="92" name="Straight Arrow Connector 91">
             <a:extLst>
               <a:ext uri="{FF2B5EF4-FFF2-40B4-BE49-F238E27FC236}">
-                <a16:creationId xmlns:a16="http://schemas.microsoft.com/office/drawing/2014/main" xmlns="" id="{D5D1DDE3-D551-4E6B-AD34-6FBA1762CCD0}"/>
+                <a16:creationId xmlns="" xmlns:a16="http://schemas.microsoft.com/office/drawing/2014/main" id="{D5D1DDE3-D551-4E6B-AD34-6FBA1762CCD0}"/>
               </a:ext>
             </a:extLst>
           </p:cNvPr>
@@ -13425,7 +14672,7 @@
           <p:cNvPr id="93" name="TextBox 92">
             <a:extLst>
               <a:ext uri="{FF2B5EF4-FFF2-40B4-BE49-F238E27FC236}">
-                <a16:creationId xmlns:a16="http://schemas.microsoft.com/office/drawing/2014/main" xmlns="" id="{EA7F15EB-6AA1-4C76-921F-2B04B74B1885}"/>
+                <a16:creationId xmlns="" xmlns:a16="http://schemas.microsoft.com/office/drawing/2014/main" id="{EA7F15EB-6AA1-4C76-921F-2B04B74B1885}"/>
               </a:ext>
             </a:extLst>
           </p:cNvPr>
@@ -13467,7 +14714,7 @@
           <p:cNvPr id="94" name="Oval 93">
             <a:extLst>
               <a:ext uri="{FF2B5EF4-FFF2-40B4-BE49-F238E27FC236}">
-                <a16:creationId xmlns:a16="http://schemas.microsoft.com/office/drawing/2014/main" xmlns="" id="{70018B8E-C8EA-4592-B666-4DD6915C2DAF}"/>
+                <a16:creationId xmlns="" xmlns:a16="http://schemas.microsoft.com/office/drawing/2014/main" id="{70018B8E-C8EA-4592-B666-4DD6915C2DAF}"/>
               </a:ext>
             </a:extLst>
           </p:cNvPr>
@@ -13523,7 +14770,7 @@
           <p:cNvPr id="95" name="TextBox 94">
             <a:extLst>
               <a:ext uri="{FF2B5EF4-FFF2-40B4-BE49-F238E27FC236}">
-                <a16:creationId xmlns:a16="http://schemas.microsoft.com/office/drawing/2014/main" xmlns="" id="{EA7F15EB-6AA1-4C76-921F-2B04B74B1885}"/>
+                <a16:creationId xmlns="" xmlns:a16="http://schemas.microsoft.com/office/drawing/2014/main" id="{EA7F15EB-6AA1-4C76-921F-2B04B74B1885}"/>
               </a:ext>
             </a:extLst>
           </p:cNvPr>
@@ -13565,7 +14812,7 @@
           <p:cNvPr id="97" name="TextBox 96">
             <a:extLst>
               <a:ext uri="{FF2B5EF4-FFF2-40B4-BE49-F238E27FC236}">
-                <a16:creationId xmlns:a16="http://schemas.microsoft.com/office/drawing/2014/main" xmlns="" id="{A3A739BC-7FC3-41A9-BB1E-19B55BC9B39C}"/>
+                <a16:creationId xmlns="" xmlns:a16="http://schemas.microsoft.com/office/drawing/2014/main" id="{A3A739BC-7FC3-41A9-BB1E-19B55BC9B39C}"/>
               </a:ext>
             </a:extLst>
           </p:cNvPr>
@@ -13618,7 +14865,7 @@
           <p:cNvPr id="98" name="Straight Arrow Connector 97">
             <a:extLst>
               <a:ext uri="{FF2B5EF4-FFF2-40B4-BE49-F238E27FC236}">
-                <a16:creationId xmlns:a16="http://schemas.microsoft.com/office/drawing/2014/main" xmlns="" id="{D5D1DDE3-D551-4E6B-AD34-6FBA1762CCD0}"/>
+                <a16:creationId xmlns="" xmlns:a16="http://schemas.microsoft.com/office/drawing/2014/main" id="{D5D1DDE3-D551-4E6B-AD34-6FBA1762CCD0}"/>
               </a:ext>
             </a:extLst>
           </p:cNvPr>
@@ -13662,7 +14909,7 @@
           <p:cNvPr id="100" name="Straight Arrow Connector 99">
             <a:extLst>
               <a:ext uri="{FF2B5EF4-FFF2-40B4-BE49-F238E27FC236}">
-                <a16:creationId xmlns:a16="http://schemas.microsoft.com/office/drawing/2014/main" xmlns="" id="{D5D1DDE3-D551-4E6B-AD34-6FBA1762CCD0}"/>
+                <a16:creationId xmlns="" xmlns:a16="http://schemas.microsoft.com/office/drawing/2014/main" id="{D5D1DDE3-D551-4E6B-AD34-6FBA1762CCD0}"/>
               </a:ext>
             </a:extLst>
           </p:cNvPr>
@@ -13706,7 +14953,7 @@
           <p:cNvPr id="102" name="TextBox 101">
             <a:extLst>
               <a:ext uri="{FF2B5EF4-FFF2-40B4-BE49-F238E27FC236}">
-                <a16:creationId xmlns:a16="http://schemas.microsoft.com/office/drawing/2014/main" xmlns="" id="{DCF44781-E941-421E-89BE-0ABCA37EDACB}"/>
+                <a16:creationId xmlns="" xmlns:a16="http://schemas.microsoft.com/office/drawing/2014/main" id="{DCF44781-E941-421E-89BE-0ABCA37EDACB}"/>
               </a:ext>
             </a:extLst>
           </p:cNvPr>
@@ -13759,7 +15006,7 @@
           <p:cNvPr id="105" name="TextBox 104">
             <a:extLst>
               <a:ext uri="{FF2B5EF4-FFF2-40B4-BE49-F238E27FC236}">
-                <a16:creationId xmlns:a16="http://schemas.microsoft.com/office/drawing/2014/main" xmlns="" id="{E2424417-DD1B-4E8D-A2A5-F034A489C27A}"/>
+                <a16:creationId xmlns="" xmlns:a16="http://schemas.microsoft.com/office/drawing/2014/main" id="{E2424417-DD1B-4E8D-A2A5-F034A489C27A}"/>
               </a:ext>
             </a:extLst>
           </p:cNvPr>
@@ -13812,7 +15059,7 @@
           <p:cNvPr id="106" name="TextBox 105">
             <a:extLst>
               <a:ext uri="{FF2B5EF4-FFF2-40B4-BE49-F238E27FC236}">
-                <a16:creationId xmlns:a16="http://schemas.microsoft.com/office/drawing/2014/main" xmlns="" id="{226BC8B6-2411-443E-BEE4-F24BDE166FA2}"/>
+                <a16:creationId xmlns="" xmlns:a16="http://schemas.microsoft.com/office/drawing/2014/main" id="{226BC8B6-2411-443E-BEE4-F24BDE166FA2}"/>
               </a:ext>
             </a:extLst>
           </p:cNvPr>
@@ -13865,7 +15112,7 @@
           <p:cNvPr id="107" name="TextBox 106">
             <a:extLst>
               <a:ext uri="{FF2B5EF4-FFF2-40B4-BE49-F238E27FC236}">
-                <a16:creationId xmlns:a16="http://schemas.microsoft.com/office/drawing/2014/main" xmlns="" id="{53330DED-8238-48AB-B79C-3155945E34EF}"/>
+                <a16:creationId xmlns="" xmlns:a16="http://schemas.microsoft.com/office/drawing/2014/main" id="{53330DED-8238-48AB-B79C-3155945E34EF}"/>
               </a:ext>
             </a:extLst>
           </p:cNvPr>
@@ -13923,6 +15170,74 @@
             <a:endParaRPr lang="en-US" sz="1600" dirty="0">
               <a:latin typeface="Consolas" panose="020B0609020204030204" pitchFamily="49" charset="0"/>
               <a:cs typeface="Consolas" panose="020B0609020204030204" pitchFamily="49" charset="0"/>
+            </a:endParaRPr>
+          </a:p>
+        </p:txBody>
+      </p:sp>
+      <p:sp>
+        <p:nvSpPr>
+          <p:cNvPr id="27" name="Rounded Rectangular Callout 26"/>
+          <p:cNvSpPr/>
+          <p:nvPr/>
+        </p:nvSpPr>
+        <p:spPr>
+          <a:xfrm>
+            <a:off x="10146890" y="331682"/>
+            <a:ext cx="1065105" cy="617220"/>
+          </a:xfrm>
+          <a:prstGeom prst="wedgeRoundRectCallout">
+            <a:avLst>
+              <a:gd name="adj1" fmla="val 48024"/>
+              <a:gd name="adj2" fmla="val 72281"/>
+              <a:gd name="adj3" fmla="val 16667"/>
+            </a:avLst>
+          </a:prstGeom>
+          <a:solidFill>
+            <a:schemeClr val="accent3">
+              <a:lumMod val="20000"/>
+              <a:lumOff val="80000"/>
+            </a:schemeClr>
+          </a:solidFill>
+          <a:ln w="19050">
+            <a:solidFill>
+              <a:srgbClr val="FFC000"/>
+            </a:solidFill>
+          </a:ln>
+          <a:effectLst/>
+        </p:spPr>
+        <p:style>
+          <a:lnRef idx="1">
+            <a:schemeClr val="accent1"/>
+          </a:lnRef>
+          <a:fillRef idx="3">
+            <a:schemeClr val="accent1"/>
+          </a:fillRef>
+          <a:effectRef idx="2">
+            <a:schemeClr val="accent1"/>
+          </a:effectRef>
+          <a:fontRef idx="minor">
+            <a:schemeClr val="lt1"/>
+          </a:fontRef>
+        </p:style>
+        <p:txBody>
+          <a:bodyPr rtlCol="0" anchor="ctr"/>
+          <a:lstStyle/>
+          <a:p>
+            <a:pPr algn="ctr"/>
+            <a:r>
+              <a:rPr lang="fr-FR" sz="2000" dirty="0" smtClean="0">
+                <a:solidFill>
+                  <a:srgbClr val="FFC000"/>
+                </a:solidFill>
+                <a:latin typeface="+mj-lt"/>
+              </a:rPr>
+              <a:t>démo</a:t>
+            </a:r>
+            <a:endParaRPr lang="fr-FR" sz="2000" dirty="0">
+              <a:solidFill>
+                <a:srgbClr val="FFC000"/>
+              </a:solidFill>
+              <a:latin typeface="+mj-lt"/>
             </a:endParaRPr>
           </a:p>
         </p:txBody>
@@ -13974,7 +15289,7 @@
                                           </p:stCondLst>
                                         </p:cTn>
                                         <p:tgtEl>
-                                          <p:spTgt spid="94"/>
+                                          <p:spTgt spid="27"/>
                                         </p:tgtEl>
                                         <p:attrNameLst>
                                           <p:attrName>style.visibility</p:attrName>
@@ -13987,35 +15302,26 @@
                                   </p:childTnLst>
                                 </p:cTn>
                               </p:par>
+                            </p:childTnLst>
+                          </p:cTn>
+                        </p:par>
+                      </p:childTnLst>
+                    </p:cTn>
+                  </p:par>
+                  <p:par>
+                    <p:cTn id="7" fill="hold">
+                      <p:stCondLst>
+                        <p:cond delay="indefinite"/>
+                      </p:stCondLst>
+                      <p:childTnLst>
+                        <p:par>
+                          <p:cTn id="8" fill="hold">
+                            <p:stCondLst>
+                              <p:cond delay="0"/>
+                            </p:stCondLst>
+                            <p:childTnLst>
                               <p:par>
-                                <p:cTn id="7" presetID="1" presetClass="entr" presetSubtype="0" fill="hold" grpId="0" nodeType="withEffect">
-                                  <p:stCondLst>
-                                    <p:cond delay="0"/>
-                                  </p:stCondLst>
-                                  <p:childTnLst>
-                                    <p:set>
-                                      <p:cBhvr>
-                                        <p:cTn id="8" dur="1" fill="hold">
-                                          <p:stCondLst>
-                                            <p:cond delay="0"/>
-                                          </p:stCondLst>
-                                        </p:cTn>
-                                        <p:tgtEl>
-                                          <p:spTgt spid="95"/>
-                                        </p:tgtEl>
-                                        <p:attrNameLst>
-                                          <p:attrName>style.visibility</p:attrName>
-                                        </p:attrNameLst>
-                                      </p:cBhvr>
-                                      <p:to>
-                                        <p:strVal val="visible"/>
-                                      </p:to>
-                                    </p:set>
-                                  </p:childTnLst>
-                                </p:cTn>
-                              </p:par>
-                              <p:par>
-                                <p:cTn id="9" presetID="1" presetClass="entr" presetSubtype="0" fill="hold" nodeType="withEffect">
+                                <p:cTn id="9" presetID="1" presetClass="entr" presetSubtype="0" fill="hold" grpId="0" nodeType="clickEffect">
                                   <p:stCondLst>
                                     <p:cond delay="0"/>
                                   </p:stCondLst>
@@ -14028,7 +15334,7 @@
                                           </p:stCondLst>
                                         </p:cTn>
                                         <p:tgtEl>
-                                          <p:spTgt spid="92"/>
+                                          <p:spTgt spid="94"/>
                                         </p:tgtEl>
                                         <p:attrNameLst>
                                           <p:attrName>style.visibility</p:attrName>
@@ -14055,6 +15361,60 @@
                                           </p:stCondLst>
                                         </p:cTn>
                                         <p:tgtEl>
+                                          <p:spTgt spid="95"/>
+                                        </p:tgtEl>
+                                        <p:attrNameLst>
+                                          <p:attrName>style.visibility</p:attrName>
+                                        </p:attrNameLst>
+                                      </p:cBhvr>
+                                      <p:to>
+                                        <p:strVal val="visible"/>
+                                      </p:to>
+                                    </p:set>
+                                  </p:childTnLst>
+                                </p:cTn>
+                              </p:par>
+                              <p:par>
+                                <p:cTn id="13" presetID="1" presetClass="entr" presetSubtype="0" fill="hold" nodeType="withEffect">
+                                  <p:stCondLst>
+                                    <p:cond delay="0"/>
+                                  </p:stCondLst>
+                                  <p:childTnLst>
+                                    <p:set>
+                                      <p:cBhvr>
+                                        <p:cTn id="14" dur="1" fill="hold">
+                                          <p:stCondLst>
+                                            <p:cond delay="0"/>
+                                          </p:stCondLst>
+                                        </p:cTn>
+                                        <p:tgtEl>
+                                          <p:spTgt spid="92"/>
+                                        </p:tgtEl>
+                                        <p:attrNameLst>
+                                          <p:attrName>style.visibility</p:attrName>
+                                        </p:attrNameLst>
+                                      </p:cBhvr>
+                                      <p:to>
+                                        <p:strVal val="visible"/>
+                                      </p:to>
+                                    </p:set>
+                                  </p:childTnLst>
+                                </p:cTn>
+                              </p:par>
+                              <p:par>
+                                <p:cTn id="15" presetID="1" presetClass="entr" presetSubtype="0" fill="hold" grpId="0" nodeType="withEffect">
+                                  <p:stCondLst>
+                                    <p:cond delay="0"/>
+                                  </p:stCondLst>
+                                  <p:childTnLst>
+                                    <p:set>
+                                      <p:cBhvr>
+                                        <p:cTn id="16" dur="1" fill="hold">
+                                          <p:stCondLst>
+                                            <p:cond delay="0"/>
+                                          </p:stCondLst>
+                                        </p:cTn>
+                                        <p:tgtEl>
                                           <p:spTgt spid="106"/>
                                         </p:tgtEl>
                                         <p:attrNameLst>
@@ -14075,73 +15435,19 @@
                     </p:cTn>
                   </p:par>
                   <p:par>
-                    <p:cTn id="13" fill="hold">
+                    <p:cTn id="17" fill="hold">
                       <p:stCondLst>
                         <p:cond delay="indefinite"/>
                       </p:stCondLst>
                       <p:childTnLst>
                         <p:par>
-                          <p:cTn id="14" fill="hold">
+                          <p:cTn id="18" fill="hold">
                             <p:stCondLst>
                               <p:cond delay="0"/>
                             </p:stCondLst>
                             <p:childTnLst>
                               <p:par>
-                                <p:cTn id="15" presetID="1" presetClass="entr" presetSubtype="0" fill="hold" nodeType="clickEffect">
-                                  <p:stCondLst>
-                                    <p:cond delay="0"/>
-                                  </p:stCondLst>
-                                  <p:childTnLst>
-                                    <p:set>
-                                      <p:cBhvr>
-                                        <p:cTn id="16" dur="1" fill="hold">
-                                          <p:stCondLst>
-                                            <p:cond delay="0"/>
-                                          </p:stCondLst>
-                                        </p:cTn>
-                                        <p:tgtEl>
-                                          <p:spTgt spid="100"/>
-                                        </p:tgtEl>
-                                        <p:attrNameLst>
-                                          <p:attrName>style.visibility</p:attrName>
-                                        </p:attrNameLst>
-                                      </p:cBhvr>
-                                      <p:to>
-                                        <p:strVal val="visible"/>
-                                      </p:to>
-                                    </p:set>
-                                  </p:childTnLst>
-                                </p:cTn>
-                              </p:par>
-                              <p:par>
-                                <p:cTn id="17" presetID="1" presetClass="entr" presetSubtype="0" fill="hold" grpId="0" nodeType="withEffect">
-                                  <p:stCondLst>
-                                    <p:cond delay="0"/>
-                                  </p:stCondLst>
-                                  <p:childTnLst>
-                                    <p:set>
-                                      <p:cBhvr>
-                                        <p:cTn id="18" dur="1" fill="hold">
-                                          <p:stCondLst>
-                                            <p:cond delay="0"/>
-                                          </p:stCondLst>
-                                        </p:cTn>
-                                        <p:tgtEl>
-                                          <p:spTgt spid="107"/>
-                                        </p:tgtEl>
-                                        <p:attrNameLst>
-                                          <p:attrName>style.visibility</p:attrName>
-                                        </p:attrNameLst>
-                                      </p:cBhvr>
-                                      <p:to>
-                                        <p:strVal val="visible"/>
-                                      </p:to>
-                                    </p:set>
-                                  </p:childTnLst>
-                                </p:cTn>
-                              </p:par>
-                              <p:par>
-                                <p:cTn id="19" presetID="1" presetClass="entr" presetSubtype="0" fill="hold" grpId="0" nodeType="withEffect">
+                                <p:cTn id="19" presetID="1" presetClass="entr" presetSubtype="0" fill="hold" nodeType="clickEffect">
                                   <p:stCondLst>
                                     <p:cond delay="0"/>
                                   </p:stCondLst>
@@ -14154,7 +15460,7 @@
                                           </p:stCondLst>
                                         </p:cTn>
                                         <p:tgtEl>
-                                          <p:spTgt spid="62"/>
+                                          <p:spTgt spid="100"/>
                                         </p:tgtEl>
                                         <p:attrNameLst>
                                           <p:attrName>style.visibility</p:attrName>
@@ -14181,7 +15487,7 @@
                                           </p:stCondLst>
                                         </p:cTn>
                                         <p:tgtEl>
-                                          <p:spTgt spid="60"/>
+                                          <p:spTgt spid="107"/>
                                         </p:tgtEl>
                                         <p:attrNameLst>
                                           <p:attrName>style.visibility</p:attrName>
@@ -14194,26 +15500,35 @@
                                   </p:childTnLst>
                                 </p:cTn>
                               </p:par>
-                            </p:childTnLst>
-                          </p:cTn>
-                        </p:par>
-                      </p:childTnLst>
-                    </p:cTn>
-                  </p:par>
-                  <p:par>
-                    <p:cTn id="23" fill="hold">
-                      <p:stCondLst>
-                        <p:cond delay="indefinite"/>
-                      </p:stCondLst>
-                      <p:childTnLst>
-                        <p:par>
-                          <p:cTn id="24" fill="hold">
-                            <p:stCondLst>
-                              <p:cond delay="0"/>
-                            </p:stCondLst>
-                            <p:childTnLst>
                               <p:par>
-                                <p:cTn id="25" presetID="1" presetClass="entr" presetSubtype="0" fill="hold" grpId="0" nodeType="clickEffect">
+                                <p:cTn id="23" presetID="1" presetClass="entr" presetSubtype="0" fill="hold" grpId="0" nodeType="withEffect">
+                                  <p:stCondLst>
+                                    <p:cond delay="0"/>
+                                  </p:stCondLst>
+                                  <p:childTnLst>
+                                    <p:set>
+                                      <p:cBhvr>
+                                        <p:cTn id="24" dur="1" fill="hold">
+                                          <p:stCondLst>
+                                            <p:cond delay="0"/>
+                                          </p:stCondLst>
+                                        </p:cTn>
+                                        <p:tgtEl>
+                                          <p:spTgt spid="62"/>
+                                        </p:tgtEl>
+                                        <p:attrNameLst>
+                                          <p:attrName>style.visibility</p:attrName>
+                                        </p:attrNameLst>
+                                      </p:cBhvr>
+                                      <p:to>
+                                        <p:strVal val="visible"/>
+                                      </p:to>
+                                    </p:set>
+                                  </p:childTnLst>
+                                </p:cTn>
+                              </p:par>
+                              <p:par>
+                                <p:cTn id="25" presetID="1" presetClass="entr" presetSubtype="0" fill="hold" grpId="0" nodeType="withEffect">
                                   <p:stCondLst>
                                     <p:cond delay="0"/>
                                   </p:stCondLst>
@@ -14226,7 +15541,7 @@
                                           </p:stCondLst>
                                         </p:cTn>
                                         <p:tgtEl>
-                                          <p:spTgt spid="101"/>
+                                          <p:spTgt spid="60"/>
                                         </p:tgtEl>
                                         <p:attrNameLst>
                                           <p:attrName>style.visibility</p:attrName>
@@ -14271,6 +15586,51 @@
                                           </p:stCondLst>
                                         </p:cTn>
                                         <p:tgtEl>
+                                          <p:spTgt spid="101"/>
+                                        </p:tgtEl>
+                                        <p:attrNameLst>
+                                          <p:attrName>style.visibility</p:attrName>
+                                        </p:attrNameLst>
+                                      </p:cBhvr>
+                                      <p:to>
+                                        <p:strVal val="visible"/>
+                                      </p:to>
+                                    </p:set>
+                                  </p:childTnLst>
+                                </p:cTn>
+                              </p:par>
+                            </p:childTnLst>
+                          </p:cTn>
+                        </p:par>
+                      </p:childTnLst>
+                    </p:cTn>
+                  </p:par>
+                  <p:par>
+                    <p:cTn id="31" fill="hold">
+                      <p:stCondLst>
+                        <p:cond delay="indefinite"/>
+                      </p:stCondLst>
+                      <p:childTnLst>
+                        <p:par>
+                          <p:cTn id="32" fill="hold">
+                            <p:stCondLst>
+                              <p:cond delay="0"/>
+                            </p:stCondLst>
+                            <p:childTnLst>
+                              <p:par>
+                                <p:cTn id="33" presetID="1" presetClass="entr" presetSubtype="0" fill="hold" grpId="0" nodeType="clickEffect">
+                                  <p:stCondLst>
+                                    <p:cond delay="0"/>
+                                  </p:stCondLst>
+                                  <p:childTnLst>
+                                    <p:set>
+                                      <p:cBhvr>
+                                        <p:cTn id="34" dur="1" fill="hold">
+                                          <p:stCondLst>
+                                            <p:cond delay="0"/>
+                                          </p:stCondLst>
+                                        </p:cTn>
+                                        <p:tgtEl>
                                           <p:spTgt spid="105"/>
                                         </p:tgtEl>
                                         <p:attrNameLst>
@@ -14285,61 +15645,7 @@
                                 </p:cTn>
                               </p:par>
                               <p:par>
-                                <p:cTn id="31" presetID="1" presetClass="entr" presetSubtype="0" fill="hold" nodeType="withEffect">
-                                  <p:stCondLst>
-                                    <p:cond delay="0"/>
-                                  </p:stCondLst>
-                                  <p:childTnLst>
-                                    <p:set>
-                                      <p:cBhvr>
-                                        <p:cTn id="32" dur="1" fill="hold">
-                                          <p:stCondLst>
-                                            <p:cond delay="0"/>
-                                          </p:stCondLst>
-                                        </p:cTn>
-                                        <p:tgtEl>
-                                          <p:spTgt spid="61"/>
-                                        </p:tgtEl>
-                                        <p:attrNameLst>
-                                          <p:attrName>style.visibility</p:attrName>
-                                        </p:attrNameLst>
-                                      </p:cBhvr>
-                                      <p:to>
-                                        <p:strVal val="visible"/>
-                                      </p:to>
-                                    </p:set>
-                                  </p:childTnLst>
-                                </p:cTn>
-                              </p:par>
-                              <p:par>
-                                <p:cTn id="33" presetID="1" presetClass="entr" presetSubtype="0" fill="hold" grpId="0" nodeType="withEffect">
-                                  <p:stCondLst>
-                                    <p:cond delay="0"/>
-                                  </p:stCondLst>
-                                  <p:childTnLst>
-                                    <p:set>
-                                      <p:cBhvr>
-                                        <p:cTn id="34" dur="1" fill="hold">
-                                          <p:stCondLst>
-                                            <p:cond delay="0"/>
-                                          </p:stCondLst>
-                                        </p:cTn>
-                                        <p:tgtEl>
-                                          <p:spTgt spid="63"/>
-                                        </p:tgtEl>
-                                        <p:attrNameLst>
-                                          <p:attrName>style.visibility</p:attrName>
-                                        </p:attrNameLst>
-                                      </p:cBhvr>
-                                      <p:to>
-                                        <p:strVal val="visible"/>
-                                      </p:to>
-                                    </p:set>
-                                  </p:childTnLst>
-                                </p:cTn>
-                              </p:par>
-                              <p:par>
-                                <p:cTn id="35" presetID="1" presetClass="entr" presetSubtype="0" fill="hold" grpId="0" nodeType="withEffect">
+                                <p:cTn id="35" presetID="1" presetClass="entr" presetSubtype="0" fill="hold" nodeType="withEffect">
                                   <p:stCondLst>
                                     <p:cond delay="0"/>
                                   </p:stCondLst>
@@ -14352,7 +15658,7 @@
                                           </p:stCondLst>
                                         </p:cTn>
                                         <p:tgtEl>
-                                          <p:spTgt spid="66"/>
+                                          <p:spTgt spid="61"/>
                                         </p:tgtEl>
                                         <p:attrNameLst>
                                           <p:attrName>style.visibility</p:attrName>
@@ -14379,6 +15685,60 @@
                                           </p:stCondLst>
                                         </p:cTn>
                                         <p:tgtEl>
+                                          <p:spTgt spid="63"/>
+                                        </p:tgtEl>
+                                        <p:attrNameLst>
+                                          <p:attrName>style.visibility</p:attrName>
+                                        </p:attrNameLst>
+                                      </p:cBhvr>
+                                      <p:to>
+                                        <p:strVal val="visible"/>
+                                      </p:to>
+                                    </p:set>
+                                  </p:childTnLst>
+                                </p:cTn>
+                              </p:par>
+                              <p:par>
+                                <p:cTn id="39" presetID="1" presetClass="entr" presetSubtype="0" fill="hold" grpId="0" nodeType="withEffect">
+                                  <p:stCondLst>
+                                    <p:cond delay="0"/>
+                                  </p:stCondLst>
+                                  <p:childTnLst>
+                                    <p:set>
+                                      <p:cBhvr>
+                                        <p:cTn id="40" dur="1" fill="hold">
+                                          <p:stCondLst>
+                                            <p:cond delay="0"/>
+                                          </p:stCondLst>
+                                        </p:cTn>
+                                        <p:tgtEl>
+                                          <p:spTgt spid="66"/>
+                                        </p:tgtEl>
+                                        <p:attrNameLst>
+                                          <p:attrName>style.visibility</p:attrName>
+                                        </p:attrNameLst>
+                                      </p:cBhvr>
+                                      <p:to>
+                                        <p:strVal val="visible"/>
+                                      </p:to>
+                                    </p:set>
+                                  </p:childTnLst>
+                                </p:cTn>
+                              </p:par>
+                              <p:par>
+                                <p:cTn id="41" presetID="1" presetClass="entr" presetSubtype="0" fill="hold" grpId="0" nodeType="withEffect">
+                                  <p:stCondLst>
+                                    <p:cond delay="0"/>
+                                  </p:stCondLst>
+                                  <p:childTnLst>
+                                    <p:set>
+                                      <p:cBhvr>
+                                        <p:cTn id="42" dur="1" fill="hold">
+                                          <p:stCondLst>
+                                            <p:cond delay="0"/>
+                                          </p:stCondLst>
+                                        </p:cTn>
+                                        <p:tgtEl>
                                           <p:spTgt spid="103"/>
                                         </p:tgtEl>
                                         <p:attrNameLst>
@@ -14399,26 +15759,26 @@
                     </p:cTn>
                   </p:par>
                   <p:par>
-                    <p:cTn id="39" fill="hold">
+                    <p:cTn id="43" fill="hold">
                       <p:stCondLst>
                         <p:cond delay="indefinite"/>
                       </p:stCondLst>
                       <p:childTnLst>
                         <p:par>
-                          <p:cTn id="40" fill="hold">
+                          <p:cTn id="44" fill="hold">
                             <p:stCondLst>
                               <p:cond delay="0"/>
                             </p:stCondLst>
                             <p:childTnLst>
                               <p:par>
-                                <p:cTn id="41" presetID="1" presetClass="entr" presetSubtype="0" fill="hold" nodeType="clickEffect">
+                                <p:cTn id="45" presetID="1" presetClass="entr" presetSubtype="0" fill="hold" nodeType="clickEffect">
                                   <p:stCondLst>
                                     <p:cond delay="0"/>
                                   </p:stCondLst>
                                   <p:childTnLst>
                                     <p:set>
                                       <p:cBhvr>
-                                        <p:cTn id="42" dur="1" fill="hold">
+                                        <p:cTn id="46" dur="1" fill="hold">
                                           <p:stCondLst>
                                             <p:cond delay="0"/>
                                           </p:stCondLst>
@@ -14438,14 +15798,14 @@
                                 </p:cTn>
                               </p:par>
                               <p:par>
-                                <p:cTn id="43" presetID="1" presetClass="entr" presetSubtype="0" fill="hold" grpId="0" nodeType="withEffect">
+                                <p:cTn id="47" presetID="1" presetClass="entr" presetSubtype="0" fill="hold" grpId="0" nodeType="withEffect">
                                   <p:stCondLst>
                                     <p:cond delay="0"/>
                                   </p:stCondLst>
                                   <p:childTnLst>
                                     <p:set>
                                       <p:cBhvr>
-                                        <p:cTn id="44" dur="1" fill="hold">
+                                        <p:cTn id="48" dur="1" fill="hold">
                                           <p:stCondLst>
                                             <p:cond delay="0"/>
                                           </p:stCondLst>
@@ -14504,6 +15864,7 @@
       <p:bldP spid="105" grpId="0" animBg="1"/>
       <p:bldP spid="106" grpId="0" animBg="1"/>
       <p:bldP spid="107" grpId="0" animBg="1"/>
+      <p:bldP spid="27" grpId="0" animBg="1"/>
     </p:bldLst>
   </p:timing>
 </p:sld>
@@ -14531,7 +15892,7 @@
           <p:cNvPr id="109" name="Rectangle: Single Corner Snipped 39">
             <a:extLst>
               <a:ext uri="{FF2B5EF4-FFF2-40B4-BE49-F238E27FC236}">
-                <a16:creationId xmlns:a16="http://schemas.microsoft.com/office/drawing/2014/main" xmlns="" id="{331B82C4-A8A8-4CAA-9AD1-5A2312BDD52B}"/>
+                <a16:creationId xmlns="" xmlns:a16="http://schemas.microsoft.com/office/drawing/2014/main" id="{331B82C4-A8A8-4CAA-9AD1-5A2312BDD52B}"/>
               </a:ext>
             </a:extLst>
           </p:cNvPr>
@@ -14614,7 +15975,7 @@
           <p:cNvPr id="103" name="Rectangle: Single Corner Snipped 53">
             <a:extLst>
               <a:ext uri="{FF2B5EF4-FFF2-40B4-BE49-F238E27FC236}">
-                <a16:creationId xmlns:a16="http://schemas.microsoft.com/office/drawing/2014/main" xmlns="" id="{7A50EE12-18BC-43CD-9927-59B1DBE1FF93}"/>
+                <a16:creationId xmlns="" xmlns:a16="http://schemas.microsoft.com/office/drawing/2014/main" id="{7A50EE12-18BC-43CD-9927-59B1DBE1FF93}"/>
               </a:ext>
             </a:extLst>
           </p:cNvPr>
@@ -14691,14 +16052,24 @@
               <a:t> </a:t>
             </a:r>
             <a:r>
-              <a:rPr lang="fr-FR" sz="1100" i="1" dirty="0" err="1">
+              <a:rPr lang="fr-FR" sz="1100" i="1" dirty="0" err="1" smtClean="0">
                 <a:solidFill>
                   <a:schemeClr val="tx1"/>
                 </a:solidFill>
                 <a:latin typeface="Consolas" panose="020B0609020204030204" pitchFamily="49" charset="0"/>
                 <a:cs typeface="Consolas" panose="020B0609020204030204" pitchFamily="49" charset="0"/>
               </a:rPr>
-              <a:t>receipes</a:t>
+              <a:t>recipes</a:t>
+            </a:r>
+            <a:r>
+              <a:rPr lang="fr-FR" sz="1100" i="1" dirty="0" smtClean="0">
+                <a:solidFill>
+                  <a:schemeClr val="tx1"/>
+                </a:solidFill>
+                <a:latin typeface="Consolas" panose="020B0609020204030204" pitchFamily="49" charset="0"/>
+                <a:cs typeface="Consolas" panose="020B0609020204030204" pitchFamily="49" charset="0"/>
+              </a:rPr>
+              <a:t> </a:t>
             </a:r>
             <a:r>
               <a:rPr lang="fr-FR" sz="1100" i="1" dirty="0">
@@ -14708,7 +16079,7 @@
                 <a:latin typeface="Consolas" panose="020B0609020204030204" pitchFamily="49" charset="0"/>
                 <a:cs typeface="Consolas" panose="020B0609020204030204" pitchFamily="49" charset="0"/>
               </a:rPr>
-              <a:t> in </a:t>
+              <a:t>in </a:t>
             </a:r>
             <a:r>
               <a:rPr lang="fr-FR" sz="1100" i="1" dirty="0" err="1">
@@ -14765,7 +16136,7 @@
           <p:cNvPr id="101" name="Rectangle: Single Corner Snipped 54">
             <a:extLst>
               <a:ext uri="{FF2B5EF4-FFF2-40B4-BE49-F238E27FC236}">
-                <a16:creationId xmlns:a16="http://schemas.microsoft.com/office/drawing/2014/main" xmlns="" id="{5DD2CB3A-1BD2-41AE-B00E-AF542B712862}"/>
+                <a16:creationId xmlns="" xmlns:a16="http://schemas.microsoft.com/office/drawing/2014/main" id="{5DD2CB3A-1BD2-41AE-B00E-AF542B712862}"/>
               </a:ext>
             </a:extLst>
           </p:cNvPr>
@@ -14846,7 +16217,7 @@
           <p:cNvPr id="3" name="Title 2">
             <a:extLst>
               <a:ext uri="{FF2B5EF4-FFF2-40B4-BE49-F238E27FC236}">
-                <a16:creationId xmlns:a16="http://schemas.microsoft.com/office/drawing/2014/main" xmlns="" id="{A8704E41-3486-46BD-8AA7-B6B5D28F95A5}"/>
+                <a16:creationId xmlns="" xmlns:a16="http://schemas.microsoft.com/office/drawing/2014/main" id="{A8704E41-3486-46BD-8AA7-B6B5D28F95A5}"/>
               </a:ext>
             </a:extLst>
           </p:cNvPr>
@@ -14875,7 +16246,7 @@
           <p:cNvPr id="4" name="Slide Number Placeholder 3">
             <a:extLst>
               <a:ext uri="{FF2B5EF4-FFF2-40B4-BE49-F238E27FC236}">
-                <a16:creationId xmlns:a16="http://schemas.microsoft.com/office/drawing/2014/main" xmlns="" id="{02CD92EA-E9CB-4F4C-B1B9-840F11B55DC5}"/>
+                <a16:creationId xmlns="" xmlns:a16="http://schemas.microsoft.com/office/drawing/2014/main" id="{02CD92EA-E9CB-4F4C-B1B9-840F11B55DC5}"/>
               </a:ext>
             </a:extLst>
           </p:cNvPr>
@@ -14921,7 +16292,7 @@
           <p:cNvPr id="5" name="Text Placeholder 4">
             <a:extLst>
               <a:ext uri="{FF2B5EF4-FFF2-40B4-BE49-F238E27FC236}">
-                <a16:creationId xmlns:a16="http://schemas.microsoft.com/office/drawing/2014/main" xmlns="" id="{C22D9F79-04C1-4762-96D6-F3FE8172F1B1}"/>
+                <a16:creationId xmlns="" xmlns:a16="http://schemas.microsoft.com/office/drawing/2014/main" id="{C22D9F79-04C1-4762-96D6-F3FE8172F1B1}"/>
               </a:ext>
             </a:extLst>
           </p:cNvPr>
@@ -14946,7 +16317,7 @@
           <p:cNvPr id="29" name="Oval 28">
             <a:extLst>
               <a:ext uri="{FF2B5EF4-FFF2-40B4-BE49-F238E27FC236}">
-                <a16:creationId xmlns:a16="http://schemas.microsoft.com/office/drawing/2014/main" xmlns="" id="{70018B8E-C8EA-4592-B666-4DD6915C2DAF}"/>
+                <a16:creationId xmlns="" xmlns:a16="http://schemas.microsoft.com/office/drawing/2014/main" id="{70018B8E-C8EA-4592-B666-4DD6915C2DAF}"/>
               </a:ext>
             </a:extLst>
           </p:cNvPr>
@@ -15002,7 +16373,7 @@
           <p:cNvPr id="32" name="Straight Arrow Connector 31">
             <a:extLst>
               <a:ext uri="{FF2B5EF4-FFF2-40B4-BE49-F238E27FC236}">
-                <a16:creationId xmlns:a16="http://schemas.microsoft.com/office/drawing/2014/main" xmlns="" id="{D5D1DDE3-D551-4E6B-AD34-6FBA1762CCD0}"/>
+                <a16:creationId xmlns="" xmlns:a16="http://schemas.microsoft.com/office/drawing/2014/main" id="{D5D1DDE3-D551-4E6B-AD34-6FBA1762CCD0}"/>
               </a:ext>
             </a:extLst>
           </p:cNvPr>
@@ -15046,7 +16417,7 @@
           <p:cNvPr id="34" name="TextBox 33">
             <a:extLst>
               <a:ext uri="{FF2B5EF4-FFF2-40B4-BE49-F238E27FC236}">
-                <a16:creationId xmlns:a16="http://schemas.microsoft.com/office/drawing/2014/main" xmlns="" id="{EA7F15EB-6AA1-4C76-921F-2B04B74B1885}"/>
+                <a16:creationId xmlns="" xmlns:a16="http://schemas.microsoft.com/office/drawing/2014/main" id="{EA7F15EB-6AA1-4C76-921F-2B04B74B1885}"/>
               </a:ext>
             </a:extLst>
           </p:cNvPr>
@@ -15088,7 +16459,7 @@
           <p:cNvPr id="53" name="Oval 52">
             <a:extLst>
               <a:ext uri="{FF2B5EF4-FFF2-40B4-BE49-F238E27FC236}">
-                <a16:creationId xmlns:a16="http://schemas.microsoft.com/office/drawing/2014/main" xmlns="" id="{70018B8E-C8EA-4592-B666-4DD6915C2DAF}"/>
+                <a16:creationId xmlns="" xmlns:a16="http://schemas.microsoft.com/office/drawing/2014/main" id="{70018B8E-C8EA-4592-B666-4DD6915C2DAF}"/>
               </a:ext>
             </a:extLst>
           </p:cNvPr>
@@ -15144,7 +16515,7 @@
           <p:cNvPr id="57" name="Straight Arrow Connector 56">
             <a:extLst>
               <a:ext uri="{FF2B5EF4-FFF2-40B4-BE49-F238E27FC236}">
-                <a16:creationId xmlns:a16="http://schemas.microsoft.com/office/drawing/2014/main" xmlns="" id="{D5D1DDE3-D551-4E6B-AD34-6FBA1762CCD0}"/>
+                <a16:creationId xmlns="" xmlns:a16="http://schemas.microsoft.com/office/drawing/2014/main" id="{D5D1DDE3-D551-4E6B-AD34-6FBA1762CCD0}"/>
               </a:ext>
             </a:extLst>
           </p:cNvPr>
@@ -15188,7 +16559,7 @@
           <p:cNvPr id="59" name="TextBox 58">
             <a:extLst>
               <a:ext uri="{FF2B5EF4-FFF2-40B4-BE49-F238E27FC236}">
-                <a16:creationId xmlns:a16="http://schemas.microsoft.com/office/drawing/2014/main" xmlns="" id="{EA7F15EB-6AA1-4C76-921F-2B04B74B1885}"/>
+                <a16:creationId xmlns="" xmlns:a16="http://schemas.microsoft.com/office/drawing/2014/main" id="{EA7F15EB-6AA1-4C76-921F-2B04B74B1885}"/>
               </a:ext>
             </a:extLst>
           </p:cNvPr>
@@ -15230,7 +16601,7 @@
           <p:cNvPr id="60" name="Oval 59">
             <a:extLst>
               <a:ext uri="{FF2B5EF4-FFF2-40B4-BE49-F238E27FC236}">
-                <a16:creationId xmlns:a16="http://schemas.microsoft.com/office/drawing/2014/main" xmlns="" id="{70018B8E-C8EA-4592-B666-4DD6915C2DAF}"/>
+                <a16:creationId xmlns="" xmlns:a16="http://schemas.microsoft.com/office/drawing/2014/main" id="{70018B8E-C8EA-4592-B666-4DD6915C2DAF}"/>
               </a:ext>
             </a:extLst>
           </p:cNvPr>
@@ -15286,7 +16657,7 @@
           <p:cNvPr id="61" name="Straight Arrow Connector 60">
             <a:extLst>
               <a:ext uri="{FF2B5EF4-FFF2-40B4-BE49-F238E27FC236}">
-                <a16:creationId xmlns:a16="http://schemas.microsoft.com/office/drawing/2014/main" xmlns="" id="{D5D1DDE3-D551-4E6B-AD34-6FBA1762CCD0}"/>
+                <a16:creationId xmlns="" xmlns:a16="http://schemas.microsoft.com/office/drawing/2014/main" id="{D5D1DDE3-D551-4E6B-AD34-6FBA1762CCD0}"/>
               </a:ext>
             </a:extLst>
           </p:cNvPr>
@@ -15330,7 +16701,7 @@
           <p:cNvPr id="62" name="TextBox 61">
             <a:extLst>
               <a:ext uri="{FF2B5EF4-FFF2-40B4-BE49-F238E27FC236}">
-                <a16:creationId xmlns:a16="http://schemas.microsoft.com/office/drawing/2014/main" xmlns="" id="{EA7F15EB-6AA1-4C76-921F-2B04B74B1885}"/>
+                <a16:creationId xmlns="" xmlns:a16="http://schemas.microsoft.com/office/drawing/2014/main" id="{EA7F15EB-6AA1-4C76-921F-2B04B74B1885}"/>
               </a:ext>
             </a:extLst>
           </p:cNvPr>
@@ -15372,7 +16743,7 @@
           <p:cNvPr id="63" name="Oval 62">
             <a:extLst>
               <a:ext uri="{FF2B5EF4-FFF2-40B4-BE49-F238E27FC236}">
-                <a16:creationId xmlns:a16="http://schemas.microsoft.com/office/drawing/2014/main" xmlns="" id="{70018B8E-C8EA-4592-B666-4DD6915C2DAF}"/>
+                <a16:creationId xmlns="" xmlns:a16="http://schemas.microsoft.com/office/drawing/2014/main" id="{70018B8E-C8EA-4592-B666-4DD6915C2DAF}"/>
               </a:ext>
             </a:extLst>
           </p:cNvPr>
@@ -15428,7 +16799,7 @@
           <p:cNvPr id="66" name="TextBox 65">
             <a:extLst>
               <a:ext uri="{FF2B5EF4-FFF2-40B4-BE49-F238E27FC236}">
-                <a16:creationId xmlns:a16="http://schemas.microsoft.com/office/drawing/2014/main" xmlns="" id="{EA7F15EB-6AA1-4C76-921F-2B04B74B1885}"/>
+                <a16:creationId xmlns="" xmlns:a16="http://schemas.microsoft.com/office/drawing/2014/main" id="{EA7F15EB-6AA1-4C76-921F-2B04B74B1885}"/>
               </a:ext>
             </a:extLst>
           </p:cNvPr>
@@ -15470,7 +16841,7 @@
           <p:cNvPr id="76" name="Oval 75">
             <a:extLst>
               <a:ext uri="{FF2B5EF4-FFF2-40B4-BE49-F238E27FC236}">
-                <a16:creationId xmlns:a16="http://schemas.microsoft.com/office/drawing/2014/main" xmlns="" id="{70018B8E-C8EA-4592-B666-4DD6915C2DAF}"/>
+                <a16:creationId xmlns="" xmlns:a16="http://schemas.microsoft.com/office/drawing/2014/main" id="{70018B8E-C8EA-4592-B666-4DD6915C2DAF}"/>
               </a:ext>
             </a:extLst>
           </p:cNvPr>
@@ -15526,7 +16897,7 @@
           <p:cNvPr id="77" name="TextBox 76">
             <a:extLst>
               <a:ext uri="{FF2B5EF4-FFF2-40B4-BE49-F238E27FC236}">
-                <a16:creationId xmlns:a16="http://schemas.microsoft.com/office/drawing/2014/main" xmlns="" id="{EA7F15EB-6AA1-4C76-921F-2B04B74B1885}"/>
+                <a16:creationId xmlns="" xmlns:a16="http://schemas.microsoft.com/office/drawing/2014/main" id="{EA7F15EB-6AA1-4C76-921F-2B04B74B1885}"/>
               </a:ext>
             </a:extLst>
           </p:cNvPr>
@@ -15568,7 +16939,7 @@
           <p:cNvPr id="87" name="Oval 86">
             <a:extLst>
               <a:ext uri="{FF2B5EF4-FFF2-40B4-BE49-F238E27FC236}">
-                <a16:creationId xmlns:a16="http://schemas.microsoft.com/office/drawing/2014/main" xmlns="" id="{70018B8E-C8EA-4592-B666-4DD6915C2DAF}"/>
+                <a16:creationId xmlns="" xmlns:a16="http://schemas.microsoft.com/office/drawing/2014/main" id="{70018B8E-C8EA-4592-B666-4DD6915C2DAF}"/>
               </a:ext>
             </a:extLst>
           </p:cNvPr>
@@ -15624,7 +16995,7 @@
           <p:cNvPr id="88" name="Straight Arrow Connector 87">
             <a:extLst>
               <a:ext uri="{FF2B5EF4-FFF2-40B4-BE49-F238E27FC236}">
-                <a16:creationId xmlns:a16="http://schemas.microsoft.com/office/drawing/2014/main" xmlns="" id="{D5D1DDE3-D551-4E6B-AD34-6FBA1762CCD0}"/>
+                <a16:creationId xmlns="" xmlns:a16="http://schemas.microsoft.com/office/drawing/2014/main" id="{D5D1DDE3-D551-4E6B-AD34-6FBA1762CCD0}"/>
               </a:ext>
             </a:extLst>
           </p:cNvPr>
@@ -15668,7 +17039,7 @@
           <p:cNvPr id="89" name="TextBox 88">
             <a:extLst>
               <a:ext uri="{FF2B5EF4-FFF2-40B4-BE49-F238E27FC236}">
-                <a16:creationId xmlns:a16="http://schemas.microsoft.com/office/drawing/2014/main" xmlns="" id="{EA7F15EB-6AA1-4C76-921F-2B04B74B1885}"/>
+                <a16:creationId xmlns="" xmlns:a16="http://schemas.microsoft.com/office/drawing/2014/main" id="{EA7F15EB-6AA1-4C76-921F-2B04B74B1885}"/>
               </a:ext>
             </a:extLst>
           </p:cNvPr>
@@ -15710,7 +17081,7 @@
           <p:cNvPr id="91" name="Oval 90">
             <a:extLst>
               <a:ext uri="{FF2B5EF4-FFF2-40B4-BE49-F238E27FC236}">
-                <a16:creationId xmlns:a16="http://schemas.microsoft.com/office/drawing/2014/main" xmlns="" id="{70018B8E-C8EA-4592-B666-4DD6915C2DAF}"/>
+                <a16:creationId xmlns="" xmlns:a16="http://schemas.microsoft.com/office/drawing/2014/main" id="{70018B8E-C8EA-4592-B666-4DD6915C2DAF}"/>
               </a:ext>
             </a:extLst>
           </p:cNvPr>
@@ -15766,7 +17137,7 @@
           <p:cNvPr id="92" name="Straight Arrow Connector 91">
             <a:extLst>
               <a:ext uri="{FF2B5EF4-FFF2-40B4-BE49-F238E27FC236}">
-                <a16:creationId xmlns:a16="http://schemas.microsoft.com/office/drawing/2014/main" xmlns="" id="{D5D1DDE3-D551-4E6B-AD34-6FBA1762CCD0}"/>
+                <a16:creationId xmlns="" xmlns:a16="http://schemas.microsoft.com/office/drawing/2014/main" id="{D5D1DDE3-D551-4E6B-AD34-6FBA1762CCD0}"/>
               </a:ext>
             </a:extLst>
           </p:cNvPr>
@@ -15810,7 +17181,7 @@
           <p:cNvPr id="93" name="TextBox 92">
             <a:extLst>
               <a:ext uri="{FF2B5EF4-FFF2-40B4-BE49-F238E27FC236}">
-                <a16:creationId xmlns:a16="http://schemas.microsoft.com/office/drawing/2014/main" xmlns="" id="{EA7F15EB-6AA1-4C76-921F-2B04B74B1885}"/>
+                <a16:creationId xmlns="" xmlns:a16="http://schemas.microsoft.com/office/drawing/2014/main" id="{EA7F15EB-6AA1-4C76-921F-2B04B74B1885}"/>
               </a:ext>
             </a:extLst>
           </p:cNvPr>
@@ -15852,7 +17223,7 @@
           <p:cNvPr id="94" name="Oval 93">
             <a:extLst>
               <a:ext uri="{FF2B5EF4-FFF2-40B4-BE49-F238E27FC236}">
-                <a16:creationId xmlns:a16="http://schemas.microsoft.com/office/drawing/2014/main" xmlns="" id="{70018B8E-C8EA-4592-B666-4DD6915C2DAF}"/>
+                <a16:creationId xmlns="" xmlns:a16="http://schemas.microsoft.com/office/drawing/2014/main" id="{70018B8E-C8EA-4592-B666-4DD6915C2DAF}"/>
               </a:ext>
             </a:extLst>
           </p:cNvPr>
@@ -15908,7 +17279,7 @@
           <p:cNvPr id="95" name="TextBox 94">
             <a:extLst>
               <a:ext uri="{FF2B5EF4-FFF2-40B4-BE49-F238E27FC236}">
-                <a16:creationId xmlns:a16="http://schemas.microsoft.com/office/drawing/2014/main" xmlns="" id="{EA7F15EB-6AA1-4C76-921F-2B04B74B1885}"/>
+                <a16:creationId xmlns="" xmlns:a16="http://schemas.microsoft.com/office/drawing/2014/main" id="{EA7F15EB-6AA1-4C76-921F-2B04B74B1885}"/>
               </a:ext>
             </a:extLst>
           </p:cNvPr>
@@ -15950,7 +17321,7 @@
           <p:cNvPr id="96" name="TextBox 95">
             <a:extLst>
               <a:ext uri="{FF2B5EF4-FFF2-40B4-BE49-F238E27FC236}">
-                <a16:creationId xmlns:a16="http://schemas.microsoft.com/office/drawing/2014/main" xmlns="" id="{A3A739BC-7FC3-41A9-BB1E-19B55BC9B39C}"/>
+                <a16:creationId xmlns="" xmlns:a16="http://schemas.microsoft.com/office/drawing/2014/main" id="{A3A739BC-7FC3-41A9-BB1E-19B55BC9B39C}"/>
               </a:ext>
             </a:extLst>
           </p:cNvPr>
@@ -16003,7 +17374,7 @@
           <p:cNvPr id="97" name="TextBox 96">
             <a:extLst>
               <a:ext uri="{FF2B5EF4-FFF2-40B4-BE49-F238E27FC236}">
-                <a16:creationId xmlns:a16="http://schemas.microsoft.com/office/drawing/2014/main" xmlns="" id="{A3A739BC-7FC3-41A9-BB1E-19B55BC9B39C}"/>
+                <a16:creationId xmlns="" xmlns:a16="http://schemas.microsoft.com/office/drawing/2014/main" id="{A3A739BC-7FC3-41A9-BB1E-19B55BC9B39C}"/>
               </a:ext>
             </a:extLst>
           </p:cNvPr>
@@ -16056,7 +17427,7 @@
           <p:cNvPr id="98" name="Straight Arrow Connector 97">
             <a:extLst>
               <a:ext uri="{FF2B5EF4-FFF2-40B4-BE49-F238E27FC236}">
-                <a16:creationId xmlns:a16="http://schemas.microsoft.com/office/drawing/2014/main" xmlns="" id="{D5D1DDE3-D551-4E6B-AD34-6FBA1762CCD0}"/>
+                <a16:creationId xmlns="" xmlns:a16="http://schemas.microsoft.com/office/drawing/2014/main" id="{D5D1DDE3-D551-4E6B-AD34-6FBA1762CCD0}"/>
               </a:ext>
             </a:extLst>
           </p:cNvPr>
@@ -16100,7 +17471,7 @@
           <p:cNvPr id="99" name="Straight Arrow Connector 98">
             <a:extLst>
               <a:ext uri="{FF2B5EF4-FFF2-40B4-BE49-F238E27FC236}">
-                <a16:creationId xmlns:a16="http://schemas.microsoft.com/office/drawing/2014/main" xmlns="" id="{D5D1DDE3-D551-4E6B-AD34-6FBA1762CCD0}"/>
+                <a16:creationId xmlns="" xmlns:a16="http://schemas.microsoft.com/office/drawing/2014/main" id="{D5D1DDE3-D551-4E6B-AD34-6FBA1762CCD0}"/>
               </a:ext>
             </a:extLst>
           </p:cNvPr>
@@ -16144,7 +17515,7 @@
           <p:cNvPr id="100" name="Straight Arrow Connector 99">
             <a:extLst>
               <a:ext uri="{FF2B5EF4-FFF2-40B4-BE49-F238E27FC236}">
-                <a16:creationId xmlns:a16="http://schemas.microsoft.com/office/drawing/2014/main" xmlns="" id="{D5D1DDE3-D551-4E6B-AD34-6FBA1762CCD0}"/>
+                <a16:creationId xmlns="" xmlns:a16="http://schemas.microsoft.com/office/drawing/2014/main" id="{D5D1DDE3-D551-4E6B-AD34-6FBA1762CCD0}"/>
               </a:ext>
             </a:extLst>
           </p:cNvPr>
@@ -16188,7 +17559,7 @@
           <p:cNvPr id="102" name="TextBox 101">
             <a:extLst>
               <a:ext uri="{FF2B5EF4-FFF2-40B4-BE49-F238E27FC236}">
-                <a16:creationId xmlns:a16="http://schemas.microsoft.com/office/drawing/2014/main" xmlns="" id="{DCF44781-E941-421E-89BE-0ABCA37EDACB}"/>
+                <a16:creationId xmlns="" xmlns:a16="http://schemas.microsoft.com/office/drawing/2014/main" id="{DCF44781-E941-421E-89BE-0ABCA37EDACB}"/>
               </a:ext>
             </a:extLst>
           </p:cNvPr>
@@ -16241,7 +17612,7 @@
           <p:cNvPr id="105" name="TextBox 104">
             <a:extLst>
               <a:ext uri="{FF2B5EF4-FFF2-40B4-BE49-F238E27FC236}">
-                <a16:creationId xmlns:a16="http://schemas.microsoft.com/office/drawing/2014/main" xmlns="" id="{E2424417-DD1B-4E8D-A2A5-F034A489C27A}"/>
+                <a16:creationId xmlns="" xmlns:a16="http://schemas.microsoft.com/office/drawing/2014/main" id="{E2424417-DD1B-4E8D-A2A5-F034A489C27A}"/>
               </a:ext>
             </a:extLst>
           </p:cNvPr>
@@ -16294,7 +17665,7 @@
           <p:cNvPr id="106" name="TextBox 105">
             <a:extLst>
               <a:ext uri="{FF2B5EF4-FFF2-40B4-BE49-F238E27FC236}">
-                <a16:creationId xmlns:a16="http://schemas.microsoft.com/office/drawing/2014/main" xmlns="" id="{226BC8B6-2411-443E-BEE4-F24BDE166FA2}"/>
+                <a16:creationId xmlns="" xmlns:a16="http://schemas.microsoft.com/office/drawing/2014/main" id="{226BC8B6-2411-443E-BEE4-F24BDE166FA2}"/>
               </a:ext>
             </a:extLst>
           </p:cNvPr>
@@ -16347,7 +17718,7 @@
           <p:cNvPr id="107" name="TextBox 106">
             <a:extLst>
               <a:ext uri="{FF2B5EF4-FFF2-40B4-BE49-F238E27FC236}">
-                <a16:creationId xmlns:a16="http://schemas.microsoft.com/office/drawing/2014/main" xmlns="" id="{53330DED-8238-48AB-B79C-3155945E34EF}"/>
+                <a16:creationId xmlns="" xmlns:a16="http://schemas.microsoft.com/office/drawing/2014/main" id="{53330DED-8238-48AB-B79C-3155945E34EF}"/>
               </a:ext>
             </a:extLst>
           </p:cNvPr>
@@ -16414,7 +17785,7 @@
           <p:cNvPr id="108" name="TextBox 107">
             <a:extLst>
               <a:ext uri="{FF2B5EF4-FFF2-40B4-BE49-F238E27FC236}">
-                <a16:creationId xmlns:a16="http://schemas.microsoft.com/office/drawing/2014/main" xmlns="" id="{53330DED-8238-48AB-B79C-3155945E34EF}"/>
+                <a16:creationId xmlns="" xmlns:a16="http://schemas.microsoft.com/office/drawing/2014/main" id="{53330DED-8238-48AB-B79C-3155945E34EF}"/>
               </a:ext>
             </a:extLst>
           </p:cNvPr>
@@ -16481,7 +17852,7 @@
           <p:cNvPr id="110" name="Straight Arrow Connector 109">
             <a:extLst>
               <a:ext uri="{FF2B5EF4-FFF2-40B4-BE49-F238E27FC236}">
-                <a16:creationId xmlns:a16="http://schemas.microsoft.com/office/drawing/2014/main" xmlns="" id="{D5D1DDE3-D551-4E6B-AD34-6FBA1762CCD0}"/>
+                <a16:creationId xmlns="" xmlns:a16="http://schemas.microsoft.com/office/drawing/2014/main" id="{D5D1DDE3-D551-4E6B-AD34-6FBA1762CCD0}"/>
               </a:ext>
             </a:extLst>
           </p:cNvPr>
@@ -16593,7 +17964,7 @@
           <p:cNvPr id="45" name="Oval 44">
             <a:extLst>
               <a:ext uri="{FF2B5EF4-FFF2-40B4-BE49-F238E27FC236}">
-                <a16:creationId xmlns:a16="http://schemas.microsoft.com/office/drawing/2014/main" xmlns="" id="{70018B8E-C8EA-4592-B666-4DD6915C2DAF}"/>
+                <a16:creationId xmlns="" xmlns:a16="http://schemas.microsoft.com/office/drawing/2014/main" id="{70018B8E-C8EA-4592-B666-4DD6915C2DAF}"/>
               </a:ext>
             </a:extLst>
           </p:cNvPr>
@@ -16651,7 +18022,7 @@
           <p:cNvPr id="46" name="Oval 45">
             <a:extLst>
               <a:ext uri="{FF2B5EF4-FFF2-40B4-BE49-F238E27FC236}">
-                <a16:creationId xmlns:a16="http://schemas.microsoft.com/office/drawing/2014/main" xmlns="" id="{70018B8E-C8EA-4592-B666-4DD6915C2DAF}"/>
+                <a16:creationId xmlns="" xmlns:a16="http://schemas.microsoft.com/office/drawing/2014/main" id="{70018B8E-C8EA-4592-B666-4DD6915C2DAF}"/>
               </a:ext>
             </a:extLst>
           </p:cNvPr>
@@ -16709,7 +18080,7 @@
           <p:cNvPr id="47" name="TextBox 46">
             <a:extLst>
               <a:ext uri="{FF2B5EF4-FFF2-40B4-BE49-F238E27FC236}">
-                <a16:creationId xmlns:a16="http://schemas.microsoft.com/office/drawing/2014/main" xmlns="" id="{226BC8B6-2411-443E-BEE4-F24BDE166FA2}"/>
+                <a16:creationId xmlns="" xmlns:a16="http://schemas.microsoft.com/office/drawing/2014/main" id="{226BC8B6-2411-443E-BEE4-F24BDE166FA2}"/>
               </a:ext>
             </a:extLst>
           </p:cNvPr>
@@ -16762,7 +18133,7 @@
           <p:cNvPr id="48" name="Oval 47">
             <a:extLst>
               <a:ext uri="{FF2B5EF4-FFF2-40B4-BE49-F238E27FC236}">
-                <a16:creationId xmlns:a16="http://schemas.microsoft.com/office/drawing/2014/main" xmlns="" id="{70018B8E-C8EA-4592-B666-4DD6915C2DAF}"/>
+                <a16:creationId xmlns="" xmlns:a16="http://schemas.microsoft.com/office/drawing/2014/main" id="{70018B8E-C8EA-4592-B666-4DD6915C2DAF}"/>
               </a:ext>
             </a:extLst>
           </p:cNvPr>
@@ -16820,7 +18191,7 @@
           <p:cNvPr id="49" name="Oval 48">
             <a:extLst>
               <a:ext uri="{FF2B5EF4-FFF2-40B4-BE49-F238E27FC236}">
-                <a16:creationId xmlns:a16="http://schemas.microsoft.com/office/drawing/2014/main" xmlns="" id="{70018B8E-C8EA-4592-B666-4DD6915C2DAF}"/>
+                <a16:creationId xmlns="" xmlns:a16="http://schemas.microsoft.com/office/drawing/2014/main" id="{70018B8E-C8EA-4592-B666-4DD6915C2DAF}"/>
               </a:ext>
             </a:extLst>
           </p:cNvPr>
@@ -17713,7 +19084,7 @@
           <p:cNvPr id="2" name="Title 1">
             <a:extLst>
               <a:ext uri="{FF2B5EF4-FFF2-40B4-BE49-F238E27FC236}">
-                <a16:creationId xmlns:a16="http://schemas.microsoft.com/office/drawing/2014/main" xmlns="" id="{C14F0455-9ED9-4652-8FD6-9C284BE2F092}"/>
+                <a16:creationId xmlns="" xmlns:a16="http://schemas.microsoft.com/office/drawing/2014/main" id="{C14F0455-9ED9-4652-8FD6-9C284BE2F092}"/>
               </a:ext>
             </a:extLst>
           </p:cNvPr>
@@ -17756,7 +19127,7 @@
           <p:cNvPr id="3" name="Text Placeholder 2">
             <a:extLst>
               <a:ext uri="{FF2B5EF4-FFF2-40B4-BE49-F238E27FC236}">
-                <a16:creationId xmlns:a16="http://schemas.microsoft.com/office/drawing/2014/main" xmlns="" id="{8136025E-6B8D-4575-9E2B-B0AAB8CAC233}"/>
+                <a16:creationId xmlns="" xmlns:a16="http://schemas.microsoft.com/office/drawing/2014/main" id="{8136025E-6B8D-4575-9E2B-B0AAB8CAC233}"/>
               </a:ext>
             </a:extLst>
           </p:cNvPr>
@@ -17821,7 +19192,7 @@
           <p:cNvPr id="109" name="Rectangle: Single Corner Snipped 39">
             <a:extLst>
               <a:ext uri="{FF2B5EF4-FFF2-40B4-BE49-F238E27FC236}">
-                <a16:creationId xmlns:a16="http://schemas.microsoft.com/office/drawing/2014/main" xmlns="" id="{331B82C4-A8A8-4CAA-9AD1-5A2312BDD52B}"/>
+                <a16:creationId xmlns="" xmlns:a16="http://schemas.microsoft.com/office/drawing/2014/main" id="{331B82C4-A8A8-4CAA-9AD1-5A2312BDD52B}"/>
               </a:ext>
             </a:extLst>
           </p:cNvPr>
@@ -17904,7 +19275,7 @@
           <p:cNvPr id="103" name="Rectangle: Single Corner Snipped 53">
             <a:extLst>
               <a:ext uri="{FF2B5EF4-FFF2-40B4-BE49-F238E27FC236}">
-                <a16:creationId xmlns:a16="http://schemas.microsoft.com/office/drawing/2014/main" xmlns="" id="{7A50EE12-18BC-43CD-9927-59B1DBE1FF93}"/>
+                <a16:creationId xmlns="" xmlns:a16="http://schemas.microsoft.com/office/drawing/2014/main" id="{7A50EE12-18BC-43CD-9927-59B1DBE1FF93}"/>
               </a:ext>
             </a:extLst>
           </p:cNvPr>
@@ -17981,14 +19352,24 @@
               <a:t> </a:t>
             </a:r>
             <a:r>
-              <a:rPr lang="fr-FR" sz="1100" i="1" dirty="0" err="1">
+              <a:rPr lang="fr-FR" sz="1100" i="1" dirty="0" err="1" smtClean="0">
                 <a:solidFill>
                   <a:schemeClr val="tx1"/>
                 </a:solidFill>
                 <a:latin typeface="Consolas" panose="020B0609020204030204" pitchFamily="49" charset="0"/>
                 <a:cs typeface="Consolas" panose="020B0609020204030204" pitchFamily="49" charset="0"/>
               </a:rPr>
-              <a:t>receipes</a:t>
+              <a:t>recipes</a:t>
+            </a:r>
+            <a:r>
+              <a:rPr lang="fr-FR" sz="1100" i="1" dirty="0" smtClean="0">
+                <a:solidFill>
+                  <a:schemeClr val="tx1"/>
+                </a:solidFill>
+                <a:latin typeface="Consolas" panose="020B0609020204030204" pitchFamily="49" charset="0"/>
+                <a:cs typeface="Consolas" panose="020B0609020204030204" pitchFamily="49" charset="0"/>
+              </a:rPr>
+              <a:t> </a:t>
             </a:r>
             <a:r>
               <a:rPr lang="fr-FR" sz="1100" i="1" dirty="0">
@@ -17998,7 +19379,7 @@
                 <a:latin typeface="Consolas" panose="020B0609020204030204" pitchFamily="49" charset="0"/>
                 <a:cs typeface="Consolas" panose="020B0609020204030204" pitchFamily="49" charset="0"/>
               </a:rPr>
-              <a:t> in </a:t>
+              <a:t>in </a:t>
             </a:r>
             <a:r>
               <a:rPr lang="fr-FR" sz="1100" i="1" dirty="0" err="1">
@@ -18055,7 +19436,7 @@
           <p:cNvPr id="101" name="Rectangle: Single Corner Snipped 54">
             <a:extLst>
               <a:ext uri="{FF2B5EF4-FFF2-40B4-BE49-F238E27FC236}">
-                <a16:creationId xmlns:a16="http://schemas.microsoft.com/office/drawing/2014/main" xmlns="" id="{5DD2CB3A-1BD2-41AE-B00E-AF542B712862}"/>
+                <a16:creationId xmlns="" xmlns:a16="http://schemas.microsoft.com/office/drawing/2014/main" id="{5DD2CB3A-1BD2-41AE-B00E-AF542B712862}"/>
               </a:ext>
             </a:extLst>
           </p:cNvPr>
@@ -18136,7 +19517,7 @@
           <p:cNvPr id="3" name="Title 2">
             <a:extLst>
               <a:ext uri="{FF2B5EF4-FFF2-40B4-BE49-F238E27FC236}">
-                <a16:creationId xmlns:a16="http://schemas.microsoft.com/office/drawing/2014/main" xmlns="" id="{A8704E41-3486-46BD-8AA7-B6B5D28F95A5}"/>
+                <a16:creationId xmlns="" xmlns:a16="http://schemas.microsoft.com/office/drawing/2014/main" id="{A8704E41-3486-46BD-8AA7-B6B5D28F95A5}"/>
               </a:ext>
             </a:extLst>
           </p:cNvPr>
@@ -18165,7 +19546,7 @@
           <p:cNvPr id="4" name="Slide Number Placeholder 3">
             <a:extLst>
               <a:ext uri="{FF2B5EF4-FFF2-40B4-BE49-F238E27FC236}">
-                <a16:creationId xmlns:a16="http://schemas.microsoft.com/office/drawing/2014/main" xmlns="" id="{02CD92EA-E9CB-4F4C-B1B9-840F11B55DC5}"/>
+                <a16:creationId xmlns="" xmlns:a16="http://schemas.microsoft.com/office/drawing/2014/main" id="{02CD92EA-E9CB-4F4C-B1B9-840F11B55DC5}"/>
               </a:ext>
             </a:extLst>
           </p:cNvPr>
@@ -18211,7 +19592,7 @@
           <p:cNvPr id="5" name="Text Placeholder 4">
             <a:extLst>
               <a:ext uri="{FF2B5EF4-FFF2-40B4-BE49-F238E27FC236}">
-                <a16:creationId xmlns:a16="http://schemas.microsoft.com/office/drawing/2014/main" xmlns="" id="{C22D9F79-04C1-4762-96D6-F3FE8172F1B1}"/>
+                <a16:creationId xmlns="" xmlns:a16="http://schemas.microsoft.com/office/drawing/2014/main" id="{C22D9F79-04C1-4762-96D6-F3FE8172F1B1}"/>
               </a:ext>
             </a:extLst>
           </p:cNvPr>
@@ -18236,7 +19617,7 @@
           <p:cNvPr id="29" name="Oval 28">
             <a:extLst>
               <a:ext uri="{FF2B5EF4-FFF2-40B4-BE49-F238E27FC236}">
-                <a16:creationId xmlns:a16="http://schemas.microsoft.com/office/drawing/2014/main" xmlns="" id="{70018B8E-C8EA-4592-B666-4DD6915C2DAF}"/>
+                <a16:creationId xmlns="" xmlns:a16="http://schemas.microsoft.com/office/drawing/2014/main" id="{70018B8E-C8EA-4592-B666-4DD6915C2DAF}"/>
               </a:ext>
             </a:extLst>
           </p:cNvPr>
@@ -18292,7 +19673,7 @@
           <p:cNvPr id="32" name="Straight Arrow Connector 31">
             <a:extLst>
               <a:ext uri="{FF2B5EF4-FFF2-40B4-BE49-F238E27FC236}">
-                <a16:creationId xmlns:a16="http://schemas.microsoft.com/office/drawing/2014/main" xmlns="" id="{D5D1DDE3-D551-4E6B-AD34-6FBA1762CCD0}"/>
+                <a16:creationId xmlns="" xmlns:a16="http://schemas.microsoft.com/office/drawing/2014/main" id="{D5D1DDE3-D551-4E6B-AD34-6FBA1762CCD0}"/>
               </a:ext>
             </a:extLst>
           </p:cNvPr>
@@ -18336,7 +19717,7 @@
           <p:cNvPr id="34" name="TextBox 33">
             <a:extLst>
               <a:ext uri="{FF2B5EF4-FFF2-40B4-BE49-F238E27FC236}">
-                <a16:creationId xmlns:a16="http://schemas.microsoft.com/office/drawing/2014/main" xmlns="" id="{EA7F15EB-6AA1-4C76-921F-2B04B74B1885}"/>
+                <a16:creationId xmlns="" xmlns:a16="http://schemas.microsoft.com/office/drawing/2014/main" id="{EA7F15EB-6AA1-4C76-921F-2B04B74B1885}"/>
               </a:ext>
             </a:extLst>
           </p:cNvPr>
@@ -18378,7 +19759,7 @@
           <p:cNvPr id="53" name="Oval 52">
             <a:extLst>
               <a:ext uri="{FF2B5EF4-FFF2-40B4-BE49-F238E27FC236}">
-                <a16:creationId xmlns:a16="http://schemas.microsoft.com/office/drawing/2014/main" xmlns="" id="{70018B8E-C8EA-4592-B666-4DD6915C2DAF}"/>
+                <a16:creationId xmlns="" xmlns:a16="http://schemas.microsoft.com/office/drawing/2014/main" id="{70018B8E-C8EA-4592-B666-4DD6915C2DAF}"/>
               </a:ext>
             </a:extLst>
           </p:cNvPr>
@@ -18434,7 +19815,7 @@
           <p:cNvPr id="57" name="Straight Arrow Connector 56">
             <a:extLst>
               <a:ext uri="{FF2B5EF4-FFF2-40B4-BE49-F238E27FC236}">
-                <a16:creationId xmlns:a16="http://schemas.microsoft.com/office/drawing/2014/main" xmlns="" id="{D5D1DDE3-D551-4E6B-AD34-6FBA1762CCD0}"/>
+                <a16:creationId xmlns="" xmlns:a16="http://schemas.microsoft.com/office/drawing/2014/main" id="{D5D1DDE3-D551-4E6B-AD34-6FBA1762CCD0}"/>
               </a:ext>
             </a:extLst>
           </p:cNvPr>
@@ -18478,7 +19859,7 @@
           <p:cNvPr id="59" name="TextBox 58">
             <a:extLst>
               <a:ext uri="{FF2B5EF4-FFF2-40B4-BE49-F238E27FC236}">
-                <a16:creationId xmlns:a16="http://schemas.microsoft.com/office/drawing/2014/main" xmlns="" id="{EA7F15EB-6AA1-4C76-921F-2B04B74B1885}"/>
+                <a16:creationId xmlns="" xmlns:a16="http://schemas.microsoft.com/office/drawing/2014/main" id="{EA7F15EB-6AA1-4C76-921F-2B04B74B1885}"/>
               </a:ext>
             </a:extLst>
           </p:cNvPr>
@@ -18520,7 +19901,7 @@
           <p:cNvPr id="60" name="Oval 59">
             <a:extLst>
               <a:ext uri="{FF2B5EF4-FFF2-40B4-BE49-F238E27FC236}">
-                <a16:creationId xmlns:a16="http://schemas.microsoft.com/office/drawing/2014/main" xmlns="" id="{70018B8E-C8EA-4592-B666-4DD6915C2DAF}"/>
+                <a16:creationId xmlns="" xmlns:a16="http://schemas.microsoft.com/office/drawing/2014/main" id="{70018B8E-C8EA-4592-B666-4DD6915C2DAF}"/>
               </a:ext>
             </a:extLst>
           </p:cNvPr>
@@ -18576,7 +19957,7 @@
           <p:cNvPr id="61" name="Straight Arrow Connector 60">
             <a:extLst>
               <a:ext uri="{FF2B5EF4-FFF2-40B4-BE49-F238E27FC236}">
-                <a16:creationId xmlns:a16="http://schemas.microsoft.com/office/drawing/2014/main" xmlns="" id="{D5D1DDE3-D551-4E6B-AD34-6FBA1762CCD0}"/>
+                <a16:creationId xmlns="" xmlns:a16="http://schemas.microsoft.com/office/drawing/2014/main" id="{D5D1DDE3-D551-4E6B-AD34-6FBA1762CCD0}"/>
               </a:ext>
             </a:extLst>
           </p:cNvPr>
@@ -18620,7 +20001,7 @@
           <p:cNvPr id="62" name="TextBox 61">
             <a:extLst>
               <a:ext uri="{FF2B5EF4-FFF2-40B4-BE49-F238E27FC236}">
-                <a16:creationId xmlns:a16="http://schemas.microsoft.com/office/drawing/2014/main" xmlns="" id="{EA7F15EB-6AA1-4C76-921F-2B04B74B1885}"/>
+                <a16:creationId xmlns="" xmlns:a16="http://schemas.microsoft.com/office/drawing/2014/main" id="{EA7F15EB-6AA1-4C76-921F-2B04B74B1885}"/>
               </a:ext>
             </a:extLst>
           </p:cNvPr>
@@ -18662,7 +20043,7 @@
           <p:cNvPr id="63" name="Oval 62">
             <a:extLst>
               <a:ext uri="{FF2B5EF4-FFF2-40B4-BE49-F238E27FC236}">
-                <a16:creationId xmlns:a16="http://schemas.microsoft.com/office/drawing/2014/main" xmlns="" id="{70018B8E-C8EA-4592-B666-4DD6915C2DAF}"/>
+                <a16:creationId xmlns="" xmlns:a16="http://schemas.microsoft.com/office/drawing/2014/main" id="{70018B8E-C8EA-4592-B666-4DD6915C2DAF}"/>
               </a:ext>
             </a:extLst>
           </p:cNvPr>
@@ -18718,7 +20099,7 @@
           <p:cNvPr id="66" name="TextBox 65">
             <a:extLst>
               <a:ext uri="{FF2B5EF4-FFF2-40B4-BE49-F238E27FC236}">
-                <a16:creationId xmlns:a16="http://schemas.microsoft.com/office/drawing/2014/main" xmlns="" id="{EA7F15EB-6AA1-4C76-921F-2B04B74B1885}"/>
+                <a16:creationId xmlns="" xmlns:a16="http://schemas.microsoft.com/office/drawing/2014/main" id="{EA7F15EB-6AA1-4C76-921F-2B04B74B1885}"/>
               </a:ext>
             </a:extLst>
           </p:cNvPr>
@@ -18760,7 +20141,7 @@
           <p:cNvPr id="67" name="Oval 66">
             <a:extLst>
               <a:ext uri="{FF2B5EF4-FFF2-40B4-BE49-F238E27FC236}">
-                <a16:creationId xmlns:a16="http://schemas.microsoft.com/office/drawing/2014/main" xmlns="" id="{70018B8E-C8EA-4592-B666-4DD6915C2DAF}"/>
+                <a16:creationId xmlns="" xmlns:a16="http://schemas.microsoft.com/office/drawing/2014/main" id="{70018B8E-C8EA-4592-B666-4DD6915C2DAF}"/>
               </a:ext>
             </a:extLst>
           </p:cNvPr>
@@ -18816,7 +20197,7 @@
           <p:cNvPr id="70" name="TextBox 69">
             <a:extLst>
               <a:ext uri="{FF2B5EF4-FFF2-40B4-BE49-F238E27FC236}">
-                <a16:creationId xmlns:a16="http://schemas.microsoft.com/office/drawing/2014/main" xmlns="" id="{EA7F15EB-6AA1-4C76-921F-2B04B74B1885}"/>
+                <a16:creationId xmlns="" xmlns:a16="http://schemas.microsoft.com/office/drawing/2014/main" id="{EA7F15EB-6AA1-4C76-921F-2B04B74B1885}"/>
               </a:ext>
             </a:extLst>
           </p:cNvPr>
@@ -18858,7 +20239,7 @@
           <p:cNvPr id="72" name="Straight Arrow Connector 71">
             <a:extLst>
               <a:ext uri="{FF2B5EF4-FFF2-40B4-BE49-F238E27FC236}">
-                <a16:creationId xmlns:a16="http://schemas.microsoft.com/office/drawing/2014/main" xmlns="" id="{D5D1DDE3-D551-4E6B-AD34-6FBA1762CCD0}"/>
+                <a16:creationId xmlns="" xmlns:a16="http://schemas.microsoft.com/office/drawing/2014/main" id="{D5D1DDE3-D551-4E6B-AD34-6FBA1762CCD0}"/>
               </a:ext>
             </a:extLst>
           </p:cNvPr>
@@ -18902,7 +20283,7 @@
           <p:cNvPr id="76" name="Oval 75">
             <a:extLst>
               <a:ext uri="{FF2B5EF4-FFF2-40B4-BE49-F238E27FC236}">
-                <a16:creationId xmlns:a16="http://schemas.microsoft.com/office/drawing/2014/main" xmlns="" id="{70018B8E-C8EA-4592-B666-4DD6915C2DAF}"/>
+                <a16:creationId xmlns="" xmlns:a16="http://schemas.microsoft.com/office/drawing/2014/main" id="{70018B8E-C8EA-4592-B666-4DD6915C2DAF}"/>
               </a:ext>
             </a:extLst>
           </p:cNvPr>
@@ -18958,7 +20339,7 @@
           <p:cNvPr id="77" name="TextBox 76">
             <a:extLst>
               <a:ext uri="{FF2B5EF4-FFF2-40B4-BE49-F238E27FC236}">
-                <a16:creationId xmlns:a16="http://schemas.microsoft.com/office/drawing/2014/main" xmlns="" id="{EA7F15EB-6AA1-4C76-921F-2B04B74B1885}"/>
+                <a16:creationId xmlns="" xmlns:a16="http://schemas.microsoft.com/office/drawing/2014/main" id="{EA7F15EB-6AA1-4C76-921F-2B04B74B1885}"/>
               </a:ext>
             </a:extLst>
           </p:cNvPr>
@@ -19000,7 +20381,7 @@
           <p:cNvPr id="87" name="Oval 86">
             <a:extLst>
               <a:ext uri="{FF2B5EF4-FFF2-40B4-BE49-F238E27FC236}">
-                <a16:creationId xmlns:a16="http://schemas.microsoft.com/office/drawing/2014/main" xmlns="" id="{70018B8E-C8EA-4592-B666-4DD6915C2DAF}"/>
+                <a16:creationId xmlns="" xmlns:a16="http://schemas.microsoft.com/office/drawing/2014/main" id="{70018B8E-C8EA-4592-B666-4DD6915C2DAF}"/>
               </a:ext>
             </a:extLst>
           </p:cNvPr>
@@ -19056,7 +20437,7 @@
           <p:cNvPr id="88" name="Straight Arrow Connector 87">
             <a:extLst>
               <a:ext uri="{FF2B5EF4-FFF2-40B4-BE49-F238E27FC236}">
-                <a16:creationId xmlns:a16="http://schemas.microsoft.com/office/drawing/2014/main" xmlns="" id="{D5D1DDE3-D551-4E6B-AD34-6FBA1762CCD0}"/>
+                <a16:creationId xmlns="" xmlns:a16="http://schemas.microsoft.com/office/drawing/2014/main" id="{D5D1DDE3-D551-4E6B-AD34-6FBA1762CCD0}"/>
               </a:ext>
             </a:extLst>
           </p:cNvPr>
@@ -19100,7 +20481,7 @@
           <p:cNvPr id="89" name="TextBox 88">
             <a:extLst>
               <a:ext uri="{FF2B5EF4-FFF2-40B4-BE49-F238E27FC236}">
-                <a16:creationId xmlns:a16="http://schemas.microsoft.com/office/drawing/2014/main" xmlns="" id="{EA7F15EB-6AA1-4C76-921F-2B04B74B1885}"/>
+                <a16:creationId xmlns="" xmlns:a16="http://schemas.microsoft.com/office/drawing/2014/main" id="{EA7F15EB-6AA1-4C76-921F-2B04B74B1885}"/>
               </a:ext>
             </a:extLst>
           </p:cNvPr>
@@ -19142,7 +20523,7 @@
           <p:cNvPr id="91" name="Oval 90">
             <a:extLst>
               <a:ext uri="{FF2B5EF4-FFF2-40B4-BE49-F238E27FC236}">
-                <a16:creationId xmlns:a16="http://schemas.microsoft.com/office/drawing/2014/main" xmlns="" id="{70018B8E-C8EA-4592-B666-4DD6915C2DAF}"/>
+                <a16:creationId xmlns="" xmlns:a16="http://schemas.microsoft.com/office/drawing/2014/main" id="{70018B8E-C8EA-4592-B666-4DD6915C2DAF}"/>
               </a:ext>
             </a:extLst>
           </p:cNvPr>
@@ -19198,7 +20579,7 @@
           <p:cNvPr id="92" name="Straight Arrow Connector 91">
             <a:extLst>
               <a:ext uri="{FF2B5EF4-FFF2-40B4-BE49-F238E27FC236}">
-                <a16:creationId xmlns:a16="http://schemas.microsoft.com/office/drawing/2014/main" xmlns="" id="{D5D1DDE3-D551-4E6B-AD34-6FBA1762CCD0}"/>
+                <a16:creationId xmlns="" xmlns:a16="http://schemas.microsoft.com/office/drawing/2014/main" id="{D5D1DDE3-D551-4E6B-AD34-6FBA1762CCD0}"/>
               </a:ext>
             </a:extLst>
           </p:cNvPr>
@@ -19242,7 +20623,7 @@
           <p:cNvPr id="93" name="TextBox 92">
             <a:extLst>
               <a:ext uri="{FF2B5EF4-FFF2-40B4-BE49-F238E27FC236}">
-                <a16:creationId xmlns:a16="http://schemas.microsoft.com/office/drawing/2014/main" xmlns="" id="{EA7F15EB-6AA1-4C76-921F-2B04B74B1885}"/>
+                <a16:creationId xmlns="" xmlns:a16="http://schemas.microsoft.com/office/drawing/2014/main" id="{EA7F15EB-6AA1-4C76-921F-2B04B74B1885}"/>
               </a:ext>
             </a:extLst>
           </p:cNvPr>
@@ -19284,7 +20665,7 @@
           <p:cNvPr id="94" name="Oval 93">
             <a:extLst>
               <a:ext uri="{FF2B5EF4-FFF2-40B4-BE49-F238E27FC236}">
-                <a16:creationId xmlns:a16="http://schemas.microsoft.com/office/drawing/2014/main" xmlns="" id="{70018B8E-C8EA-4592-B666-4DD6915C2DAF}"/>
+                <a16:creationId xmlns="" xmlns:a16="http://schemas.microsoft.com/office/drawing/2014/main" id="{70018B8E-C8EA-4592-B666-4DD6915C2DAF}"/>
               </a:ext>
             </a:extLst>
           </p:cNvPr>
@@ -19340,7 +20721,7 @@
           <p:cNvPr id="95" name="TextBox 94">
             <a:extLst>
               <a:ext uri="{FF2B5EF4-FFF2-40B4-BE49-F238E27FC236}">
-                <a16:creationId xmlns:a16="http://schemas.microsoft.com/office/drawing/2014/main" xmlns="" id="{EA7F15EB-6AA1-4C76-921F-2B04B74B1885}"/>
+                <a16:creationId xmlns="" xmlns:a16="http://schemas.microsoft.com/office/drawing/2014/main" id="{EA7F15EB-6AA1-4C76-921F-2B04B74B1885}"/>
               </a:ext>
             </a:extLst>
           </p:cNvPr>
@@ -19382,7 +20763,7 @@
           <p:cNvPr id="96" name="TextBox 95">
             <a:extLst>
               <a:ext uri="{FF2B5EF4-FFF2-40B4-BE49-F238E27FC236}">
-                <a16:creationId xmlns:a16="http://schemas.microsoft.com/office/drawing/2014/main" xmlns="" id="{A3A739BC-7FC3-41A9-BB1E-19B55BC9B39C}"/>
+                <a16:creationId xmlns="" xmlns:a16="http://schemas.microsoft.com/office/drawing/2014/main" id="{A3A739BC-7FC3-41A9-BB1E-19B55BC9B39C}"/>
               </a:ext>
             </a:extLst>
           </p:cNvPr>
@@ -19435,7 +20816,7 @@
           <p:cNvPr id="97" name="TextBox 96">
             <a:extLst>
               <a:ext uri="{FF2B5EF4-FFF2-40B4-BE49-F238E27FC236}">
-                <a16:creationId xmlns:a16="http://schemas.microsoft.com/office/drawing/2014/main" xmlns="" id="{A3A739BC-7FC3-41A9-BB1E-19B55BC9B39C}"/>
+                <a16:creationId xmlns="" xmlns:a16="http://schemas.microsoft.com/office/drawing/2014/main" id="{A3A739BC-7FC3-41A9-BB1E-19B55BC9B39C}"/>
               </a:ext>
             </a:extLst>
           </p:cNvPr>
@@ -19488,7 +20869,7 @@
           <p:cNvPr id="98" name="Straight Arrow Connector 97">
             <a:extLst>
               <a:ext uri="{FF2B5EF4-FFF2-40B4-BE49-F238E27FC236}">
-                <a16:creationId xmlns:a16="http://schemas.microsoft.com/office/drawing/2014/main" xmlns="" id="{D5D1DDE3-D551-4E6B-AD34-6FBA1762CCD0}"/>
+                <a16:creationId xmlns="" xmlns:a16="http://schemas.microsoft.com/office/drawing/2014/main" id="{D5D1DDE3-D551-4E6B-AD34-6FBA1762CCD0}"/>
               </a:ext>
             </a:extLst>
           </p:cNvPr>
@@ -19532,7 +20913,7 @@
           <p:cNvPr id="99" name="Straight Arrow Connector 98">
             <a:extLst>
               <a:ext uri="{FF2B5EF4-FFF2-40B4-BE49-F238E27FC236}">
-                <a16:creationId xmlns:a16="http://schemas.microsoft.com/office/drawing/2014/main" xmlns="" id="{D5D1DDE3-D551-4E6B-AD34-6FBA1762CCD0}"/>
+                <a16:creationId xmlns="" xmlns:a16="http://schemas.microsoft.com/office/drawing/2014/main" id="{D5D1DDE3-D551-4E6B-AD34-6FBA1762CCD0}"/>
               </a:ext>
             </a:extLst>
           </p:cNvPr>
@@ -19576,7 +20957,7 @@
           <p:cNvPr id="100" name="Straight Arrow Connector 99">
             <a:extLst>
               <a:ext uri="{FF2B5EF4-FFF2-40B4-BE49-F238E27FC236}">
-                <a16:creationId xmlns:a16="http://schemas.microsoft.com/office/drawing/2014/main" xmlns="" id="{D5D1DDE3-D551-4E6B-AD34-6FBA1762CCD0}"/>
+                <a16:creationId xmlns="" xmlns:a16="http://schemas.microsoft.com/office/drawing/2014/main" id="{D5D1DDE3-D551-4E6B-AD34-6FBA1762CCD0}"/>
               </a:ext>
             </a:extLst>
           </p:cNvPr>
@@ -19620,7 +21001,7 @@
           <p:cNvPr id="102" name="TextBox 101">
             <a:extLst>
               <a:ext uri="{FF2B5EF4-FFF2-40B4-BE49-F238E27FC236}">
-                <a16:creationId xmlns:a16="http://schemas.microsoft.com/office/drawing/2014/main" xmlns="" id="{DCF44781-E941-421E-89BE-0ABCA37EDACB}"/>
+                <a16:creationId xmlns="" xmlns:a16="http://schemas.microsoft.com/office/drawing/2014/main" id="{DCF44781-E941-421E-89BE-0ABCA37EDACB}"/>
               </a:ext>
             </a:extLst>
           </p:cNvPr>
@@ -19673,7 +21054,7 @@
           <p:cNvPr id="105" name="TextBox 104">
             <a:extLst>
               <a:ext uri="{FF2B5EF4-FFF2-40B4-BE49-F238E27FC236}">
-                <a16:creationId xmlns:a16="http://schemas.microsoft.com/office/drawing/2014/main" xmlns="" id="{E2424417-DD1B-4E8D-A2A5-F034A489C27A}"/>
+                <a16:creationId xmlns="" xmlns:a16="http://schemas.microsoft.com/office/drawing/2014/main" id="{E2424417-DD1B-4E8D-A2A5-F034A489C27A}"/>
               </a:ext>
             </a:extLst>
           </p:cNvPr>
@@ -19726,7 +21107,7 @@
           <p:cNvPr id="106" name="TextBox 105">
             <a:extLst>
               <a:ext uri="{FF2B5EF4-FFF2-40B4-BE49-F238E27FC236}">
-                <a16:creationId xmlns:a16="http://schemas.microsoft.com/office/drawing/2014/main" xmlns="" id="{226BC8B6-2411-443E-BEE4-F24BDE166FA2}"/>
+                <a16:creationId xmlns="" xmlns:a16="http://schemas.microsoft.com/office/drawing/2014/main" id="{226BC8B6-2411-443E-BEE4-F24BDE166FA2}"/>
               </a:ext>
             </a:extLst>
           </p:cNvPr>
@@ -19779,7 +21160,7 @@
           <p:cNvPr id="107" name="TextBox 106">
             <a:extLst>
               <a:ext uri="{FF2B5EF4-FFF2-40B4-BE49-F238E27FC236}">
-                <a16:creationId xmlns:a16="http://schemas.microsoft.com/office/drawing/2014/main" xmlns="" id="{53330DED-8238-48AB-B79C-3155945E34EF}"/>
+                <a16:creationId xmlns="" xmlns:a16="http://schemas.microsoft.com/office/drawing/2014/main" id="{53330DED-8238-48AB-B79C-3155945E34EF}"/>
               </a:ext>
             </a:extLst>
           </p:cNvPr>
@@ -19846,7 +21227,7 @@
           <p:cNvPr id="108" name="TextBox 107">
             <a:extLst>
               <a:ext uri="{FF2B5EF4-FFF2-40B4-BE49-F238E27FC236}">
-                <a16:creationId xmlns:a16="http://schemas.microsoft.com/office/drawing/2014/main" xmlns="" id="{53330DED-8238-48AB-B79C-3155945E34EF}"/>
+                <a16:creationId xmlns="" xmlns:a16="http://schemas.microsoft.com/office/drawing/2014/main" id="{53330DED-8238-48AB-B79C-3155945E34EF}"/>
               </a:ext>
             </a:extLst>
           </p:cNvPr>
@@ -19913,7 +21294,7 @@
           <p:cNvPr id="110" name="Straight Arrow Connector 109">
             <a:extLst>
               <a:ext uri="{FF2B5EF4-FFF2-40B4-BE49-F238E27FC236}">
-                <a16:creationId xmlns:a16="http://schemas.microsoft.com/office/drawing/2014/main" xmlns="" id="{D5D1DDE3-D551-4E6B-AD34-6FBA1762CCD0}"/>
+                <a16:creationId xmlns="" xmlns:a16="http://schemas.microsoft.com/office/drawing/2014/main" id="{D5D1DDE3-D551-4E6B-AD34-6FBA1762CCD0}"/>
               </a:ext>
             </a:extLst>
           </p:cNvPr>
@@ -20025,7 +21406,7 @@
           <p:cNvPr id="47" name="TextBox 46">
             <a:extLst>
               <a:ext uri="{FF2B5EF4-FFF2-40B4-BE49-F238E27FC236}">
-                <a16:creationId xmlns:a16="http://schemas.microsoft.com/office/drawing/2014/main" xmlns="" id="{226BC8B6-2411-443E-BEE4-F24BDE166FA2}"/>
+                <a16:creationId xmlns="" xmlns:a16="http://schemas.microsoft.com/office/drawing/2014/main" id="{226BC8B6-2411-443E-BEE4-F24BDE166FA2}"/>
               </a:ext>
             </a:extLst>
           </p:cNvPr>
@@ -20290,7 +21671,7 @@
           <p:cNvPr id="2" name="Text Placeholder 1">
             <a:extLst>
               <a:ext uri="{FF2B5EF4-FFF2-40B4-BE49-F238E27FC236}">
-                <a16:creationId xmlns:a16="http://schemas.microsoft.com/office/drawing/2014/main" xmlns="" id="{AFBCD827-6230-4B56-A635-5E675B7172C3}"/>
+                <a16:creationId xmlns="" xmlns:a16="http://schemas.microsoft.com/office/drawing/2014/main" id="{AFBCD827-6230-4B56-A635-5E675B7172C3}"/>
               </a:ext>
             </a:extLst>
           </p:cNvPr>
@@ -20366,7 +21747,7 @@
           <p:cNvPr id="3" name="Title 2">
             <a:extLst>
               <a:ext uri="{FF2B5EF4-FFF2-40B4-BE49-F238E27FC236}">
-                <a16:creationId xmlns:a16="http://schemas.microsoft.com/office/drawing/2014/main" xmlns="" id="{8BFE033C-14B0-479B-8763-B7CFF7FFF22C}"/>
+                <a16:creationId xmlns="" xmlns:a16="http://schemas.microsoft.com/office/drawing/2014/main" id="{8BFE033C-14B0-479B-8763-B7CFF7FFF22C}"/>
               </a:ext>
             </a:extLst>
           </p:cNvPr>
@@ -20399,7 +21780,7 @@
           <p:cNvPr id="4" name="Slide Number Placeholder 3">
             <a:extLst>
               <a:ext uri="{FF2B5EF4-FFF2-40B4-BE49-F238E27FC236}">
-                <a16:creationId xmlns:a16="http://schemas.microsoft.com/office/drawing/2014/main" xmlns="" id="{4DCC1874-0B80-4127-8266-1B045C3CA889}"/>
+                <a16:creationId xmlns="" xmlns:a16="http://schemas.microsoft.com/office/drawing/2014/main" id="{4DCC1874-0B80-4127-8266-1B045C3CA889}"/>
               </a:ext>
             </a:extLst>
           </p:cNvPr>
@@ -20445,7 +21826,7 @@
           <p:cNvPr id="5" name="Text Placeholder 4">
             <a:extLst>
               <a:ext uri="{FF2B5EF4-FFF2-40B4-BE49-F238E27FC236}">
-                <a16:creationId xmlns:a16="http://schemas.microsoft.com/office/drawing/2014/main" xmlns="" id="{1996CBD5-7393-407C-BC99-C76D33D74AAF}"/>
+                <a16:creationId xmlns="" xmlns:a16="http://schemas.microsoft.com/office/drawing/2014/main" id="{1996CBD5-7393-407C-BC99-C76D33D74AAF}"/>
               </a:ext>
             </a:extLst>
           </p:cNvPr>
@@ -20732,7 +22113,7 @@
           <p:cNvPr id="3" name="Title 2">
             <a:extLst>
               <a:ext uri="{FF2B5EF4-FFF2-40B4-BE49-F238E27FC236}">
-                <a16:creationId xmlns:a16="http://schemas.microsoft.com/office/drawing/2014/main" xmlns="" id="{A8704E41-3486-46BD-8AA7-B6B5D28F95A5}"/>
+                <a16:creationId xmlns="" xmlns:a16="http://schemas.microsoft.com/office/drawing/2014/main" id="{A8704E41-3486-46BD-8AA7-B6B5D28F95A5}"/>
               </a:ext>
             </a:extLst>
           </p:cNvPr>
@@ -20773,7 +22154,7 @@
           <p:cNvPr id="4" name="Slide Number Placeholder 3">
             <a:extLst>
               <a:ext uri="{FF2B5EF4-FFF2-40B4-BE49-F238E27FC236}">
-                <a16:creationId xmlns:a16="http://schemas.microsoft.com/office/drawing/2014/main" xmlns="" id="{02CD92EA-E9CB-4F4C-B1B9-840F11B55DC5}"/>
+                <a16:creationId xmlns="" xmlns:a16="http://schemas.microsoft.com/office/drawing/2014/main" id="{02CD92EA-E9CB-4F4C-B1B9-840F11B55DC5}"/>
               </a:ext>
             </a:extLst>
           </p:cNvPr>
@@ -20819,7 +22200,7 @@
           <p:cNvPr id="5" name="Text Placeholder 4">
             <a:extLst>
               <a:ext uri="{FF2B5EF4-FFF2-40B4-BE49-F238E27FC236}">
-                <a16:creationId xmlns:a16="http://schemas.microsoft.com/office/drawing/2014/main" xmlns="" id="{C22D9F79-04C1-4762-96D6-F3FE8172F1B1}"/>
+                <a16:creationId xmlns="" xmlns:a16="http://schemas.microsoft.com/office/drawing/2014/main" id="{C22D9F79-04C1-4762-96D6-F3FE8172F1B1}"/>
               </a:ext>
             </a:extLst>
           </p:cNvPr>
@@ -20844,7 +22225,7 @@
           <p:cNvPr id="29" name="Oval 28">
             <a:extLst>
               <a:ext uri="{FF2B5EF4-FFF2-40B4-BE49-F238E27FC236}">
-                <a16:creationId xmlns:a16="http://schemas.microsoft.com/office/drawing/2014/main" xmlns="" id="{70018B8E-C8EA-4592-B666-4DD6915C2DAF}"/>
+                <a16:creationId xmlns="" xmlns:a16="http://schemas.microsoft.com/office/drawing/2014/main" id="{70018B8E-C8EA-4592-B666-4DD6915C2DAF}"/>
               </a:ext>
             </a:extLst>
           </p:cNvPr>
@@ -20900,7 +22281,7 @@
           <p:cNvPr id="32" name="Straight Arrow Connector 31">
             <a:extLst>
               <a:ext uri="{FF2B5EF4-FFF2-40B4-BE49-F238E27FC236}">
-                <a16:creationId xmlns:a16="http://schemas.microsoft.com/office/drawing/2014/main" xmlns="" id="{D5D1DDE3-D551-4E6B-AD34-6FBA1762CCD0}"/>
+                <a16:creationId xmlns="" xmlns:a16="http://schemas.microsoft.com/office/drawing/2014/main" id="{D5D1DDE3-D551-4E6B-AD34-6FBA1762CCD0}"/>
               </a:ext>
             </a:extLst>
           </p:cNvPr>
@@ -20944,7 +22325,7 @@
           <p:cNvPr id="34" name="TextBox 33">
             <a:extLst>
               <a:ext uri="{FF2B5EF4-FFF2-40B4-BE49-F238E27FC236}">
-                <a16:creationId xmlns:a16="http://schemas.microsoft.com/office/drawing/2014/main" xmlns="" id="{EA7F15EB-6AA1-4C76-921F-2B04B74B1885}"/>
+                <a16:creationId xmlns="" xmlns:a16="http://schemas.microsoft.com/office/drawing/2014/main" id="{EA7F15EB-6AA1-4C76-921F-2B04B74B1885}"/>
               </a:ext>
             </a:extLst>
           </p:cNvPr>
@@ -20986,7 +22367,7 @@
           <p:cNvPr id="53" name="Oval 52">
             <a:extLst>
               <a:ext uri="{FF2B5EF4-FFF2-40B4-BE49-F238E27FC236}">
-                <a16:creationId xmlns:a16="http://schemas.microsoft.com/office/drawing/2014/main" xmlns="" id="{70018B8E-C8EA-4592-B666-4DD6915C2DAF}"/>
+                <a16:creationId xmlns="" xmlns:a16="http://schemas.microsoft.com/office/drawing/2014/main" id="{70018B8E-C8EA-4592-B666-4DD6915C2DAF}"/>
               </a:ext>
             </a:extLst>
           </p:cNvPr>
@@ -21042,7 +22423,7 @@
           <p:cNvPr id="57" name="Straight Arrow Connector 56">
             <a:extLst>
               <a:ext uri="{FF2B5EF4-FFF2-40B4-BE49-F238E27FC236}">
-                <a16:creationId xmlns:a16="http://schemas.microsoft.com/office/drawing/2014/main" xmlns="" id="{D5D1DDE3-D551-4E6B-AD34-6FBA1762CCD0}"/>
+                <a16:creationId xmlns="" xmlns:a16="http://schemas.microsoft.com/office/drawing/2014/main" id="{D5D1DDE3-D551-4E6B-AD34-6FBA1762CCD0}"/>
               </a:ext>
             </a:extLst>
           </p:cNvPr>
@@ -21086,7 +22467,7 @@
           <p:cNvPr id="59" name="TextBox 58">
             <a:extLst>
               <a:ext uri="{FF2B5EF4-FFF2-40B4-BE49-F238E27FC236}">
-                <a16:creationId xmlns:a16="http://schemas.microsoft.com/office/drawing/2014/main" xmlns="" id="{EA7F15EB-6AA1-4C76-921F-2B04B74B1885}"/>
+                <a16:creationId xmlns="" xmlns:a16="http://schemas.microsoft.com/office/drawing/2014/main" id="{EA7F15EB-6AA1-4C76-921F-2B04B74B1885}"/>
               </a:ext>
             </a:extLst>
           </p:cNvPr>
@@ -21128,7 +22509,7 @@
           <p:cNvPr id="60" name="Oval 59">
             <a:extLst>
               <a:ext uri="{FF2B5EF4-FFF2-40B4-BE49-F238E27FC236}">
-                <a16:creationId xmlns:a16="http://schemas.microsoft.com/office/drawing/2014/main" xmlns="" id="{70018B8E-C8EA-4592-B666-4DD6915C2DAF}"/>
+                <a16:creationId xmlns="" xmlns:a16="http://schemas.microsoft.com/office/drawing/2014/main" id="{70018B8E-C8EA-4592-B666-4DD6915C2DAF}"/>
               </a:ext>
             </a:extLst>
           </p:cNvPr>
@@ -21184,7 +22565,7 @@
           <p:cNvPr id="61" name="Straight Arrow Connector 60">
             <a:extLst>
               <a:ext uri="{FF2B5EF4-FFF2-40B4-BE49-F238E27FC236}">
-                <a16:creationId xmlns:a16="http://schemas.microsoft.com/office/drawing/2014/main" xmlns="" id="{D5D1DDE3-D551-4E6B-AD34-6FBA1762CCD0}"/>
+                <a16:creationId xmlns="" xmlns:a16="http://schemas.microsoft.com/office/drawing/2014/main" id="{D5D1DDE3-D551-4E6B-AD34-6FBA1762CCD0}"/>
               </a:ext>
             </a:extLst>
           </p:cNvPr>
@@ -21228,7 +22609,7 @@
           <p:cNvPr id="62" name="TextBox 61">
             <a:extLst>
               <a:ext uri="{FF2B5EF4-FFF2-40B4-BE49-F238E27FC236}">
-                <a16:creationId xmlns:a16="http://schemas.microsoft.com/office/drawing/2014/main" xmlns="" id="{EA7F15EB-6AA1-4C76-921F-2B04B74B1885}"/>
+                <a16:creationId xmlns="" xmlns:a16="http://schemas.microsoft.com/office/drawing/2014/main" id="{EA7F15EB-6AA1-4C76-921F-2B04B74B1885}"/>
               </a:ext>
             </a:extLst>
           </p:cNvPr>
@@ -21270,7 +22651,7 @@
           <p:cNvPr id="63" name="Oval 62">
             <a:extLst>
               <a:ext uri="{FF2B5EF4-FFF2-40B4-BE49-F238E27FC236}">
-                <a16:creationId xmlns:a16="http://schemas.microsoft.com/office/drawing/2014/main" xmlns="" id="{70018B8E-C8EA-4592-B666-4DD6915C2DAF}"/>
+                <a16:creationId xmlns="" xmlns:a16="http://schemas.microsoft.com/office/drawing/2014/main" id="{70018B8E-C8EA-4592-B666-4DD6915C2DAF}"/>
               </a:ext>
             </a:extLst>
           </p:cNvPr>
@@ -21326,7 +22707,7 @@
           <p:cNvPr id="66" name="TextBox 65">
             <a:extLst>
               <a:ext uri="{FF2B5EF4-FFF2-40B4-BE49-F238E27FC236}">
-                <a16:creationId xmlns:a16="http://schemas.microsoft.com/office/drawing/2014/main" xmlns="" id="{EA7F15EB-6AA1-4C76-921F-2B04B74B1885}"/>
+                <a16:creationId xmlns="" xmlns:a16="http://schemas.microsoft.com/office/drawing/2014/main" id="{EA7F15EB-6AA1-4C76-921F-2B04B74B1885}"/>
               </a:ext>
             </a:extLst>
           </p:cNvPr>
@@ -21368,7 +22749,7 @@
           <p:cNvPr id="76" name="Oval 75">
             <a:extLst>
               <a:ext uri="{FF2B5EF4-FFF2-40B4-BE49-F238E27FC236}">
-                <a16:creationId xmlns:a16="http://schemas.microsoft.com/office/drawing/2014/main" xmlns="" id="{70018B8E-C8EA-4592-B666-4DD6915C2DAF}"/>
+                <a16:creationId xmlns="" xmlns:a16="http://schemas.microsoft.com/office/drawing/2014/main" id="{70018B8E-C8EA-4592-B666-4DD6915C2DAF}"/>
               </a:ext>
             </a:extLst>
           </p:cNvPr>
@@ -21424,7 +22805,7 @@
           <p:cNvPr id="77" name="TextBox 76">
             <a:extLst>
               <a:ext uri="{FF2B5EF4-FFF2-40B4-BE49-F238E27FC236}">
-                <a16:creationId xmlns:a16="http://schemas.microsoft.com/office/drawing/2014/main" xmlns="" id="{EA7F15EB-6AA1-4C76-921F-2B04B74B1885}"/>
+                <a16:creationId xmlns="" xmlns:a16="http://schemas.microsoft.com/office/drawing/2014/main" id="{EA7F15EB-6AA1-4C76-921F-2B04B74B1885}"/>
               </a:ext>
             </a:extLst>
           </p:cNvPr>
@@ -21466,7 +22847,7 @@
           <p:cNvPr id="87" name="Oval 86">
             <a:extLst>
               <a:ext uri="{FF2B5EF4-FFF2-40B4-BE49-F238E27FC236}">
-                <a16:creationId xmlns:a16="http://schemas.microsoft.com/office/drawing/2014/main" xmlns="" id="{70018B8E-C8EA-4592-B666-4DD6915C2DAF}"/>
+                <a16:creationId xmlns="" xmlns:a16="http://schemas.microsoft.com/office/drawing/2014/main" id="{70018B8E-C8EA-4592-B666-4DD6915C2DAF}"/>
               </a:ext>
             </a:extLst>
           </p:cNvPr>
@@ -21522,7 +22903,7 @@
           <p:cNvPr id="88" name="Straight Arrow Connector 87">
             <a:extLst>
               <a:ext uri="{FF2B5EF4-FFF2-40B4-BE49-F238E27FC236}">
-                <a16:creationId xmlns:a16="http://schemas.microsoft.com/office/drawing/2014/main" xmlns="" id="{D5D1DDE3-D551-4E6B-AD34-6FBA1762CCD0}"/>
+                <a16:creationId xmlns="" xmlns:a16="http://schemas.microsoft.com/office/drawing/2014/main" id="{D5D1DDE3-D551-4E6B-AD34-6FBA1762CCD0}"/>
               </a:ext>
             </a:extLst>
           </p:cNvPr>
@@ -21566,7 +22947,7 @@
           <p:cNvPr id="89" name="TextBox 88">
             <a:extLst>
               <a:ext uri="{FF2B5EF4-FFF2-40B4-BE49-F238E27FC236}">
-                <a16:creationId xmlns:a16="http://schemas.microsoft.com/office/drawing/2014/main" xmlns="" id="{EA7F15EB-6AA1-4C76-921F-2B04B74B1885}"/>
+                <a16:creationId xmlns="" xmlns:a16="http://schemas.microsoft.com/office/drawing/2014/main" id="{EA7F15EB-6AA1-4C76-921F-2B04B74B1885}"/>
               </a:ext>
             </a:extLst>
           </p:cNvPr>
@@ -21608,7 +22989,7 @@
           <p:cNvPr id="91" name="Oval 90">
             <a:extLst>
               <a:ext uri="{FF2B5EF4-FFF2-40B4-BE49-F238E27FC236}">
-                <a16:creationId xmlns:a16="http://schemas.microsoft.com/office/drawing/2014/main" xmlns="" id="{70018B8E-C8EA-4592-B666-4DD6915C2DAF}"/>
+                <a16:creationId xmlns="" xmlns:a16="http://schemas.microsoft.com/office/drawing/2014/main" id="{70018B8E-C8EA-4592-B666-4DD6915C2DAF}"/>
               </a:ext>
             </a:extLst>
           </p:cNvPr>
@@ -21664,7 +23045,7 @@
           <p:cNvPr id="92" name="Straight Arrow Connector 91">
             <a:extLst>
               <a:ext uri="{FF2B5EF4-FFF2-40B4-BE49-F238E27FC236}">
-                <a16:creationId xmlns:a16="http://schemas.microsoft.com/office/drawing/2014/main" xmlns="" id="{D5D1DDE3-D551-4E6B-AD34-6FBA1762CCD0}"/>
+                <a16:creationId xmlns="" xmlns:a16="http://schemas.microsoft.com/office/drawing/2014/main" id="{D5D1DDE3-D551-4E6B-AD34-6FBA1762CCD0}"/>
               </a:ext>
             </a:extLst>
           </p:cNvPr>
@@ -21708,7 +23089,7 @@
           <p:cNvPr id="93" name="TextBox 92">
             <a:extLst>
               <a:ext uri="{FF2B5EF4-FFF2-40B4-BE49-F238E27FC236}">
-                <a16:creationId xmlns:a16="http://schemas.microsoft.com/office/drawing/2014/main" xmlns="" id="{EA7F15EB-6AA1-4C76-921F-2B04B74B1885}"/>
+                <a16:creationId xmlns="" xmlns:a16="http://schemas.microsoft.com/office/drawing/2014/main" id="{EA7F15EB-6AA1-4C76-921F-2B04B74B1885}"/>
               </a:ext>
             </a:extLst>
           </p:cNvPr>
@@ -21750,7 +23131,7 @@
           <p:cNvPr id="94" name="Oval 93">
             <a:extLst>
               <a:ext uri="{FF2B5EF4-FFF2-40B4-BE49-F238E27FC236}">
-                <a16:creationId xmlns:a16="http://schemas.microsoft.com/office/drawing/2014/main" xmlns="" id="{70018B8E-C8EA-4592-B666-4DD6915C2DAF}"/>
+                <a16:creationId xmlns="" xmlns:a16="http://schemas.microsoft.com/office/drawing/2014/main" id="{70018B8E-C8EA-4592-B666-4DD6915C2DAF}"/>
               </a:ext>
             </a:extLst>
           </p:cNvPr>
@@ -21806,7 +23187,7 @@
           <p:cNvPr id="95" name="TextBox 94">
             <a:extLst>
               <a:ext uri="{FF2B5EF4-FFF2-40B4-BE49-F238E27FC236}">
-                <a16:creationId xmlns:a16="http://schemas.microsoft.com/office/drawing/2014/main" xmlns="" id="{EA7F15EB-6AA1-4C76-921F-2B04B74B1885}"/>
+                <a16:creationId xmlns="" xmlns:a16="http://schemas.microsoft.com/office/drawing/2014/main" id="{EA7F15EB-6AA1-4C76-921F-2B04B74B1885}"/>
               </a:ext>
             </a:extLst>
           </p:cNvPr>
@@ -21848,7 +23229,7 @@
           <p:cNvPr id="98" name="Straight Arrow Connector 97">
             <a:extLst>
               <a:ext uri="{FF2B5EF4-FFF2-40B4-BE49-F238E27FC236}">
-                <a16:creationId xmlns:a16="http://schemas.microsoft.com/office/drawing/2014/main" xmlns="" id="{D5D1DDE3-D551-4E6B-AD34-6FBA1762CCD0}"/>
+                <a16:creationId xmlns="" xmlns:a16="http://schemas.microsoft.com/office/drawing/2014/main" id="{D5D1DDE3-D551-4E6B-AD34-6FBA1762CCD0}"/>
               </a:ext>
             </a:extLst>
           </p:cNvPr>
@@ -21892,7 +23273,7 @@
           <p:cNvPr id="99" name="Straight Arrow Connector 98">
             <a:extLst>
               <a:ext uri="{FF2B5EF4-FFF2-40B4-BE49-F238E27FC236}">
-                <a16:creationId xmlns:a16="http://schemas.microsoft.com/office/drawing/2014/main" xmlns="" id="{D5D1DDE3-D551-4E6B-AD34-6FBA1762CCD0}"/>
+                <a16:creationId xmlns="" xmlns:a16="http://schemas.microsoft.com/office/drawing/2014/main" id="{D5D1DDE3-D551-4E6B-AD34-6FBA1762CCD0}"/>
               </a:ext>
             </a:extLst>
           </p:cNvPr>
@@ -21936,7 +23317,7 @@
           <p:cNvPr id="100" name="Straight Arrow Connector 99">
             <a:extLst>
               <a:ext uri="{FF2B5EF4-FFF2-40B4-BE49-F238E27FC236}">
-                <a16:creationId xmlns:a16="http://schemas.microsoft.com/office/drawing/2014/main" xmlns="" id="{D5D1DDE3-D551-4E6B-AD34-6FBA1762CCD0}"/>
+                <a16:creationId xmlns="" xmlns:a16="http://schemas.microsoft.com/office/drawing/2014/main" id="{D5D1DDE3-D551-4E6B-AD34-6FBA1762CCD0}"/>
               </a:ext>
             </a:extLst>
           </p:cNvPr>
@@ -21980,7 +23361,7 @@
           <p:cNvPr id="110" name="Straight Arrow Connector 109">
             <a:extLst>
               <a:ext uri="{FF2B5EF4-FFF2-40B4-BE49-F238E27FC236}">
-                <a16:creationId xmlns:a16="http://schemas.microsoft.com/office/drawing/2014/main" xmlns="" id="{D5D1DDE3-D551-4E6B-AD34-6FBA1762CCD0}"/>
+                <a16:creationId xmlns="" xmlns:a16="http://schemas.microsoft.com/office/drawing/2014/main" id="{D5D1DDE3-D551-4E6B-AD34-6FBA1762CCD0}"/>
               </a:ext>
             </a:extLst>
           </p:cNvPr>
@@ -22024,7 +23405,7 @@
           <p:cNvPr id="111" name="TextBox 110">
             <a:extLst>
               <a:ext uri="{FF2B5EF4-FFF2-40B4-BE49-F238E27FC236}">
-                <a16:creationId xmlns:a16="http://schemas.microsoft.com/office/drawing/2014/main" xmlns="" id="{DCF44781-E941-421E-89BE-0ABCA37EDACB}"/>
+                <a16:creationId xmlns="" xmlns:a16="http://schemas.microsoft.com/office/drawing/2014/main" id="{DCF44781-E941-421E-89BE-0ABCA37EDACB}"/>
               </a:ext>
             </a:extLst>
           </p:cNvPr>
@@ -22077,7 +23458,7 @@
           <p:cNvPr id="112" name="TextBox 111">
             <a:extLst>
               <a:ext uri="{FF2B5EF4-FFF2-40B4-BE49-F238E27FC236}">
-                <a16:creationId xmlns:a16="http://schemas.microsoft.com/office/drawing/2014/main" xmlns="" id="{E2424417-DD1B-4E8D-A2A5-F034A489C27A}"/>
+                <a16:creationId xmlns="" xmlns:a16="http://schemas.microsoft.com/office/drawing/2014/main" id="{E2424417-DD1B-4E8D-A2A5-F034A489C27A}"/>
               </a:ext>
             </a:extLst>
           </p:cNvPr>
@@ -22130,7 +23511,7 @@
           <p:cNvPr id="113" name="TextBox 112">
             <a:extLst>
               <a:ext uri="{FF2B5EF4-FFF2-40B4-BE49-F238E27FC236}">
-                <a16:creationId xmlns:a16="http://schemas.microsoft.com/office/drawing/2014/main" xmlns="" id="{226BC8B6-2411-443E-BEE4-F24BDE166FA2}"/>
+                <a16:creationId xmlns="" xmlns:a16="http://schemas.microsoft.com/office/drawing/2014/main" id="{226BC8B6-2411-443E-BEE4-F24BDE166FA2}"/>
               </a:ext>
             </a:extLst>
           </p:cNvPr>
@@ -22183,7 +23564,7 @@
           <p:cNvPr id="114" name="TextBox 113">
             <a:extLst>
               <a:ext uri="{FF2B5EF4-FFF2-40B4-BE49-F238E27FC236}">
-                <a16:creationId xmlns:a16="http://schemas.microsoft.com/office/drawing/2014/main" xmlns="" id="{53330DED-8238-48AB-B79C-3155945E34EF}"/>
+                <a16:creationId xmlns="" xmlns:a16="http://schemas.microsoft.com/office/drawing/2014/main" id="{53330DED-8238-48AB-B79C-3155945E34EF}"/>
               </a:ext>
             </a:extLst>
           </p:cNvPr>
@@ -22250,7 +23631,7 @@
           <p:cNvPr id="115" name="TextBox 114">
             <a:extLst>
               <a:ext uri="{FF2B5EF4-FFF2-40B4-BE49-F238E27FC236}">
-                <a16:creationId xmlns:a16="http://schemas.microsoft.com/office/drawing/2014/main" xmlns="" id="{53330DED-8238-48AB-B79C-3155945E34EF}"/>
+                <a16:creationId xmlns="" xmlns:a16="http://schemas.microsoft.com/office/drawing/2014/main" id="{53330DED-8238-48AB-B79C-3155945E34EF}"/>
               </a:ext>
             </a:extLst>
           </p:cNvPr>
@@ -22317,7 +23698,7 @@
           <p:cNvPr id="116" name="TextBox 115">
             <a:extLst>
               <a:ext uri="{FF2B5EF4-FFF2-40B4-BE49-F238E27FC236}">
-                <a16:creationId xmlns:a16="http://schemas.microsoft.com/office/drawing/2014/main" xmlns="" id="{226BC8B6-2411-443E-BEE4-F24BDE166FA2}"/>
+                <a16:creationId xmlns="" xmlns:a16="http://schemas.microsoft.com/office/drawing/2014/main" id="{226BC8B6-2411-443E-BEE4-F24BDE166FA2}"/>
               </a:ext>
             </a:extLst>
           </p:cNvPr>
@@ -24259,7 +25640,7 @@
           <p:cNvPr id="2" name="Text Placeholder 1">
             <a:extLst>
               <a:ext uri="{FF2B5EF4-FFF2-40B4-BE49-F238E27FC236}">
-                <a16:creationId xmlns:a16="http://schemas.microsoft.com/office/drawing/2014/main" xmlns="" id="{A51E6A0F-3D6D-493A-B24E-4199D72942C9}"/>
+                <a16:creationId xmlns="" xmlns:a16="http://schemas.microsoft.com/office/drawing/2014/main" id="{A51E6A0F-3D6D-493A-B24E-4199D72942C9}"/>
               </a:ext>
             </a:extLst>
           </p:cNvPr>
@@ -24284,7 +25665,7 @@
           <p:cNvPr id="3" name="Title 2">
             <a:extLst>
               <a:ext uri="{FF2B5EF4-FFF2-40B4-BE49-F238E27FC236}">
-                <a16:creationId xmlns:a16="http://schemas.microsoft.com/office/drawing/2014/main" xmlns="" id="{A8704E41-3486-46BD-8AA7-B6B5D28F95A5}"/>
+                <a16:creationId xmlns="" xmlns:a16="http://schemas.microsoft.com/office/drawing/2014/main" id="{A8704E41-3486-46BD-8AA7-B6B5D28F95A5}"/>
               </a:ext>
             </a:extLst>
           </p:cNvPr>
@@ -24321,7 +25702,7 @@
           <p:cNvPr id="4" name="Slide Number Placeholder 3">
             <a:extLst>
               <a:ext uri="{FF2B5EF4-FFF2-40B4-BE49-F238E27FC236}">
-                <a16:creationId xmlns:a16="http://schemas.microsoft.com/office/drawing/2014/main" xmlns="" id="{02CD92EA-E9CB-4F4C-B1B9-840F11B55DC5}"/>
+                <a16:creationId xmlns="" xmlns:a16="http://schemas.microsoft.com/office/drawing/2014/main" id="{02CD92EA-E9CB-4F4C-B1B9-840F11B55DC5}"/>
               </a:ext>
             </a:extLst>
           </p:cNvPr>
@@ -24367,7 +25748,7 @@
           <p:cNvPr id="5" name="Text Placeholder 4">
             <a:extLst>
               <a:ext uri="{FF2B5EF4-FFF2-40B4-BE49-F238E27FC236}">
-                <a16:creationId xmlns:a16="http://schemas.microsoft.com/office/drawing/2014/main" xmlns="" id="{C22D9F79-04C1-4762-96D6-F3FE8172F1B1}"/>
+                <a16:creationId xmlns="" xmlns:a16="http://schemas.microsoft.com/office/drawing/2014/main" id="{C22D9F79-04C1-4762-96D6-F3FE8172F1B1}"/>
               </a:ext>
             </a:extLst>
           </p:cNvPr>
@@ -24395,7 +25776,7 @@
           <p:cNvPr id="8" name="Picture 7">
             <a:extLst>
               <a:ext uri="{FF2B5EF4-FFF2-40B4-BE49-F238E27FC236}">
-                <a16:creationId xmlns:a16="http://schemas.microsoft.com/office/drawing/2014/main" xmlns="" id="{FEF76D80-A1A2-40D3-8D23-AD9AE057D7AB}"/>
+                <a16:creationId xmlns="" xmlns:a16="http://schemas.microsoft.com/office/drawing/2014/main" id="{FEF76D80-A1A2-40D3-8D23-AD9AE057D7AB}"/>
               </a:ext>
             </a:extLst>
           </p:cNvPr>
@@ -24477,7 +25858,7 @@
           <p:cNvPr id="2" name="Text Placeholder 1">
             <a:extLst>
               <a:ext uri="{FF2B5EF4-FFF2-40B4-BE49-F238E27FC236}">
-                <a16:creationId xmlns:a16="http://schemas.microsoft.com/office/drawing/2014/main" xmlns="" id="{A51E6A0F-3D6D-493A-B24E-4199D72942C9}"/>
+                <a16:creationId xmlns="" xmlns:a16="http://schemas.microsoft.com/office/drawing/2014/main" id="{A51E6A0F-3D6D-493A-B24E-4199D72942C9}"/>
               </a:ext>
             </a:extLst>
           </p:cNvPr>
@@ -24502,7 +25883,7 @@
           <p:cNvPr id="3" name="Title 2">
             <a:extLst>
               <a:ext uri="{FF2B5EF4-FFF2-40B4-BE49-F238E27FC236}">
-                <a16:creationId xmlns:a16="http://schemas.microsoft.com/office/drawing/2014/main" xmlns="" id="{A8704E41-3486-46BD-8AA7-B6B5D28F95A5}"/>
+                <a16:creationId xmlns="" xmlns:a16="http://schemas.microsoft.com/office/drawing/2014/main" id="{A8704E41-3486-46BD-8AA7-B6B5D28F95A5}"/>
               </a:ext>
             </a:extLst>
           </p:cNvPr>
@@ -24539,7 +25920,7 @@
           <p:cNvPr id="4" name="Slide Number Placeholder 3">
             <a:extLst>
               <a:ext uri="{FF2B5EF4-FFF2-40B4-BE49-F238E27FC236}">
-                <a16:creationId xmlns:a16="http://schemas.microsoft.com/office/drawing/2014/main" xmlns="" id="{02CD92EA-E9CB-4F4C-B1B9-840F11B55DC5}"/>
+                <a16:creationId xmlns="" xmlns:a16="http://schemas.microsoft.com/office/drawing/2014/main" id="{02CD92EA-E9CB-4F4C-B1B9-840F11B55DC5}"/>
               </a:ext>
             </a:extLst>
           </p:cNvPr>
@@ -24585,7 +25966,7 @@
           <p:cNvPr id="5" name="Text Placeholder 4">
             <a:extLst>
               <a:ext uri="{FF2B5EF4-FFF2-40B4-BE49-F238E27FC236}">
-                <a16:creationId xmlns:a16="http://schemas.microsoft.com/office/drawing/2014/main" xmlns="" id="{C22D9F79-04C1-4762-96D6-F3FE8172F1B1}"/>
+                <a16:creationId xmlns="" xmlns:a16="http://schemas.microsoft.com/office/drawing/2014/main" id="{C22D9F79-04C1-4762-96D6-F3FE8172F1B1}"/>
               </a:ext>
             </a:extLst>
           </p:cNvPr>
@@ -24613,7 +25994,7 @@
           <p:cNvPr id="8" name="Picture 7">
             <a:extLst>
               <a:ext uri="{FF2B5EF4-FFF2-40B4-BE49-F238E27FC236}">
-                <a16:creationId xmlns:a16="http://schemas.microsoft.com/office/drawing/2014/main" xmlns="" id="{F11A34E2-CF14-4FAC-9913-4CAC796E46FA}"/>
+                <a16:creationId xmlns="" xmlns:a16="http://schemas.microsoft.com/office/drawing/2014/main" id="{F11A34E2-CF14-4FAC-9913-4CAC796E46FA}"/>
               </a:ext>
             </a:extLst>
           </p:cNvPr>
@@ -24623,11 +26004,11 @@
           <p:nvPr/>
         </p:nvPicPr>
         <p:blipFill>
-          <a:blip r:embed="rId2">
+          <a:blip r:embed="rId3">
             <a:extLst>
               <a:ext uri="{BEBA8EAE-BF5A-486C-A8C5-ECC9F3942E4B}">
                 <a14:imgProps xmlns:a14="http://schemas.microsoft.com/office/drawing/2010/main">
-                  <a14:imgLayer r:embed="rId3">
+                  <a14:imgLayer r:embed="rId4">
                     <a14:imgEffect>
                       <a14:backgroundRemoval t="10000" b="90000" l="10000" r="90000"/>
                     </a14:imgEffect>
@@ -24695,7 +26076,7 @@
           <p:cNvPr id="2" name="Text Placeholder 1">
             <a:extLst>
               <a:ext uri="{FF2B5EF4-FFF2-40B4-BE49-F238E27FC236}">
-                <a16:creationId xmlns:a16="http://schemas.microsoft.com/office/drawing/2014/main" xmlns="" id="{4027774C-85B3-4216-BE8E-2076F29E4ECA}"/>
+                <a16:creationId xmlns="" xmlns:a16="http://schemas.microsoft.com/office/drawing/2014/main" id="{4027774C-85B3-4216-BE8E-2076F29E4ECA}"/>
               </a:ext>
             </a:extLst>
           </p:cNvPr>
@@ -24813,7 +26194,7 @@
           <p:cNvPr id="3" name="Title 2">
             <a:extLst>
               <a:ext uri="{FF2B5EF4-FFF2-40B4-BE49-F238E27FC236}">
-                <a16:creationId xmlns:a16="http://schemas.microsoft.com/office/drawing/2014/main" xmlns="" id="{9C17F15E-A1DD-464A-AA9B-38A9BA78B322}"/>
+                <a16:creationId xmlns="" xmlns:a16="http://schemas.microsoft.com/office/drawing/2014/main" id="{9C17F15E-A1DD-464A-AA9B-38A9BA78B322}"/>
               </a:ext>
             </a:extLst>
           </p:cNvPr>
@@ -24849,7 +26230,7 @@
           <p:cNvPr id="4" name="Slide Number Placeholder 3">
             <a:extLst>
               <a:ext uri="{FF2B5EF4-FFF2-40B4-BE49-F238E27FC236}">
-                <a16:creationId xmlns:a16="http://schemas.microsoft.com/office/drawing/2014/main" xmlns="" id="{F3AFDCA3-1E95-4F76-9D6E-91F47D013419}"/>
+                <a16:creationId xmlns="" xmlns:a16="http://schemas.microsoft.com/office/drawing/2014/main" id="{F3AFDCA3-1E95-4F76-9D6E-91F47D013419}"/>
               </a:ext>
             </a:extLst>
           </p:cNvPr>
@@ -24895,7 +26276,7 @@
           <p:cNvPr id="5" name="Text Placeholder 4">
             <a:extLst>
               <a:ext uri="{FF2B5EF4-FFF2-40B4-BE49-F238E27FC236}">
-                <a16:creationId xmlns:a16="http://schemas.microsoft.com/office/drawing/2014/main" xmlns="" id="{34BFDC6A-5D6A-42B9-82C2-84BD9E5DCCC0}"/>
+                <a16:creationId xmlns="" xmlns:a16="http://schemas.microsoft.com/office/drawing/2014/main" id="{34BFDC6A-5D6A-42B9-82C2-84BD9E5DCCC0}"/>
               </a:ext>
             </a:extLst>
           </p:cNvPr>
@@ -24920,7 +26301,7 @@
           <p:cNvPr id="7" name="Text Placeholder 1">
             <a:extLst>
               <a:ext uri="{FF2B5EF4-FFF2-40B4-BE49-F238E27FC236}">
-                <a16:creationId xmlns:a16="http://schemas.microsoft.com/office/drawing/2014/main" xmlns="" id="{4027774C-85B3-4216-BE8E-2076F29E4ECA}"/>
+                <a16:creationId xmlns="" xmlns:a16="http://schemas.microsoft.com/office/drawing/2014/main" id="{4027774C-85B3-4216-BE8E-2076F29E4ECA}"/>
               </a:ext>
             </a:extLst>
           </p:cNvPr>
@@ -24950,7 +26331,7 @@
               <a:buSzPct val="120000"/>
               <a:buFontTx/>
               <a:buBlip>
-                <a:blip r:embed="rId2"/>
+                <a:blip r:embed="rId3"/>
               </a:buBlip>
               <a:defRPr sz="2400" kern="1200">
                 <a:solidFill>
@@ -25774,7 +27155,7 @@
           <p:cNvPr id="2" name="Text Placeholder 1">
             <a:extLst>
               <a:ext uri="{FF2B5EF4-FFF2-40B4-BE49-F238E27FC236}">
-                <a16:creationId xmlns:a16="http://schemas.microsoft.com/office/drawing/2014/main" xmlns="" id="{4027774C-85B3-4216-BE8E-2076F29E4ECA}"/>
+                <a16:creationId xmlns="" xmlns:a16="http://schemas.microsoft.com/office/drawing/2014/main" id="{4027774C-85B3-4216-BE8E-2076F29E4ECA}"/>
               </a:ext>
             </a:extLst>
           </p:cNvPr>
@@ -25857,7 +27238,7 @@
           <p:cNvPr id="3" name="Title 2">
             <a:extLst>
               <a:ext uri="{FF2B5EF4-FFF2-40B4-BE49-F238E27FC236}">
-                <a16:creationId xmlns:a16="http://schemas.microsoft.com/office/drawing/2014/main" xmlns="" id="{9C17F15E-A1DD-464A-AA9B-38A9BA78B322}"/>
+                <a16:creationId xmlns="" xmlns:a16="http://schemas.microsoft.com/office/drawing/2014/main" id="{9C17F15E-A1DD-464A-AA9B-38A9BA78B322}"/>
               </a:ext>
             </a:extLst>
           </p:cNvPr>
@@ -25893,7 +27274,7 @@
           <p:cNvPr id="4" name="Slide Number Placeholder 3">
             <a:extLst>
               <a:ext uri="{FF2B5EF4-FFF2-40B4-BE49-F238E27FC236}">
-                <a16:creationId xmlns:a16="http://schemas.microsoft.com/office/drawing/2014/main" xmlns="" id="{F3AFDCA3-1E95-4F76-9D6E-91F47D013419}"/>
+                <a16:creationId xmlns="" xmlns:a16="http://schemas.microsoft.com/office/drawing/2014/main" id="{F3AFDCA3-1E95-4F76-9D6E-91F47D013419}"/>
               </a:ext>
             </a:extLst>
           </p:cNvPr>
@@ -25939,7 +27320,7 @@
           <p:cNvPr id="5" name="Text Placeholder 4">
             <a:extLst>
               <a:ext uri="{FF2B5EF4-FFF2-40B4-BE49-F238E27FC236}">
-                <a16:creationId xmlns:a16="http://schemas.microsoft.com/office/drawing/2014/main" xmlns="" id="{34BFDC6A-5D6A-42B9-82C2-84BD9E5DCCC0}"/>
+                <a16:creationId xmlns="" xmlns:a16="http://schemas.microsoft.com/office/drawing/2014/main" id="{34BFDC6A-5D6A-42B9-82C2-84BD9E5DCCC0}"/>
               </a:ext>
             </a:extLst>
           </p:cNvPr>
@@ -25964,7 +27345,7 @@
           <p:cNvPr id="6" name="Text Placeholder 1">
             <a:extLst>
               <a:ext uri="{FF2B5EF4-FFF2-40B4-BE49-F238E27FC236}">
-                <a16:creationId xmlns:a16="http://schemas.microsoft.com/office/drawing/2014/main" xmlns="" id="{94435B3C-163F-4575-9C37-A9B599E644AB}"/>
+                <a16:creationId xmlns="" xmlns:a16="http://schemas.microsoft.com/office/drawing/2014/main" id="{94435B3C-163F-4575-9C37-A9B599E644AB}"/>
               </a:ext>
             </a:extLst>
           </p:cNvPr>
@@ -25994,7 +27375,7 @@
               <a:buSzPct val="120000"/>
               <a:buFontTx/>
               <a:buBlip>
-                <a:blip r:embed="rId2"/>
+                <a:blip r:embed="rId3"/>
               </a:buBlip>
               <a:defRPr sz="2400" kern="1200">
                 <a:solidFill>
@@ -26414,7 +27795,7 @@
           <p:cNvPr id="2" name="Title 1">
             <a:extLst>
               <a:ext uri="{FF2B5EF4-FFF2-40B4-BE49-F238E27FC236}">
-                <a16:creationId xmlns:a16="http://schemas.microsoft.com/office/drawing/2014/main" xmlns="" id="{C14F0455-9ED9-4652-8FD6-9C284BE2F092}"/>
+                <a16:creationId xmlns="" xmlns:a16="http://schemas.microsoft.com/office/drawing/2014/main" id="{C14F0455-9ED9-4652-8FD6-9C284BE2F092}"/>
               </a:ext>
             </a:extLst>
           </p:cNvPr>
@@ -26425,7 +27806,12 @@
             <p:ph type="title"/>
           </p:nvPr>
         </p:nvSpPr>
-        <p:spPr/>
+        <p:spPr>
+          <a:xfrm>
+            <a:off x="1371667" y="3026063"/>
+            <a:ext cx="9601132" cy="1143000"/>
+          </a:xfrm>
+        </p:spPr>
         <p:txBody>
           <a:bodyPr/>
           <a:lstStyle/>
@@ -26439,19 +27825,15 @@
             </a:br>
             <a:r>
               <a:rPr lang="en-US" dirty="0"/>
-              <a:t>about learning the commands.</a:t>
+              <a:t>about learning the </a:t>
+            </a:r>
+            <a:r>
+              <a:rPr lang="en-US" dirty="0" smtClean="0"/>
+              <a:t>commands. </a:t>
             </a:r>
             <a:br>
-              <a:rPr lang="en-US" dirty="0"/>
+              <a:rPr lang="en-US" dirty="0" smtClean="0"/>
             </a:br>
-            <a:r>
-              <a:rPr lang="en-US" dirty="0"/>
-              <a:t>Instead, learn the </a:t>
-            </a:r>
-            <a:r>
-              <a:rPr lang="en-US" dirty="0" smtClean="0"/>
-              <a:t>model.</a:t>
-            </a:r>
             <a:endParaRPr lang="en-US" dirty="0"/>
           </a:p>
         </p:txBody>
@@ -26461,7 +27843,7 @@
           <p:cNvPr id="3" name="Text Placeholder 2">
             <a:extLst>
               <a:ext uri="{FF2B5EF4-FFF2-40B4-BE49-F238E27FC236}">
-                <a16:creationId xmlns:a16="http://schemas.microsoft.com/office/drawing/2014/main" xmlns="" id="{8136025E-6B8D-4575-9E2B-B0AAB8CAC233}"/>
+                <a16:creationId xmlns="" xmlns:a16="http://schemas.microsoft.com/office/drawing/2014/main" id="{8136025E-6B8D-4575-9E2B-B0AAB8CAC233}"/>
               </a:ext>
             </a:extLst>
           </p:cNvPr>
@@ -26477,6 +27859,64 @@
           <a:bodyPr/>
           <a:lstStyle/>
           <a:p>
+            <a:endParaRPr lang="en-US" dirty="0"/>
+          </a:p>
+        </p:txBody>
+      </p:sp>
+      <p:sp>
+        <p:nvSpPr>
+          <p:cNvPr id="4" name="Title 1">
+            <a:extLst>
+              <a:ext uri="{FF2B5EF4-FFF2-40B4-BE49-F238E27FC236}">
+                <a16:creationId xmlns="" xmlns:a16="http://schemas.microsoft.com/office/drawing/2014/main" id="{C14F0455-9ED9-4652-8FD6-9C284BE2F092}"/>
+              </a:ext>
+            </a:extLst>
+          </p:cNvPr>
+          <p:cNvSpPr txBox="1">
+            <a:spLocks/>
+          </p:cNvSpPr>
+          <p:nvPr/>
+        </p:nvSpPr>
+        <p:spPr>
+          <a:xfrm>
+            <a:off x="1371667" y="3026063"/>
+            <a:ext cx="9601132" cy="1143000"/>
+          </a:xfrm>
+          <a:prstGeom prst="rect">
+            <a:avLst/>
+          </a:prstGeom>
+        </p:spPr>
+        <p:txBody>
+          <a:bodyPr vert="horz" lIns="0" tIns="0" rIns="0" bIns="0" rtlCol="0" anchor="ctr" anchorCtr="1">
+            <a:noAutofit/>
+          </a:bodyPr>
+          <a:lstStyle>
+            <a:lvl1pPr algn="l" defTabSz="342900" rtl="0" eaLnBrk="1" latinLnBrk="0" hangingPunct="1">
+              <a:spcBef>
+                <a:spcPct val="0"/>
+              </a:spcBef>
+              <a:buNone/>
+              <a:defRPr sz="3600" kern="1200">
+                <a:solidFill>
+                  <a:schemeClr val="bg1"/>
+                </a:solidFill>
+                <a:latin typeface="Century Gothic" pitchFamily="34" charset="0"/>
+                <a:ea typeface="+mj-ea"/>
+                <a:cs typeface="+mj-cs"/>
+              </a:defRPr>
+            </a:lvl1pPr>
+          </a:lstStyle>
+          <a:p>
+            <a:endParaRPr lang="en-US" dirty="0" smtClean="0"/>
+          </a:p>
+          <a:p>
+            <a:endParaRPr lang="en-US" dirty="0"/>
+          </a:p>
+          <a:p>
+            <a:r>
+              <a:rPr lang="en-US" dirty="0" smtClean="0"/>
+              <a:t>Instead, learn the model.</a:t>
+            </a:r>
             <a:endParaRPr lang="en-US" dirty="0"/>
           </a:p>
         </p:txBody>
@@ -26497,7 +27937,79 @@
   <p:timing>
     <p:tnLst>
       <p:par>
-        <p:cTn id="1" dur="indefinite" restart="never" nodeType="tmRoot"/>
+        <p:cTn id="1" dur="indefinite" restart="never" nodeType="tmRoot">
+          <p:childTnLst>
+            <p:seq concurrent="1" nextAc="seek">
+              <p:cTn id="2" dur="indefinite" nodeType="mainSeq">
+                <p:childTnLst>
+                  <p:par>
+                    <p:cTn id="3" fill="hold">
+                      <p:stCondLst>
+                        <p:cond delay="indefinite"/>
+                      </p:stCondLst>
+                      <p:childTnLst>
+                        <p:par>
+                          <p:cTn id="4" fill="hold">
+                            <p:stCondLst>
+                              <p:cond delay="0"/>
+                            </p:stCondLst>
+                            <p:childTnLst>
+                              <p:par>
+                                <p:cTn id="5" presetID="1" presetClass="entr" presetSubtype="0" fill="hold" nodeType="clickEffect">
+                                  <p:stCondLst>
+                                    <p:cond delay="0"/>
+                                  </p:stCondLst>
+                                  <p:childTnLst>
+                                    <p:set>
+                                      <p:cBhvr>
+                                        <p:cTn id="6" dur="1" fill="hold">
+                                          <p:stCondLst>
+                                            <p:cond delay="0"/>
+                                          </p:stCondLst>
+                                        </p:cTn>
+                                        <p:tgtEl>
+                                          <p:spTgt spid="4">
+                                            <p:txEl>
+                                              <p:pRg st="2" end="2"/>
+                                            </p:txEl>
+                                          </p:spTgt>
+                                        </p:tgtEl>
+                                        <p:attrNameLst>
+                                          <p:attrName>style.visibility</p:attrName>
+                                        </p:attrNameLst>
+                                      </p:cBhvr>
+                                      <p:to>
+                                        <p:strVal val="visible"/>
+                                      </p:to>
+                                    </p:set>
+                                  </p:childTnLst>
+                                </p:cTn>
+                              </p:par>
+                            </p:childTnLst>
+                          </p:cTn>
+                        </p:par>
+                      </p:childTnLst>
+                    </p:cTn>
+                  </p:par>
+                </p:childTnLst>
+              </p:cTn>
+              <p:prevCondLst>
+                <p:cond evt="onPrev" delay="0">
+                  <p:tgtEl>
+                    <p:sldTgt/>
+                  </p:tgtEl>
+                </p:cond>
+              </p:prevCondLst>
+              <p:nextCondLst>
+                <p:cond evt="onNext" delay="0">
+                  <p:tgtEl>
+                    <p:sldTgt/>
+                  </p:tgtEl>
+                </p:cond>
+              </p:nextCondLst>
+            </p:seq>
+          </p:childTnLst>
+        </p:cTn>
       </p:par>
     </p:tnLst>
   </p:timing>
@@ -26689,7 +28201,7 @@
           <p:cNvPr id="8" name="Picture 7">
             <a:extLst>
               <a:ext uri="{FF2B5EF4-FFF2-40B4-BE49-F238E27FC236}">
-                <a16:creationId xmlns:a16="http://schemas.microsoft.com/office/drawing/2014/main" xmlns="" id="{E008011F-F481-44B1-A7AA-A403E3E4CC96}"/>
+                <a16:creationId xmlns="" xmlns:a16="http://schemas.microsoft.com/office/drawing/2014/main" id="{E008011F-F481-44B1-A7AA-A403E3E4CC96}"/>
               </a:ext>
             </a:extLst>
           </p:cNvPr>
@@ -26840,7 +28352,7 @@
           <p:cNvPr id="2" name="Text Placeholder 1">
             <a:extLst>
               <a:ext uri="{FF2B5EF4-FFF2-40B4-BE49-F238E27FC236}">
-                <a16:creationId xmlns:a16="http://schemas.microsoft.com/office/drawing/2014/main" xmlns="" id="{A51E6A0F-3D6D-493A-B24E-4199D72942C9}"/>
+                <a16:creationId xmlns="" xmlns:a16="http://schemas.microsoft.com/office/drawing/2014/main" id="{A51E6A0F-3D6D-493A-B24E-4199D72942C9}"/>
               </a:ext>
             </a:extLst>
           </p:cNvPr>
@@ -26865,7 +28377,7 @@
           <p:cNvPr id="3" name="Title 2">
             <a:extLst>
               <a:ext uri="{FF2B5EF4-FFF2-40B4-BE49-F238E27FC236}">
-                <a16:creationId xmlns:a16="http://schemas.microsoft.com/office/drawing/2014/main" xmlns="" id="{A8704E41-3486-46BD-8AA7-B6B5D28F95A5}"/>
+                <a16:creationId xmlns="" xmlns:a16="http://schemas.microsoft.com/office/drawing/2014/main" id="{A8704E41-3486-46BD-8AA7-B6B5D28F95A5}"/>
               </a:ext>
             </a:extLst>
           </p:cNvPr>
@@ -26902,7 +28414,7 @@
           <p:cNvPr id="4" name="Slide Number Placeholder 3">
             <a:extLst>
               <a:ext uri="{FF2B5EF4-FFF2-40B4-BE49-F238E27FC236}">
-                <a16:creationId xmlns:a16="http://schemas.microsoft.com/office/drawing/2014/main" xmlns="" id="{02CD92EA-E9CB-4F4C-B1B9-840F11B55DC5}"/>
+                <a16:creationId xmlns="" xmlns:a16="http://schemas.microsoft.com/office/drawing/2014/main" id="{02CD92EA-E9CB-4F4C-B1B9-840F11B55DC5}"/>
               </a:ext>
             </a:extLst>
           </p:cNvPr>
@@ -26948,7 +28460,7 @@
           <p:cNvPr id="5" name="Text Placeholder 4">
             <a:extLst>
               <a:ext uri="{FF2B5EF4-FFF2-40B4-BE49-F238E27FC236}">
-                <a16:creationId xmlns:a16="http://schemas.microsoft.com/office/drawing/2014/main" xmlns="" id="{C22D9F79-04C1-4762-96D6-F3FE8172F1B1}"/>
+                <a16:creationId xmlns="" xmlns:a16="http://schemas.microsoft.com/office/drawing/2014/main" id="{C22D9F79-04C1-4762-96D6-F3FE8172F1B1}"/>
               </a:ext>
             </a:extLst>
           </p:cNvPr>
@@ -26976,7 +28488,7 @@
           <p:cNvPr id="7" name="Picture 6">
             <a:extLst>
               <a:ext uri="{FF2B5EF4-FFF2-40B4-BE49-F238E27FC236}">
-                <a16:creationId xmlns:a16="http://schemas.microsoft.com/office/drawing/2014/main" xmlns="" id="{E008011F-F481-44B1-A7AA-A403E3E4CC96}"/>
+                <a16:creationId xmlns="" xmlns:a16="http://schemas.microsoft.com/office/drawing/2014/main" id="{E008011F-F481-44B1-A7AA-A403E3E4CC96}"/>
               </a:ext>
             </a:extLst>
           </p:cNvPr>
@@ -27060,7 +28572,7 @@
           <p:cNvPr id="2" name="Text Placeholder 1">
             <a:extLst>
               <a:ext uri="{FF2B5EF4-FFF2-40B4-BE49-F238E27FC236}">
-                <a16:creationId xmlns:a16="http://schemas.microsoft.com/office/drawing/2014/main" xmlns="" id="{A51E6A0F-3D6D-493A-B24E-4199D72942C9}"/>
+                <a16:creationId xmlns="" xmlns:a16="http://schemas.microsoft.com/office/drawing/2014/main" id="{A51E6A0F-3D6D-493A-B24E-4199D72942C9}"/>
               </a:ext>
             </a:extLst>
           </p:cNvPr>
@@ -27085,7 +28597,7 @@
           <p:cNvPr id="3" name="Title 2">
             <a:extLst>
               <a:ext uri="{FF2B5EF4-FFF2-40B4-BE49-F238E27FC236}">
-                <a16:creationId xmlns:a16="http://schemas.microsoft.com/office/drawing/2014/main" xmlns="" id="{A8704E41-3486-46BD-8AA7-B6B5D28F95A5}"/>
+                <a16:creationId xmlns="" xmlns:a16="http://schemas.microsoft.com/office/drawing/2014/main" id="{A8704E41-3486-46BD-8AA7-B6B5D28F95A5}"/>
               </a:ext>
             </a:extLst>
           </p:cNvPr>
@@ -27122,7 +28634,7 @@
           <p:cNvPr id="4" name="Slide Number Placeholder 3">
             <a:extLst>
               <a:ext uri="{FF2B5EF4-FFF2-40B4-BE49-F238E27FC236}">
-                <a16:creationId xmlns:a16="http://schemas.microsoft.com/office/drawing/2014/main" xmlns="" id="{02CD92EA-E9CB-4F4C-B1B9-840F11B55DC5}"/>
+                <a16:creationId xmlns="" xmlns:a16="http://schemas.microsoft.com/office/drawing/2014/main" id="{02CD92EA-E9CB-4F4C-B1B9-840F11B55DC5}"/>
               </a:ext>
             </a:extLst>
           </p:cNvPr>
@@ -27168,7 +28680,7 @@
           <p:cNvPr id="5" name="Text Placeholder 4">
             <a:extLst>
               <a:ext uri="{FF2B5EF4-FFF2-40B4-BE49-F238E27FC236}">
-                <a16:creationId xmlns:a16="http://schemas.microsoft.com/office/drawing/2014/main" xmlns="" id="{C22D9F79-04C1-4762-96D6-F3FE8172F1B1}"/>
+                <a16:creationId xmlns="" xmlns:a16="http://schemas.microsoft.com/office/drawing/2014/main" id="{C22D9F79-04C1-4762-96D6-F3FE8172F1B1}"/>
               </a:ext>
             </a:extLst>
           </p:cNvPr>
@@ -27196,7 +28708,7 @@
           <p:cNvPr id="8" name="Picture 7">
             <a:extLst>
               <a:ext uri="{FF2B5EF4-FFF2-40B4-BE49-F238E27FC236}">
-                <a16:creationId xmlns:a16="http://schemas.microsoft.com/office/drawing/2014/main" xmlns="" id="{C62C63E2-C97A-4E3E-9C28-351D24FBB5BD}"/>
+                <a16:creationId xmlns="" xmlns:a16="http://schemas.microsoft.com/office/drawing/2014/main" id="{C62C63E2-C97A-4E3E-9C28-351D24FBB5BD}"/>
               </a:ext>
             </a:extLst>
           </p:cNvPr>
@@ -27278,7 +28790,7 @@
           <p:cNvPr id="2" name="Text Placeholder 1">
             <a:extLst>
               <a:ext uri="{FF2B5EF4-FFF2-40B4-BE49-F238E27FC236}">
-                <a16:creationId xmlns:a16="http://schemas.microsoft.com/office/drawing/2014/main" xmlns="" id="{A51E6A0F-3D6D-493A-B24E-4199D72942C9}"/>
+                <a16:creationId xmlns="" xmlns:a16="http://schemas.microsoft.com/office/drawing/2014/main" id="{A51E6A0F-3D6D-493A-B24E-4199D72942C9}"/>
               </a:ext>
             </a:extLst>
           </p:cNvPr>
@@ -27303,7 +28815,7 @@
           <p:cNvPr id="3" name="Title 2">
             <a:extLst>
               <a:ext uri="{FF2B5EF4-FFF2-40B4-BE49-F238E27FC236}">
-                <a16:creationId xmlns:a16="http://schemas.microsoft.com/office/drawing/2014/main" xmlns="" id="{A8704E41-3486-46BD-8AA7-B6B5D28F95A5}"/>
+                <a16:creationId xmlns="" xmlns:a16="http://schemas.microsoft.com/office/drawing/2014/main" id="{A8704E41-3486-46BD-8AA7-B6B5D28F95A5}"/>
               </a:ext>
             </a:extLst>
           </p:cNvPr>
@@ -27340,7 +28852,7 @@
           <p:cNvPr id="4" name="Slide Number Placeholder 3">
             <a:extLst>
               <a:ext uri="{FF2B5EF4-FFF2-40B4-BE49-F238E27FC236}">
-                <a16:creationId xmlns:a16="http://schemas.microsoft.com/office/drawing/2014/main" xmlns="" id="{02CD92EA-E9CB-4F4C-B1B9-840F11B55DC5}"/>
+                <a16:creationId xmlns="" xmlns:a16="http://schemas.microsoft.com/office/drawing/2014/main" id="{02CD92EA-E9CB-4F4C-B1B9-840F11B55DC5}"/>
               </a:ext>
             </a:extLst>
           </p:cNvPr>
@@ -27386,7 +28898,7 @@
           <p:cNvPr id="5" name="Text Placeholder 4">
             <a:extLst>
               <a:ext uri="{FF2B5EF4-FFF2-40B4-BE49-F238E27FC236}">
-                <a16:creationId xmlns:a16="http://schemas.microsoft.com/office/drawing/2014/main" xmlns="" id="{C22D9F79-04C1-4762-96D6-F3FE8172F1B1}"/>
+                <a16:creationId xmlns="" xmlns:a16="http://schemas.microsoft.com/office/drawing/2014/main" id="{C22D9F79-04C1-4762-96D6-F3FE8172F1B1}"/>
               </a:ext>
             </a:extLst>
           </p:cNvPr>
@@ -27414,7 +28926,7 @@
           <p:cNvPr id="8" name="Picture 7">
             <a:extLst>
               <a:ext uri="{FF2B5EF4-FFF2-40B4-BE49-F238E27FC236}">
-                <a16:creationId xmlns:a16="http://schemas.microsoft.com/office/drawing/2014/main" xmlns="" id="{F11A34E2-CF14-4FAC-9913-4CAC796E46FA}"/>
+                <a16:creationId xmlns="" xmlns:a16="http://schemas.microsoft.com/office/drawing/2014/main" id="{F11A34E2-CF14-4FAC-9913-4CAC796E46FA}"/>
               </a:ext>
             </a:extLst>
           </p:cNvPr>
@@ -28813,18 +30325,18 @@
 </file>
 
 <file path=customXml/item1.xml><?xml version="1.0" encoding="utf-8"?>
+<p:properties xmlns:p="http://schemas.microsoft.com/office/2006/metadata/properties" xmlns:xsi="http://www.w3.org/2001/XMLSchema-instance" xmlns:pc="http://schemas.microsoft.com/office/infopath/2007/PartnerControls">
+  <documentManagement/>
+</p:properties>
+</file>
+
+<file path=customXml/item2.xml><?xml version="1.0" encoding="utf-8"?>
 <?mso-contentType ?>
 <FormTemplates xmlns="http://schemas.microsoft.com/sharepoint/v3/contenttype/forms">
   <Display>DocumentLibraryForm</Display>
   <Edit>DocumentLibraryForm</Edit>
   <New>DocumentLibraryForm</New>
 </FormTemplates>
-</file>
-
-<file path=customXml/item2.xml><?xml version="1.0" encoding="utf-8"?>
-<p:properties xmlns:p="http://schemas.microsoft.com/office/2006/metadata/properties" xmlns:xsi="http://www.w3.org/2001/XMLSchema-instance" xmlns:pc="http://schemas.microsoft.com/office/infopath/2007/PartnerControls">
-  <documentManagement/>
-</p:properties>
 </file>
 
 <file path=customXml/item3.xml><?xml version="1.0" encoding="utf-8"?>
@@ -28976,14 +30488,6 @@
 </file>
 
 <file path=customXml/itemProps1.xml><?xml version="1.0" encoding="utf-8"?>
-<ds:datastoreItem xmlns:ds="http://schemas.openxmlformats.org/officeDocument/2006/customXml" ds:itemID="{32028EF8-D63B-42F2-9729-538DFDBCE111}">
-  <ds:schemaRefs>
-    <ds:schemaRef ds:uri="http://schemas.microsoft.com/sharepoint/v3/contenttype/forms"/>
-  </ds:schemaRefs>
-</ds:datastoreItem>
-</file>
-
-<file path=customXml/itemProps2.xml><?xml version="1.0" encoding="utf-8"?>
 <ds:datastoreItem xmlns:ds="http://schemas.openxmlformats.org/officeDocument/2006/customXml" ds:itemID="{A9495F4B-BFDC-466D-9B0E-24D55C97E4DD}">
   <ds:schemaRefs>
     <ds:schemaRef ds:uri="http://schemas.microsoft.com/office/2006/documentManagement/types"/>
@@ -28995,6 +30499,14 @@
     <ds:schemaRef ds:uri="6e6f0a11-ea51-4914-9041-4a6fcd55b979"/>
     <ds:schemaRef ds:uri="http://www.w3.org/XML/1998/namespace"/>
     <ds:schemaRef ds:uri="http://purl.org/dc/elements/1.1/"/>
+  </ds:schemaRefs>
+</ds:datastoreItem>
+</file>
+
+<file path=customXml/itemProps2.xml><?xml version="1.0" encoding="utf-8"?>
+<ds:datastoreItem xmlns:ds="http://schemas.openxmlformats.org/officeDocument/2006/customXml" ds:itemID="{32028EF8-D63B-42F2-9729-538DFDBCE111}">
+  <ds:schemaRefs>
+    <ds:schemaRef ds:uri="http://schemas.microsoft.com/sharepoint/v3/contenttype/forms"/>
   </ds:schemaRefs>
 </ds:datastoreItem>
 </file>
